--- a/потоки.pptx
+++ b/потоки.pptx
@@ -10,31 +10,31 @@
   <p:sldIdLst>
     <p:sldId id="296" r:id="rId2"/>
     <p:sldId id="282" r:id="rId3"/>
-    <p:sldId id="284" r:id="rId4"/>
-    <p:sldId id="298" r:id="rId5"/>
-    <p:sldId id="300" r:id="rId6"/>
-    <p:sldId id="301" r:id="rId7"/>
-    <p:sldId id="302" r:id="rId8"/>
-    <p:sldId id="303" r:id="rId9"/>
-    <p:sldId id="304" r:id="rId10"/>
-    <p:sldId id="305" r:id="rId11"/>
-    <p:sldId id="306" r:id="rId12"/>
-    <p:sldId id="307" r:id="rId13"/>
-    <p:sldId id="308" r:id="rId14"/>
-    <p:sldId id="309" r:id="rId15"/>
-    <p:sldId id="310" r:id="rId16"/>
-    <p:sldId id="311" r:id="rId17"/>
-    <p:sldId id="312" r:id="rId18"/>
-    <p:sldId id="314" r:id="rId19"/>
-    <p:sldId id="315" r:id="rId20"/>
+    <p:sldId id="324" r:id="rId4"/>
+    <p:sldId id="284" r:id="rId5"/>
+    <p:sldId id="298" r:id="rId6"/>
+    <p:sldId id="300" r:id="rId7"/>
+    <p:sldId id="301" r:id="rId8"/>
+    <p:sldId id="302" r:id="rId9"/>
+    <p:sldId id="303" r:id="rId10"/>
+    <p:sldId id="304" r:id="rId11"/>
+    <p:sldId id="305" r:id="rId12"/>
+    <p:sldId id="306" r:id="rId13"/>
+    <p:sldId id="307" r:id="rId14"/>
+    <p:sldId id="308" r:id="rId15"/>
+    <p:sldId id="309" r:id="rId16"/>
+    <p:sldId id="310" r:id="rId17"/>
+    <p:sldId id="311" r:id="rId18"/>
+    <p:sldId id="312" r:id="rId19"/>
+    <p:sldId id="314" r:id="rId20"/>
     <p:sldId id="316" r:id="rId21"/>
     <p:sldId id="317" r:id="rId22"/>
     <p:sldId id="318" r:id="rId23"/>
     <p:sldId id="319" r:id="rId24"/>
     <p:sldId id="320" r:id="rId25"/>
-    <p:sldId id="321" r:id="rId26"/>
-    <p:sldId id="322" r:id="rId27"/>
-    <p:sldId id="323" r:id="rId28"/>
+    <p:sldId id="322" r:id="rId26"/>
+    <p:sldId id="323" r:id="rId27"/>
+    <p:sldId id="325" r:id="rId28"/>
   </p:sldIdLst>
   <p:sldSz cx="9144000" cy="6858000" type="screen4x3"/>
   <p:notesSz cx="6858000" cy="9144000"/>
@@ -280,7 +280,7 @@
               <a:pPr>
                 <a:defRPr/>
               </a:pPr>
-              <a:t>23.05.2018</a:t>
+              <a:t>24.05.2018</a:t>
             </a:fld>
             <a:endParaRPr lang="ru-RU"/>
           </a:p>
@@ -675,6 +675,91 @@
 </p:notes>
 </file>
 
+<file path=ppt/notesSlides/notesSlide2.xml><?xml version="1.0" encoding="utf-8"?>
+<p:notes xmlns:a="http://schemas.openxmlformats.org/drawingml/2006/main" xmlns:r="http://schemas.openxmlformats.org/officeDocument/2006/relationships" xmlns:p="http://schemas.openxmlformats.org/presentationml/2006/main">
+  <p:cSld>
+    <p:spTree>
+      <p:nvGrpSpPr>
+        <p:cNvPr id="1" name=""/>
+        <p:cNvGrpSpPr/>
+        <p:nvPr/>
+      </p:nvGrpSpPr>
+      <p:grpSpPr>
+        <a:xfrm>
+          <a:off x="0" y="0"/>
+          <a:ext cx="0" cy="0"/>
+          <a:chOff x="0" y="0"/>
+          <a:chExt cx="0" cy="0"/>
+        </a:xfrm>
+      </p:grpSpPr>
+      <p:sp>
+        <p:nvSpPr>
+          <p:cNvPr id="2" name="Образ слайда 1"/>
+          <p:cNvSpPr>
+            <a:spLocks noGrp="1" noRot="1" noChangeAspect="1"/>
+          </p:cNvSpPr>
+          <p:nvPr>
+            <p:ph type="sldImg"/>
+          </p:nvPr>
+        </p:nvSpPr>
+        <p:spPr/>
+      </p:sp>
+      <p:sp>
+        <p:nvSpPr>
+          <p:cNvPr id="3" name="Заметки 2"/>
+          <p:cNvSpPr>
+            <a:spLocks noGrp="1"/>
+          </p:cNvSpPr>
+          <p:nvPr>
+            <p:ph type="body" idx="1"/>
+          </p:nvPr>
+        </p:nvSpPr>
+        <p:spPr/>
+        <p:txBody>
+          <a:bodyPr/>
+          <a:lstStyle/>
+          <a:p>
+            <a:endParaRPr lang="ru-RU" dirty="0"/>
+          </a:p>
+        </p:txBody>
+      </p:sp>
+      <p:sp>
+        <p:nvSpPr>
+          <p:cNvPr id="4" name="Номер слайда 3"/>
+          <p:cNvSpPr>
+            <a:spLocks noGrp="1"/>
+          </p:cNvSpPr>
+          <p:nvPr>
+            <p:ph type="sldNum" sz="quarter" idx="10"/>
+          </p:nvPr>
+        </p:nvSpPr>
+        <p:spPr/>
+        <p:txBody>
+          <a:bodyPr/>
+          <a:lstStyle/>
+          <a:p>
+            <a:fld id="{63B3CB8F-11C1-44D6-9296-F91D50A558EA}" type="slidenum">
+              <a:rPr lang="ru-RU" altLang="ru-RU" smtClean="0"/>
+              <a:pPr/>
+              <a:t>3</a:t>
+            </a:fld>
+            <a:endParaRPr lang="ru-RU" altLang="ru-RU"/>
+          </a:p>
+        </p:txBody>
+      </p:sp>
+    </p:spTree>
+    <p:extLst>
+      <p:ext uri="{BB962C8B-B14F-4D97-AF65-F5344CB8AC3E}">
+        <p14:creationId xmlns:p14="http://schemas.microsoft.com/office/powerpoint/2010/main" val="2321925377"/>
+      </p:ext>
+    </p:extLst>
+  </p:cSld>
+  <p:clrMapOvr>
+    <a:masterClrMapping/>
+  </p:clrMapOvr>
+</p:notes>
+</file>
+
 <file path=ppt/slideLayouts/slideLayout1.xml><?xml version="1.0" encoding="utf-8"?>
 <p:sldLayout xmlns:a="http://schemas.openxmlformats.org/drawingml/2006/main" xmlns:r="http://schemas.openxmlformats.org/officeDocument/2006/relationships" xmlns:p="http://schemas.openxmlformats.org/presentationml/2006/main" type="title" preserve="1">
   <p:cSld name="Титульный слайд">
@@ -866,7 +951,7 @@
               <a:pPr>
                 <a:defRPr/>
               </a:pPr>
-              <a:t>23.05.2018</a:t>
+              <a:t>24.05.2018</a:t>
             </a:fld>
             <a:endParaRPr lang="ru-RU"/>
           </a:p>
@@ -1058,7 +1143,7 @@
               <a:pPr>
                 <a:defRPr/>
               </a:pPr>
-              <a:t>23.05.2018</a:t>
+              <a:t>24.05.2018</a:t>
             </a:fld>
             <a:endParaRPr lang="ru-RU"/>
           </a:p>
@@ -1260,7 +1345,7 @@
               <a:pPr>
                 <a:defRPr/>
               </a:pPr>
-              <a:t>23.05.2018</a:t>
+              <a:t>24.05.2018</a:t>
             </a:fld>
             <a:endParaRPr lang="ru-RU"/>
           </a:p>
@@ -1452,7 +1537,7 @@
               <a:pPr>
                 <a:defRPr/>
               </a:pPr>
-              <a:t>23.05.2018</a:t>
+              <a:t>24.05.2018</a:t>
             </a:fld>
             <a:endParaRPr lang="ru-RU"/>
           </a:p>
@@ -1720,7 +1805,7 @@
               <a:pPr>
                 <a:defRPr/>
               </a:pPr>
-              <a:t>23.05.2018</a:t>
+              <a:t>24.05.2018</a:t>
             </a:fld>
             <a:endParaRPr lang="ru-RU"/>
           </a:p>
@@ -2030,7 +2115,7 @@
               <a:pPr>
                 <a:defRPr/>
               </a:pPr>
-              <a:t>23.05.2018</a:t>
+              <a:t>24.05.2018</a:t>
             </a:fld>
             <a:endParaRPr lang="ru-RU"/>
           </a:p>
@@ -2474,7 +2559,7 @@
               <a:pPr>
                 <a:defRPr/>
               </a:pPr>
-              <a:t>23.05.2018</a:t>
+              <a:t>24.05.2018</a:t>
             </a:fld>
             <a:endParaRPr lang="ru-RU"/>
           </a:p>
@@ -2614,7 +2699,7 @@
               <a:pPr>
                 <a:defRPr/>
               </a:pPr>
-              <a:t>23.05.2018</a:t>
+              <a:t>24.05.2018</a:t>
             </a:fld>
             <a:endParaRPr lang="ru-RU"/>
           </a:p>
@@ -2731,7 +2816,7 @@
               <a:pPr>
                 <a:defRPr/>
               </a:pPr>
-              <a:t>23.05.2018</a:t>
+              <a:t>24.05.2018</a:t>
             </a:fld>
             <a:endParaRPr lang="ru-RU"/>
           </a:p>
@@ -3030,7 +3115,7 @@
               <a:pPr>
                 <a:defRPr/>
               </a:pPr>
-              <a:t>23.05.2018</a:t>
+              <a:t>24.05.2018</a:t>
             </a:fld>
             <a:endParaRPr lang="ru-RU"/>
           </a:p>
@@ -3308,7 +3393,7 @@
               <a:pPr>
                 <a:defRPr/>
               </a:pPr>
-              <a:t>23.05.2018</a:t>
+              <a:t>24.05.2018</a:t>
             </a:fld>
             <a:endParaRPr lang="ru-RU"/>
           </a:p>
@@ -3598,7 +3683,7 @@
               <a:pPr>
                 <a:defRPr/>
               </a:pPr>
-              <a:t>23.05.2018</a:t>
+              <a:t>24.05.2018</a:t>
             </a:fld>
             <a:endParaRPr lang="ru-RU"/>
           </a:p>
@@ -4782,14 +4867,14 @@
                 <a:rPr lang="ru-RU" altLang="ru-RU" dirty="0" smtClean="0">
                   <a:latin typeface="Times New Roman" panose="02020603050405020304" pitchFamily="18" charset="0"/>
                 </a:rPr>
-                <a:t>Алгоритм проталкивания предпотока</a:t>
+                <a:t>Алгоритм Диница</a:t>
               </a:r>
             </a:p>
           </p:txBody>
         </p:sp>
       </p:grpSp>
-      <mc:AlternateContent xmlns:mc="http://schemas.openxmlformats.org/markup-compatibility/2006" xmlns:a14="http://schemas.microsoft.com/office/drawing/2010/main">
-        <mc:Choice Requires="a14">
+      <mc:AlternateContent xmlns:mc="http://schemas.openxmlformats.org/markup-compatibility/2006">
+        <mc:Choice xmlns:a14="http://schemas.microsoft.com/office/drawing/2010/main" Requires="a14">
           <p:sp>
             <p:nvSpPr>
               <p:cNvPr id="5" name="TextBox 4"/>
@@ -4798,7 +4883,796 @@
             </p:nvSpPr>
             <p:spPr>
               <a:xfrm>
-                <a:off x="539552" y="2110255"/>
+                <a:off x="503548" y="2755899"/>
+                <a:ext cx="8136904" cy="1508105"/>
+              </a:xfrm>
+              <a:prstGeom prst="rect">
+                <a:avLst/>
+              </a:prstGeom>
+              <a:noFill/>
+            </p:spPr>
+            <p:txBody>
+              <a:bodyPr wrap="square" rtlCol="0">
+                <a:spAutoFit/>
+              </a:bodyPr>
+              <a:lstStyle/>
+              <a:p>
+                <a:pPr indent="450000" algn="just">
+                  <a:spcAft>
+                    <a:spcPts val="800"/>
+                  </a:spcAft>
+                </a:pPr>
+                <a:r>
+                  <a:rPr lang="ru-RU" dirty="0" smtClean="0">
+                    <a:latin typeface="Times New Roman" panose="02020603050405020304" pitchFamily="18" charset="0"/>
+                    <a:cs typeface="Times New Roman" panose="02020603050405020304" pitchFamily="18" charset="0"/>
+                  </a:rPr>
+                  <a:t>Модификация алгоритма Форда-Фалкерсона</a:t>
+                </a:r>
+              </a:p>
+              <a:p>
+                <a:pPr indent="450000" algn="just">
+                  <a:spcAft>
+                    <a:spcPts val="800"/>
+                  </a:spcAft>
+                </a:pPr>
+                <a:r>
+                  <a:rPr lang="ru-RU" dirty="0" smtClean="0">
+                    <a:latin typeface="Times New Roman" panose="02020603050405020304" pitchFamily="18" charset="0"/>
+                    <a:cs typeface="Times New Roman" panose="02020603050405020304" pitchFamily="18" charset="0"/>
+                  </a:rPr>
+                  <a:t>Увеличивающий путь </a:t>
+                </a:r>
+                <a14:m>
+                  <m:oMath xmlns:m="http://schemas.openxmlformats.org/officeDocument/2006/math">
+                    <m:r>
+                      <a:rPr lang="en-US" i="1">
+                        <a:latin typeface="Cambria Math" panose="02040503050406030204" pitchFamily="18" charset="0"/>
+                      </a:rPr>
+                      <m:t>𝑝</m:t>
+                    </m:r>
+                  </m:oMath>
+                </a14:m>
+                <a:r>
+                  <a:rPr lang="en-US" dirty="0">
+                    <a:latin typeface="Times New Roman" panose="02020603050405020304" pitchFamily="18" charset="0"/>
+                    <a:cs typeface="Times New Roman" panose="02020603050405020304" pitchFamily="18" charset="0"/>
+                  </a:rPr>
+                  <a:t> </a:t>
+                </a:r>
+                <a:r>
+                  <a:rPr lang="ru-RU" dirty="0" smtClean="0">
+                    <a:latin typeface="Times New Roman" panose="02020603050405020304" pitchFamily="18" charset="0"/>
+                    <a:cs typeface="Times New Roman" panose="02020603050405020304" pitchFamily="18" charset="0"/>
+                  </a:rPr>
+                  <a:t>– кратчайший путь</a:t>
+                </a:r>
+                <a:r>
+                  <a:rPr lang="ru-RU" b="1" dirty="0" smtClean="0">
+                    <a:latin typeface="Times New Roman" panose="02020603050405020304" pitchFamily="18" charset="0"/>
+                    <a:cs typeface="Times New Roman" panose="02020603050405020304" pitchFamily="18" charset="0"/>
+                  </a:rPr>
+                  <a:t> </a:t>
+                </a:r>
+                <a:r>
+                  <a:rPr lang="ru-RU" dirty="0">
+                    <a:latin typeface="Times New Roman" panose="02020603050405020304" pitchFamily="18" charset="0"/>
+                    <a:cs typeface="Times New Roman" panose="02020603050405020304" pitchFamily="18" charset="0"/>
+                  </a:rPr>
+                  <a:t>из </a:t>
+                </a:r>
+                <a14:m>
+                  <m:oMath xmlns:m="http://schemas.openxmlformats.org/officeDocument/2006/math">
+                    <m:r>
+                      <a:rPr lang="en-US" i="1">
+                        <a:latin typeface="Cambria Math" panose="02040503050406030204" pitchFamily="18" charset="0"/>
+                      </a:rPr>
+                      <m:t>𝑠</m:t>
+                    </m:r>
+                  </m:oMath>
+                </a14:m>
+                <a:r>
+                  <a:rPr lang="en-US" dirty="0">
+                    <a:latin typeface="Times New Roman" panose="02020603050405020304" pitchFamily="18" charset="0"/>
+                    <a:cs typeface="Times New Roman" panose="02020603050405020304" pitchFamily="18" charset="0"/>
+                  </a:rPr>
+                  <a:t> </a:t>
+                </a:r>
+                <a:r>
+                  <a:rPr lang="ru-RU" dirty="0">
+                    <a:latin typeface="Times New Roman" panose="02020603050405020304" pitchFamily="18" charset="0"/>
+                    <a:cs typeface="Times New Roman" panose="02020603050405020304" pitchFamily="18" charset="0"/>
+                  </a:rPr>
+                  <a:t>в </a:t>
+                </a:r>
+                <a14:m>
+                  <m:oMath xmlns:m="http://schemas.openxmlformats.org/officeDocument/2006/math">
+                    <m:r>
+                      <a:rPr lang="en-US" i="1">
+                        <a:latin typeface="Cambria Math" panose="02040503050406030204" pitchFamily="18" charset="0"/>
+                      </a:rPr>
+                      <m:t>𝑡</m:t>
+                    </m:r>
+                  </m:oMath>
+                </a14:m>
+                <a:r>
+                  <a:rPr lang="en-US" dirty="0">
+                    <a:latin typeface="Times New Roman" panose="02020603050405020304" pitchFamily="18" charset="0"/>
+                    <a:cs typeface="Times New Roman" panose="02020603050405020304" pitchFamily="18" charset="0"/>
+                  </a:rPr>
+                  <a:t> </a:t>
+                </a:r>
+                <a:r>
+                  <a:rPr lang="ru-RU" dirty="0">
+                    <a:latin typeface="Times New Roman" panose="02020603050405020304" pitchFamily="18" charset="0"/>
+                    <a:cs typeface="Times New Roman" panose="02020603050405020304" pitchFamily="18" charset="0"/>
+                  </a:rPr>
+                  <a:t>в остаточной </a:t>
+                </a:r>
+                <a:r>
+                  <a:rPr lang="ru-RU" dirty="0" smtClean="0">
+                    <a:latin typeface="Times New Roman" panose="02020603050405020304" pitchFamily="18" charset="0"/>
+                    <a:cs typeface="Times New Roman" panose="02020603050405020304" pitchFamily="18" charset="0"/>
+                  </a:rPr>
+                  <a:t>сети</a:t>
+                </a:r>
+                <a:endParaRPr lang="ru-RU" dirty="0">
+                  <a:latin typeface="Times New Roman" panose="02020603050405020304" pitchFamily="18" charset="0"/>
+                  <a:cs typeface="Times New Roman" panose="02020603050405020304" pitchFamily="18" charset="0"/>
+                </a:endParaRPr>
+              </a:p>
+              <a:p>
+                <a:pPr indent="450000" algn="just">
+                  <a:spcAft>
+                    <a:spcPts val="800"/>
+                  </a:spcAft>
+                </a:pPr>
+                <a:r>
+                  <a:rPr lang="ru-RU" dirty="0" smtClean="0">
+                    <a:latin typeface="Times New Roman" panose="02020603050405020304" pitchFamily="18" charset="0"/>
+                    <a:cs typeface="Times New Roman" panose="02020603050405020304" pitchFamily="18" charset="0"/>
+                  </a:rPr>
+                  <a:t>Увеличивающий </a:t>
+                </a:r>
+                <a:r>
+                  <a:rPr lang="ru-RU" dirty="0">
+                    <a:latin typeface="Times New Roman" panose="02020603050405020304" pitchFamily="18" charset="0"/>
+                    <a:cs typeface="Times New Roman" panose="02020603050405020304" pitchFamily="18" charset="0"/>
+                  </a:rPr>
+                  <a:t>путь находится посредством поиска в </a:t>
+                </a:r>
+                <a:r>
+                  <a:rPr lang="ru-RU" dirty="0" smtClean="0">
+                    <a:latin typeface="Times New Roman" panose="02020603050405020304" pitchFamily="18" charset="0"/>
+                    <a:cs typeface="Times New Roman" panose="02020603050405020304" pitchFamily="18" charset="0"/>
+                  </a:rPr>
+                  <a:t>ширину </a:t>
+                </a:r>
+                <a:r>
+                  <a:rPr lang="ru-RU" dirty="0" smtClean="0">
+                    <a:latin typeface="Times New Roman" panose="02020603050405020304" pitchFamily="18" charset="0"/>
+                    <a:cs typeface="Times New Roman" panose="02020603050405020304" pitchFamily="18" charset="0"/>
+                  </a:rPr>
+                  <a:t> </a:t>
+                </a:r>
+                <a:endParaRPr lang="ru-RU" dirty="0" smtClean="0">
+                  <a:latin typeface="Times New Roman" panose="02020603050405020304" pitchFamily="18" charset="0"/>
+                  <a:cs typeface="Times New Roman" panose="02020603050405020304" pitchFamily="18" charset="0"/>
+                </a:endParaRPr>
+              </a:p>
+              <a:p>
+                <a:pPr indent="450000" algn="just">
+                  <a:spcAft>
+                    <a:spcPts val="800"/>
+                  </a:spcAft>
+                </a:pPr>
+                <a:r>
+                  <a:rPr lang="ru-RU" dirty="0" smtClean="0">
+                    <a:latin typeface="Times New Roman" panose="02020603050405020304" pitchFamily="18" charset="0"/>
+                    <a:cs typeface="Times New Roman" panose="02020603050405020304" pitchFamily="18" charset="0"/>
+                  </a:rPr>
+                  <a:t>Суммарное </a:t>
+                </a:r>
+                <a:r>
+                  <a:rPr lang="ru-RU" dirty="0">
+                    <a:latin typeface="Times New Roman" panose="02020603050405020304" pitchFamily="18" charset="0"/>
+                    <a:cs typeface="Times New Roman" panose="02020603050405020304" pitchFamily="18" charset="0"/>
+                  </a:rPr>
+                  <a:t>время выполнения алгоритма Диница составляет </a:t>
+                </a:r>
+                <a14:m>
+                  <m:oMath xmlns:m="http://schemas.openxmlformats.org/officeDocument/2006/math">
+                    <m:r>
+                      <a:rPr lang="ru-RU" i="1">
+                        <a:latin typeface="Cambria Math" panose="02040503050406030204" pitchFamily="18" charset="0"/>
+                      </a:rPr>
+                      <m:t>𝑂</m:t>
+                    </m:r>
+                    <m:r>
+                      <a:rPr lang="ru-RU" i="1">
+                        <a:latin typeface="Cambria Math" panose="02040503050406030204" pitchFamily="18" charset="0"/>
+                      </a:rPr>
+                      <m:t>(</m:t>
+                    </m:r>
+                    <m:d>
+                      <m:dPr>
+                        <m:begChr m:val="|"/>
+                        <m:endChr m:val="|"/>
+                        <m:ctrlPr>
+                          <a:rPr lang="ru-RU" i="1">
+                            <a:latin typeface="Cambria Math" panose="02040503050406030204" pitchFamily="18" charset="0"/>
+                          </a:rPr>
+                        </m:ctrlPr>
+                      </m:dPr>
+                      <m:e>
+                        <m:r>
+                          <a:rPr lang="ru-RU" i="1">
+                            <a:latin typeface="Cambria Math" panose="02040503050406030204" pitchFamily="18" charset="0"/>
+                          </a:rPr>
+                          <m:t>𝑉</m:t>
+                        </m:r>
+                      </m:e>
+                    </m:d>
+                    <m:r>
+                      <a:rPr lang="ru-RU" i="1">
+                        <a:latin typeface="Cambria Math" panose="02040503050406030204" pitchFamily="18" charset="0"/>
+                      </a:rPr>
+                      <m:t>∗|</m:t>
+                    </m:r>
+                    <m:sSup>
+                      <m:sSupPr>
+                        <m:ctrlPr>
+                          <a:rPr lang="ru-RU" i="1">
+                            <a:latin typeface="Cambria Math" panose="02040503050406030204" pitchFamily="18" charset="0"/>
+                          </a:rPr>
+                        </m:ctrlPr>
+                      </m:sSupPr>
+                      <m:e>
+                        <m:r>
+                          <a:rPr lang="ru-RU" i="1">
+                            <a:latin typeface="Cambria Math" panose="02040503050406030204" pitchFamily="18" charset="0"/>
+                          </a:rPr>
+                          <m:t>𝐸</m:t>
+                        </m:r>
+                      </m:e>
+                      <m:sup>
+                        <m:r>
+                          <a:rPr lang="ru-RU" i="1">
+                            <a:latin typeface="Cambria Math" panose="02040503050406030204" pitchFamily="18" charset="0"/>
+                          </a:rPr>
+                          <m:t>2</m:t>
+                        </m:r>
+                      </m:sup>
+                    </m:sSup>
+                    <m:r>
+                      <a:rPr lang="ru-RU" i="1">
+                        <a:latin typeface="Cambria Math" panose="02040503050406030204" pitchFamily="18" charset="0"/>
+                      </a:rPr>
+                      <m:t>|)</m:t>
+                    </m:r>
+                  </m:oMath>
+                </a14:m>
+                <a:endParaRPr lang="ru-RU" dirty="0" smtClean="0">
+                  <a:latin typeface="Times New Roman" panose="02020603050405020304" pitchFamily="18" charset="0"/>
+                  <a:cs typeface="Times New Roman" panose="02020603050405020304" pitchFamily="18" charset="0"/>
+                </a:endParaRPr>
+              </a:p>
+            </p:txBody>
+          </p:sp>
+        </mc:Choice>
+        <mc:Fallback>
+          <p:sp>
+            <p:nvSpPr>
+              <p:cNvPr id="5" name="TextBox 4"/>
+              <p:cNvSpPr txBox="1">
+                <a:spLocks noRot="1" noChangeAspect="1" noMove="1" noResize="1" noEditPoints="1" noAdjustHandles="1" noChangeArrowheads="1" noChangeShapeType="1" noTextEdit="1"/>
+              </p:cNvSpPr>
+              <p:nvPr/>
+            </p:nvSpPr>
+            <p:spPr>
+              <a:xfrm>
+                <a:off x="503548" y="2755899"/>
+                <a:ext cx="8136904" cy="1508105"/>
+              </a:xfrm>
+              <a:prstGeom prst="rect">
+                <a:avLst/>
+              </a:prstGeom>
+              <a:blipFill>
+                <a:blip r:embed="rId2"/>
+                <a:stretch>
+                  <a:fillRect t="-2024" b="-5668"/>
+                </a:stretch>
+              </a:blipFill>
+            </p:spPr>
+            <p:txBody>
+              <a:bodyPr/>
+              <a:lstStyle/>
+              <a:p>
+                <a:r>
+                  <a:rPr lang="ru-RU">
+                    <a:noFill/>
+                  </a:rPr>
+                  <a:t> </a:t>
+                </a:r>
+              </a:p>
+            </p:txBody>
+          </p:sp>
+        </mc:Fallback>
+      </mc:AlternateContent>
+    </p:spTree>
+    <p:extLst>
+      <p:ext uri="{BB962C8B-B14F-4D97-AF65-F5344CB8AC3E}">
+        <p14:creationId xmlns:p14="http://schemas.microsoft.com/office/powerpoint/2010/main" val="3428096062"/>
+      </p:ext>
+    </p:extLst>
+  </p:cSld>
+  <p:clrMapOvr>
+    <a:masterClrMapping/>
+  </p:clrMapOvr>
+  <p:timing>
+    <p:tnLst>
+      <p:par>
+        <p:cTn id="1" dur="indefinite" restart="never" nodeType="tmRoot"/>
+      </p:par>
+    </p:tnLst>
+  </p:timing>
+</p:sld>
+</file>
+
+<file path=ppt/slides/slide11.xml><?xml version="1.0" encoding="utf-8"?>
+<p:sld xmlns:a="http://schemas.openxmlformats.org/drawingml/2006/main" xmlns:r="http://schemas.openxmlformats.org/officeDocument/2006/relationships" xmlns:p="http://schemas.openxmlformats.org/presentationml/2006/main">
+  <p:cSld>
+    <p:spTree>
+      <p:nvGrpSpPr>
+        <p:cNvPr id="1" name=""/>
+        <p:cNvGrpSpPr/>
+        <p:nvPr/>
+      </p:nvGrpSpPr>
+      <p:grpSpPr>
+        <a:xfrm>
+          <a:off x="0" y="0"/>
+          <a:ext cx="0" cy="0"/>
+          <a:chOff x="0" y="0"/>
+          <a:chExt cx="0" cy="0"/>
+        </a:xfrm>
+      </p:grpSpPr>
+      <p:grpSp>
+        <p:nvGrpSpPr>
+          <p:cNvPr id="2" name="Группа 1"/>
+          <p:cNvGrpSpPr/>
+          <p:nvPr/>
+        </p:nvGrpSpPr>
+        <p:grpSpPr>
+          <a:xfrm>
+            <a:off x="685800" y="-184150"/>
+            <a:ext cx="7772400" cy="1846262"/>
+            <a:chOff x="685800" y="-184150"/>
+            <a:chExt cx="7772400" cy="1846262"/>
+          </a:xfrm>
+        </p:grpSpPr>
+        <p:sp>
+          <p:nvSpPr>
+            <p:cNvPr id="3" name="Заголовок 1"/>
+            <p:cNvSpPr txBox="1">
+              <a:spLocks/>
+            </p:cNvSpPr>
+            <p:nvPr/>
+          </p:nvSpPr>
+          <p:spPr bwMode="auto">
+            <a:xfrm>
+              <a:off x="685800" y="-184150"/>
+              <a:ext cx="7772400" cy="1470025"/>
+            </a:xfrm>
+            <a:prstGeom prst="rect">
+              <a:avLst/>
+            </a:prstGeom>
+            <a:noFill/>
+            <a:ln>
+              <a:noFill/>
+            </a:ln>
+            <a:extLst>
+              <a:ext uri="{909E8E84-426E-40DD-AFC4-6F175D3DCCD1}">
+                <a14:hiddenFill xmlns:a14="http://schemas.microsoft.com/office/drawing/2010/main">
+                  <a:solidFill>
+                    <a:srgbClr val="FFFFFF"/>
+                  </a:solidFill>
+                </a14:hiddenFill>
+              </a:ext>
+              <a:ext uri="{91240B29-F687-4F45-9708-019B960494DF}">
+                <a14:hiddenLine xmlns:a14="http://schemas.microsoft.com/office/drawing/2010/main" w="9525">
+                  <a:solidFill>
+                    <a:srgbClr val="000000"/>
+                  </a:solidFill>
+                  <a:miter lim="800000"/>
+                  <a:headEnd/>
+                  <a:tailEnd/>
+                </a14:hiddenLine>
+              </a:ext>
+            </a:extLst>
+          </p:spPr>
+          <p:txBody>
+            <a:bodyPr vert="horz" wrap="square" lIns="91440" tIns="45720" rIns="91440" bIns="45720" numCol="1" rtlCol="0" anchor="ctr" anchorCtr="0" compatLnSpc="1">
+              <a:prstTxWarp prst="textNoShape">
+                <a:avLst/>
+              </a:prstTxWarp>
+              <a:normAutofit/>
+            </a:bodyPr>
+            <a:lstStyle>
+              <a:lvl1pPr algn="ctr" rtl="0" eaLnBrk="0" fontAlgn="base" hangingPunct="0">
+                <a:spcBef>
+                  <a:spcPct val="0"/>
+                </a:spcBef>
+                <a:spcAft>
+                  <a:spcPct val="0"/>
+                </a:spcAft>
+                <a:defRPr sz="4400" kern="1200">
+                  <a:solidFill>
+                    <a:schemeClr val="tx1"/>
+                  </a:solidFill>
+                  <a:latin typeface="+mj-lt"/>
+                  <a:ea typeface="+mj-ea"/>
+                  <a:cs typeface="+mj-cs"/>
+                </a:defRPr>
+              </a:lvl1pPr>
+              <a:lvl2pPr algn="ctr" rtl="0" eaLnBrk="0" fontAlgn="base" hangingPunct="0">
+                <a:spcBef>
+                  <a:spcPct val="0"/>
+                </a:spcBef>
+                <a:spcAft>
+                  <a:spcPct val="0"/>
+                </a:spcAft>
+                <a:defRPr sz="4400">
+                  <a:solidFill>
+                    <a:schemeClr val="tx1"/>
+                  </a:solidFill>
+                  <a:latin typeface="Calibri" pitchFamily="34" charset="0"/>
+                </a:defRPr>
+              </a:lvl2pPr>
+              <a:lvl3pPr algn="ctr" rtl="0" eaLnBrk="0" fontAlgn="base" hangingPunct="0">
+                <a:spcBef>
+                  <a:spcPct val="0"/>
+                </a:spcBef>
+                <a:spcAft>
+                  <a:spcPct val="0"/>
+                </a:spcAft>
+                <a:defRPr sz="4400">
+                  <a:solidFill>
+                    <a:schemeClr val="tx1"/>
+                  </a:solidFill>
+                  <a:latin typeface="Calibri" pitchFamily="34" charset="0"/>
+                </a:defRPr>
+              </a:lvl3pPr>
+              <a:lvl4pPr algn="ctr" rtl="0" eaLnBrk="0" fontAlgn="base" hangingPunct="0">
+                <a:spcBef>
+                  <a:spcPct val="0"/>
+                </a:spcBef>
+                <a:spcAft>
+                  <a:spcPct val="0"/>
+                </a:spcAft>
+                <a:defRPr sz="4400">
+                  <a:solidFill>
+                    <a:schemeClr val="tx1"/>
+                  </a:solidFill>
+                  <a:latin typeface="Calibri" pitchFamily="34" charset="0"/>
+                </a:defRPr>
+              </a:lvl4pPr>
+              <a:lvl5pPr algn="ctr" rtl="0" eaLnBrk="0" fontAlgn="base" hangingPunct="0">
+                <a:spcBef>
+                  <a:spcPct val="0"/>
+                </a:spcBef>
+                <a:spcAft>
+                  <a:spcPct val="0"/>
+                </a:spcAft>
+                <a:defRPr sz="4400">
+                  <a:solidFill>
+                    <a:schemeClr val="tx1"/>
+                  </a:solidFill>
+                  <a:latin typeface="Calibri" pitchFamily="34" charset="0"/>
+                </a:defRPr>
+              </a:lvl5pPr>
+              <a:lvl6pPr marL="457200" algn="ctr" rtl="0" fontAlgn="base">
+                <a:spcBef>
+                  <a:spcPct val="0"/>
+                </a:spcBef>
+                <a:spcAft>
+                  <a:spcPct val="0"/>
+                </a:spcAft>
+                <a:defRPr sz="4400">
+                  <a:solidFill>
+                    <a:schemeClr val="tx1"/>
+                  </a:solidFill>
+                  <a:latin typeface="Calibri" pitchFamily="34" charset="0"/>
+                </a:defRPr>
+              </a:lvl6pPr>
+              <a:lvl7pPr marL="914400" algn="ctr" rtl="0" fontAlgn="base">
+                <a:spcBef>
+                  <a:spcPct val="0"/>
+                </a:spcBef>
+                <a:spcAft>
+                  <a:spcPct val="0"/>
+                </a:spcAft>
+                <a:defRPr sz="4400">
+                  <a:solidFill>
+                    <a:schemeClr val="tx1"/>
+                  </a:solidFill>
+                  <a:latin typeface="Calibri" pitchFamily="34" charset="0"/>
+                </a:defRPr>
+              </a:lvl7pPr>
+              <a:lvl8pPr marL="1371600" algn="ctr" rtl="0" fontAlgn="base">
+                <a:spcBef>
+                  <a:spcPct val="0"/>
+                </a:spcBef>
+                <a:spcAft>
+                  <a:spcPct val="0"/>
+                </a:spcAft>
+                <a:defRPr sz="4400">
+                  <a:solidFill>
+                    <a:schemeClr val="tx1"/>
+                  </a:solidFill>
+                  <a:latin typeface="Calibri" pitchFamily="34" charset="0"/>
+                </a:defRPr>
+              </a:lvl8pPr>
+              <a:lvl9pPr marL="1828800" algn="ctr" rtl="0" fontAlgn="base">
+                <a:spcBef>
+                  <a:spcPct val="0"/>
+                </a:spcBef>
+                <a:spcAft>
+                  <a:spcPct val="0"/>
+                </a:spcAft>
+                <a:defRPr sz="4400">
+                  <a:solidFill>
+                    <a:schemeClr val="tx1"/>
+                  </a:solidFill>
+                  <a:latin typeface="Calibri" pitchFamily="34" charset="0"/>
+                </a:defRPr>
+              </a:lvl9pPr>
+            </a:lstStyle>
+            <a:p>
+              <a:pPr eaLnBrk="1" fontAlgn="auto" hangingPunct="1">
+                <a:spcAft>
+                  <a:spcPts val="0"/>
+                </a:spcAft>
+                <a:defRPr/>
+              </a:pPr>
+              <a:r>
+                <a:rPr lang="ru-RU" sz="2000" dirty="0">
+                  <a:solidFill>
+                    <a:schemeClr val="bg1">
+                      <a:lumMod val="50000"/>
+                    </a:schemeClr>
+                  </a:solidFill>
+                  <a:latin typeface="Times New Roman" pitchFamily="18" charset="0"/>
+                  <a:cs typeface="Times New Roman" pitchFamily="18" charset="0"/>
+                </a:rPr>
+                <a:t>Сравнение некоторых алгоритмов поиска максимального потока</a:t>
+              </a:r>
+            </a:p>
+          </p:txBody>
+        </p:sp>
+        <p:sp>
+          <p:nvSpPr>
+            <p:cNvPr id="4" name="Подзаголовок 2"/>
+            <p:cNvSpPr txBox="1">
+              <a:spLocks/>
+            </p:cNvSpPr>
+            <p:nvPr/>
+          </p:nvSpPr>
+          <p:spPr bwMode="auto">
+            <a:xfrm>
+              <a:off x="899592" y="909637"/>
+              <a:ext cx="7344816" cy="752475"/>
+            </a:xfrm>
+            <a:prstGeom prst="rect">
+              <a:avLst/>
+            </a:prstGeom>
+            <a:noFill/>
+            <a:ln>
+              <a:noFill/>
+            </a:ln>
+            <a:extLst>
+              <a:ext uri="{909E8E84-426E-40DD-AFC4-6F175D3DCCD1}">
+                <a14:hiddenFill xmlns:a14="http://schemas.microsoft.com/office/drawing/2010/main">
+                  <a:solidFill>
+                    <a:srgbClr val="FFFFFF"/>
+                  </a:solidFill>
+                </a14:hiddenFill>
+              </a:ext>
+              <a:ext uri="{91240B29-F687-4F45-9708-019B960494DF}">
+                <a14:hiddenLine xmlns:a14="http://schemas.microsoft.com/office/drawing/2010/main" w="9525">
+                  <a:solidFill>
+                    <a:srgbClr val="000000"/>
+                  </a:solidFill>
+                  <a:miter lim="800000"/>
+                  <a:headEnd/>
+                  <a:tailEnd/>
+                </a14:hiddenLine>
+              </a:ext>
+            </a:extLst>
+          </p:spPr>
+          <p:txBody>
+            <a:bodyPr vert="horz" wrap="square" lIns="91440" tIns="45720" rIns="91440" bIns="45720" numCol="1" anchor="t" anchorCtr="0" compatLnSpc="1">
+              <a:prstTxWarp prst="textNoShape">
+                <a:avLst/>
+              </a:prstTxWarp>
+            </a:bodyPr>
+            <a:lstStyle>
+              <a:lvl1pPr marL="342900" indent="-342900" algn="l" rtl="0" eaLnBrk="0" fontAlgn="base" hangingPunct="0">
+                <a:spcBef>
+                  <a:spcPct val="20000"/>
+                </a:spcBef>
+                <a:spcAft>
+                  <a:spcPct val="0"/>
+                </a:spcAft>
+                <a:buFont typeface="Arial" panose="020B0604020202020204" pitchFamily="34" charset="0"/>
+                <a:buChar char="•"/>
+                <a:defRPr sz="3200" kern="1200">
+                  <a:solidFill>
+                    <a:schemeClr val="tx1"/>
+                  </a:solidFill>
+                  <a:latin typeface="+mn-lt"/>
+                  <a:ea typeface="+mn-ea"/>
+                  <a:cs typeface="+mn-cs"/>
+                </a:defRPr>
+              </a:lvl1pPr>
+              <a:lvl2pPr marL="742950" indent="-285750" algn="l" rtl="0" eaLnBrk="0" fontAlgn="base" hangingPunct="0">
+                <a:spcBef>
+                  <a:spcPct val="20000"/>
+                </a:spcBef>
+                <a:spcAft>
+                  <a:spcPct val="0"/>
+                </a:spcAft>
+                <a:buFont typeface="Arial" panose="020B0604020202020204" pitchFamily="34" charset="0"/>
+                <a:buChar char="–"/>
+                <a:defRPr sz="2800" kern="1200">
+                  <a:solidFill>
+                    <a:schemeClr val="tx1"/>
+                  </a:solidFill>
+                  <a:latin typeface="+mn-lt"/>
+                  <a:ea typeface="+mn-ea"/>
+                  <a:cs typeface="+mn-cs"/>
+                </a:defRPr>
+              </a:lvl2pPr>
+              <a:lvl3pPr marL="1143000" indent="-228600" algn="l" rtl="0" eaLnBrk="0" fontAlgn="base" hangingPunct="0">
+                <a:spcBef>
+                  <a:spcPct val="20000"/>
+                </a:spcBef>
+                <a:spcAft>
+                  <a:spcPct val="0"/>
+                </a:spcAft>
+                <a:buFont typeface="Arial" panose="020B0604020202020204" pitchFamily="34" charset="0"/>
+                <a:buChar char="•"/>
+                <a:defRPr sz="2400" kern="1200">
+                  <a:solidFill>
+                    <a:schemeClr val="tx1"/>
+                  </a:solidFill>
+                  <a:latin typeface="+mn-lt"/>
+                  <a:ea typeface="+mn-ea"/>
+                  <a:cs typeface="+mn-cs"/>
+                </a:defRPr>
+              </a:lvl3pPr>
+              <a:lvl4pPr marL="1600200" indent="-228600" algn="l" rtl="0" eaLnBrk="0" fontAlgn="base" hangingPunct="0">
+                <a:spcBef>
+                  <a:spcPct val="20000"/>
+                </a:spcBef>
+                <a:spcAft>
+                  <a:spcPct val="0"/>
+                </a:spcAft>
+                <a:buFont typeface="Arial" panose="020B0604020202020204" pitchFamily="34" charset="0"/>
+                <a:buChar char="–"/>
+                <a:defRPr sz="2000" kern="1200">
+                  <a:solidFill>
+                    <a:schemeClr val="tx1"/>
+                  </a:solidFill>
+                  <a:latin typeface="+mn-lt"/>
+                  <a:ea typeface="+mn-ea"/>
+                  <a:cs typeface="+mn-cs"/>
+                </a:defRPr>
+              </a:lvl4pPr>
+              <a:lvl5pPr marL="2057400" indent="-228600" algn="l" rtl="0" eaLnBrk="0" fontAlgn="base" hangingPunct="0">
+                <a:spcBef>
+                  <a:spcPct val="20000"/>
+                </a:spcBef>
+                <a:spcAft>
+                  <a:spcPct val="0"/>
+                </a:spcAft>
+                <a:buFont typeface="Arial" panose="020B0604020202020204" pitchFamily="34" charset="0"/>
+                <a:buChar char="»"/>
+                <a:defRPr sz="2000" kern="1200">
+                  <a:solidFill>
+                    <a:schemeClr val="tx1"/>
+                  </a:solidFill>
+                  <a:latin typeface="+mn-lt"/>
+                  <a:ea typeface="+mn-ea"/>
+                  <a:cs typeface="+mn-cs"/>
+                </a:defRPr>
+              </a:lvl5pPr>
+              <a:lvl6pPr marL="2514600" indent="-228600" algn="l" defTabSz="914400" rtl="0" eaLnBrk="1" latinLnBrk="0" hangingPunct="1">
+                <a:spcBef>
+                  <a:spcPct val="20000"/>
+                </a:spcBef>
+                <a:buFont typeface="Arial" pitchFamily="34" charset="0"/>
+                <a:buChar char="•"/>
+                <a:defRPr sz="2000" kern="1200">
+                  <a:solidFill>
+                    <a:schemeClr val="tx1"/>
+                  </a:solidFill>
+                  <a:latin typeface="+mn-lt"/>
+                  <a:ea typeface="+mn-ea"/>
+                  <a:cs typeface="+mn-cs"/>
+                </a:defRPr>
+              </a:lvl6pPr>
+              <a:lvl7pPr marL="2971800" indent="-228600" algn="l" defTabSz="914400" rtl="0" eaLnBrk="1" latinLnBrk="0" hangingPunct="1">
+                <a:spcBef>
+                  <a:spcPct val="20000"/>
+                </a:spcBef>
+                <a:buFont typeface="Arial" pitchFamily="34" charset="0"/>
+                <a:buChar char="•"/>
+                <a:defRPr sz="2000" kern="1200">
+                  <a:solidFill>
+                    <a:schemeClr val="tx1"/>
+                  </a:solidFill>
+                  <a:latin typeface="+mn-lt"/>
+                  <a:ea typeface="+mn-ea"/>
+                  <a:cs typeface="+mn-cs"/>
+                </a:defRPr>
+              </a:lvl7pPr>
+              <a:lvl8pPr marL="3429000" indent="-228600" algn="l" defTabSz="914400" rtl="0" eaLnBrk="1" latinLnBrk="0" hangingPunct="1">
+                <a:spcBef>
+                  <a:spcPct val="20000"/>
+                </a:spcBef>
+                <a:buFont typeface="Arial" pitchFamily="34" charset="0"/>
+                <a:buChar char="•"/>
+                <a:defRPr sz="2000" kern="1200">
+                  <a:solidFill>
+                    <a:schemeClr val="tx1"/>
+                  </a:solidFill>
+                  <a:latin typeface="+mn-lt"/>
+                  <a:ea typeface="+mn-ea"/>
+                  <a:cs typeface="+mn-cs"/>
+                </a:defRPr>
+              </a:lvl8pPr>
+              <a:lvl9pPr marL="3886200" indent="-228600" algn="l" defTabSz="914400" rtl="0" eaLnBrk="1" latinLnBrk="0" hangingPunct="1">
+                <a:spcBef>
+                  <a:spcPct val="20000"/>
+                </a:spcBef>
+                <a:buFont typeface="Arial" pitchFamily="34" charset="0"/>
+                <a:buChar char="•"/>
+                <a:defRPr sz="2000" kern="1200">
+                  <a:solidFill>
+                    <a:schemeClr val="tx1"/>
+                  </a:solidFill>
+                  <a:latin typeface="+mn-lt"/>
+                  <a:ea typeface="+mn-ea"/>
+                  <a:cs typeface="+mn-cs"/>
+                </a:defRPr>
+              </a:lvl9pPr>
+            </a:lstStyle>
+            <a:p>
+              <a:pPr marL="0" indent="0" algn="ctr" eaLnBrk="1" hangingPunct="1">
+                <a:buFont typeface="Arial" panose="020B0604020202020204" pitchFamily="34" charset="0"/>
+                <a:buNone/>
+              </a:pPr>
+              <a:r>
+                <a:rPr lang="ru-RU" altLang="ru-RU" dirty="0" smtClean="0">
+                  <a:latin typeface="Times New Roman" panose="02020603050405020304" pitchFamily="18" charset="0"/>
+                </a:rPr>
+                <a:t>Алгоритм проталкивания предпотока</a:t>
+              </a:r>
+            </a:p>
+          </p:txBody>
+        </p:sp>
+      </p:grpSp>
+      <mc:AlternateContent xmlns:mc="http://schemas.openxmlformats.org/markup-compatibility/2006">
+        <mc:Choice xmlns:a14="http://schemas.microsoft.com/office/drawing/2010/main" Requires="a14">
+          <p:sp>
+            <p:nvSpPr>
+              <p:cNvPr id="5" name="TextBox 4"/>
+              <p:cNvSpPr txBox="1"/>
+              <p:nvPr/>
+            </p:nvSpPr>
+            <p:spPr>
+              <a:xfrm>
+                <a:off x="503548" y="2564904"/>
                 <a:ext cx="8136904" cy="2185214"/>
               </a:xfrm>
               <a:prstGeom prst="rect">
@@ -5256,7 +6130,7 @@
             </p:txBody>
           </p:sp>
         </mc:Choice>
-        <mc:Fallback xmlns="">
+        <mc:Fallback>
           <p:sp>
             <p:nvSpPr>
               <p:cNvPr id="5" name="TextBox 4"/>
@@ -5267,7 +6141,7 @@
             </p:nvSpPr>
             <p:spPr>
               <a:xfrm>
-                <a:off x="539552" y="2110255"/>
+                <a:off x="503548" y="2564904"/>
                 <a:ext cx="8136904" cy="2185214"/>
               </a:xfrm>
               <a:prstGeom prst="rect">
@@ -5276,7 +6150,7 @@
               <a:blipFill>
                 <a:blip r:embed="rId2"/>
                 <a:stretch>
-                  <a:fillRect l="-675" t="-1393" r="-675" b="-3343"/>
+                  <a:fillRect l="-675" t="-1676" r="-675" b="-3631"/>
                 </a:stretch>
               </a:blipFill>
             </p:spPr>
@@ -5299,506 +6173,6 @@
     <p:extLst>
       <p:ext uri="{BB962C8B-B14F-4D97-AF65-F5344CB8AC3E}">
         <p14:creationId xmlns:p14="http://schemas.microsoft.com/office/powerpoint/2010/main" val="1641678882"/>
-      </p:ext>
-    </p:extLst>
-  </p:cSld>
-  <p:clrMapOvr>
-    <a:masterClrMapping/>
-  </p:clrMapOvr>
-  <p:timing>
-    <p:tnLst>
-      <p:par>
-        <p:cTn id="1" dur="indefinite" restart="never" nodeType="tmRoot"/>
-      </p:par>
-    </p:tnLst>
-  </p:timing>
-</p:sld>
-</file>
-
-<file path=ppt/slides/slide11.xml><?xml version="1.0" encoding="utf-8"?>
-<p:sld xmlns:a="http://schemas.openxmlformats.org/drawingml/2006/main" xmlns:r="http://schemas.openxmlformats.org/officeDocument/2006/relationships" xmlns:p="http://schemas.openxmlformats.org/presentationml/2006/main">
-  <p:cSld>
-    <p:spTree>
-      <p:nvGrpSpPr>
-        <p:cNvPr id="1" name=""/>
-        <p:cNvGrpSpPr/>
-        <p:nvPr/>
-      </p:nvGrpSpPr>
-      <p:grpSpPr>
-        <a:xfrm>
-          <a:off x="0" y="0"/>
-          <a:ext cx="0" cy="0"/>
-          <a:chOff x="0" y="0"/>
-          <a:chExt cx="0" cy="0"/>
-        </a:xfrm>
-      </p:grpSpPr>
-      <p:grpSp>
-        <p:nvGrpSpPr>
-          <p:cNvPr id="2" name="Группа 1"/>
-          <p:cNvGrpSpPr/>
-          <p:nvPr/>
-        </p:nvGrpSpPr>
-        <p:grpSpPr>
-          <a:xfrm>
-            <a:off x="685800" y="-184150"/>
-            <a:ext cx="7772400" cy="1846262"/>
-            <a:chOff x="685800" y="-184150"/>
-            <a:chExt cx="7772400" cy="1846262"/>
-          </a:xfrm>
-        </p:grpSpPr>
-        <p:sp>
-          <p:nvSpPr>
-            <p:cNvPr id="3" name="Заголовок 1"/>
-            <p:cNvSpPr txBox="1">
-              <a:spLocks/>
-            </p:cNvSpPr>
-            <p:nvPr/>
-          </p:nvSpPr>
-          <p:spPr bwMode="auto">
-            <a:xfrm>
-              <a:off x="685800" y="-184150"/>
-              <a:ext cx="7772400" cy="1470025"/>
-            </a:xfrm>
-            <a:prstGeom prst="rect">
-              <a:avLst/>
-            </a:prstGeom>
-            <a:noFill/>
-            <a:ln>
-              <a:noFill/>
-            </a:ln>
-            <a:extLst>
-              <a:ext uri="{909E8E84-426E-40DD-AFC4-6F175D3DCCD1}">
-                <a14:hiddenFill xmlns:a14="http://schemas.microsoft.com/office/drawing/2010/main">
-                  <a:solidFill>
-                    <a:srgbClr val="FFFFFF"/>
-                  </a:solidFill>
-                </a14:hiddenFill>
-              </a:ext>
-              <a:ext uri="{91240B29-F687-4F45-9708-019B960494DF}">
-                <a14:hiddenLine xmlns:a14="http://schemas.microsoft.com/office/drawing/2010/main" w="9525">
-                  <a:solidFill>
-                    <a:srgbClr val="000000"/>
-                  </a:solidFill>
-                  <a:miter lim="800000"/>
-                  <a:headEnd/>
-                  <a:tailEnd/>
-                </a14:hiddenLine>
-              </a:ext>
-            </a:extLst>
-          </p:spPr>
-          <p:txBody>
-            <a:bodyPr vert="horz" wrap="square" lIns="91440" tIns="45720" rIns="91440" bIns="45720" numCol="1" rtlCol="0" anchor="ctr" anchorCtr="0" compatLnSpc="1">
-              <a:prstTxWarp prst="textNoShape">
-                <a:avLst/>
-              </a:prstTxWarp>
-              <a:normAutofit/>
-            </a:bodyPr>
-            <a:lstStyle>
-              <a:lvl1pPr algn="ctr" rtl="0" eaLnBrk="0" fontAlgn="base" hangingPunct="0">
-                <a:spcBef>
-                  <a:spcPct val="0"/>
-                </a:spcBef>
-                <a:spcAft>
-                  <a:spcPct val="0"/>
-                </a:spcAft>
-                <a:defRPr sz="4400" kern="1200">
-                  <a:solidFill>
-                    <a:schemeClr val="tx1"/>
-                  </a:solidFill>
-                  <a:latin typeface="+mj-lt"/>
-                  <a:ea typeface="+mj-ea"/>
-                  <a:cs typeface="+mj-cs"/>
-                </a:defRPr>
-              </a:lvl1pPr>
-              <a:lvl2pPr algn="ctr" rtl="0" eaLnBrk="0" fontAlgn="base" hangingPunct="0">
-                <a:spcBef>
-                  <a:spcPct val="0"/>
-                </a:spcBef>
-                <a:spcAft>
-                  <a:spcPct val="0"/>
-                </a:spcAft>
-                <a:defRPr sz="4400">
-                  <a:solidFill>
-                    <a:schemeClr val="tx1"/>
-                  </a:solidFill>
-                  <a:latin typeface="Calibri" pitchFamily="34" charset="0"/>
-                </a:defRPr>
-              </a:lvl2pPr>
-              <a:lvl3pPr algn="ctr" rtl="0" eaLnBrk="0" fontAlgn="base" hangingPunct="0">
-                <a:spcBef>
-                  <a:spcPct val="0"/>
-                </a:spcBef>
-                <a:spcAft>
-                  <a:spcPct val="0"/>
-                </a:spcAft>
-                <a:defRPr sz="4400">
-                  <a:solidFill>
-                    <a:schemeClr val="tx1"/>
-                  </a:solidFill>
-                  <a:latin typeface="Calibri" pitchFamily="34" charset="0"/>
-                </a:defRPr>
-              </a:lvl3pPr>
-              <a:lvl4pPr algn="ctr" rtl="0" eaLnBrk="0" fontAlgn="base" hangingPunct="0">
-                <a:spcBef>
-                  <a:spcPct val="0"/>
-                </a:spcBef>
-                <a:spcAft>
-                  <a:spcPct val="0"/>
-                </a:spcAft>
-                <a:defRPr sz="4400">
-                  <a:solidFill>
-                    <a:schemeClr val="tx1"/>
-                  </a:solidFill>
-                  <a:latin typeface="Calibri" pitchFamily="34" charset="0"/>
-                </a:defRPr>
-              </a:lvl4pPr>
-              <a:lvl5pPr algn="ctr" rtl="0" eaLnBrk="0" fontAlgn="base" hangingPunct="0">
-                <a:spcBef>
-                  <a:spcPct val="0"/>
-                </a:spcBef>
-                <a:spcAft>
-                  <a:spcPct val="0"/>
-                </a:spcAft>
-                <a:defRPr sz="4400">
-                  <a:solidFill>
-                    <a:schemeClr val="tx1"/>
-                  </a:solidFill>
-                  <a:latin typeface="Calibri" pitchFamily="34" charset="0"/>
-                </a:defRPr>
-              </a:lvl5pPr>
-              <a:lvl6pPr marL="457200" algn="ctr" rtl="0" fontAlgn="base">
-                <a:spcBef>
-                  <a:spcPct val="0"/>
-                </a:spcBef>
-                <a:spcAft>
-                  <a:spcPct val="0"/>
-                </a:spcAft>
-                <a:defRPr sz="4400">
-                  <a:solidFill>
-                    <a:schemeClr val="tx1"/>
-                  </a:solidFill>
-                  <a:latin typeface="Calibri" pitchFamily="34" charset="0"/>
-                </a:defRPr>
-              </a:lvl6pPr>
-              <a:lvl7pPr marL="914400" algn="ctr" rtl="0" fontAlgn="base">
-                <a:spcBef>
-                  <a:spcPct val="0"/>
-                </a:spcBef>
-                <a:spcAft>
-                  <a:spcPct val="0"/>
-                </a:spcAft>
-                <a:defRPr sz="4400">
-                  <a:solidFill>
-                    <a:schemeClr val="tx1"/>
-                  </a:solidFill>
-                  <a:latin typeface="Calibri" pitchFamily="34" charset="0"/>
-                </a:defRPr>
-              </a:lvl7pPr>
-              <a:lvl8pPr marL="1371600" algn="ctr" rtl="0" fontAlgn="base">
-                <a:spcBef>
-                  <a:spcPct val="0"/>
-                </a:spcBef>
-                <a:spcAft>
-                  <a:spcPct val="0"/>
-                </a:spcAft>
-                <a:defRPr sz="4400">
-                  <a:solidFill>
-                    <a:schemeClr val="tx1"/>
-                  </a:solidFill>
-                  <a:latin typeface="Calibri" pitchFamily="34" charset="0"/>
-                </a:defRPr>
-              </a:lvl8pPr>
-              <a:lvl9pPr marL="1828800" algn="ctr" rtl="0" fontAlgn="base">
-                <a:spcBef>
-                  <a:spcPct val="0"/>
-                </a:spcBef>
-                <a:spcAft>
-                  <a:spcPct val="0"/>
-                </a:spcAft>
-                <a:defRPr sz="4400">
-                  <a:solidFill>
-                    <a:schemeClr val="tx1"/>
-                  </a:solidFill>
-                  <a:latin typeface="Calibri" pitchFamily="34" charset="0"/>
-                </a:defRPr>
-              </a:lvl9pPr>
-            </a:lstStyle>
-            <a:p>
-              <a:pPr eaLnBrk="1" fontAlgn="auto" hangingPunct="1">
-                <a:spcAft>
-                  <a:spcPts val="0"/>
-                </a:spcAft>
-                <a:defRPr/>
-              </a:pPr>
-              <a:r>
-                <a:rPr lang="ru-RU" sz="2000" dirty="0">
-                  <a:solidFill>
-                    <a:schemeClr val="bg1">
-                      <a:lumMod val="50000"/>
-                    </a:schemeClr>
-                  </a:solidFill>
-                  <a:latin typeface="Times New Roman" pitchFamily="18" charset="0"/>
-                  <a:cs typeface="Times New Roman" pitchFamily="18" charset="0"/>
-                </a:rPr>
-                <a:t>Сравнение некоторых алгоритмов поиска максимального потока</a:t>
-              </a:r>
-            </a:p>
-          </p:txBody>
-        </p:sp>
-        <p:sp>
-          <p:nvSpPr>
-            <p:cNvPr id="4" name="Подзаголовок 2"/>
-            <p:cNvSpPr txBox="1">
-              <a:spLocks/>
-            </p:cNvSpPr>
-            <p:nvPr/>
-          </p:nvSpPr>
-          <p:spPr bwMode="auto">
-            <a:xfrm>
-              <a:off x="899592" y="909637"/>
-              <a:ext cx="7344816" cy="752475"/>
-            </a:xfrm>
-            <a:prstGeom prst="rect">
-              <a:avLst/>
-            </a:prstGeom>
-            <a:noFill/>
-            <a:ln>
-              <a:noFill/>
-            </a:ln>
-            <a:extLst>
-              <a:ext uri="{909E8E84-426E-40DD-AFC4-6F175D3DCCD1}">
-                <a14:hiddenFill xmlns:a14="http://schemas.microsoft.com/office/drawing/2010/main">
-                  <a:solidFill>
-                    <a:srgbClr val="FFFFFF"/>
-                  </a:solidFill>
-                </a14:hiddenFill>
-              </a:ext>
-              <a:ext uri="{91240B29-F687-4F45-9708-019B960494DF}">
-                <a14:hiddenLine xmlns:a14="http://schemas.microsoft.com/office/drawing/2010/main" w="9525">
-                  <a:solidFill>
-                    <a:srgbClr val="000000"/>
-                  </a:solidFill>
-                  <a:miter lim="800000"/>
-                  <a:headEnd/>
-                  <a:tailEnd/>
-                </a14:hiddenLine>
-              </a:ext>
-            </a:extLst>
-          </p:spPr>
-          <p:txBody>
-            <a:bodyPr vert="horz" wrap="square" lIns="91440" tIns="45720" rIns="91440" bIns="45720" numCol="1" anchor="t" anchorCtr="0" compatLnSpc="1">
-              <a:prstTxWarp prst="textNoShape">
-                <a:avLst/>
-              </a:prstTxWarp>
-            </a:bodyPr>
-            <a:lstStyle>
-              <a:lvl1pPr marL="342900" indent="-342900" algn="l" rtl="0" eaLnBrk="0" fontAlgn="base" hangingPunct="0">
-                <a:spcBef>
-                  <a:spcPct val="20000"/>
-                </a:spcBef>
-                <a:spcAft>
-                  <a:spcPct val="0"/>
-                </a:spcAft>
-                <a:buFont typeface="Arial" panose="020B0604020202020204" pitchFamily="34" charset="0"/>
-                <a:buChar char="•"/>
-                <a:defRPr sz="3200" kern="1200">
-                  <a:solidFill>
-                    <a:schemeClr val="tx1"/>
-                  </a:solidFill>
-                  <a:latin typeface="+mn-lt"/>
-                  <a:ea typeface="+mn-ea"/>
-                  <a:cs typeface="+mn-cs"/>
-                </a:defRPr>
-              </a:lvl1pPr>
-              <a:lvl2pPr marL="742950" indent="-285750" algn="l" rtl="0" eaLnBrk="0" fontAlgn="base" hangingPunct="0">
-                <a:spcBef>
-                  <a:spcPct val="20000"/>
-                </a:spcBef>
-                <a:spcAft>
-                  <a:spcPct val="0"/>
-                </a:spcAft>
-                <a:buFont typeface="Arial" panose="020B0604020202020204" pitchFamily="34" charset="0"/>
-                <a:buChar char="–"/>
-                <a:defRPr sz="2800" kern="1200">
-                  <a:solidFill>
-                    <a:schemeClr val="tx1"/>
-                  </a:solidFill>
-                  <a:latin typeface="+mn-lt"/>
-                  <a:ea typeface="+mn-ea"/>
-                  <a:cs typeface="+mn-cs"/>
-                </a:defRPr>
-              </a:lvl2pPr>
-              <a:lvl3pPr marL="1143000" indent="-228600" algn="l" rtl="0" eaLnBrk="0" fontAlgn="base" hangingPunct="0">
-                <a:spcBef>
-                  <a:spcPct val="20000"/>
-                </a:spcBef>
-                <a:spcAft>
-                  <a:spcPct val="0"/>
-                </a:spcAft>
-                <a:buFont typeface="Arial" panose="020B0604020202020204" pitchFamily="34" charset="0"/>
-                <a:buChar char="•"/>
-                <a:defRPr sz="2400" kern="1200">
-                  <a:solidFill>
-                    <a:schemeClr val="tx1"/>
-                  </a:solidFill>
-                  <a:latin typeface="+mn-lt"/>
-                  <a:ea typeface="+mn-ea"/>
-                  <a:cs typeface="+mn-cs"/>
-                </a:defRPr>
-              </a:lvl3pPr>
-              <a:lvl4pPr marL="1600200" indent="-228600" algn="l" rtl="0" eaLnBrk="0" fontAlgn="base" hangingPunct="0">
-                <a:spcBef>
-                  <a:spcPct val="20000"/>
-                </a:spcBef>
-                <a:spcAft>
-                  <a:spcPct val="0"/>
-                </a:spcAft>
-                <a:buFont typeface="Arial" panose="020B0604020202020204" pitchFamily="34" charset="0"/>
-                <a:buChar char="–"/>
-                <a:defRPr sz="2000" kern="1200">
-                  <a:solidFill>
-                    <a:schemeClr val="tx1"/>
-                  </a:solidFill>
-                  <a:latin typeface="+mn-lt"/>
-                  <a:ea typeface="+mn-ea"/>
-                  <a:cs typeface="+mn-cs"/>
-                </a:defRPr>
-              </a:lvl4pPr>
-              <a:lvl5pPr marL="2057400" indent="-228600" algn="l" rtl="0" eaLnBrk="0" fontAlgn="base" hangingPunct="0">
-                <a:spcBef>
-                  <a:spcPct val="20000"/>
-                </a:spcBef>
-                <a:spcAft>
-                  <a:spcPct val="0"/>
-                </a:spcAft>
-                <a:buFont typeface="Arial" panose="020B0604020202020204" pitchFamily="34" charset="0"/>
-                <a:buChar char="»"/>
-                <a:defRPr sz="2000" kern="1200">
-                  <a:solidFill>
-                    <a:schemeClr val="tx1"/>
-                  </a:solidFill>
-                  <a:latin typeface="+mn-lt"/>
-                  <a:ea typeface="+mn-ea"/>
-                  <a:cs typeface="+mn-cs"/>
-                </a:defRPr>
-              </a:lvl5pPr>
-              <a:lvl6pPr marL="2514600" indent="-228600" algn="l" defTabSz="914400" rtl="0" eaLnBrk="1" latinLnBrk="0" hangingPunct="1">
-                <a:spcBef>
-                  <a:spcPct val="20000"/>
-                </a:spcBef>
-                <a:buFont typeface="Arial" pitchFamily="34" charset="0"/>
-                <a:buChar char="•"/>
-                <a:defRPr sz="2000" kern="1200">
-                  <a:solidFill>
-                    <a:schemeClr val="tx1"/>
-                  </a:solidFill>
-                  <a:latin typeface="+mn-lt"/>
-                  <a:ea typeface="+mn-ea"/>
-                  <a:cs typeface="+mn-cs"/>
-                </a:defRPr>
-              </a:lvl6pPr>
-              <a:lvl7pPr marL="2971800" indent="-228600" algn="l" defTabSz="914400" rtl="0" eaLnBrk="1" latinLnBrk="0" hangingPunct="1">
-                <a:spcBef>
-                  <a:spcPct val="20000"/>
-                </a:spcBef>
-                <a:buFont typeface="Arial" pitchFamily="34" charset="0"/>
-                <a:buChar char="•"/>
-                <a:defRPr sz="2000" kern="1200">
-                  <a:solidFill>
-                    <a:schemeClr val="tx1"/>
-                  </a:solidFill>
-                  <a:latin typeface="+mn-lt"/>
-                  <a:ea typeface="+mn-ea"/>
-                  <a:cs typeface="+mn-cs"/>
-                </a:defRPr>
-              </a:lvl7pPr>
-              <a:lvl8pPr marL="3429000" indent="-228600" algn="l" defTabSz="914400" rtl="0" eaLnBrk="1" latinLnBrk="0" hangingPunct="1">
-                <a:spcBef>
-                  <a:spcPct val="20000"/>
-                </a:spcBef>
-                <a:buFont typeface="Arial" pitchFamily="34" charset="0"/>
-                <a:buChar char="•"/>
-                <a:defRPr sz="2000" kern="1200">
-                  <a:solidFill>
-                    <a:schemeClr val="tx1"/>
-                  </a:solidFill>
-                  <a:latin typeface="+mn-lt"/>
-                  <a:ea typeface="+mn-ea"/>
-                  <a:cs typeface="+mn-cs"/>
-                </a:defRPr>
-              </a:lvl8pPr>
-              <a:lvl9pPr marL="3886200" indent="-228600" algn="l" defTabSz="914400" rtl="0" eaLnBrk="1" latinLnBrk="0" hangingPunct="1">
-                <a:spcBef>
-                  <a:spcPct val="20000"/>
-                </a:spcBef>
-                <a:buFont typeface="Arial" pitchFamily="34" charset="0"/>
-                <a:buChar char="•"/>
-                <a:defRPr sz="2000" kern="1200">
-                  <a:solidFill>
-                    <a:schemeClr val="tx1"/>
-                  </a:solidFill>
-                  <a:latin typeface="+mn-lt"/>
-                  <a:ea typeface="+mn-ea"/>
-                  <a:cs typeface="+mn-cs"/>
-                </a:defRPr>
-              </a:lvl9pPr>
-            </a:lstStyle>
-            <a:p>
-              <a:pPr marL="0" indent="0" algn="ctr" eaLnBrk="1" hangingPunct="1">
-                <a:buFont typeface="Arial" panose="020B0604020202020204" pitchFamily="34" charset="0"/>
-                <a:buNone/>
-              </a:pPr>
-              <a:r>
-                <a:rPr lang="ru-RU" altLang="ru-RU" dirty="0" smtClean="0">
-                  <a:latin typeface="Times New Roman" panose="02020603050405020304" pitchFamily="18" charset="0"/>
-                </a:rPr>
-                <a:t>Алгоритм проталкивания предпотока</a:t>
-              </a:r>
-            </a:p>
-          </p:txBody>
-        </p:sp>
-      </p:grpSp>
-      <p:sp>
-        <p:nvSpPr>
-          <p:cNvPr id="5" name="TextBox 4"/>
-          <p:cNvSpPr txBox="1"/>
-          <p:nvPr/>
-        </p:nvSpPr>
-        <p:spPr>
-          <a:xfrm>
-            <a:off x="539552" y="2110255"/>
-            <a:ext cx="8136904" cy="923330"/>
-          </a:xfrm>
-          <a:prstGeom prst="rect">
-            <a:avLst/>
-          </a:prstGeom>
-          <a:noFill/>
-        </p:spPr>
-        <p:txBody>
-          <a:bodyPr wrap="square" rtlCol="0">
-            <a:spAutoFit/>
-          </a:bodyPr>
-          <a:lstStyle/>
-          <a:p>
-            <a:pPr indent="450000" algn="just">
-              <a:spcAft>
-                <a:spcPts val="600"/>
-              </a:spcAft>
-            </a:pPr>
-            <a:r>
-              <a:rPr lang="ru-RU" dirty="0">
-                <a:latin typeface="Times New Roman" panose="02020603050405020304" pitchFamily="18" charset="0"/>
-                <a:cs typeface="Times New Roman" panose="02020603050405020304" pitchFamily="18" charset="0"/>
-              </a:rPr>
-              <a:t>В алгоритме проталкивая предпотока выполняются две основные операции: проталкивание избытка потока от вершины к одной из соседних с ней вершин и подъем вершины.</a:t>
-            </a:r>
-          </a:p>
-        </p:txBody>
-      </p:sp>
-    </p:spTree>
-    <p:extLst>
-      <p:ext uri="{BB962C8B-B14F-4D97-AF65-F5344CB8AC3E}">
-        <p14:creationId xmlns:p14="http://schemas.microsoft.com/office/powerpoint/2010/main" val="1442217058"/>
       </p:ext>
     </p:extLst>
   </p:cSld>
@@ -6258,8 +6632,508 @@
           </p:txBody>
         </p:sp>
       </p:grpSp>
-      <mc:AlternateContent xmlns:mc="http://schemas.openxmlformats.org/markup-compatibility/2006" xmlns:a14="http://schemas.microsoft.com/office/drawing/2010/main">
-        <mc:Choice Requires="a14">
+      <p:sp>
+        <p:nvSpPr>
+          <p:cNvPr id="5" name="TextBox 4"/>
+          <p:cNvSpPr txBox="1"/>
+          <p:nvPr/>
+        </p:nvSpPr>
+        <p:spPr>
+          <a:xfrm>
+            <a:off x="503548" y="2755899"/>
+            <a:ext cx="8136904" cy="923330"/>
+          </a:xfrm>
+          <a:prstGeom prst="rect">
+            <a:avLst/>
+          </a:prstGeom>
+          <a:noFill/>
+        </p:spPr>
+        <p:txBody>
+          <a:bodyPr wrap="square" rtlCol="0">
+            <a:spAutoFit/>
+          </a:bodyPr>
+          <a:lstStyle/>
+          <a:p>
+            <a:pPr indent="450000" algn="just">
+              <a:spcAft>
+                <a:spcPts val="600"/>
+              </a:spcAft>
+            </a:pPr>
+            <a:r>
+              <a:rPr lang="ru-RU" dirty="0">
+                <a:latin typeface="Times New Roman" panose="02020603050405020304" pitchFamily="18" charset="0"/>
+                <a:cs typeface="Times New Roman" panose="02020603050405020304" pitchFamily="18" charset="0"/>
+              </a:rPr>
+              <a:t>В алгоритме проталкивая предпотока выполняются две основные операции: проталкивание избытка потока от вершины к одной из соседних с ней вершин и подъем вершины.</a:t>
+            </a:r>
+          </a:p>
+        </p:txBody>
+      </p:sp>
+    </p:spTree>
+    <p:extLst>
+      <p:ext uri="{BB962C8B-B14F-4D97-AF65-F5344CB8AC3E}">
+        <p14:creationId xmlns:p14="http://schemas.microsoft.com/office/powerpoint/2010/main" val="1442217058"/>
+      </p:ext>
+    </p:extLst>
+  </p:cSld>
+  <p:clrMapOvr>
+    <a:masterClrMapping/>
+  </p:clrMapOvr>
+  <p:timing>
+    <p:tnLst>
+      <p:par>
+        <p:cTn id="1" dur="indefinite" restart="never" nodeType="tmRoot"/>
+      </p:par>
+    </p:tnLst>
+  </p:timing>
+</p:sld>
+</file>
+
+<file path=ppt/slides/slide13.xml><?xml version="1.0" encoding="utf-8"?>
+<p:sld xmlns:a="http://schemas.openxmlformats.org/drawingml/2006/main" xmlns:r="http://schemas.openxmlformats.org/officeDocument/2006/relationships" xmlns:p="http://schemas.openxmlformats.org/presentationml/2006/main">
+  <p:cSld>
+    <p:spTree>
+      <p:nvGrpSpPr>
+        <p:cNvPr id="1" name=""/>
+        <p:cNvGrpSpPr/>
+        <p:nvPr/>
+      </p:nvGrpSpPr>
+      <p:grpSpPr>
+        <a:xfrm>
+          <a:off x="0" y="0"/>
+          <a:ext cx="0" cy="0"/>
+          <a:chOff x="0" y="0"/>
+          <a:chExt cx="0" cy="0"/>
+        </a:xfrm>
+      </p:grpSpPr>
+      <p:grpSp>
+        <p:nvGrpSpPr>
+          <p:cNvPr id="2" name="Группа 1"/>
+          <p:cNvGrpSpPr/>
+          <p:nvPr/>
+        </p:nvGrpSpPr>
+        <p:grpSpPr>
+          <a:xfrm>
+            <a:off x="685800" y="-184150"/>
+            <a:ext cx="7772400" cy="1846262"/>
+            <a:chOff x="685800" y="-184150"/>
+            <a:chExt cx="7772400" cy="1846262"/>
+          </a:xfrm>
+        </p:grpSpPr>
+        <p:sp>
+          <p:nvSpPr>
+            <p:cNvPr id="3" name="Заголовок 1"/>
+            <p:cNvSpPr txBox="1">
+              <a:spLocks/>
+            </p:cNvSpPr>
+            <p:nvPr/>
+          </p:nvSpPr>
+          <p:spPr bwMode="auto">
+            <a:xfrm>
+              <a:off x="685800" y="-184150"/>
+              <a:ext cx="7772400" cy="1470025"/>
+            </a:xfrm>
+            <a:prstGeom prst="rect">
+              <a:avLst/>
+            </a:prstGeom>
+            <a:noFill/>
+            <a:ln>
+              <a:noFill/>
+            </a:ln>
+            <a:extLst>
+              <a:ext uri="{909E8E84-426E-40DD-AFC4-6F175D3DCCD1}">
+                <a14:hiddenFill xmlns:a14="http://schemas.microsoft.com/office/drawing/2010/main">
+                  <a:solidFill>
+                    <a:srgbClr val="FFFFFF"/>
+                  </a:solidFill>
+                </a14:hiddenFill>
+              </a:ext>
+              <a:ext uri="{91240B29-F687-4F45-9708-019B960494DF}">
+                <a14:hiddenLine xmlns:a14="http://schemas.microsoft.com/office/drawing/2010/main" w="9525">
+                  <a:solidFill>
+                    <a:srgbClr val="000000"/>
+                  </a:solidFill>
+                  <a:miter lim="800000"/>
+                  <a:headEnd/>
+                  <a:tailEnd/>
+                </a14:hiddenLine>
+              </a:ext>
+            </a:extLst>
+          </p:spPr>
+          <p:txBody>
+            <a:bodyPr vert="horz" wrap="square" lIns="91440" tIns="45720" rIns="91440" bIns="45720" numCol="1" rtlCol="0" anchor="ctr" anchorCtr="0" compatLnSpc="1">
+              <a:prstTxWarp prst="textNoShape">
+                <a:avLst/>
+              </a:prstTxWarp>
+              <a:normAutofit/>
+            </a:bodyPr>
+            <a:lstStyle>
+              <a:lvl1pPr algn="ctr" rtl="0" eaLnBrk="0" fontAlgn="base" hangingPunct="0">
+                <a:spcBef>
+                  <a:spcPct val="0"/>
+                </a:spcBef>
+                <a:spcAft>
+                  <a:spcPct val="0"/>
+                </a:spcAft>
+                <a:defRPr sz="4400" kern="1200">
+                  <a:solidFill>
+                    <a:schemeClr val="tx1"/>
+                  </a:solidFill>
+                  <a:latin typeface="+mj-lt"/>
+                  <a:ea typeface="+mj-ea"/>
+                  <a:cs typeface="+mj-cs"/>
+                </a:defRPr>
+              </a:lvl1pPr>
+              <a:lvl2pPr algn="ctr" rtl="0" eaLnBrk="0" fontAlgn="base" hangingPunct="0">
+                <a:spcBef>
+                  <a:spcPct val="0"/>
+                </a:spcBef>
+                <a:spcAft>
+                  <a:spcPct val="0"/>
+                </a:spcAft>
+                <a:defRPr sz="4400">
+                  <a:solidFill>
+                    <a:schemeClr val="tx1"/>
+                  </a:solidFill>
+                  <a:latin typeface="Calibri" pitchFamily="34" charset="0"/>
+                </a:defRPr>
+              </a:lvl2pPr>
+              <a:lvl3pPr algn="ctr" rtl="0" eaLnBrk="0" fontAlgn="base" hangingPunct="0">
+                <a:spcBef>
+                  <a:spcPct val="0"/>
+                </a:spcBef>
+                <a:spcAft>
+                  <a:spcPct val="0"/>
+                </a:spcAft>
+                <a:defRPr sz="4400">
+                  <a:solidFill>
+                    <a:schemeClr val="tx1"/>
+                  </a:solidFill>
+                  <a:latin typeface="Calibri" pitchFamily="34" charset="0"/>
+                </a:defRPr>
+              </a:lvl3pPr>
+              <a:lvl4pPr algn="ctr" rtl="0" eaLnBrk="0" fontAlgn="base" hangingPunct="0">
+                <a:spcBef>
+                  <a:spcPct val="0"/>
+                </a:spcBef>
+                <a:spcAft>
+                  <a:spcPct val="0"/>
+                </a:spcAft>
+                <a:defRPr sz="4400">
+                  <a:solidFill>
+                    <a:schemeClr val="tx1"/>
+                  </a:solidFill>
+                  <a:latin typeface="Calibri" pitchFamily="34" charset="0"/>
+                </a:defRPr>
+              </a:lvl4pPr>
+              <a:lvl5pPr algn="ctr" rtl="0" eaLnBrk="0" fontAlgn="base" hangingPunct="0">
+                <a:spcBef>
+                  <a:spcPct val="0"/>
+                </a:spcBef>
+                <a:spcAft>
+                  <a:spcPct val="0"/>
+                </a:spcAft>
+                <a:defRPr sz="4400">
+                  <a:solidFill>
+                    <a:schemeClr val="tx1"/>
+                  </a:solidFill>
+                  <a:latin typeface="Calibri" pitchFamily="34" charset="0"/>
+                </a:defRPr>
+              </a:lvl5pPr>
+              <a:lvl6pPr marL="457200" algn="ctr" rtl="0" fontAlgn="base">
+                <a:spcBef>
+                  <a:spcPct val="0"/>
+                </a:spcBef>
+                <a:spcAft>
+                  <a:spcPct val="0"/>
+                </a:spcAft>
+                <a:defRPr sz="4400">
+                  <a:solidFill>
+                    <a:schemeClr val="tx1"/>
+                  </a:solidFill>
+                  <a:latin typeface="Calibri" pitchFamily="34" charset="0"/>
+                </a:defRPr>
+              </a:lvl6pPr>
+              <a:lvl7pPr marL="914400" algn="ctr" rtl="0" fontAlgn="base">
+                <a:spcBef>
+                  <a:spcPct val="0"/>
+                </a:spcBef>
+                <a:spcAft>
+                  <a:spcPct val="0"/>
+                </a:spcAft>
+                <a:defRPr sz="4400">
+                  <a:solidFill>
+                    <a:schemeClr val="tx1"/>
+                  </a:solidFill>
+                  <a:latin typeface="Calibri" pitchFamily="34" charset="0"/>
+                </a:defRPr>
+              </a:lvl7pPr>
+              <a:lvl8pPr marL="1371600" algn="ctr" rtl="0" fontAlgn="base">
+                <a:spcBef>
+                  <a:spcPct val="0"/>
+                </a:spcBef>
+                <a:spcAft>
+                  <a:spcPct val="0"/>
+                </a:spcAft>
+                <a:defRPr sz="4400">
+                  <a:solidFill>
+                    <a:schemeClr val="tx1"/>
+                  </a:solidFill>
+                  <a:latin typeface="Calibri" pitchFamily="34" charset="0"/>
+                </a:defRPr>
+              </a:lvl8pPr>
+              <a:lvl9pPr marL="1828800" algn="ctr" rtl="0" fontAlgn="base">
+                <a:spcBef>
+                  <a:spcPct val="0"/>
+                </a:spcBef>
+                <a:spcAft>
+                  <a:spcPct val="0"/>
+                </a:spcAft>
+                <a:defRPr sz="4400">
+                  <a:solidFill>
+                    <a:schemeClr val="tx1"/>
+                  </a:solidFill>
+                  <a:latin typeface="Calibri" pitchFamily="34" charset="0"/>
+                </a:defRPr>
+              </a:lvl9pPr>
+            </a:lstStyle>
+            <a:p>
+              <a:pPr eaLnBrk="1" fontAlgn="auto" hangingPunct="1">
+                <a:spcAft>
+                  <a:spcPts val="0"/>
+                </a:spcAft>
+                <a:defRPr/>
+              </a:pPr>
+              <a:r>
+                <a:rPr lang="ru-RU" sz="2000" dirty="0">
+                  <a:solidFill>
+                    <a:schemeClr val="bg1">
+                      <a:lumMod val="50000"/>
+                    </a:schemeClr>
+                  </a:solidFill>
+                  <a:latin typeface="Times New Roman" pitchFamily="18" charset="0"/>
+                  <a:cs typeface="Times New Roman" pitchFamily="18" charset="0"/>
+                </a:rPr>
+                <a:t>Сравнение некоторых алгоритмов поиска максимального потока</a:t>
+              </a:r>
+            </a:p>
+          </p:txBody>
+        </p:sp>
+        <p:sp>
+          <p:nvSpPr>
+            <p:cNvPr id="4" name="Подзаголовок 2"/>
+            <p:cNvSpPr txBox="1">
+              <a:spLocks/>
+            </p:cNvSpPr>
+            <p:nvPr/>
+          </p:nvSpPr>
+          <p:spPr bwMode="auto">
+            <a:xfrm>
+              <a:off x="899592" y="909637"/>
+              <a:ext cx="7344816" cy="752475"/>
+            </a:xfrm>
+            <a:prstGeom prst="rect">
+              <a:avLst/>
+            </a:prstGeom>
+            <a:noFill/>
+            <a:ln>
+              <a:noFill/>
+            </a:ln>
+            <a:extLst>
+              <a:ext uri="{909E8E84-426E-40DD-AFC4-6F175D3DCCD1}">
+                <a14:hiddenFill xmlns:a14="http://schemas.microsoft.com/office/drawing/2010/main">
+                  <a:solidFill>
+                    <a:srgbClr val="FFFFFF"/>
+                  </a:solidFill>
+                </a14:hiddenFill>
+              </a:ext>
+              <a:ext uri="{91240B29-F687-4F45-9708-019B960494DF}">
+                <a14:hiddenLine xmlns:a14="http://schemas.microsoft.com/office/drawing/2010/main" w="9525">
+                  <a:solidFill>
+                    <a:srgbClr val="000000"/>
+                  </a:solidFill>
+                  <a:miter lim="800000"/>
+                  <a:headEnd/>
+                  <a:tailEnd/>
+                </a14:hiddenLine>
+              </a:ext>
+            </a:extLst>
+          </p:spPr>
+          <p:txBody>
+            <a:bodyPr vert="horz" wrap="square" lIns="91440" tIns="45720" rIns="91440" bIns="45720" numCol="1" anchor="t" anchorCtr="0" compatLnSpc="1">
+              <a:prstTxWarp prst="textNoShape">
+                <a:avLst/>
+              </a:prstTxWarp>
+            </a:bodyPr>
+            <a:lstStyle>
+              <a:lvl1pPr marL="342900" indent="-342900" algn="l" rtl="0" eaLnBrk="0" fontAlgn="base" hangingPunct="0">
+                <a:spcBef>
+                  <a:spcPct val="20000"/>
+                </a:spcBef>
+                <a:spcAft>
+                  <a:spcPct val="0"/>
+                </a:spcAft>
+                <a:buFont typeface="Arial" panose="020B0604020202020204" pitchFamily="34" charset="0"/>
+                <a:buChar char="•"/>
+                <a:defRPr sz="3200" kern="1200">
+                  <a:solidFill>
+                    <a:schemeClr val="tx1"/>
+                  </a:solidFill>
+                  <a:latin typeface="+mn-lt"/>
+                  <a:ea typeface="+mn-ea"/>
+                  <a:cs typeface="+mn-cs"/>
+                </a:defRPr>
+              </a:lvl1pPr>
+              <a:lvl2pPr marL="742950" indent="-285750" algn="l" rtl="0" eaLnBrk="0" fontAlgn="base" hangingPunct="0">
+                <a:spcBef>
+                  <a:spcPct val="20000"/>
+                </a:spcBef>
+                <a:spcAft>
+                  <a:spcPct val="0"/>
+                </a:spcAft>
+                <a:buFont typeface="Arial" panose="020B0604020202020204" pitchFamily="34" charset="0"/>
+                <a:buChar char="–"/>
+                <a:defRPr sz="2800" kern="1200">
+                  <a:solidFill>
+                    <a:schemeClr val="tx1"/>
+                  </a:solidFill>
+                  <a:latin typeface="+mn-lt"/>
+                  <a:ea typeface="+mn-ea"/>
+                  <a:cs typeface="+mn-cs"/>
+                </a:defRPr>
+              </a:lvl2pPr>
+              <a:lvl3pPr marL="1143000" indent="-228600" algn="l" rtl="0" eaLnBrk="0" fontAlgn="base" hangingPunct="0">
+                <a:spcBef>
+                  <a:spcPct val="20000"/>
+                </a:spcBef>
+                <a:spcAft>
+                  <a:spcPct val="0"/>
+                </a:spcAft>
+                <a:buFont typeface="Arial" panose="020B0604020202020204" pitchFamily="34" charset="0"/>
+                <a:buChar char="•"/>
+                <a:defRPr sz="2400" kern="1200">
+                  <a:solidFill>
+                    <a:schemeClr val="tx1"/>
+                  </a:solidFill>
+                  <a:latin typeface="+mn-lt"/>
+                  <a:ea typeface="+mn-ea"/>
+                  <a:cs typeface="+mn-cs"/>
+                </a:defRPr>
+              </a:lvl3pPr>
+              <a:lvl4pPr marL="1600200" indent="-228600" algn="l" rtl="0" eaLnBrk="0" fontAlgn="base" hangingPunct="0">
+                <a:spcBef>
+                  <a:spcPct val="20000"/>
+                </a:spcBef>
+                <a:spcAft>
+                  <a:spcPct val="0"/>
+                </a:spcAft>
+                <a:buFont typeface="Arial" panose="020B0604020202020204" pitchFamily="34" charset="0"/>
+                <a:buChar char="–"/>
+                <a:defRPr sz="2000" kern="1200">
+                  <a:solidFill>
+                    <a:schemeClr val="tx1"/>
+                  </a:solidFill>
+                  <a:latin typeface="+mn-lt"/>
+                  <a:ea typeface="+mn-ea"/>
+                  <a:cs typeface="+mn-cs"/>
+                </a:defRPr>
+              </a:lvl4pPr>
+              <a:lvl5pPr marL="2057400" indent="-228600" algn="l" rtl="0" eaLnBrk="0" fontAlgn="base" hangingPunct="0">
+                <a:spcBef>
+                  <a:spcPct val="20000"/>
+                </a:spcBef>
+                <a:spcAft>
+                  <a:spcPct val="0"/>
+                </a:spcAft>
+                <a:buFont typeface="Arial" panose="020B0604020202020204" pitchFamily="34" charset="0"/>
+                <a:buChar char="»"/>
+                <a:defRPr sz="2000" kern="1200">
+                  <a:solidFill>
+                    <a:schemeClr val="tx1"/>
+                  </a:solidFill>
+                  <a:latin typeface="+mn-lt"/>
+                  <a:ea typeface="+mn-ea"/>
+                  <a:cs typeface="+mn-cs"/>
+                </a:defRPr>
+              </a:lvl5pPr>
+              <a:lvl6pPr marL="2514600" indent="-228600" algn="l" defTabSz="914400" rtl="0" eaLnBrk="1" latinLnBrk="0" hangingPunct="1">
+                <a:spcBef>
+                  <a:spcPct val="20000"/>
+                </a:spcBef>
+                <a:buFont typeface="Arial" pitchFamily="34" charset="0"/>
+                <a:buChar char="•"/>
+                <a:defRPr sz="2000" kern="1200">
+                  <a:solidFill>
+                    <a:schemeClr val="tx1"/>
+                  </a:solidFill>
+                  <a:latin typeface="+mn-lt"/>
+                  <a:ea typeface="+mn-ea"/>
+                  <a:cs typeface="+mn-cs"/>
+                </a:defRPr>
+              </a:lvl6pPr>
+              <a:lvl7pPr marL="2971800" indent="-228600" algn="l" defTabSz="914400" rtl="0" eaLnBrk="1" latinLnBrk="0" hangingPunct="1">
+                <a:spcBef>
+                  <a:spcPct val="20000"/>
+                </a:spcBef>
+                <a:buFont typeface="Arial" pitchFamily="34" charset="0"/>
+                <a:buChar char="•"/>
+                <a:defRPr sz="2000" kern="1200">
+                  <a:solidFill>
+                    <a:schemeClr val="tx1"/>
+                  </a:solidFill>
+                  <a:latin typeface="+mn-lt"/>
+                  <a:ea typeface="+mn-ea"/>
+                  <a:cs typeface="+mn-cs"/>
+                </a:defRPr>
+              </a:lvl7pPr>
+              <a:lvl8pPr marL="3429000" indent="-228600" algn="l" defTabSz="914400" rtl="0" eaLnBrk="1" latinLnBrk="0" hangingPunct="1">
+                <a:spcBef>
+                  <a:spcPct val="20000"/>
+                </a:spcBef>
+                <a:buFont typeface="Arial" pitchFamily="34" charset="0"/>
+                <a:buChar char="•"/>
+                <a:defRPr sz="2000" kern="1200">
+                  <a:solidFill>
+                    <a:schemeClr val="tx1"/>
+                  </a:solidFill>
+                  <a:latin typeface="+mn-lt"/>
+                  <a:ea typeface="+mn-ea"/>
+                  <a:cs typeface="+mn-cs"/>
+                </a:defRPr>
+              </a:lvl8pPr>
+              <a:lvl9pPr marL="3886200" indent="-228600" algn="l" defTabSz="914400" rtl="0" eaLnBrk="1" latinLnBrk="0" hangingPunct="1">
+                <a:spcBef>
+                  <a:spcPct val="20000"/>
+                </a:spcBef>
+                <a:buFont typeface="Arial" pitchFamily="34" charset="0"/>
+                <a:buChar char="•"/>
+                <a:defRPr sz="2000" kern="1200">
+                  <a:solidFill>
+                    <a:schemeClr val="tx1"/>
+                  </a:solidFill>
+                  <a:latin typeface="+mn-lt"/>
+                  <a:ea typeface="+mn-ea"/>
+                  <a:cs typeface="+mn-cs"/>
+                </a:defRPr>
+              </a:lvl9pPr>
+            </a:lstStyle>
+            <a:p>
+              <a:pPr marL="0" indent="0" algn="ctr" eaLnBrk="1" hangingPunct="1">
+                <a:buFont typeface="Arial" panose="020B0604020202020204" pitchFamily="34" charset="0"/>
+                <a:buNone/>
+              </a:pPr>
+              <a:r>
+                <a:rPr lang="ru-RU" altLang="ru-RU" dirty="0" smtClean="0">
+                  <a:latin typeface="Times New Roman" panose="02020603050405020304" pitchFamily="18" charset="0"/>
+                </a:rPr>
+                <a:t>Алгоритм проталкивания предпотока</a:t>
+              </a:r>
+            </a:p>
+          </p:txBody>
+        </p:sp>
+      </p:grpSp>
+      <mc:AlternateContent xmlns:mc="http://schemas.openxmlformats.org/markup-compatibility/2006">
+        <mc:Choice xmlns:a14="http://schemas.microsoft.com/office/drawing/2010/main" Requires="a14">
           <p:sp>
             <p:nvSpPr>
               <p:cNvPr id="5" name="TextBox 4"/>
@@ -6268,8 +7142,8 @@
             </p:nvSpPr>
             <p:spPr>
               <a:xfrm>
-                <a:off x="539552" y="2110255"/>
-                <a:ext cx="8136904" cy="1728358"/>
+                <a:off x="503548" y="2996952"/>
+                <a:ext cx="8136904" cy="1099468"/>
               </a:xfrm>
               <a:prstGeom prst="rect">
                 <a:avLst/>
@@ -6288,164 +7162,11 @@
                   </a:spcAft>
                 </a:pPr>
                 <a:r>
-                  <a:rPr lang="ru-RU" dirty="0">
+                  <a:rPr lang="ru-RU" dirty="0" smtClean="0">
                     <a:latin typeface="Times New Roman" panose="02020603050405020304" pitchFamily="18" charset="0"/>
                     <a:cs typeface="Times New Roman" panose="02020603050405020304" pitchFamily="18" charset="0"/>
                   </a:rPr>
-                  <a:t>Пусть </a:t>
-                </a:r>
-                <a14:m>
-                  <m:oMath xmlns:m="http://schemas.openxmlformats.org/officeDocument/2006/math">
-                    <m:acc>
-                      <m:accPr>
-                        <m:chr m:val="⃗"/>
-                        <m:ctrlPr>
-                          <a:rPr lang="ru-RU" i="1">
-                            <a:latin typeface="Cambria Math" panose="02040503050406030204" pitchFamily="18" charset="0"/>
-                          </a:rPr>
-                        </m:ctrlPr>
-                      </m:accPr>
-                      <m:e>
-                        <m:r>
-                          <a:rPr lang="en-US" i="1">
-                            <a:latin typeface="Cambria Math" panose="02040503050406030204" pitchFamily="18" charset="0"/>
-                          </a:rPr>
-                          <m:t>𝐺</m:t>
-                        </m:r>
-                      </m:e>
-                    </m:acc>
-                    <m:r>
-                      <a:rPr lang="ru-RU" i="1">
-                        <a:latin typeface="Cambria Math" panose="02040503050406030204" pitchFamily="18" charset="0"/>
-                      </a:rPr>
-                      <m:t>=(</m:t>
-                    </m:r>
-                    <m:r>
-                      <a:rPr lang="ru-RU" i="1">
-                        <a:latin typeface="Cambria Math" panose="02040503050406030204" pitchFamily="18" charset="0"/>
-                      </a:rPr>
-                      <m:t>𝑉</m:t>
-                    </m:r>
-                    <m:r>
-                      <a:rPr lang="ru-RU" i="1">
-                        <a:latin typeface="Cambria Math" panose="02040503050406030204" pitchFamily="18" charset="0"/>
-                      </a:rPr>
-                      <m:t>,</m:t>
-                    </m:r>
-                    <m:r>
-                      <a:rPr lang="ru-RU" i="1">
-                        <a:latin typeface="Cambria Math" panose="02040503050406030204" pitchFamily="18" charset="0"/>
-                      </a:rPr>
-                      <m:t>𝐸</m:t>
-                    </m:r>
-                    <m:r>
-                      <a:rPr lang="ru-RU" i="1">
-                        <a:latin typeface="Cambria Math" panose="02040503050406030204" pitchFamily="18" charset="0"/>
-                      </a:rPr>
-                      <m:t>)</m:t>
-                    </m:r>
-                  </m:oMath>
-                </a14:m>
-                <a:r>
-                  <a:rPr lang="ru-RU" dirty="0">
-                    <a:latin typeface="Times New Roman" panose="02020603050405020304" pitchFamily="18" charset="0"/>
-                    <a:cs typeface="Times New Roman" panose="02020603050405020304" pitchFamily="18" charset="0"/>
-                  </a:rPr>
-                  <a:t> транспортная сеть с источником </a:t>
-                </a:r>
-                <a14:m>
-                  <m:oMath xmlns:m="http://schemas.openxmlformats.org/officeDocument/2006/math">
-                    <m:r>
-                      <a:rPr lang="en-US" i="1">
-                        <a:latin typeface="Cambria Math" panose="02040503050406030204" pitchFamily="18" charset="0"/>
-                      </a:rPr>
-                      <m:t>𝑠</m:t>
-                    </m:r>
-                  </m:oMath>
-                </a14:m>
-                <a:r>
-                  <a:rPr lang="en-US" dirty="0">
-                    <a:latin typeface="Times New Roman" panose="02020603050405020304" pitchFamily="18" charset="0"/>
-                    <a:cs typeface="Times New Roman" panose="02020603050405020304" pitchFamily="18" charset="0"/>
-                  </a:rPr>
-                  <a:t> </a:t>
-                </a:r>
-                <a:r>
-                  <a:rPr lang="ru-RU" dirty="0">
-                    <a:latin typeface="Times New Roman" panose="02020603050405020304" pitchFamily="18" charset="0"/>
-                    <a:cs typeface="Times New Roman" panose="02020603050405020304" pitchFamily="18" charset="0"/>
-                  </a:rPr>
-                  <a:t>и стоком </a:t>
-                </a:r>
-                <a14:m>
-                  <m:oMath xmlns:m="http://schemas.openxmlformats.org/officeDocument/2006/math">
-                    <m:r>
-                      <a:rPr lang="en-US" i="1">
-                        <a:latin typeface="Cambria Math" panose="02040503050406030204" pitchFamily="18" charset="0"/>
-                      </a:rPr>
-                      <m:t>𝑡</m:t>
-                    </m:r>
-                  </m:oMath>
-                </a14:m>
-                <a:r>
-                  <a:rPr lang="ru-RU" dirty="0">
-                    <a:latin typeface="Times New Roman" panose="02020603050405020304" pitchFamily="18" charset="0"/>
-                    <a:cs typeface="Times New Roman" panose="02020603050405020304" pitchFamily="18" charset="0"/>
-                  </a:rPr>
-                  <a:t>, а </a:t>
-                </a:r>
-                <a14:m>
-                  <m:oMath xmlns:m="http://schemas.openxmlformats.org/officeDocument/2006/math">
-                    <m:r>
-                      <a:rPr lang="en-US" i="1">
-                        <a:latin typeface="Cambria Math" panose="02040503050406030204" pitchFamily="18" charset="0"/>
-                      </a:rPr>
-                      <m:t>𝑓</m:t>
-                    </m:r>
-                  </m:oMath>
-                </a14:m>
-                <a:r>
-                  <a:rPr lang="en-US" dirty="0">
-                    <a:latin typeface="Times New Roman" panose="02020603050405020304" pitchFamily="18" charset="0"/>
-                    <a:cs typeface="Times New Roman" panose="02020603050405020304" pitchFamily="18" charset="0"/>
-                  </a:rPr>
-                  <a:t> </a:t>
-                </a:r>
-                <a:r>
-                  <a:rPr lang="ru-RU" dirty="0">
-                    <a:latin typeface="Times New Roman" panose="02020603050405020304" pitchFamily="18" charset="0"/>
-                    <a:cs typeface="Times New Roman" panose="02020603050405020304" pitchFamily="18" charset="0"/>
-                  </a:rPr>
-                  <a:t>– некоторый предпоток в </a:t>
-                </a:r>
-                <a14:m>
-                  <m:oMath xmlns:m="http://schemas.openxmlformats.org/officeDocument/2006/math">
-                    <m:acc>
-                      <m:accPr>
-                        <m:chr m:val="⃗"/>
-                        <m:ctrlPr>
-                          <a:rPr lang="ru-RU" i="1">
-                            <a:latin typeface="Cambria Math" panose="02040503050406030204" pitchFamily="18" charset="0"/>
-                          </a:rPr>
-                        </m:ctrlPr>
-                      </m:accPr>
-                      <m:e>
-                        <m:r>
-                          <a:rPr lang="en-US" i="1">
-                            <a:latin typeface="Cambria Math" panose="02040503050406030204" pitchFamily="18" charset="0"/>
-                          </a:rPr>
-                          <m:t>𝐺</m:t>
-                        </m:r>
-                      </m:e>
-                    </m:acc>
-                  </m:oMath>
-                </a14:m>
-                <a:r>
-                  <a:rPr lang="ru-RU" dirty="0">
-                    <a:latin typeface="Times New Roman" panose="02020603050405020304" pitchFamily="18" charset="0"/>
-                    <a:cs typeface="Times New Roman" panose="02020603050405020304" pitchFamily="18" charset="0"/>
-                  </a:rPr>
-                  <a:t>. Функция </a:t>
+                  <a:t>Функция </a:t>
                 </a:r>
                 <a14:m>
                   <m:oMath xmlns:m="http://schemas.openxmlformats.org/officeDocument/2006/math">
@@ -6749,7 +7470,7 @@
             </p:txBody>
           </p:sp>
         </mc:Choice>
-        <mc:Fallback xmlns="">
+        <mc:Fallback>
           <p:sp>
             <p:nvSpPr>
               <p:cNvPr id="5" name="TextBox 4"/>
@@ -6760,8 +7481,8 @@
             </p:nvSpPr>
             <p:spPr>
               <a:xfrm>
-                <a:off x="539552" y="2110255"/>
-                <a:ext cx="8136904" cy="1728358"/>
+                <a:off x="503548" y="2996952"/>
+                <a:ext cx="8136904" cy="1099468"/>
               </a:xfrm>
               <a:prstGeom prst="rect">
                 <a:avLst/>
@@ -6769,7 +7490,7 @@
               <a:blipFill>
                 <a:blip r:embed="rId2"/>
                 <a:stretch>
-                  <a:fillRect l="-675" t="-4930" r="-675" b="-2817"/>
+                  <a:fillRect t="-3333" b="-6111"/>
                 </a:stretch>
               </a:blipFill>
             </p:spPr>
@@ -6808,7 +7529,7 @@
 </p:sld>
 </file>
 
-<file path=ppt/slides/slide13.xml><?xml version="1.0" encoding="utf-8"?>
+<file path=ppt/slides/slide14.xml><?xml version="1.0" encoding="utf-8"?>
 <p:sld xmlns:a="http://schemas.openxmlformats.org/drawingml/2006/main" xmlns:r="http://schemas.openxmlformats.org/officeDocument/2006/relationships" xmlns:p="http://schemas.openxmlformats.org/presentationml/2006/main">
   <p:cSld>
     <p:spTree>
@@ -8649,7 +9370,7 @@
 </p:sld>
 </file>
 
-<file path=ppt/slides/slide14.xml><?xml version="1.0" encoding="utf-8"?>
+<file path=ppt/slides/slide15.xml><?xml version="1.0" encoding="utf-8"?>
 <p:sld xmlns:a="http://schemas.openxmlformats.org/drawingml/2006/main" xmlns:r="http://schemas.openxmlformats.org/officeDocument/2006/relationships" xmlns:p="http://schemas.openxmlformats.org/presentationml/2006/main">
   <p:cSld>
     <p:spTree>
@@ -9092,8 +9813,8 @@
           </p:txBody>
         </p:sp>
       </p:grpSp>
-      <mc:AlternateContent xmlns:mc="http://schemas.openxmlformats.org/markup-compatibility/2006" xmlns:a14="http://schemas.microsoft.com/office/drawing/2010/main">
-        <mc:Choice Requires="a14">
+      <mc:AlternateContent xmlns:mc="http://schemas.openxmlformats.org/markup-compatibility/2006">
+        <mc:Choice xmlns:a14="http://schemas.microsoft.com/office/drawing/2010/main" Requires="a14">
           <p:sp>
             <p:nvSpPr>
               <p:cNvPr id="5" name="TextBox 4"/>
@@ -9102,7 +9823,7 @@
             </p:nvSpPr>
             <p:spPr>
               <a:xfrm>
-                <a:off x="539552" y="2110255"/>
+                <a:off x="539552" y="1748782"/>
                 <a:ext cx="8136904" cy="1683666"/>
               </a:xfrm>
               <a:prstGeom prst="rect">
@@ -9477,7 +10198,7 @@
             </p:txBody>
           </p:sp>
         </mc:Choice>
-        <mc:Fallback xmlns="">
+        <mc:Fallback>
           <p:sp>
             <p:nvSpPr>
               <p:cNvPr id="5" name="TextBox 4"/>
@@ -9488,7 +10209,7 @@
             </p:nvSpPr>
             <p:spPr>
               <a:xfrm>
-                <a:off x="539552" y="2110255"/>
+                <a:off x="539552" y="1748782"/>
                 <a:ext cx="8136904" cy="1683666"/>
               </a:xfrm>
               <a:prstGeom prst="rect">
@@ -9497,7 +10218,7 @@
               <a:blipFill>
                 <a:blip r:embed="rId2"/>
                 <a:stretch>
-                  <a:fillRect l="-675" t="-1812" b="-5072"/>
+                  <a:fillRect l="-675" t="-2174" b="-4348"/>
                 </a:stretch>
               </a:blipFill>
             </p:spPr>
@@ -9516,6 +10237,36 @@
           </p:sp>
         </mc:Fallback>
       </mc:AlternateContent>
+      <p:pic>
+        <p:nvPicPr>
+          <p:cNvPr id="6" name="Рисунок 5"/>
+          <p:cNvPicPr>
+            <a:picLocks noChangeAspect="1"/>
+          </p:cNvPicPr>
+          <p:nvPr/>
+        </p:nvPicPr>
+        <p:blipFill>
+          <a:blip r:embed="rId3">
+            <a:extLst>
+              <a:ext uri="{28A0092B-C50C-407E-A947-70E740481C1C}">
+                <a14:useLocalDpi xmlns:a14="http://schemas.microsoft.com/office/drawing/2010/main" val="0"/>
+              </a:ext>
+            </a:extLst>
+          </a:blip>
+          <a:stretch>
+            <a:fillRect/>
+          </a:stretch>
+        </p:blipFill>
+        <p:spPr>
+          <a:xfrm>
+            <a:off x="1153939" y="3429000"/>
+            <a:ext cx="6908130" cy="3179139"/>
+          </a:xfrm>
+          <a:prstGeom prst="rect">
+            <a:avLst/>
+          </a:prstGeom>
+        </p:spPr>
+      </p:pic>
     </p:spTree>
     <p:extLst>
       <p:ext uri="{BB962C8B-B14F-4D97-AF65-F5344CB8AC3E}">
@@ -9536,7 +10287,7 @@
 </p:sld>
 </file>
 
-<file path=ppt/slides/slide15.xml><?xml version="1.0" encoding="utf-8"?>
+<file path=ppt/slides/slide16.xml><?xml version="1.0" encoding="utf-8"?>
 <p:sld xmlns:a="http://schemas.openxmlformats.org/drawingml/2006/main" xmlns:r="http://schemas.openxmlformats.org/officeDocument/2006/relationships" xmlns:p="http://schemas.openxmlformats.org/presentationml/2006/main">
   <p:cSld>
     <p:spTree>
@@ -9979,8 +10730,8 @@
           </p:txBody>
         </p:sp>
       </p:grpSp>
-      <mc:AlternateContent xmlns:mc="http://schemas.openxmlformats.org/markup-compatibility/2006" xmlns:a14="http://schemas.microsoft.com/office/drawing/2010/main">
-        <mc:Choice Requires="a14">
+      <mc:AlternateContent xmlns:mc="http://schemas.openxmlformats.org/markup-compatibility/2006">
+        <mc:Choice xmlns:a14="http://schemas.microsoft.com/office/drawing/2010/main" Requires="a14">
           <p:sp>
             <p:nvSpPr>
               <p:cNvPr id="5" name="TextBox 4"/>
@@ -9989,8 +10740,8 @@
             </p:nvSpPr>
             <p:spPr>
               <a:xfrm>
-                <a:off x="395536" y="1744228"/>
-                <a:ext cx="8352928" cy="5113772"/>
+                <a:off x="395536" y="2492896"/>
+                <a:ext cx="8352928" cy="2846933"/>
               </a:xfrm>
               <a:prstGeom prst="rect">
                 <a:avLst/>
@@ -10005,11 +10756,11 @@
               <a:p>
                 <a:pPr algn="just">
                   <a:spcAft>
-                    <a:spcPts val="0"/>
+                    <a:spcPts val="600"/>
                   </a:spcAft>
                 </a:pPr>
                 <a:r>
-                  <a:rPr lang="ru-RU" u="sng" dirty="0">
+                  <a:rPr lang="ru-RU" u="sng" dirty="0" smtClean="0">
                     <a:latin typeface="Times New Roman" panose="02020603050405020304" pitchFamily="18" charset="0"/>
                     <a:cs typeface="Times New Roman" panose="02020603050405020304" pitchFamily="18" charset="0"/>
                   </a:rPr>
@@ -10023,7 +10774,7 @@
               <a:p>
                 <a:pPr algn="just">
                   <a:spcAft>
-                    <a:spcPts val="0"/>
+                    <a:spcPts val="600"/>
                   </a:spcAft>
                 </a:pPr>
                 <a:r>
@@ -10078,13 +10829,31 @@
                     <a:latin typeface="Times New Roman" panose="02020603050405020304" pitchFamily="18" charset="0"/>
                     <a:cs typeface="Times New Roman" panose="02020603050405020304" pitchFamily="18" charset="0"/>
                   </a:rPr>
-                  <a:t>: выполнять шаги 2-3</a:t>
+                  <a:t>: выполнять </a:t>
                 </a:r>
+                <a:r>
+                  <a:rPr lang="ru-RU" dirty="0" smtClean="0">
+                    <a:latin typeface="Times New Roman" panose="02020603050405020304" pitchFamily="18" charset="0"/>
+                    <a:cs typeface="Times New Roman" panose="02020603050405020304" pitchFamily="18" charset="0"/>
+                  </a:rPr>
+                  <a:t>шаг </a:t>
+                </a:r>
+                <a:r>
+                  <a:rPr lang="ru-RU" dirty="0">
+                    <a:latin typeface="Times New Roman" panose="02020603050405020304" pitchFamily="18" charset="0"/>
+                    <a:cs typeface="Times New Roman" panose="02020603050405020304" pitchFamily="18" charset="0"/>
+                  </a:rPr>
+                  <a:t>2</a:t>
+                </a:r>
+                <a:endParaRPr lang="ru-RU" dirty="0">
+                  <a:latin typeface="Times New Roman" panose="02020603050405020304" pitchFamily="18" charset="0"/>
+                  <a:cs typeface="Times New Roman" panose="02020603050405020304" pitchFamily="18" charset="0"/>
+                </a:endParaRPr>
               </a:p>
               <a:p>
                 <a:pPr algn="just">
                   <a:spcAft>
-                    <a:spcPts val="0"/>
+                    <a:spcPts val="600"/>
                   </a:spcAft>
                 </a:pPr>
                 <a:r>
@@ -10092,31 +10861,7 @@
                     <a:latin typeface="Times New Roman" panose="02020603050405020304" pitchFamily="18" charset="0"/>
                     <a:cs typeface="Times New Roman" panose="02020603050405020304" pitchFamily="18" charset="0"/>
                   </a:rPr>
-                  <a:t>Шаг 2. Высоте вершины </a:t>
-                </a:r>
-                <a14:m>
-                  <m:oMath xmlns:m="http://schemas.openxmlformats.org/officeDocument/2006/math">
-                    <m:r>
-                      <a:rPr lang="en-US" i="1">
-                        <a:latin typeface="Cambria Math" panose="02040503050406030204" pitchFamily="18" charset="0"/>
-                      </a:rPr>
-                      <m:t>𝑢</m:t>
-                    </m:r>
-                  </m:oMath>
-                </a14:m>
-                <a:r>
-                  <a:rPr lang="en-US" dirty="0">
-                    <a:latin typeface="Times New Roman" panose="02020603050405020304" pitchFamily="18" charset="0"/>
-                    <a:cs typeface="Times New Roman" panose="02020603050405020304" pitchFamily="18" charset="0"/>
-                  </a:rPr>
-                  <a:t> </a:t>
-                </a:r>
-                <a:r>
-                  <a:rPr lang="ru-RU" dirty="0">
-                    <a:latin typeface="Times New Roman" panose="02020603050405020304" pitchFamily="18" charset="0"/>
-                    <a:cs typeface="Times New Roman" panose="02020603050405020304" pitchFamily="18" charset="0"/>
-                  </a:rPr>
-                  <a:t>присваивается значение 0: </a:t>
+                  <a:t>Шаг 2. </a:t>
                 </a:r>
                 <a14:m>
                   <m:oMath xmlns:m="http://schemas.openxmlformats.org/officeDocument/2006/math">
@@ -10151,45 +10896,12 @@
                       </a:rPr>
                       <m:t>=0</m:t>
                     </m:r>
-                  </m:oMath>
-                </a14:m>
-                <a:endParaRPr lang="ru-RU" dirty="0">
-                  <a:latin typeface="Times New Roman" panose="02020603050405020304" pitchFamily="18" charset="0"/>
-                  <a:cs typeface="Times New Roman" panose="02020603050405020304" pitchFamily="18" charset="0"/>
-                </a:endParaRPr>
-              </a:p>
-              <a:p>
-                <a:pPr algn="just">
-                  <a:spcAft>
-                    <a:spcPts val="0"/>
-                  </a:spcAft>
-                </a:pPr>
-                <a:r>
-                  <a:rPr lang="ru-RU" dirty="0">
-                    <a:latin typeface="Times New Roman" panose="02020603050405020304" pitchFamily="18" charset="0"/>
-                    <a:cs typeface="Times New Roman" panose="02020603050405020304" pitchFamily="18" charset="0"/>
-                  </a:rPr>
-                  <a:t>Шаг 3. Излишнему поток вершины </a:t>
-                </a:r>
-                <a14:m>
-                  <m:oMath xmlns:m="http://schemas.openxmlformats.org/officeDocument/2006/math">
-                    <m:r>
-                      <a:rPr lang="en-US" i="1">
-                        <a:latin typeface="Cambria Math" panose="02040503050406030204" pitchFamily="18" charset="0"/>
-                      </a:rPr>
-                      <m:t>𝑢</m:t>
-                    </m:r>
-                  </m:oMath>
-                </a14:m>
-                <a:r>
-                  <a:rPr lang="ru-RU" dirty="0">
-                    <a:latin typeface="Times New Roman" panose="02020603050405020304" pitchFamily="18" charset="0"/>
-                    <a:cs typeface="Times New Roman" panose="02020603050405020304" pitchFamily="18" charset="0"/>
-                  </a:rPr>
-                  <a:t> присваивается значение 0: </a:t>
-                </a:r>
-                <a14:m>
-                  <m:oMath xmlns:m="http://schemas.openxmlformats.org/officeDocument/2006/math">
+                    <m:r>
+                      <a:rPr lang="ru-RU" b="0" i="1" smtClean="0">
+                        <a:latin typeface="Cambria Math" panose="02040503050406030204" pitchFamily="18" charset="0"/>
+                      </a:rPr>
+                      <m:t>,</m:t>
+                    </m:r>
                     <m:r>
                       <a:rPr lang="en-US" i="1">
                         <a:latin typeface="Cambria Math" panose="02040503050406030204" pitchFamily="18" charset="0"/>
@@ -10231,15 +10943,36 @@
               <a:p>
                 <a:pPr algn="just">
                   <a:spcAft>
-                    <a:spcPts val="0"/>
+                    <a:spcPts val="600"/>
                   </a:spcAft>
                 </a:pPr>
+                <a:r>
+                  <a:rPr lang="ru-RU" dirty="0" smtClean="0">
+                    <a:latin typeface="Times New Roman" panose="02020603050405020304" pitchFamily="18" charset="0"/>
+                    <a:cs typeface="Times New Roman" panose="02020603050405020304" pitchFamily="18" charset="0"/>
+                  </a:rPr>
+                  <a:t>Шаг </a:t>
+                </a:r>
                 <a:r>
                   <a:rPr lang="ru-RU" dirty="0">
                     <a:latin typeface="Times New Roman" panose="02020603050405020304" pitchFamily="18" charset="0"/>
                     <a:cs typeface="Times New Roman" panose="02020603050405020304" pitchFamily="18" charset="0"/>
                   </a:rPr>
-                  <a:t>Шаг 4. Для каждой дуги </a:t>
+                  <a:t>3</a:t>
+                </a:r>
+                <a:r>
+                  <a:rPr lang="ru-RU" dirty="0" smtClean="0">
+                    <a:latin typeface="Times New Roman" panose="02020603050405020304" pitchFamily="18" charset="0"/>
+                    <a:cs typeface="Times New Roman" panose="02020603050405020304" pitchFamily="18" charset="0"/>
+                  </a:rPr>
+                  <a:t>. </a:t>
+                </a:r>
+                <a:r>
+                  <a:rPr lang="ru-RU" dirty="0">
+                    <a:latin typeface="Times New Roman" panose="02020603050405020304" pitchFamily="18" charset="0"/>
+                    <a:cs typeface="Times New Roman" panose="02020603050405020304" pitchFamily="18" charset="0"/>
+                  </a:rPr>
+                  <a:t>Для каждой дуги </a:t>
                 </a:r>
                 <a14:m>
                   <m:oMath xmlns:m="http://schemas.openxmlformats.org/officeDocument/2006/math">
@@ -10310,13 +11043,24 @@
                     <a:latin typeface="Times New Roman" panose="02020603050405020304" pitchFamily="18" charset="0"/>
                     <a:cs typeface="Times New Roman" panose="02020603050405020304" pitchFamily="18" charset="0"/>
                   </a:rPr>
-                  <a:t>: выполнять шаги 5-6</a:t>
+                  <a:t>: выполнять </a:t>
                 </a:r>
+                <a:r>
+                  <a:rPr lang="ru-RU" dirty="0" smtClean="0">
+                    <a:latin typeface="Times New Roman" panose="02020603050405020304" pitchFamily="18" charset="0"/>
+                    <a:cs typeface="Times New Roman" panose="02020603050405020304" pitchFamily="18" charset="0"/>
+                  </a:rPr>
+                  <a:t>шаг 4</a:t>
+                </a:r>
+                <a:endParaRPr lang="ru-RU" dirty="0">
+                  <a:latin typeface="Times New Roman" panose="02020603050405020304" pitchFamily="18" charset="0"/>
+                  <a:cs typeface="Times New Roman" panose="02020603050405020304" pitchFamily="18" charset="0"/>
+                </a:endParaRPr>
               </a:p>
               <a:p>
                 <a:pPr algn="just">
                   <a:spcAft>
-                    <a:spcPts val="0"/>
+                    <a:spcPts val="600"/>
                   </a:spcAft>
                 </a:pPr>
                 <a:r>
@@ -10324,55 +11068,14 @@
                     <a:latin typeface="Times New Roman" panose="02020603050405020304" pitchFamily="18" charset="0"/>
                     <a:cs typeface="Times New Roman" panose="02020603050405020304" pitchFamily="18" charset="0"/>
                   </a:rPr>
-                  <a:t>Шаг 5. Потоку из вершины </a:t>
+                  <a:t>Шаг </a:t>
                 </a:r>
-                <a14:m>
-                  <m:oMath xmlns:m="http://schemas.openxmlformats.org/officeDocument/2006/math">
-                    <m:r>
-                      <a:rPr lang="en-US" i="1">
-                        <a:latin typeface="Cambria Math" panose="02040503050406030204" pitchFamily="18" charset="0"/>
-                      </a:rPr>
-                      <m:t>𝑢</m:t>
-                    </m:r>
-                  </m:oMath>
-                </a14:m>
                 <a:r>
-                  <a:rPr lang="en-US" dirty="0">
+                  <a:rPr lang="ru-RU" dirty="0" smtClean="0">
                     <a:latin typeface="Times New Roman" panose="02020603050405020304" pitchFamily="18" charset="0"/>
                     <a:cs typeface="Times New Roman" panose="02020603050405020304" pitchFamily="18" charset="0"/>
                   </a:rPr>
-                  <a:t> </a:t>
-                </a:r>
-                <a:r>
-                  <a:rPr lang="ru-RU" dirty="0">
-                    <a:latin typeface="Times New Roman" panose="02020603050405020304" pitchFamily="18" charset="0"/>
-                    <a:cs typeface="Times New Roman" panose="02020603050405020304" pitchFamily="18" charset="0"/>
-                  </a:rPr>
-                  <a:t>в </a:t>
-                </a:r>
-                <a14:m>
-                  <m:oMath xmlns:m="http://schemas.openxmlformats.org/officeDocument/2006/math">
-                    <m:r>
-                      <a:rPr lang="en-US" i="1">
-                        <a:latin typeface="Cambria Math" panose="02040503050406030204" pitchFamily="18" charset="0"/>
-                      </a:rPr>
-                      <m:t>𝑣</m:t>
-                    </m:r>
-                  </m:oMath>
-                </a14:m>
-                <a:r>
-                  <a:rPr lang="en-US" dirty="0">
-                    <a:latin typeface="Times New Roman" panose="02020603050405020304" pitchFamily="18" charset="0"/>
-                    <a:cs typeface="Times New Roman" panose="02020603050405020304" pitchFamily="18" charset="0"/>
-                  </a:rPr>
-                  <a:t> </a:t>
-                </a:r>
-                <a:r>
-                  <a:rPr lang="ru-RU" dirty="0">
-                    <a:latin typeface="Times New Roman" panose="02020603050405020304" pitchFamily="18" charset="0"/>
-                    <a:cs typeface="Times New Roman" panose="02020603050405020304" pitchFamily="18" charset="0"/>
-                  </a:rPr>
-                  <a:t>присваивается значение 0: </a:t>
+                  <a:t>4. </a:t>
                 </a:r>
                 <a14:m>
                   <m:oMath xmlns:m="http://schemas.openxmlformats.org/officeDocument/2006/math">
@@ -10419,76 +11122,12 @@
                       </a:rPr>
                       <m:t>=0</m:t>
                     </m:r>
-                  </m:oMath>
-                </a14:m>
-                <a:endParaRPr lang="ru-RU" dirty="0">
-                  <a:latin typeface="Times New Roman" panose="02020603050405020304" pitchFamily="18" charset="0"/>
-                  <a:cs typeface="Times New Roman" panose="02020603050405020304" pitchFamily="18" charset="0"/>
-                </a:endParaRPr>
-              </a:p>
-              <a:p>
-                <a:pPr algn="just">
-                  <a:spcAft>
-                    <a:spcPts val="0"/>
-                  </a:spcAft>
-                </a:pPr>
-                <a:r>
-                  <a:rPr lang="ru-RU" dirty="0">
-                    <a:latin typeface="Times New Roman" panose="02020603050405020304" pitchFamily="18" charset="0"/>
-                    <a:cs typeface="Times New Roman" panose="02020603050405020304" pitchFamily="18" charset="0"/>
-                  </a:rPr>
-                  <a:t>Шаг 6. Потоку из вершины </a:t>
-                </a:r>
-                <a14:m>
-                  <m:oMath xmlns:m="http://schemas.openxmlformats.org/officeDocument/2006/math">
-                    <m:r>
-                      <a:rPr lang="en-US" i="1">
-                        <a:latin typeface="Cambria Math" panose="02040503050406030204" pitchFamily="18" charset="0"/>
-                      </a:rPr>
-                      <m:t>𝑣</m:t>
-                    </m:r>
-                  </m:oMath>
-                </a14:m>
-                <a:r>
-                  <a:rPr lang="en-US" dirty="0">
-                    <a:latin typeface="Times New Roman" panose="02020603050405020304" pitchFamily="18" charset="0"/>
-                    <a:cs typeface="Times New Roman" panose="02020603050405020304" pitchFamily="18" charset="0"/>
-                  </a:rPr>
-                  <a:t> </a:t>
-                </a:r>
-                <a:r>
-                  <a:rPr lang="ru-RU" dirty="0">
-                    <a:latin typeface="Times New Roman" panose="02020603050405020304" pitchFamily="18" charset="0"/>
-                    <a:cs typeface="Times New Roman" panose="02020603050405020304" pitchFamily="18" charset="0"/>
-                  </a:rPr>
-                  <a:t>в </a:t>
-                </a:r>
-                <a14:m>
-                  <m:oMath xmlns:m="http://schemas.openxmlformats.org/officeDocument/2006/math">
-                    <m:r>
-                      <a:rPr lang="en-US" i="1">
-                        <a:latin typeface="Cambria Math" panose="02040503050406030204" pitchFamily="18" charset="0"/>
-                      </a:rPr>
-                      <m:t>𝑢</m:t>
-                    </m:r>
-                  </m:oMath>
-                </a14:m>
-                <a:r>
-                  <a:rPr lang="en-US" dirty="0">
-                    <a:latin typeface="Times New Roman" panose="02020603050405020304" pitchFamily="18" charset="0"/>
-                    <a:cs typeface="Times New Roman" panose="02020603050405020304" pitchFamily="18" charset="0"/>
-                  </a:rPr>
-                  <a:t> </a:t>
-                </a:r>
-                <a:r>
-                  <a:rPr lang="ru-RU" dirty="0">
-                    <a:latin typeface="Times New Roman" panose="02020603050405020304" pitchFamily="18" charset="0"/>
-                    <a:cs typeface="Times New Roman" panose="02020603050405020304" pitchFamily="18" charset="0"/>
-                  </a:rPr>
-                  <a:t>присваивается значение 0: </a:t>
-                </a:r>
-                <a14:m>
-                  <m:oMath xmlns:m="http://schemas.openxmlformats.org/officeDocument/2006/math">
+                    <m:r>
+                      <a:rPr lang="ru-RU" b="0" i="1" smtClean="0">
+                        <a:latin typeface="Cambria Math" panose="02040503050406030204" pitchFamily="18" charset="0"/>
+                      </a:rPr>
+                      <m:t>,</m:t>
+                    </m:r>
                     <m:r>
                       <a:rPr lang="en-US" i="1">
                         <a:latin typeface="Cambria Math" panose="02040503050406030204" pitchFamily="18" charset="0"/>
@@ -10542,44 +11181,29 @@
               <a:p>
                 <a:pPr algn="just">
                   <a:spcAft>
-                    <a:spcPts val="0"/>
+                    <a:spcPts val="600"/>
                   </a:spcAft>
                 </a:pPr>
+                <a:r>
+                  <a:rPr lang="ru-RU" dirty="0" smtClean="0">
+                    <a:latin typeface="Times New Roman" panose="02020603050405020304" pitchFamily="18" charset="0"/>
+                    <a:cs typeface="Times New Roman" panose="02020603050405020304" pitchFamily="18" charset="0"/>
+                  </a:rPr>
+                  <a:t>Шаг </a:t>
+                </a:r>
                 <a:r>
                   <a:rPr lang="ru-RU" dirty="0">
                     <a:latin typeface="Times New Roman" panose="02020603050405020304" pitchFamily="18" charset="0"/>
                     <a:cs typeface="Times New Roman" panose="02020603050405020304" pitchFamily="18" charset="0"/>
                   </a:rPr>
-                  <a:t>Шаг 7. Высоте истока присваивается мощность множества вершин в сети </a:t>
+                  <a:t>5</a:t>
                 </a:r>
-                <a14:m>
-                  <m:oMath xmlns:m="http://schemas.openxmlformats.org/officeDocument/2006/math">
-                    <m:acc>
-                      <m:accPr>
-                        <m:chr m:val="⃗"/>
-                        <m:ctrlPr>
-                          <a:rPr lang="ru-RU" i="1">
-                            <a:latin typeface="Cambria Math" panose="02040503050406030204" pitchFamily="18" charset="0"/>
-                          </a:rPr>
-                        </m:ctrlPr>
-                      </m:accPr>
-                      <m:e>
-                        <m:r>
-                          <a:rPr lang="en-US" i="1">
-                            <a:latin typeface="Cambria Math" panose="02040503050406030204" pitchFamily="18" charset="0"/>
-                          </a:rPr>
-                          <m:t>𝐺</m:t>
-                        </m:r>
-                      </m:e>
-                    </m:acc>
-                  </m:oMath>
-                </a14:m>
                 <a:r>
-                  <a:rPr lang="ru-RU" dirty="0">
+                  <a:rPr lang="ru-RU" dirty="0" smtClean="0">
                     <a:latin typeface="Times New Roman" panose="02020603050405020304" pitchFamily="18" charset="0"/>
                     <a:cs typeface="Times New Roman" panose="02020603050405020304" pitchFamily="18" charset="0"/>
                   </a:rPr>
-                  <a:t>: </a:t>
+                  <a:t>. </a:t>
                 </a:r>
                 <a14:m>
                   <m:oMath xmlns:m="http://schemas.openxmlformats.org/officeDocument/2006/math">
@@ -10662,7 +11286,7 @@
               <a:p>
                 <a:pPr algn="just">
                   <a:spcAft>
-                    <a:spcPts val="0"/>
+                    <a:spcPts val="600"/>
                   </a:spcAft>
                 </a:pPr>
                 <a:r>
@@ -10670,7 +11294,21 @@
                     <a:latin typeface="Times New Roman" panose="02020603050405020304" pitchFamily="18" charset="0"/>
                     <a:cs typeface="Times New Roman" panose="02020603050405020304" pitchFamily="18" charset="0"/>
                   </a:rPr>
-                  <a:t>Шаг 8. Для каждой вершины </a:t>
+                  <a:t>Шаг </a:t>
+                </a:r>
+                <a:r>
+                  <a:rPr lang="ru-RU" dirty="0" smtClean="0">
+                    <a:latin typeface="Times New Roman" panose="02020603050405020304" pitchFamily="18" charset="0"/>
+                    <a:cs typeface="Times New Roman" panose="02020603050405020304" pitchFamily="18" charset="0"/>
+                  </a:rPr>
+                  <a:t>6. </a:t>
+                </a:r>
+                <a:r>
+                  <a:rPr lang="ru-RU" dirty="0">
+                    <a:latin typeface="Times New Roman" panose="02020603050405020304" pitchFamily="18" charset="0"/>
+                    <a:cs typeface="Times New Roman" panose="02020603050405020304" pitchFamily="18" charset="0"/>
+                  </a:rPr>
+                  <a:t>Для каждой вершины </a:t>
                 </a:r>
                 <a14:m>
                   <m:oMath xmlns:m="http://schemas.openxmlformats.org/officeDocument/2006/math">
@@ -10711,13 +11349,24 @@
                     <a:latin typeface="Times New Roman" panose="02020603050405020304" pitchFamily="18" charset="0"/>
                     <a:cs typeface="Times New Roman" panose="02020603050405020304" pitchFamily="18" charset="0"/>
                   </a:rPr>
-                  <a:t>: выполнять шаги 9-12</a:t>
+                  <a:t>: выполнять </a:t>
                 </a:r>
+                <a:r>
+                  <a:rPr lang="ru-RU" dirty="0" smtClean="0">
+                    <a:latin typeface="Times New Roman" panose="02020603050405020304" pitchFamily="18" charset="0"/>
+                    <a:cs typeface="Times New Roman" panose="02020603050405020304" pitchFamily="18" charset="0"/>
+                  </a:rPr>
+                  <a:t>шаг 7</a:t>
+                </a:r>
+                <a:endParaRPr lang="ru-RU" dirty="0">
+                  <a:latin typeface="Times New Roman" panose="02020603050405020304" pitchFamily="18" charset="0"/>
+                  <a:cs typeface="Times New Roman" panose="02020603050405020304" pitchFamily="18" charset="0"/>
+                </a:endParaRPr>
               </a:p>
               <a:p>
                 <a:pPr algn="just">
                   <a:spcAft>
-                    <a:spcPts val="0"/>
+                    <a:spcPts val="600"/>
                   </a:spcAft>
                 </a:pPr>
                 <a:r>
@@ -10725,96 +11374,14 @@
                     <a:latin typeface="Times New Roman" panose="02020603050405020304" pitchFamily="18" charset="0"/>
                     <a:cs typeface="Times New Roman" panose="02020603050405020304" pitchFamily="18" charset="0"/>
                   </a:rPr>
-                  <a:t>Шаг 9. Величине потока из </a:t>
+                  <a:t>Шаг </a:t>
                 </a:r>
-                <a14:m>
-                  <m:oMath xmlns:m="http://schemas.openxmlformats.org/officeDocument/2006/math">
-                    <m:r>
-                      <a:rPr lang="en-US" i="1">
-                        <a:latin typeface="Cambria Math" panose="02040503050406030204" pitchFamily="18" charset="0"/>
-                      </a:rPr>
-                      <m:t>𝑠</m:t>
-                    </m:r>
-                  </m:oMath>
-                </a14:m>
                 <a:r>
-                  <a:rPr lang="en-US" dirty="0">
+                  <a:rPr lang="ru-RU" dirty="0" smtClean="0">
                     <a:latin typeface="Times New Roman" panose="02020603050405020304" pitchFamily="18" charset="0"/>
                     <a:cs typeface="Times New Roman" panose="02020603050405020304" pitchFamily="18" charset="0"/>
                   </a:rPr>
-                  <a:t> </a:t>
-                </a:r>
-                <a:r>
-                  <a:rPr lang="ru-RU" dirty="0">
-                    <a:latin typeface="Times New Roman" panose="02020603050405020304" pitchFamily="18" charset="0"/>
-                    <a:cs typeface="Times New Roman" panose="02020603050405020304" pitchFamily="18" charset="0"/>
-                  </a:rPr>
-                  <a:t>в </a:t>
-                </a:r>
-                <a14:m>
-                  <m:oMath xmlns:m="http://schemas.openxmlformats.org/officeDocument/2006/math">
-                    <m:r>
-                      <a:rPr lang="en-US" i="1">
-                        <a:latin typeface="Cambria Math" panose="02040503050406030204" pitchFamily="18" charset="0"/>
-                      </a:rPr>
-                      <m:t>𝑢</m:t>
-                    </m:r>
-                  </m:oMath>
-                </a14:m>
-                <a:r>
-                  <a:rPr lang="en-US" dirty="0">
-                    <a:latin typeface="Times New Roman" panose="02020603050405020304" pitchFamily="18" charset="0"/>
-                    <a:cs typeface="Times New Roman" panose="02020603050405020304" pitchFamily="18" charset="0"/>
-                  </a:rPr>
-                  <a:t> </a:t>
-                </a:r>
-                <a:r>
-                  <a:rPr lang="ru-RU" dirty="0">
-                    <a:latin typeface="Times New Roman" panose="02020603050405020304" pitchFamily="18" charset="0"/>
-                    <a:cs typeface="Times New Roman" panose="02020603050405020304" pitchFamily="18" charset="0"/>
-                  </a:rPr>
-                  <a:t>присвоить значение пропускной способности из </a:t>
-                </a:r>
-                <a14:m>
-                  <m:oMath xmlns:m="http://schemas.openxmlformats.org/officeDocument/2006/math">
-                    <m:r>
-                      <a:rPr lang="en-US" i="1">
-                        <a:latin typeface="Cambria Math" panose="02040503050406030204" pitchFamily="18" charset="0"/>
-                      </a:rPr>
-                      <m:t>𝑠</m:t>
-                    </m:r>
-                  </m:oMath>
-                </a14:m>
-                <a:r>
-                  <a:rPr lang="en-US" dirty="0">
-                    <a:latin typeface="Times New Roman" panose="02020603050405020304" pitchFamily="18" charset="0"/>
-                    <a:cs typeface="Times New Roman" panose="02020603050405020304" pitchFamily="18" charset="0"/>
-                  </a:rPr>
-                  <a:t> </a:t>
-                </a:r>
-                <a:r>
-                  <a:rPr lang="ru-RU" dirty="0">
-                    <a:latin typeface="Times New Roman" panose="02020603050405020304" pitchFamily="18" charset="0"/>
-                    <a:cs typeface="Times New Roman" panose="02020603050405020304" pitchFamily="18" charset="0"/>
-                  </a:rPr>
-                  <a:t>в </a:t>
-                </a:r>
-                <a14:m>
-                  <m:oMath xmlns:m="http://schemas.openxmlformats.org/officeDocument/2006/math">
-                    <m:r>
-                      <a:rPr lang="en-US" i="1">
-                        <a:latin typeface="Cambria Math" panose="02040503050406030204" pitchFamily="18" charset="0"/>
-                      </a:rPr>
-                      <m:t>𝑢</m:t>
-                    </m:r>
-                  </m:oMath>
-                </a14:m>
-                <a:r>
-                  <a:rPr lang="ru-RU" dirty="0">
-                    <a:latin typeface="Times New Roman" panose="02020603050405020304" pitchFamily="18" charset="0"/>
-                    <a:cs typeface="Times New Roman" panose="02020603050405020304" pitchFamily="18" charset="0"/>
-                  </a:rPr>
-                  <a:t>: </a:t>
+                  <a:t>7. </a:t>
                 </a:r>
                 <a14:m>
                   <m:oMath xmlns:m="http://schemas.openxmlformats.org/officeDocument/2006/math">
@@ -10896,103 +11463,12 @@
                         </m:r>
                       </m:e>
                     </m:d>
-                  </m:oMath>
-                </a14:m>
-                <a:endParaRPr lang="ru-RU" dirty="0">
-                  <a:latin typeface="Times New Roman" panose="02020603050405020304" pitchFamily="18" charset="0"/>
-                  <a:cs typeface="Times New Roman" panose="02020603050405020304" pitchFamily="18" charset="0"/>
-                </a:endParaRPr>
-              </a:p>
-              <a:p>
-                <a:pPr algn="just">
-                  <a:spcAft>
-                    <a:spcPts val="0"/>
-                  </a:spcAft>
-                </a:pPr>
-                <a:r>
-                  <a:rPr lang="ru-RU" dirty="0">
-                    <a:latin typeface="Times New Roman" panose="02020603050405020304" pitchFamily="18" charset="0"/>
-                    <a:cs typeface="Times New Roman" panose="02020603050405020304" pitchFamily="18" charset="0"/>
-                  </a:rPr>
-                  <a:t>Шаг 10. Величине потока из </a:t>
-                </a:r>
-                <a14:m>
-                  <m:oMath xmlns:m="http://schemas.openxmlformats.org/officeDocument/2006/math">
-                    <m:r>
-                      <a:rPr lang="ru-RU" i="1">
-                        <a:latin typeface="Cambria Math" panose="02040503050406030204" pitchFamily="18" charset="0"/>
-                      </a:rPr>
-                      <m:t>𝑢</m:t>
-                    </m:r>
-                  </m:oMath>
-                </a14:m>
-                <a:r>
-                  <a:rPr lang="ru-RU" dirty="0">
-                    <a:latin typeface="Times New Roman" panose="02020603050405020304" pitchFamily="18" charset="0"/>
-                    <a:cs typeface="Times New Roman" panose="02020603050405020304" pitchFamily="18" charset="0"/>
-                  </a:rPr>
-                  <a:t> в </a:t>
-                </a:r>
-                <a14:m>
-                  <m:oMath xmlns:m="http://schemas.openxmlformats.org/officeDocument/2006/math">
-                    <m:r>
-                      <a:rPr lang="ru-RU" i="1">
-                        <a:latin typeface="Cambria Math" panose="02040503050406030204" pitchFamily="18" charset="0"/>
-                      </a:rPr>
-                      <m:t>𝑠</m:t>
-                    </m:r>
-                  </m:oMath>
-                </a14:m>
-                <a:r>
-                  <a:rPr lang="ru-RU" dirty="0">
-                    <a:latin typeface="Times New Roman" panose="02020603050405020304" pitchFamily="18" charset="0"/>
-                    <a:cs typeface="Times New Roman" panose="02020603050405020304" pitchFamily="18" charset="0"/>
-                  </a:rPr>
-                  <a:t> присвоить значение пропускной способности из </a:t>
-                </a:r>
-                <a14:m>
-                  <m:oMath xmlns:m="http://schemas.openxmlformats.org/officeDocument/2006/math">
-                    <m:r>
-                      <a:rPr lang="en-US" i="1">
-                        <a:latin typeface="Cambria Math" panose="02040503050406030204" pitchFamily="18" charset="0"/>
-                      </a:rPr>
-                      <m:t>𝑠</m:t>
-                    </m:r>
-                  </m:oMath>
-                </a14:m>
-                <a:r>
-                  <a:rPr lang="en-US" dirty="0">
-                    <a:latin typeface="Times New Roman" panose="02020603050405020304" pitchFamily="18" charset="0"/>
-                    <a:cs typeface="Times New Roman" panose="02020603050405020304" pitchFamily="18" charset="0"/>
-                  </a:rPr>
-                  <a:t> </a:t>
-                </a:r>
-                <a:r>
-                  <a:rPr lang="ru-RU" dirty="0">
-                    <a:latin typeface="Times New Roman" panose="02020603050405020304" pitchFamily="18" charset="0"/>
-                    <a:cs typeface="Times New Roman" panose="02020603050405020304" pitchFamily="18" charset="0"/>
-                  </a:rPr>
-                  <a:t>в </a:t>
-                </a:r>
-                <a14:m>
-                  <m:oMath xmlns:m="http://schemas.openxmlformats.org/officeDocument/2006/math">
-                    <m:r>
-                      <a:rPr lang="ru-RU" i="1">
-                        <a:latin typeface="Cambria Math" panose="02040503050406030204" pitchFamily="18" charset="0"/>
-                      </a:rPr>
-                      <m:t>𝑢</m:t>
-                    </m:r>
-                  </m:oMath>
-                </a14:m>
-                <a:r>
-                  <a:rPr lang="ru-RU" dirty="0">
-                    <a:latin typeface="Times New Roman" panose="02020603050405020304" pitchFamily="18" charset="0"/>
-                    <a:cs typeface="Times New Roman" panose="02020603050405020304" pitchFamily="18" charset="0"/>
-                  </a:rPr>
-                  <a:t> с отрицательным знаком: </a:t>
-                </a:r>
-                <a14:m>
-                  <m:oMath xmlns:m="http://schemas.openxmlformats.org/officeDocument/2006/math">
+                    <m:r>
+                      <a:rPr lang="ru-RU" b="0" i="1" smtClean="0">
+                        <a:latin typeface="Cambria Math" panose="02040503050406030204" pitchFamily="18" charset="0"/>
+                      </a:rPr>
+                      <m:t>,</m:t>
+                    </m:r>
                     <m:r>
                       <a:rPr lang="en-US" i="1">
                         <a:latin typeface="Cambria Math" panose="02040503050406030204" pitchFamily="18" charset="0"/>
@@ -11071,93 +11547,12 @@
                         </m:r>
                       </m:e>
                     </m:d>
-                  </m:oMath>
-                </a14:m>
-                <a:endParaRPr lang="ru-RU" dirty="0">
-                  <a:latin typeface="Times New Roman" panose="02020603050405020304" pitchFamily="18" charset="0"/>
-                  <a:cs typeface="Times New Roman" panose="02020603050405020304" pitchFamily="18" charset="0"/>
-                </a:endParaRPr>
-              </a:p>
-              <a:p>
-                <a:pPr algn="just">
-                  <a:spcAft>
-                    <a:spcPts val="0"/>
-                  </a:spcAft>
-                </a:pPr>
-                <a:r>
-                  <a:rPr lang="ru-RU" dirty="0">
-                    <a:latin typeface="Times New Roman" panose="02020603050405020304" pitchFamily="18" charset="0"/>
-                    <a:cs typeface="Times New Roman" panose="02020603050405020304" pitchFamily="18" charset="0"/>
-                  </a:rPr>
-                  <a:t>Шаг 11. Величине излишнего потока </a:t>
-                </a:r>
-                <a14:m>
-                  <m:oMath xmlns:m="http://schemas.openxmlformats.org/officeDocument/2006/math">
-                    <m:r>
-                      <a:rPr lang="en-US" i="1">
-                        <a:latin typeface="Cambria Math" panose="02040503050406030204" pitchFamily="18" charset="0"/>
-                      </a:rPr>
-                      <m:t>𝑢</m:t>
-                    </m:r>
-                  </m:oMath>
-                </a14:m>
-                <a:r>
-                  <a:rPr lang="en-US" dirty="0">
-                    <a:latin typeface="Times New Roman" panose="02020603050405020304" pitchFamily="18" charset="0"/>
-                    <a:cs typeface="Times New Roman" panose="02020603050405020304" pitchFamily="18" charset="0"/>
-                  </a:rPr>
-                  <a:t> </a:t>
-                </a:r>
-                <a:r>
-                  <a:rPr lang="ru-RU" dirty="0">
-                    <a:latin typeface="Times New Roman" panose="02020603050405020304" pitchFamily="18" charset="0"/>
-                    <a:cs typeface="Times New Roman" panose="02020603050405020304" pitchFamily="18" charset="0"/>
-                  </a:rPr>
-                  <a:t>присвоить значение пропускной способности из </a:t>
-                </a:r>
-                <a14:m>
-                  <m:oMath xmlns:m="http://schemas.openxmlformats.org/officeDocument/2006/math">
-                    <m:r>
-                      <a:rPr lang="en-US" i="1">
-                        <a:latin typeface="Cambria Math" panose="02040503050406030204" pitchFamily="18" charset="0"/>
-                      </a:rPr>
-                      <m:t>𝑠</m:t>
-                    </m:r>
-                  </m:oMath>
-                </a14:m>
-                <a:r>
-                  <a:rPr lang="en-US" dirty="0">
-                    <a:latin typeface="Times New Roman" panose="02020603050405020304" pitchFamily="18" charset="0"/>
-                    <a:cs typeface="Times New Roman" panose="02020603050405020304" pitchFamily="18" charset="0"/>
-                  </a:rPr>
-                  <a:t> </a:t>
-                </a:r>
-                <a:r>
-                  <a:rPr lang="ru-RU" dirty="0">
-                    <a:latin typeface="Times New Roman" panose="02020603050405020304" pitchFamily="18" charset="0"/>
-                    <a:cs typeface="Times New Roman" panose="02020603050405020304" pitchFamily="18" charset="0"/>
-                  </a:rPr>
-                  <a:t>в </a:t>
-                </a:r>
-                <a14:m>
-                  <m:oMath xmlns:m="http://schemas.openxmlformats.org/officeDocument/2006/math">
-                    <m:r>
-                      <a:rPr lang="en-US" i="1">
-                        <a:latin typeface="Cambria Math" panose="02040503050406030204" pitchFamily="18" charset="0"/>
-                      </a:rPr>
-                      <m:t>𝑢</m:t>
-                    </m:r>
-                  </m:oMath>
-                </a14:m>
-                <a:r>
-                  <a:rPr lang="ru-RU" dirty="0">
-                    <a:latin typeface="Times New Roman" panose="02020603050405020304" pitchFamily="18" charset="0"/>
-                    <a:cs typeface="Times New Roman" panose="02020603050405020304" pitchFamily="18" charset="0"/>
-                  </a:rPr>
-                  <a:t>: </a:t>
-                </a:r>
-                <a14:m>
-                  <m:oMath xmlns:m="http://schemas.openxmlformats.org/officeDocument/2006/math">
+                    <m:r>
+                      <a:rPr lang="ru-RU" b="0" i="1" smtClean="0">
+                        <a:latin typeface="Cambria Math" panose="02040503050406030204" pitchFamily="18" charset="0"/>
+                      </a:rPr>
+                      <m:t>,</m:t>
+                    </m:r>
                     <m:r>
                       <a:rPr lang="en-US" i="1">
                         <a:latin typeface="Cambria Math" panose="02040503050406030204" pitchFamily="18" charset="0"/>
@@ -11224,79 +11619,12 @@
                         </m:r>
                       </m:e>
                     </m:d>
-                  </m:oMath>
-                </a14:m>
-                <a:endParaRPr lang="ru-RU" dirty="0">
-                  <a:latin typeface="Times New Roman" panose="02020603050405020304" pitchFamily="18" charset="0"/>
-                  <a:cs typeface="Times New Roman" panose="02020603050405020304" pitchFamily="18" charset="0"/>
-                </a:endParaRPr>
-              </a:p>
-              <a:p>
-                <a:pPr algn="just">
-                  <a:spcAft>
-                    <a:spcPts val="0"/>
-                  </a:spcAft>
-                </a:pPr>
-                <a:r>
-                  <a:rPr lang="ru-RU" dirty="0">
-                    <a:latin typeface="Times New Roman" panose="02020603050405020304" pitchFamily="18" charset="0"/>
-                    <a:cs typeface="Times New Roman" panose="02020603050405020304" pitchFamily="18" charset="0"/>
-                  </a:rPr>
-                  <a:t>Шаг 12. Из величины излишнего потока </a:t>
-                </a:r>
-                <a14:m>
-                  <m:oMath xmlns:m="http://schemas.openxmlformats.org/officeDocument/2006/math">
-                    <m:r>
-                      <a:rPr lang="en-US" i="1">
-                        <a:latin typeface="Cambria Math" panose="02040503050406030204" pitchFamily="18" charset="0"/>
-                      </a:rPr>
-                      <m:t>𝑠</m:t>
-                    </m:r>
-                  </m:oMath>
-                </a14:m>
-                <a:r>
-                  <a:rPr lang="ru-RU" dirty="0">
-                    <a:latin typeface="Times New Roman" panose="02020603050405020304" pitchFamily="18" charset="0"/>
-                    <a:cs typeface="Times New Roman" panose="02020603050405020304" pitchFamily="18" charset="0"/>
-                  </a:rPr>
-                  <a:t> вычесть значение пропускной способности из </a:t>
-                </a:r>
-                <a14:m>
-                  <m:oMath xmlns:m="http://schemas.openxmlformats.org/officeDocument/2006/math">
-                    <m:r>
-                      <a:rPr lang="en-US" i="1">
-                        <a:latin typeface="Cambria Math" panose="02040503050406030204" pitchFamily="18" charset="0"/>
-                      </a:rPr>
-                      <m:t>𝑠</m:t>
-                    </m:r>
-                  </m:oMath>
-                </a14:m>
-                <a:r>
-                  <a:rPr lang="ru-RU" dirty="0">
-                    <a:latin typeface="Times New Roman" panose="02020603050405020304" pitchFamily="18" charset="0"/>
-                    <a:cs typeface="Times New Roman" panose="02020603050405020304" pitchFamily="18" charset="0"/>
-                  </a:rPr>
-                  <a:t> в </a:t>
-                </a:r>
-                <a14:m>
-                  <m:oMath xmlns:m="http://schemas.openxmlformats.org/officeDocument/2006/math">
-                    <m:r>
-                      <a:rPr lang="ru-RU" i="1">
-                        <a:latin typeface="Cambria Math" panose="02040503050406030204" pitchFamily="18" charset="0"/>
-                      </a:rPr>
-                      <m:t>𝑢</m:t>
-                    </m:r>
-                  </m:oMath>
-                </a14:m>
-                <a:r>
-                  <a:rPr lang="ru-RU" dirty="0">
-                    <a:latin typeface="Times New Roman" panose="02020603050405020304" pitchFamily="18" charset="0"/>
-                    <a:cs typeface="Times New Roman" panose="02020603050405020304" pitchFamily="18" charset="0"/>
-                  </a:rPr>
-                  <a:t>: </a:t>
-                </a:r>
-                <a14:m>
-                  <m:oMath xmlns:m="http://schemas.openxmlformats.org/officeDocument/2006/math">
+                    <m:r>
+                      <a:rPr lang="ru-RU" b="0" i="1" smtClean="0">
+                        <a:latin typeface="Cambria Math" panose="02040503050406030204" pitchFamily="18" charset="0"/>
+                      </a:rPr>
+                      <m:t>,</m:t>
+                    </m:r>
                     <m:r>
                       <a:rPr lang="en-US" i="1">
                         <a:latin typeface="Cambria Math" panose="02040503050406030204" pitchFamily="18" charset="0"/>
@@ -11404,7 +11732,7 @@
             </p:txBody>
           </p:sp>
         </mc:Choice>
-        <mc:Fallback xmlns="">
+        <mc:Fallback>
           <p:sp>
             <p:nvSpPr>
               <p:cNvPr id="5" name="TextBox 4"/>
@@ -11415,8 +11743,8 @@
             </p:nvSpPr>
             <p:spPr>
               <a:xfrm>
-                <a:off x="395536" y="1744228"/>
-                <a:ext cx="8352928" cy="5113772"/>
+                <a:off x="395536" y="2492896"/>
+                <a:ext cx="8352928" cy="2846933"/>
               </a:xfrm>
               <a:prstGeom prst="rect">
                 <a:avLst/>
@@ -11424,7 +11752,7 @@
               <a:blipFill>
                 <a:blip r:embed="rId2"/>
                 <a:stretch>
-                  <a:fillRect l="-657" t="-596" r="-584" b="-954"/>
+                  <a:fillRect l="-657" t="-1285" b="-2570"/>
                 </a:stretch>
               </a:blipFill>
             </p:spPr>
@@ -11463,7 +11791,7 @@
 </p:sld>
 </file>
 
-<file path=ppt/slides/slide16.xml><?xml version="1.0" encoding="utf-8"?>
+<file path=ppt/slides/slide17.xml><?xml version="1.0" encoding="utf-8"?>
 <p:sld xmlns:a="http://schemas.openxmlformats.org/drawingml/2006/main" xmlns:r="http://schemas.openxmlformats.org/officeDocument/2006/relationships" xmlns:p="http://schemas.openxmlformats.org/presentationml/2006/main">
   <p:cSld>
     <p:spTree>
@@ -12009,741 +12337,6 @@
 </p:sld>
 </file>
 
-<file path=ppt/slides/slide17.xml><?xml version="1.0" encoding="utf-8"?>
-<p:sld xmlns:a="http://schemas.openxmlformats.org/drawingml/2006/main" xmlns:r="http://schemas.openxmlformats.org/officeDocument/2006/relationships" xmlns:p="http://schemas.openxmlformats.org/presentationml/2006/main">
-  <p:cSld>
-    <p:spTree>
-      <p:nvGrpSpPr>
-        <p:cNvPr id="1" name=""/>
-        <p:cNvGrpSpPr/>
-        <p:nvPr/>
-      </p:nvGrpSpPr>
-      <p:grpSpPr>
-        <a:xfrm>
-          <a:off x="0" y="0"/>
-          <a:ext cx="0" cy="0"/>
-          <a:chOff x="0" y="0"/>
-          <a:chExt cx="0" cy="0"/>
-        </a:xfrm>
-      </p:grpSpPr>
-      <p:grpSp>
-        <p:nvGrpSpPr>
-          <p:cNvPr id="2" name="Группа 1"/>
-          <p:cNvGrpSpPr/>
-          <p:nvPr/>
-        </p:nvGrpSpPr>
-        <p:grpSpPr>
-          <a:xfrm>
-            <a:off x="685800" y="-184150"/>
-            <a:ext cx="7772400" cy="1846262"/>
-            <a:chOff x="685800" y="-184150"/>
-            <a:chExt cx="7772400" cy="1846262"/>
-          </a:xfrm>
-        </p:grpSpPr>
-        <p:sp>
-          <p:nvSpPr>
-            <p:cNvPr id="3" name="Заголовок 1"/>
-            <p:cNvSpPr txBox="1">
-              <a:spLocks/>
-            </p:cNvSpPr>
-            <p:nvPr/>
-          </p:nvSpPr>
-          <p:spPr bwMode="auto">
-            <a:xfrm>
-              <a:off x="685800" y="-184150"/>
-              <a:ext cx="7772400" cy="1470025"/>
-            </a:xfrm>
-            <a:prstGeom prst="rect">
-              <a:avLst/>
-            </a:prstGeom>
-            <a:noFill/>
-            <a:ln>
-              <a:noFill/>
-            </a:ln>
-            <a:extLst>
-              <a:ext uri="{909E8E84-426E-40DD-AFC4-6F175D3DCCD1}">
-                <a14:hiddenFill xmlns:a14="http://schemas.microsoft.com/office/drawing/2010/main">
-                  <a:solidFill>
-                    <a:srgbClr val="FFFFFF"/>
-                  </a:solidFill>
-                </a14:hiddenFill>
-              </a:ext>
-              <a:ext uri="{91240B29-F687-4F45-9708-019B960494DF}">
-                <a14:hiddenLine xmlns:a14="http://schemas.microsoft.com/office/drawing/2010/main" w="9525">
-                  <a:solidFill>
-                    <a:srgbClr val="000000"/>
-                  </a:solidFill>
-                  <a:miter lim="800000"/>
-                  <a:headEnd/>
-                  <a:tailEnd/>
-                </a14:hiddenLine>
-              </a:ext>
-            </a:extLst>
-          </p:spPr>
-          <p:txBody>
-            <a:bodyPr vert="horz" wrap="square" lIns="91440" tIns="45720" rIns="91440" bIns="45720" numCol="1" rtlCol="0" anchor="ctr" anchorCtr="0" compatLnSpc="1">
-              <a:prstTxWarp prst="textNoShape">
-                <a:avLst/>
-              </a:prstTxWarp>
-              <a:normAutofit/>
-            </a:bodyPr>
-            <a:lstStyle>
-              <a:lvl1pPr algn="ctr" rtl="0" eaLnBrk="0" fontAlgn="base" hangingPunct="0">
-                <a:spcBef>
-                  <a:spcPct val="0"/>
-                </a:spcBef>
-                <a:spcAft>
-                  <a:spcPct val="0"/>
-                </a:spcAft>
-                <a:defRPr sz="4400" kern="1200">
-                  <a:solidFill>
-                    <a:schemeClr val="tx1"/>
-                  </a:solidFill>
-                  <a:latin typeface="+mj-lt"/>
-                  <a:ea typeface="+mj-ea"/>
-                  <a:cs typeface="+mj-cs"/>
-                </a:defRPr>
-              </a:lvl1pPr>
-              <a:lvl2pPr algn="ctr" rtl="0" eaLnBrk="0" fontAlgn="base" hangingPunct="0">
-                <a:spcBef>
-                  <a:spcPct val="0"/>
-                </a:spcBef>
-                <a:spcAft>
-                  <a:spcPct val="0"/>
-                </a:spcAft>
-                <a:defRPr sz="4400">
-                  <a:solidFill>
-                    <a:schemeClr val="tx1"/>
-                  </a:solidFill>
-                  <a:latin typeface="Calibri" pitchFamily="34" charset="0"/>
-                </a:defRPr>
-              </a:lvl2pPr>
-              <a:lvl3pPr algn="ctr" rtl="0" eaLnBrk="0" fontAlgn="base" hangingPunct="0">
-                <a:spcBef>
-                  <a:spcPct val="0"/>
-                </a:spcBef>
-                <a:spcAft>
-                  <a:spcPct val="0"/>
-                </a:spcAft>
-                <a:defRPr sz="4400">
-                  <a:solidFill>
-                    <a:schemeClr val="tx1"/>
-                  </a:solidFill>
-                  <a:latin typeface="Calibri" pitchFamily="34" charset="0"/>
-                </a:defRPr>
-              </a:lvl3pPr>
-              <a:lvl4pPr algn="ctr" rtl="0" eaLnBrk="0" fontAlgn="base" hangingPunct="0">
-                <a:spcBef>
-                  <a:spcPct val="0"/>
-                </a:spcBef>
-                <a:spcAft>
-                  <a:spcPct val="0"/>
-                </a:spcAft>
-                <a:defRPr sz="4400">
-                  <a:solidFill>
-                    <a:schemeClr val="tx1"/>
-                  </a:solidFill>
-                  <a:latin typeface="Calibri" pitchFamily="34" charset="0"/>
-                </a:defRPr>
-              </a:lvl4pPr>
-              <a:lvl5pPr algn="ctr" rtl="0" eaLnBrk="0" fontAlgn="base" hangingPunct="0">
-                <a:spcBef>
-                  <a:spcPct val="0"/>
-                </a:spcBef>
-                <a:spcAft>
-                  <a:spcPct val="0"/>
-                </a:spcAft>
-                <a:defRPr sz="4400">
-                  <a:solidFill>
-                    <a:schemeClr val="tx1"/>
-                  </a:solidFill>
-                  <a:latin typeface="Calibri" pitchFamily="34" charset="0"/>
-                </a:defRPr>
-              </a:lvl5pPr>
-              <a:lvl6pPr marL="457200" algn="ctr" rtl="0" fontAlgn="base">
-                <a:spcBef>
-                  <a:spcPct val="0"/>
-                </a:spcBef>
-                <a:spcAft>
-                  <a:spcPct val="0"/>
-                </a:spcAft>
-                <a:defRPr sz="4400">
-                  <a:solidFill>
-                    <a:schemeClr val="tx1"/>
-                  </a:solidFill>
-                  <a:latin typeface="Calibri" pitchFamily="34" charset="0"/>
-                </a:defRPr>
-              </a:lvl6pPr>
-              <a:lvl7pPr marL="914400" algn="ctr" rtl="0" fontAlgn="base">
-                <a:spcBef>
-                  <a:spcPct val="0"/>
-                </a:spcBef>
-                <a:spcAft>
-                  <a:spcPct val="0"/>
-                </a:spcAft>
-                <a:defRPr sz="4400">
-                  <a:solidFill>
-                    <a:schemeClr val="tx1"/>
-                  </a:solidFill>
-                  <a:latin typeface="Calibri" pitchFamily="34" charset="0"/>
-                </a:defRPr>
-              </a:lvl7pPr>
-              <a:lvl8pPr marL="1371600" algn="ctr" rtl="0" fontAlgn="base">
-                <a:spcBef>
-                  <a:spcPct val="0"/>
-                </a:spcBef>
-                <a:spcAft>
-                  <a:spcPct val="0"/>
-                </a:spcAft>
-                <a:defRPr sz="4400">
-                  <a:solidFill>
-                    <a:schemeClr val="tx1"/>
-                  </a:solidFill>
-                  <a:latin typeface="Calibri" pitchFamily="34" charset="0"/>
-                </a:defRPr>
-              </a:lvl8pPr>
-              <a:lvl9pPr marL="1828800" algn="ctr" rtl="0" fontAlgn="base">
-                <a:spcBef>
-                  <a:spcPct val="0"/>
-                </a:spcBef>
-                <a:spcAft>
-                  <a:spcPct val="0"/>
-                </a:spcAft>
-                <a:defRPr sz="4400">
-                  <a:solidFill>
-                    <a:schemeClr val="tx1"/>
-                  </a:solidFill>
-                  <a:latin typeface="Calibri" pitchFamily="34" charset="0"/>
-                </a:defRPr>
-              </a:lvl9pPr>
-            </a:lstStyle>
-            <a:p>
-              <a:pPr eaLnBrk="1" fontAlgn="auto" hangingPunct="1">
-                <a:spcAft>
-                  <a:spcPts val="0"/>
-                </a:spcAft>
-                <a:defRPr/>
-              </a:pPr>
-              <a:r>
-                <a:rPr lang="ru-RU" sz="2000" dirty="0">
-                  <a:solidFill>
-                    <a:schemeClr val="bg1">
-                      <a:lumMod val="50000"/>
-                    </a:schemeClr>
-                  </a:solidFill>
-                  <a:latin typeface="Times New Roman" pitchFamily="18" charset="0"/>
-                  <a:cs typeface="Times New Roman" pitchFamily="18" charset="0"/>
-                </a:rPr>
-                <a:t>Сравнение некоторых алгоритмов поиска максимального потока</a:t>
-              </a:r>
-            </a:p>
-          </p:txBody>
-        </p:sp>
-        <p:sp>
-          <p:nvSpPr>
-            <p:cNvPr id="4" name="Подзаголовок 2"/>
-            <p:cNvSpPr txBox="1">
-              <a:spLocks/>
-            </p:cNvSpPr>
-            <p:nvPr/>
-          </p:nvSpPr>
-          <p:spPr bwMode="auto">
-            <a:xfrm>
-              <a:off x="899592" y="909637"/>
-              <a:ext cx="7344816" cy="752475"/>
-            </a:xfrm>
-            <a:prstGeom prst="rect">
-              <a:avLst/>
-            </a:prstGeom>
-            <a:noFill/>
-            <a:ln>
-              <a:noFill/>
-            </a:ln>
-            <a:extLst>
-              <a:ext uri="{909E8E84-426E-40DD-AFC4-6F175D3DCCD1}">
-                <a14:hiddenFill xmlns:a14="http://schemas.microsoft.com/office/drawing/2010/main">
-                  <a:solidFill>
-                    <a:srgbClr val="FFFFFF"/>
-                  </a:solidFill>
-                </a14:hiddenFill>
-              </a:ext>
-              <a:ext uri="{91240B29-F687-4F45-9708-019B960494DF}">
-                <a14:hiddenLine xmlns:a14="http://schemas.microsoft.com/office/drawing/2010/main" w="9525">
-                  <a:solidFill>
-                    <a:srgbClr val="000000"/>
-                  </a:solidFill>
-                  <a:miter lim="800000"/>
-                  <a:headEnd/>
-                  <a:tailEnd/>
-                </a14:hiddenLine>
-              </a:ext>
-            </a:extLst>
-          </p:spPr>
-          <p:txBody>
-            <a:bodyPr vert="horz" wrap="square" lIns="91440" tIns="45720" rIns="91440" bIns="45720" numCol="1" anchor="t" anchorCtr="0" compatLnSpc="1">
-              <a:prstTxWarp prst="textNoShape">
-                <a:avLst/>
-              </a:prstTxWarp>
-            </a:bodyPr>
-            <a:lstStyle>
-              <a:lvl1pPr marL="342900" indent="-342900" algn="l" rtl="0" eaLnBrk="0" fontAlgn="base" hangingPunct="0">
-                <a:spcBef>
-                  <a:spcPct val="20000"/>
-                </a:spcBef>
-                <a:spcAft>
-                  <a:spcPct val="0"/>
-                </a:spcAft>
-                <a:buFont typeface="Arial" panose="020B0604020202020204" pitchFamily="34" charset="0"/>
-                <a:buChar char="•"/>
-                <a:defRPr sz="3200" kern="1200">
-                  <a:solidFill>
-                    <a:schemeClr val="tx1"/>
-                  </a:solidFill>
-                  <a:latin typeface="+mn-lt"/>
-                  <a:ea typeface="+mn-ea"/>
-                  <a:cs typeface="+mn-cs"/>
-                </a:defRPr>
-              </a:lvl1pPr>
-              <a:lvl2pPr marL="742950" indent="-285750" algn="l" rtl="0" eaLnBrk="0" fontAlgn="base" hangingPunct="0">
-                <a:spcBef>
-                  <a:spcPct val="20000"/>
-                </a:spcBef>
-                <a:spcAft>
-                  <a:spcPct val="0"/>
-                </a:spcAft>
-                <a:buFont typeface="Arial" panose="020B0604020202020204" pitchFamily="34" charset="0"/>
-                <a:buChar char="–"/>
-                <a:defRPr sz="2800" kern="1200">
-                  <a:solidFill>
-                    <a:schemeClr val="tx1"/>
-                  </a:solidFill>
-                  <a:latin typeface="+mn-lt"/>
-                  <a:ea typeface="+mn-ea"/>
-                  <a:cs typeface="+mn-cs"/>
-                </a:defRPr>
-              </a:lvl2pPr>
-              <a:lvl3pPr marL="1143000" indent="-228600" algn="l" rtl="0" eaLnBrk="0" fontAlgn="base" hangingPunct="0">
-                <a:spcBef>
-                  <a:spcPct val="20000"/>
-                </a:spcBef>
-                <a:spcAft>
-                  <a:spcPct val="0"/>
-                </a:spcAft>
-                <a:buFont typeface="Arial" panose="020B0604020202020204" pitchFamily="34" charset="0"/>
-                <a:buChar char="•"/>
-                <a:defRPr sz="2400" kern="1200">
-                  <a:solidFill>
-                    <a:schemeClr val="tx1"/>
-                  </a:solidFill>
-                  <a:latin typeface="+mn-lt"/>
-                  <a:ea typeface="+mn-ea"/>
-                  <a:cs typeface="+mn-cs"/>
-                </a:defRPr>
-              </a:lvl3pPr>
-              <a:lvl4pPr marL="1600200" indent="-228600" algn="l" rtl="0" eaLnBrk="0" fontAlgn="base" hangingPunct="0">
-                <a:spcBef>
-                  <a:spcPct val="20000"/>
-                </a:spcBef>
-                <a:spcAft>
-                  <a:spcPct val="0"/>
-                </a:spcAft>
-                <a:buFont typeface="Arial" panose="020B0604020202020204" pitchFamily="34" charset="0"/>
-                <a:buChar char="–"/>
-                <a:defRPr sz="2000" kern="1200">
-                  <a:solidFill>
-                    <a:schemeClr val="tx1"/>
-                  </a:solidFill>
-                  <a:latin typeface="+mn-lt"/>
-                  <a:ea typeface="+mn-ea"/>
-                  <a:cs typeface="+mn-cs"/>
-                </a:defRPr>
-              </a:lvl4pPr>
-              <a:lvl5pPr marL="2057400" indent="-228600" algn="l" rtl="0" eaLnBrk="0" fontAlgn="base" hangingPunct="0">
-                <a:spcBef>
-                  <a:spcPct val="20000"/>
-                </a:spcBef>
-                <a:spcAft>
-                  <a:spcPct val="0"/>
-                </a:spcAft>
-                <a:buFont typeface="Arial" panose="020B0604020202020204" pitchFamily="34" charset="0"/>
-                <a:buChar char="»"/>
-                <a:defRPr sz="2000" kern="1200">
-                  <a:solidFill>
-                    <a:schemeClr val="tx1"/>
-                  </a:solidFill>
-                  <a:latin typeface="+mn-lt"/>
-                  <a:ea typeface="+mn-ea"/>
-                  <a:cs typeface="+mn-cs"/>
-                </a:defRPr>
-              </a:lvl5pPr>
-              <a:lvl6pPr marL="2514600" indent="-228600" algn="l" defTabSz="914400" rtl="0" eaLnBrk="1" latinLnBrk="0" hangingPunct="1">
-                <a:spcBef>
-                  <a:spcPct val="20000"/>
-                </a:spcBef>
-                <a:buFont typeface="Arial" pitchFamily="34" charset="0"/>
-                <a:buChar char="•"/>
-                <a:defRPr sz="2000" kern="1200">
-                  <a:solidFill>
-                    <a:schemeClr val="tx1"/>
-                  </a:solidFill>
-                  <a:latin typeface="+mn-lt"/>
-                  <a:ea typeface="+mn-ea"/>
-                  <a:cs typeface="+mn-cs"/>
-                </a:defRPr>
-              </a:lvl6pPr>
-              <a:lvl7pPr marL="2971800" indent="-228600" algn="l" defTabSz="914400" rtl="0" eaLnBrk="1" latinLnBrk="0" hangingPunct="1">
-                <a:spcBef>
-                  <a:spcPct val="20000"/>
-                </a:spcBef>
-                <a:buFont typeface="Arial" pitchFamily="34" charset="0"/>
-                <a:buChar char="•"/>
-                <a:defRPr sz="2000" kern="1200">
-                  <a:solidFill>
-                    <a:schemeClr val="tx1"/>
-                  </a:solidFill>
-                  <a:latin typeface="+mn-lt"/>
-                  <a:ea typeface="+mn-ea"/>
-                  <a:cs typeface="+mn-cs"/>
-                </a:defRPr>
-              </a:lvl7pPr>
-              <a:lvl8pPr marL="3429000" indent="-228600" algn="l" defTabSz="914400" rtl="0" eaLnBrk="1" latinLnBrk="0" hangingPunct="1">
-                <a:spcBef>
-                  <a:spcPct val="20000"/>
-                </a:spcBef>
-                <a:buFont typeface="Arial" pitchFamily="34" charset="0"/>
-                <a:buChar char="•"/>
-                <a:defRPr sz="2000" kern="1200">
-                  <a:solidFill>
-                    <a:schemeClr val="tx1"/>
-                  </a:solidFill>
-                  <a:latin typeface="+mn-lt"/>
-                  <a:ea typeface="+mn-ea"/>
-                  <a:cs typeface="+mn-cs"/>
-                </a:defRPr>
-              </a:lvl8pPr>
-              <a:lvl9pPr marL="3886200" indent="-228600" algn="l" defTabSz="914400" rtl="0" eaLnBrk="1" latinLnBrk="0" hangingPunct="1">
-                <a:spcBef>
-                  <a:spcPct val="20000"/>
-                </a:spcBef>
-                <a:buFont typeface="Arial" pitchFamily="34" charset="0"/>
-                <a:buChar char="•"/>
-                <a:defRPr sz="2000" kern="1200">
-                  <a:solidFill>
-                    <a:schemeClr val="tx1"/>
-                  </a:solidFill>
-                  <a:latin typeface="+mn-lt"/>
-                  <a:ea typeface="+mn-ea"/>
-                  <a:cs typeface="+mn-cs"/>
-                </a:defRPr>
-              </a:lvl9pPr>
-            </a:lstStyle>
-            <a:p>
-              <a:pPr marL="0" indent="0" algn="ctr" eaLnBrk="1" hangingPunct="1">
-                <a:buFont typeface="Arial" panose="020B0604020202020204" pitchFamily="34" charset="0"/>
-                <a:buNone/>
-              </a:pPr>
-              <a:r>
-                <a:rPr lang="ru-RU" altLang="ru-RU" dirty="0" smtClean="0">
-                  <a:latin typeface="Times New Roman" panose="02020603050405020304" pitchFamily="18" charset="0"/>
-                </a:rPr>
-                <a:t>Генератор графов</a:t>
-              </a:r>
-            </a:p>
-          </p:txBody>
-        </p:sp>
-      </p:grpSp>
-      <p:sp>
-        <p:nvSpPr>
-          <p:cNvPr id="5" name="TextBox 4"/>
-          <p:cNvSpPr txBox="1"/>
-          <p:nvPr/>
-        </p:nvSpPr>
-        <p:spPr>
-          <a:xfrm>
-            <a:off x="539552" y="2110255"/>
-            <a:ext cx="8136904" cy="2693045"/>
-          </a:xfrm>
-          <a:prstGeom prst="rect">
-            <a:avLst/>
-          </a:prstGeom>
-          <a:noFill/>
-        </p:spPr>
-        <p:txBody>
-          <a:bodyPr wrap="square" rtlCol="0">
-            <a:spAutoFit/>
-          </a:bodyPr>
-          <a:lstStyle/>
-          <a:p>
-            <a:pPr indent="450000" algn="just">
-              <a:spcAft>
-                <a:spcPts val="600"/>
-              </a:spcAft>
-            </a:pPr>
-            <a:r>
-              <a:rPr lang="ru-RU" dirty="0">
-                <a:latin typeface="Times New Roman" panose="02020603050405020304" pitchFamily="18" charset="0"/>
-                <a:cs typeface="Times New Roman" panose="02020603050405020304" pitchFamily="18" charset="0"/>
-              </a:rPr>
-              <a:t>Генератор имеет 5 возможных </a:t>
-            </a:r>
-            <a:r>
-              <a:rPr lang="ru-RU" dirty="0" smtClean="0">
-                <a:latin typeface="Times New Roman" panose="02020603050405020304" pitchFamily="18" charset="0"/>
-                <a:cs typeface="Times New Roman" panose="02020603050405020304" pitchFamily="18" charset="0"/>
-              </a:rPr>
-              <a:t>параметров</a:t>
-            </a:r>
-          </a:p>
-          <a:p>
-            <a:pPr indent="450000" algn="just">
-              <a:spcAft>
-                <a:spcPts val="600"/>
-              </a:spcAft>
-            </a:pPr>
-            <a:r>
-              <a:rPr lang="ru-RU" dirty="0" smtClean="0">
-                <a:latin typeface="Times New Roman" panose="02020603050405020304" pitchFamily="18" charset="0"/>
-                <a:cs typeface="Times New Roman" panose="02020603050405020304" pitchFamily="18" charset="0"/>
-              </a:rPr>
-              <a:t>Параметр </a:t>
-            </a:r>
-            <a:r>
-              <a:rPr lang="ru-RU" dirty="0">
-                <a:latin typeface="Times New Roman" panose="02020603050405020304" pitchFamily="18" charset="0"/>
-                <a:cs typeface="Times New Roman" panose="02020603050405020304" pitchFamily="18" charset="0"/>
-              </a:rPr>
-              <a:t>«-</a:t>
-            </a:r>
-            <a:r>
-              <a:rPr lang="en-US" dirty="0">
-                <a:latin typeface="Times New Roman" panose="02020603050405020304" pitchFamily="18" charset="0"/>
-                <a:cs typeface="Times New Roman" panose="02020603050405020304" pitchFamily="18" charset="0"/>
-              </a:rPr>
-              <a:t>n</a:t>
-            </a:r>
-            <a:r>
-              <a:rPr lang="ru-RU" dirty="0">
-                <a:latin typeface="Times New Roman" panose="02020603050405020304" pitchFamily="18" charset="0"/>
-                <a:cs typeface="Times New Roman" panose="02020603050405020304" pitchFamily="18" charset="0"/>
-              </a:rPr>
-              <a:t>» отвечает за количество вершин в сгенерированном </a:t>
-            </a:r>
-            <a:r>
-              <a:rPr lang="ru-RU" dirty="0" smtClean="0">
-                <a:latin typeface="Times New Roman" panose="02020603050405020304" pitchFamily="18" charset="0"/>
-                <a:cs typeface="Times New Roman" panose="02020603050405020304" pitchFamily="18" charset="0"/>
-              </a:rPr>
-              <a:t>графе</a:t>
-            </a:r>
-          </a:p>
-          <a:p>
-            <a:pPr indent="450000" algn="just">
-              <a:spcAft>
-                <a:spcPts val="600"/>
-              </a:spcAft>
-            </a:pPr>
-            <a:r>
-              <a:rPr lang="ru-RU" dirty="0" smtClean="0">
-                <a:latin typeface="Times New Roman" panose="02020603050405020304" pitchFamily="18" charset="0"/>
-                <a:cs typeface="Times New Roman" panose="02020603050405020304" pitchFamily="18" charset="0"/>
-              </a:rPr>
-              <a:t>Параметр </a:t>
-            </a:r>
-            <a:r>
-              <a:rPr lang="ru-RU" dirty="0">
-                <a:latin typeface="Times New Roman" panose="02020603050405020304" pitchFamily="18" charset="0"/>
-                <a:cs typeface="Times New Roman" panose="02020603050405020304" pitchFamily="18" charset="0"/>
-              </a:rPr>
-              <a:t>«-</a:t>
-            </a:r>
-            <a:r>
-              <a:rPr lang="en-US" dirty="0">
-                <a:latin typeface="Times New Roman" panose="02020603050405020304" pitchFamily="18" charset="0"/>
-                <a:cs typeface="Times New Roman" panose="02020603050405020304" pitchFamily="18" charset="0"/>
-              </a:rPr>
-              <a:t>m</a:t>
-            </a:r>
-            <a:r>
-              <a:rPr lang="ru-RU" dirty="0">
-                <a:latin typeface="Times New Roman" panose="02020603050405020304" pitchFamily="18" charset="0"/>
-                <a:cs typeface="Times New Roman" panose="02020603050405020304" pitchFamily="18" charset="0"/>
-              </a:rPr>
-              <a:t>» отвечает за количество </a:t>
-            </a:r>
-            <a:r>
-              <a:rPr lang="ru-RU" dirty="0" smtClean="0">
-                <a:latin typeface="Times New Roman" panose="02020603050405020304" pitchFamily="18" charset="0"/>
-                <a:cs typeface="Times New Roman" panose="02020603050405020304" pitchFamily="18" charset="0"/>
-              </a:rPr>
-              <a:t>дуг</a:t>
-            </a:r>
-          </a:p>
-          <a:p>
-            <a:pPr indent="450000" algn="just">
-              <a:spcAft>
-                <a:spcPts val="600"/>
-              </a:spcAft>
-            </a:pPr>
-            <a:r>
-              <a:rPr lang="ru-RU" dirty="0" smtClean="0">
-                <a:latin typeface="Times New Roman" panose="02020603050405020304" pitchFamily="18" charset="0"/>
-                <a:cs typeface="Times New Roman" panose="02020603050405020304" pitchFamily="18" charset="0"/>
-              </a:rPr>
-              <a:t>Параметр </a:t>
-            </a:r>
-            <a:r>
-              <a:rPr lang="ru-RU" dirty="0">
-                <a:latin typeface="Times New Roman" panose="02020603050405020304" pitchFamily="18" charset="0"/>
-                <a:cs typeface="Times New Roman" panose="02020603050405020304" pitchFamily="18" charset="0"/>
-              </a:rPr>
-              <a:t>«-</a:t>
-            </a:r>
-            <a:r>
-              <a:rPr lang="en-US" dirty="0">
-                <a:latin typeface="Times New Roman" panose="02020603050405020304" pitchFamily="18" charset="0"/>
-                <a:cs typeface="Times New Roman" panose="02020603050405020304" pitchFamily="18" charset="0"/>
-              </a:rPr>
-              <a:t>cup</a:t>
-            </a:r>
-            <a:r>
-              <a:rPr lang="ru-RU" dirty="0">
-                <a:latin typeface="Times New Roman" panose="02020603050405020304" pitchFamily="18" charset="0"/>
-                <a:cs typeface="Times New Roman" panose="02020603050405020304" pitchFamily="18" charset="0"/>
-              </a:rPr>
-              <a:t>» отвечает за установку фиксированной пропускной </a:t>
-            </a:r>
-            <a:r>
-              <a:rPr lang="ru-RU" dirty="0" smtClean="0">
-                <a:latin typeface="Times New Roman" panose="02020603050405020304" pitchFamily="18" charset="0"/>
-                <a:cs typeface="Times New Roman" panose="02020603050405020304" pitchFamily="18" charset="0"/>
-              </a:rPr>
-              <a:t>способности</a:t>
-            </a:r>
-          </a:p>
-          <a:p>
-            <a:pPr indent="450000" algn="just">
-              <a:spcAft>
-                <a:spcPts val="600"/>
-              </a:spcAft>
-            </a:pPr>
-            <a:r>
-              <a:rPr lang="ru-RU" dirty="0" smtClean="0">
-                <a:latin typeface="Times New Roman" panose="02020603050405020304" pitchFamily="18" charset="0"/>
-                <a:cs typeface="Times New Roman" panose="02020603050405020304" pitchFamily="18" charset="0"/>
-              </a:rPr>
-              <a:t>Параметр </a:t>
-            </a:r>
-            <a:r>
-              <a:rPr lang="ru-RU" dirty="0">
-                <a:latin typeface="Times New Roman" panose="02020603050405020304" pitchFamily="18" charset="0"/>
-                <a:cs typeface="Times New Roman" panose="02020603050405020304" pitchFamily="18" charset="0"/>
-              </a:rPr>
-              <a:t>«-</a:t>
-            </a:r>
-            <a:r>
-              <a:rPr lang="en-US" dirty="0">
-                <a:latin typeface="Times New Roman" panose="02020603050405020304" pitchFamily="18" charset="0"/>
-                <a:cs typeface="Times New Roman" panose="02020603050405020304" pitchFamily="18" charset="0"/>
-              </a:rPr>
-              <a:t>max</a:t>
-            </a:r>
-            <a:r>
-              <a:rPr lang="ru-RU" dirty="0">
-                <a:latin typeface="Times New Roman" panose="02020603050405020304" pitchFamily="18" charset="0"/>
-                <a:cs typeface="Times New Roman" panose="02020603050405020304" pitchFamily="18" charset="0"/>
-              </a:rPr>
-              <a:t>_</a:t>
-            </a:r>
-            <a:r>
-              <a:rPr lang="en-US" dirty="0">
-                <a:latin typeface="Times New Roman" panose="02020603050405020304" pitchFamily="18" charset="0"/>
-                <a:cs typeface="Times New Roman" panose="02020603050405020304" pitchFamily="18" charset="0"/>
-              </a:rPr>
-              <a:t>cup</a:t>
-            </a:r>
-            <a:r>
-              <a:rPr lang="ru-RU" dirty="0">
-                <a:latin typeface="Times New Roman" panose="02020603050405020304" pitchFamily="18" charset="0"/>
-                <a:cs typeface="Times New Roman" panose="02020603050405020304" pitchFamily="18" charset="0"/>
-              </a:rPr>
-              <a:t>» отвечает за максимально возможную пропускную </a:t>
-            </a:r>
-            <a:r>
-              <a:rPr lang="ru-RU" dirty="0" smtClean="0">
-                <a:latin typeface="Times New Roman" panose="02020603050405020304" pitchFamily="18" charset="0"/>
-                <a:cs typeface="Times New Roman" panose="02020603050405020304" pitchFamily="18" charset="0"/>
-              </a:rPr>
-              <a:t>способность</a:t>
-            </a:r>
-          </a:p>
-          <a:p>
-            <a:pPr indent="450000" algn="just">
-              <a:spcAft>
-                <a:spcPts val="600"/>
-              </a:spcAft>
-            </a:pPr>
-            <a:r>
-              <a:rPr lang="ru-RU" dirty="0" smtClean="0">
-                <a:latin typeface="Times New Roman" panose="02020603050405020304" pitchFamily="18" charset="0"/>
-                <a:cs typeface="Times New Roman" panose="02020603050405020304" pitchFamily="18" charset="0"/>
-              </a:rPr>
-              <a:t>Параметр </a:t>
-            </a:r>
-            <a:r>
-              <a:rPr lang="ru-RU" dirty="0">
-                <a:latin typeface="Times New Roman" panose="02020603050405020304" pitchFamily="18" charset="0"/>
-                <a:cs typeface="Times New Roman" panose="02020603050405020304" pitchFamily="18" charset="0"/>
-              </a:rPr>
-              <a:t>«-</a:t>
-            </a:r>
-            <a:r>
-              <a:rPr lang="en-US" dirty="0">
-                <a:latin typeface="Times New Roman" panose="02020603050405020304" pitchFamily="18" charset="0"/>
-                <a:cs typeface="Times New Roman" panose="02020603050405020304" pitchFamily="18" charset="0"/>
-              </a:rPr>
-              <a:t>file</a:t>
-            </a:r>
-            <a:r>
-              <a:rPr lang="ru-RU" dirty="0">
-                <a:latin typeface="Times New Roman" panose="02020603050405020304" pitchFamily="18" charset="0"/>
-                <a:cs typeface="Times New Roman" panose="02020603050405020304" pitchFamily="18" charset="0"/>
-              </a:rPr>
-              <a:t>» отвечает за считывание графа из </a:t>
-            </a:r>
-            <a:r>
-              <a:rPr lang="ru-RU" dirty="0" smtClean="0">
-                <a:latin typeface="Times New Roman" panose="02020603050405020304" pitchFamily="18" charset="0"/>
-                <a:cs typeface="Times New Roman" panose="02020603050405020304" pitchFamily="18" charset="0"/>
-              </a:rPr>
-              <a:t>файла</a:t>
-            </a:r>
-            <a:endParaRPr lang="ru-RU" dirty="0">
-              <a:latin typeface="Times New Roman" panose="02020603050405020304" pitchFamily="18" charset="0"/>
-              <a:cs typeface="Times New Roman" panose="02020603050405020304" pitchFamily="18" charset="0"/>
-            </a:endParaRPr>
-          </a:p>
-        </p:txBody>
-      </p:sp>
-    </p:spTree>
-    <p:extLst>
-      <p:ext uri="{BB962C8B-B14F-4D97-AF65-F5344CB8AC3E}">
-        <p14:creationId xmlns:p14="http://schemas.microsoft.com/office/powerpoint/2010/main" val="3473978576"/>
-      </p:ext>
-    </p:extLst>
-  </p:cSld>
-  <p:clrMapOvr>
-    <a:masterClrMapping/>
-  </p:clrMapOvr>
-  <p:timing>
-    <p:tnLst>
-      <p:par>
-        <p:cTn id="1" dur="indefinite" restart="never" nodeType="tmRoot"/>
-      </p:par>
-    </p:tnLst>
-  </p:timing>
-</p:sld>
-</file>
-
 <file path=ppt/slides/slide18.xml><?xml version="1.0" encoding="utf-8"?>
 <p:sld xmlns:a="http://schemas.openxmlformats.org/drawingml/2006/main" xmlns:r="http://schemas.openxmlformats.org/officeDocument/2006/relationships" xmlns:p="http://schemas.openxmlformats.org/presentationml/2006/main">
   <p:cSld>
@@ -13181,42 +12774,15 @@
                 <a:rPr lang="ru-RU" altLang="ru-RU" dirty="0" smtClean="0">
                   <a:latin typeface="Times New Roman" panose="02020603050405020304" pitchFamily="18" charset="0"/>
                 </a:rPr>
-                <a:t>Генератор графов</a:t>
+                <a:t>Интерфейс</a:t>
               </a:r>
+              <a:endParaRPr lang="ru-RU" altLang="ru-RU" dirty="0" smtClean="0">
+                <a:latin typeface="Times New Roman" panose="02020603050405020304" pitchFamily="18" charset="0"/>
+              </a:endParaRPr>
             </a:p>
           </p:txBody>
         </p:sp>
       </p:grpSp>
-      <p:sp>
-        <p:nvSpPr>
-          <p:cNvPr id="5" name="TextBox 4"/>
-          <p:cNvSpPr txBox="1"/>
-          <p:nvPr/>
-        </p:nvSpPr>
-        <p:spPr>
-          <a:xfrm>
-            <a:off x="539552" y="2110255"/>
-            <a:ext cx="8136904" cy="369332"/>
-          </a:xfrm>
-          <a:prstGeom prst="rect">
-            <a:avLst/>
-          </a:prstGeom>
-          <a:noFill/>
-        </p:spPr>
-        <p:txBody>
-          <a:bodyPr wrap="square" rtlCol="0">
-            <a:spAutoFit/>
-          </a:bodyPr>
-          <a:lstStyle/>
-          <a:p>
-            <a:pPr algn="just"/>
-            <a:endParaRPr lang="ru-RU" dirty="0">
-              <a:latin typeface="Times New Roman" panose="02020603050405020304" pitchFamily="18" charset="0"/>
-              <a:cs typeface="Times New Roman" panose="02020603050405020304" pitchFamily="18" charset="0"/>
-            </a:endParaRPr>
-          </a:p>
-        </p:txBody>
-      </p:sp>
       <p:pic>
         <p:nvPicPr>
           <p:cNvPr id="6" name="Рисунок 5"/>
@@ -13233,8 +12799,8 @@
         </p:blipFill>
         <p:spPr>
           <a:xfrm>
-            <a:off x="1460103" y="1662112"/>
-            <a:ext cx="6223794" cy="4643268"/>
+            <a:off x="1392858" y="1662112"/>
+            <a:ext cx="6358284" cy="4724182"/>
           </a:xfrm>
           <a:prstGeom prst="rect">
             <a:avLst/>
@@ -13244,7 +12810,7 @@
     </p:spTree>
     <p:extLst>
       <p:ext uri="{BB962C8B-B14F-4D97-AF65-F5344CB8AC3E}">
-        <p14:creationId xmlns:p14="http://schemas.microsoft.com/office/powerpoint/2010/main" val="2591663583"/>
+        <p14:creationId xmlns:p14="http://schemas.microsoft.com/office/powerpoint/2010/main" val="3473978576"/>
       </p:ext>
     </p:extLst>
   </p:cSld>
@@ -13698,7 +13264,7 @@
                 <a:rPr lang="ru-RU" altLang="ru-RU" dirty="0" smtClean="0">
                   <a:latin typeface="Times New Roman" panose="02020603050405020304" pitchFamily="18" charset="0"/>
                 </a:rPr>
-                <a:t>Визуализация графов</a:t>
+                <a:t>Генератор графов</a:t>
               </a:r>
             </a:p>
           </p:txBody>
@@ -13750,8 +13316,8 @@
         </p:blipFill>
         <p:spPr>
           <a:xfrm>
-            <a:off x="1359235" y="1556792"/>
-            <a:ext cx="6425530" cy="4787803"/>
+            <a:off x="1297898" y="1662112"/>
+            <a:ext cx="6548203" cy="4873267"/>
           </a:xfrm>
           <a:prstGeom prst="rect">
             <a:avLst/>
@@ -13761,7 +13327,7 @@
     </p:spTree>
     <p:extLst>
       <p:ext uri="{BB962C8B-B14F-4D97-AF65-F5344CB8AC3E}">
-        <p14:creationId xmlns:p14="http://schemas.microsoft.com/office/powerpoint/2010/main" val="3244602366"/>
+        <p14:creationId xmlns:p14="http://schemas.microsoft.com/office/powerpoint/2010/main" val="2591663583"/>
       </p:ext>
     </p:extLst>
   </p:cSld>
@@ -14221,8 +13787,8 @@
           </p:txBody>
         </p:sp>
       </p:grpSp>
-      <mc:AlternateContent xmlns:mc="http://schemas.openxmlformats.org/markup-compatibility/2006" xmlns:a14="http://schemas.microsoft.com/office/drawing/2010/main">
-        <mc:Choice Requires="a14">
+      <mc:AlternateContent xmlns:mc="http://schemas.openxmlformats.org/markup-compatibility/2006">
+        <mc:Choice xmlns:a14="http://schemas.microsoft.com/office/drawing/2010/main" Requires="a14">
           <p:sp>
             <p:nvSpPr>
               <p:cNvPr id="2" name="TextBox 1"/>
@@ -14232,7 +13798,7 @@
             <p:spPr>
               <a:xfrm>
                 <a:off x="685800" y="2348880"/>
-                <a:ext cx="7846640" cy="2446375"/>
+                <a:ext cx="7846640" cy="1235788"/>
               </a:xfrm>
               <a:prstGeom prst="rect">
                 <a:avLst/>
@@ -14553,881 +14119,15 @@
                   </a:rPr>
                   <a:t>.</a:t>
                 </a:r>
-              </a:p>
-              <a:p>
-                <a:pPr indent="450000" algn="just">
-                  <a:spcAft>
-                    <a:spcPts val="800"/>
-                  </a:spcAft>
-                </a:pPr>
-                <a:r>
-                  <a:rPr lang="ru-RU" dirty="0">
-                    <a:latin typeface="Times New Roman" panose="02020603050405020304" pitchFamily="18" charset="0"/>
-                    <a:cs typeface="Times New Roman" panose="02020603050405020304" pitchFamily="18" charset="0"/>
-                  </a:rPr>
-                  <a:t>Последовательность вида </a:t>
-                </a:r>
-                <a14:m>
-                  <m:oMath xmlns:m="http://schemas.openxmlformats.org/officeDocument/2006/math">
-                    <m:sSub>
-                      <m:sSubPr>
-                        <m:ctrlPr>
-                          <a:rPr lang="ru-RU" i="1">
-                            <a:latin typeface="Cambria Math" panose="02040503050406030204" pitchFamily="18" charset="0"/>
-                          </a:rPr>
-                        </m:ctrlPr>
-                      </m:sSubPr>
-                      <m:e>
-                        <m:r>
-                          <a:rPr lang="ru-RU" i="1">
-                            <a:latin typeface="Cambria Math" panose="02040503050406030204" pitchFamily="18" charset="0"/>
-                          </a:rPr>
-                          <m:t>𝑣</m:t>
-                        </m:r>
-                      </m:e>
-                      <m:sub>
-                        <m:r>
-                          <a:rPr lang="ru-RU" i="1">
-                            <a:latin typeface="Cambria Math" panose="02040503050406030204" pitchFamily="18" charset="0"/>
-                          </a:rPr>
-                          <m:t>0</m:t>
-                        </m:r>
-                      </m:sub>
-                    </m:sSub>
-                    <m:r>
-                      <a:rPr lang="ru-RU" i="1">
-                        <a:latin typeface="Cambria Math" panose="02040503050406030204" pitchFamily="18" charset="0"/>
-                      </a:rPr>
-                      <m:t>(</m:t>
-                    </m:r>
-                    <m:sSub>
-                      <m:sSubPr>
-                        <m:ctrlPr>
-                          <a:rPr lang="ru-RU" i="1">
-                            <a:latin typeface="Cambria Math" panose="02040503050406030204" pitchFamily="18" charset="0"/>
-                          </a:rPr>
-                        </m:ctrlPr>
-                      </m:sSubPr>
-                      <m:e>
-                        <m:r>
-                          <a:rPr lang="ru-RU" i="1">
-                            <a:latin typeface="Cambria Math" panose="02040503050406030204" pitchFamily="18" charset="0"/>
-                          </a:rPr>
-                          <m:t>𝑣</m:t>
-                        </m:r>
-                      </m:e>
-                      <m:sub>
-                        <m:r>
-                          <a:rPr lang="ru-RU" i="1">
-                            <a:latin typeface="Cambria Math" panose="02040503050406030204" pitchFamily="18" charset="0"/>
-                          </a:rPr>
-                          <m:t>0</m:t>
-                        </m:r>
-                      </m:sub>
-                    </m:sSub>
-                    <m:r>
-                      <a:rPr lang="ru-RU" i="1">
-                        <a:latin typeface="Cambria Math" panose="02040503050406030204" pitchFamily="18" charset="0"/>
-                      </a:rPr>
-                      <m:t>,</m:t>
-                    </m:r>
-                    <m:sSub>
-                      <m:sSubPr>
-                        <m:ctrlPr>
-                          <a:rPr lang="ru-RU" i="1">
-                            <a:latin typeface="Cambria Math" panose="02040503050406030204" pitchFamily="18" charset="0"/>
-                          </a:rPr>
-                        </m:ctrlPr>
-                      </m:sSubPr>
-                      <m:e>
-                        <m:r>
-                          <a:rPr lang="ru-RU" i="1">
-                            <a:latin typeface="Cambria Math" panose="02040503050406030204" pitchFamily="18" charset="0"/>
-                          </a:rPr>
-                          <m:t>𝑣</m:t>
-                        </m:r>
-                      </m:e>
-                      <m:sub>
-                        <m:r>
-                          <a:rPr lang="ru-RU" i="1">
-                            <a:latin typeface="Cambria Math" panose="02040503050406030204" pitchFamily="18" charset="0"/>
-                          </a:rPr>
-                          <m:t>1</m:t>
-                        </m:r>
-                      </m:sub>
-                    </m:sSub>
-                    <m:r>
-                      <a:rPr lang="ru-RU" i="1">
-                        <a:latin typeface="Cambria Math" panose="02040503050406030204" pitchFamily="18" charset="0"/>
-                      </a:rPr>
-                      <m:t>)</m:t>
-                    </m:r>
-                    <m:sSub>
-                      <m:sSubPr>
-                        <m:ctrlPr>
-                          <a:rPr lang="ru-RU" i="1">
-                            <a:latin typeface="Cambria Math" panose="02040503050406030204" pitchFamily="18" charset="0"/>
-                          </a:rPr>
-                        </m:ctrlPr>
-                      </m:sSubPr>
-                      <m:e>
-                        <m:r>
-                          <a:rPr lang="ru-RU" i="1">
-                            <a:latin typeface="Cambria Math" panose="02040503050406030204" pitchFamily="18" charset="0"/>
-                          </a:rPr>
-                          <m:t>𝑣</m:t>
-                        </m:r>
-                      </m:e>
-                      <m:sub>
-                        <m:r>
-                          <a:rPr lang="ru-RU" i="1">
-                            <a:latin typeface="Cambria Math" panose="02040503050406030204" pitchFamily="18" charset="0"/>
-                          </a:rPr>
-                          <m:t>1</m:t>
-                        </m:r>
-                      </m:sub>
-                    </m:sSub>
-                    <m:r>
-                      <a:rPr lang="ru-RU" i="1">
-                        <a:latin typeface="Cambria Math" panose="02040503050406030204" pitchFamily="18" charset="0"/>
-                      </a:rPr>
-                      <m:t>(</m:t>
-                    </m:r>
-                    <m:sSub>
-                      <m:sSubPr>
-                        <m:ctrlPr>
-                          <a:rPr lang="ru-RU" i="1">
-                            <a:latin typeface="Cambria Math" panose="02040503050406030204" pitchFamily="18" charset="0"/>
-                          </a:rPr>
-                        </m:ctrlPr>
-                      </m:sSubPr>
-                      <m:e>
-                        <m:r>
-                          <a:rPr lang="ru-RU" i="1">
-                            <a:latin typeface="Cambria Math" panose="02040503050406030204" pitchFamily="18" charset="0"/>
-                          </a:rPr>
-                          <m:t>𝑣</m:t>
-                        </m:r>
-                      </m:e>
-                      <m:sub>
-                        <m:r>
-                          <a:rPr lang="ru-RU" i="1">
-                            <a:latin typeface="Cambria Math" panose="02040503050406030204" pitchFamily="18" charset="0"/>
-                          </a:rPr>
-                          <m:t>1</m:t>
-                        </m:r>
-                      </m:sub>
-                    </m:sSub>
-                    <m:r>
-                      <a:rPr lang="ru-RU" i="1">
-                        <a:latin typeface="Cambria Math" panose="02040503050406030204" pitchFamily="18" charset="0"/>
-                      </a:rPr>
-                      <m:t>,</m:t>
-                    </m:r>
-                    <m:sSub>
-                      <m:sSubPr>
-                        <m:ctrlPr>
-                          <a:rPr lang="ru-RU" i="1">
-                            <a:latin typeface="Cambria Math" panose="02040503050406030204" pitchFamily="18" charset="0"/>
-                          </a:rPr>
-                        </m:ctrlPr>
-                      </m:sSubPr>
-                      <m:e>
-                        <m:r>
-                          <a:rPr lang="ru-RU" i="1">
-                            <a:latin typeface="Cambria Math" panose="02040503050406030204" pitchFamily="18" charset="0"/>
-                          </a:rPr>
-                          <m:t>𝑣</m:t>
-                        </m:r>
-                      </m:e>
-                      <m:sub>
-                        <m:r>
-                          <a:rPr lang="ru-RU" i="1">
-                            <a:latin typeface="Cambria Math" panose="02040503050406030204" pitchFamily="18" charset="0"/>
-                          </a:rPr>
-                          <m:t>2</m:t>
-                        </m:r>
-                      </m:sub>
-                    </m:sSub>
-                    <m:r>
-                      <a:rPr lang="ru-RU" i="1">
-                        <a:latin typeface="Cambria Math" panose="02040503050406030204" pitchFamily="18" charset="0"/>
-                      </a:rPr>
-                      <m:t>)</m:t>
-                    </m:r>
-                    <m:sSub>
-                      <m:sSubPr>
-                        <m:ctrlPr>
-                          <a:rPr lang="ru-RU" i="1">
-                            <a:latin typeface="Cambria Math" panose="02040503050406030204" pitchFamily="18" charset="0"/>
-                          </a:rPr>
-                        </m:ctrlPr>
-                      </m:sSubPr>
-                      <m:e>
-                        <m:r>
-                          <a:rPr lang="ru-RU" i="1">
-                            <a:latin typeface="Cambria Math" panose="02040503050406030204" pitchFamily="18" charset="0"/>
-                          </a:rPr>
-                          <m:t>𝑣</m:t>
-                        </m:r>
-                      </m:e>
-                      <m:sub>
-                        <m:r>
-                          <a:rPr lang="ru-RU" i="1">
-                            <a:latin typeface="Cambria Math" panose="02040503050406030204" pitchFamily="18" charset="0"/>
-                          </a:rPr>
-                          <m:t>2</m:t>
-                        </m:r>
-                      </m:sub>
-                    </m:sSub>
-                    <m:r>
-                      <a:rPr lang="ru-RU" i="1">
-                        <a:latin typeface="Cambria Math" panose="02040503050406030204" pitchFamily="18" charset="0"/>
-                      </a:rPr>
-                      <m:t>…</m:t>
-                    </m:r>
-                    <m:sSub>
-                      <m:sSubPr>
-                        <m:ctrlPr>
-                          <a:rPr lang="ru-RU" i="1">
-                            <a:latin typeface="Cambria Math" panose="02040503050406030204" pitchFamily="18" charset="0"/>
-                          </a:rPr>
-                        </m:ctrlPr>
-                      </m:sSubPr>
-                      <m:e>
-                        <m:r>
-                          <a:rPr lang="ru-RU" i="1">
-                            <a:latin typeface="Cambria Math" panose="02040503050406030204" pitchFamily="18" charset="0"/>
-                          </a:rPr>
-                          <m:t>𝑣</m:t>
-                        </m:r>
-                      </m:e>
-                      <m:sub>
-                        <m:r>
-                          <a:rPr lang="ru-RU" i="1">
-                            <a:latin typeface="Cambria Math" panose="02040503050406030204" pitchFamily="18" charset="0"/>
-                          </a:rPr>
-                          <m:t>𝑙</m:t>
-                        </m:r>
-                        <m:r>
-                          <a:rPr lang="ru-RU" i="1">
-                            <a:latin typeface="Cambria Math" panose="02040503050406030204" pitchFamily="18" charset="0"/>
-                          </a:rPr>
-                          <m:t>−1</m:t>
-                        </m:r>
-                      </m:sub>
-                    </m:sSub>
-                    <m:r>
-                      <a:rPr lang="ru-RU" i="1">
-                        <a:latin typeface="Cambria Math" panose="02040503050406030204" pitchFamily="18" charset="0"/>
-                      </a:rPr>
-                      <m:t>(</m:t>
-                    </m:r>
-                    <m:sSub>
-                      <m:sSubPr>
-                        <m:ctrlPr>
-                          <a:rPr lang="ru-RU" i="1">
-                            <a:latin typeface="Cambria Math" panose="02040503050406030204" pitchFamily="18" charset="0"/>
-                          </a:rPr>
-                        </m:ctrlPr>
-                      </m:sSubPr>
-                      <m:e>
-                        <m:r>
-                          <a:rPr lang="ru-RU" i="1">
-                            <a:latin typeface="Cambria Math" panose="02040503050406030204" pitchFamily="18" charset="0"/>
-                          </a:rPr>
-                          <m:t>𝑣</m:t>
-                        </m:r>
-                      </m:e>
-                      <m:sub>
-                        <m:r>
-                          <a:rPr lang="ru-RU" i="1">
-                            <a:latin typeface="Cambria Math" panose="02040503050406030204" pitchFamily="18" charset="0"/>
-                          </a:rPr>
-                          <m:t>𝑙</m:t>
-                        </m:r>
-                        <m:r>
-                          <a:rPr lang="ru-RU" i="1">
-                            <a:latin typeface="Cambria Math" panose="02040503050406030204" pitchFamily="18" charset="0"/>
-                          </a:rPr>
-                          <m:t>−1</m:t>
-                        </m:r>
-                      </m:sub>
-                    </m:sSub>
-                    <m:r>
-                      <a:rPr lang="ru-RU" i="1">
-                        <a:latin typeface="Cambria Math" panose="02040503050406030204" pitchFamily="18" charset="0"/>
-                      </a:rPr>
-                      <m:t>,</m:t>
-                    </m:r>
-                    <m:sSub>
-                      <m:sSubPr>
-                        <m:ctrlPr>
-                          <a:rPr lang="ru-RU" i="1">
-                            <a:latin typeface="Cambria Math" panose="02040503050406030204" pitchFamily="18" charset="0"/>
-                          </a:rPr>
-                        </m:ctrlPr>
-                      </m:sSubPr>
-                      <m:e>
-                        <m:r>
-                          <a:rPr lang="ru-RU" i="1">
-                            <a:latin typeface="Cambria Math" panose="02040503050406030204" pitchFamily="18" charset="0"/>
-                          </a:rPr>
-                          <m:t>𝑣</m:t>
-                        </m:r>
-                      </m:e>
-                      <m:sub>
-                        <m:r>
-                          <a:rPr lang="ru-RU" i="1">
-                            <a:latin typeface="Cambria Math" panose="02040503050406030204" pitchFamily="18" charset="0"/>
-                          </a:rPr>
-                          <m:t>𝑙</m:t>
-                        </m:r>
-                      </m:sub>
-                    </m:sSub>
-                    <m:r>
-                      <a:rPr lang="ru-RU" i="1">
-                        <a:latin typeface="Cambria Math" panose="02040503050406030204" pitchFamily="18" charset="0"/>
-                      </a:rPr>
-                      <m:t>)</m:t>
-                    </m:r>
-                    <m:sSub>
-                      <m:sSubPr>
-                        <m:ctrlPr>
-                          <a:rPr lang="ru-RU" i="1">
-                            <a:latin typeface="Cambria Math" panose="02040503050406030204" pitchFamily="18" charset="0"/>
-                          </a:rPr>
-                        </m:ctrlPr>
-                      </m:sSubPr>
-                      <m:e>
-                        <m:r>
-                          <a:rPr lang="ru-RU" i="1">
-                            <a:latin typeface="Cambria Math" panose="02040503050406030204" pitchFamily="18" charset="0"/>
-                          </a:rPr>
-                          <m:t>𝑣</m:t>
-                        </m:r>
-                      </m:e>
-                      <m:sub>
-                        <m:r>
-                          <a:rPr lang="ru-RU" i="1">
-                            <a:latin typeface="Cambria Math" panose="02040503050406030204" pitchFamily="18" charset="0"/>
-                          </a:rPr>
-                          <m:t>𝑙</m:t>
-                        </m:r>
-                      </m:sub>
-                    </m:sSub>
-                  </m:oMath>
-                </a14:m>
-                <a:r>
-                  <a:rPr lang="ru-RU" dirty="0">
-                    <a:latin typeface="Times New Roman" panose="02020603050405020304" pitchFamily="18" charset="0"/>
-                    <a:cs typeface="Times New Roman" panose="02020603050405020304" pitchFamily="18" charset="0"/>
-                  </a:rPr>
-                  <a:t>, где </a:t>
-                </a:r>
-                <a14:m>
-                  <m:oMath xmlns:m="http://schemas.openxmlformats.org/officeDocument/2006/math">
-                    <m:sSub>
-                      <m:sSubPr>
-                        <m:ctrlPr>
-                          <a:rPr lang="ru-RU" i="1">
-                            <a:latin typeface="Cambria Math" panose="02040503050406030204" pitchFamily="18" charset="0"/>
-                          </a:rPr>
-                        </m:ctrlPr>
-                      </m:sSubPr>
-                      <m:e>
-                        <m:r>
-                          <a:rPr lang="ru-RU" i="1">
-                            <a:latin typeface="Cambria Math" panose="02040503050406030204" pitchFamily="18" charset="0"/>
-                          </a:rPr>
-                          <m:t>𝑣</m:t>
-                        </m:r>
-                      </m:e>
-                      <m:sub>
-                        <m:r>
-                          <a:rPr lang="ru-RU" i="1">
-                            <a:latin typeface="Cambria Math" panose="02040503050406030204" pitchFamily="18" charset="0"/>
-                          </a:rPr>
-                          <m:t>0</m:t>
-                        </m:r>
-                      </m:sub>
-                    </m:sSub>
-                    <m:r>
-                      <a:rPr lang="ru-RU" i="1">
-                        <a:latin typeface="Cambria Math" panose="02040503050406030204" pitchFamily="18" charset="0"/>
-                      </a:rPr>
-                      <m:t>,</m:t>
-                    </m:r>
-                    <m:sSub>
-                      <m:sSubPr>
-                        <m:ctrlPr>
-                          <a:rPr lang="ru-RU" i="1">
-                            <a:latin typeface="Cambria Math" panose="02040503050406030204" pitchFamily="18" charset="0"/>
-                          </a:rPr>
-                        </m:ctrlPr>
-                      </m:sSubPr>
-                      <m:e>
-                        <m:r>
-                          <a:rPr lang="ru-RU" i="1">
-                            <a:latin typeface="Cambria Math" panose="02040503050406030204" pitchFamily="18" charset="0"/>
-                          </a:rPr>
-                          <m:t>𝑣</m:t>
-                        </m:r>
-                      </m:e>
-                      <m:sub>
-                        <m:r>
-                          <a:rPr lang="ru-RU" i="1">
-                            <a:latin typeface="Cambria Math" panose="02040503050406030204" pitchFamily="18" charset="0"/>
-                          </a:rPr>
-                          <m:t>1</m:t>
-                        </m:r>
-                      </m:sub>
-                    </m:sSub>
-                    <m:r>
-                      <a:rPr lang="ru-RU" i="1">
-                        <a:latin typeface="Cambria Math" panose="02040503050406030204" pitchFamily="18" charset="0"/>
-                      </a:rPr>
-                      <m:t>,</m:t>
-                    </m:r>
-                    <m:sSub>
-                      <m:sSubPr>
-                        <m:ctrlPr>
-                          <a:rPr lang="ru-RU" i="1">
-                            <a:latin typeface="Cambria Math" panose="02040503050406030204" pitchFamily="18" charset="0"/>
-                          </a:rPr>
-                        </m:ctrlPr>
-                      </m:sSubPr>
-                      <m:e>
-                        <m:r>
-                          <a:rPr lang="ru-RU" i="1">
-                            <a:latin typeface="Cambria Math" panose="02040503050406030204" pitchFamily="18" charset="0"/>
-                          </a:rPr>
-                          <m:t>𝑣</m:t>
-                        </m:r>
-                      </m:e>
-                      <m:sub>
-                        <m:r>
-                          <a:rPr lang="ru-RU" i="1">
-                            <a:latin typeface="Cambria Math" panose="02040503050406030204" pitchFamily="18" charset="0"/>
-                          </a:rPr>
-                          <m:t>2</m:t>
-                        </m:r>
-                      </m:sub>
-                    </m:sSub>
-                    <m:r>
-                      <a:rPr lang="ru-RU" i="1">
-                        <a:latin typeface="Cambria Math" panose="02040503050406030204" pitchFamily="18" charset="0"/>
-                      </a:rPr>
-                      <m:t>,…,</m:t>
-                    </m:r>
-                    <m:sSub>
-                      <m:sSubPr>
-                        <m:ctrlPr>
-                          <a:rPr lang="ru-RU" i="1">
-                            <a:latin typeface="Cambria Math" panose="02040503050406030204" pitchFamily="18" charset="0"/>
-                          </a:rPr>
-                        </m:ctrlPr>
-                      </m:sSubPr>
-                      <m:e>
-                        <m:r>
-                          <a:rPr lang="ru-RU" i="1">
-                            <a:latin typeface="Cambria Math" panose="02040503050406030204" pitchFamily="18" charset="0"/>
-                          </a:rPr>
-                          <m:t>𝑣</m:t>
-                        </m:r>
-                      </m:e>
-                      <m:sub>
-                        <m:r>
-                          <a:rPr lang="ru-RU" i="1">
-                            <a:latin typeface="Cambria Math" panose="02040503050406030204" pitchFamily="18" charset="0"/>
-                          </a:rPr>
-                          <m:t>𝑙</m:t>
-                        </m:r>
-                        <m:r>
-                          <a:rPr lang="ru-RU" i="1">
-                            <a:latin typeface="Cambria Math" panose="02040503050406030204" pitchFamily="18" charset="0"/>
-                          </a:rPr>
-                          <m:t>−1</m:t>
-                        </m:r>
-                      </m:sub>
-                    </m:sSub>
-                    <m:r>
-                      <a:rPr lang="ru-RU" i="1">
-                        <a:latin typeface="Cambria Math" panose="02040503050406030204" pitchFamily="18" charset="0"/>
-                      </a:rPr>
-                      <m:t>,</m:t>
-                    </m:r>
-                    <m:sSub>
-                      <m:sSubPr>
-                        <m:ctrlPr>
-                          <a:rPr lang="ru-RU" i="1">
-                            <a:latin typeface="Cambria Math" panose="02040503050406030204" pitchFamily="18" charset="0"/>
-                          </a:rPr>
-                        </m:ctrlPr>
-                      </m:sSubPr>
-                      <m:e>
-                        <m:r>
-                          <a:rPr lang="ru-RU" i="1">
-                            <a:latin typeface="Cambria Math" panose="02040503050406030204" pitchFamily="18" charset="0"/>
-                          </a:rPr>
-                          <m:t>𝑣</m:t>
-                        </m:r>
-                      </m:e>
-                      <m:sub>
-                        <m:r>
-                          <a:rPr lang="ru-RU" i="1">
-                            <a:latin typeface="Cambria Math" panose="02040503050406030204" pitchFamily="18" charset="0"/>
-                          </a:rPr>
-                          <m:t>𝑙</m:t>
-                        </m:r>
-                      </m:sub>
-                    </m:sSub>
-                    <m:r>
-                      <a:rPr lang="ru-RU" i="1">
-                        <a:latin typeface="Cambria Math" panose="02040503050406030204" pitchFamily="18" charset="0"/>
-                      </a:rPr>
-                      <m:t>∈</m:t>
-                    </m:r>
-                    <m:r>
-                      <a:rPr lang="en-US" i="1">
-                        <a:latin typeface="Cambria Math" panose="02040503050406030204" pitchFamily="18" charset="0"/>
-                      </a:rPr>
-                      <m:t>𝑉</m:t>
-                    </m:r>
-                  </m:oMath>
-                </a14:m>
-                <a:r>
-                  <a:rPr lang="ru-RU" dirty="0">
-                    <a:latin typeface="Times New Roman" panose="02020603050405020304" pitchFamily="18" charset="0"/>
-                    <a:cs typeface="Times New Roman" panose="02020603050405020304" pitchFamily="18" charset="0"/>
-                  </a:rPr>
-                  <a:t>, а  </a:t>
-                </a:r>
-                <a14:m>
-                  <m:oMath xmlns:m="http://schemas.openxmlformats.org/officeDocument/2006/math">
-                    <m:r>
-                      <a:rPr lang="ru-RU" i="1">
-                        <a:latin typeface="Cambria Math" panose="02040503050406030204" pitchFamily="18" charset="0"/>
-                      </a:rPr>
-                      <m:t>(</m:t>
-                    </m:r>
-                    <m:sSub>
-                      <m:sSubPr>
-                        <m:ctrlPr>
-                          <a:rPr lang="ru-RU" i="1">
-                            <a:latin typeface="Cambria Math" panose="02040503050406030204" pitchFamily="18" charset="0"/>
-                          </a:rPr>
-                        </m:ctrlPr>
-                      </m:sSubPr>
-                      <m:e>
-                        <m:r>
-                          <a:rPr lang="ru-RU" i="1">
-                            <a:latin typeface="Cambria Math" panose="02040503050406030204" pitchFamily="18" charset="0"/>
-                          </a:rPr>
-                          <m:t>𝑣</m:t>
-                        </m:r>
-                      </m:e>
-                      <m:sub>
-                        <m:r>
-                          <a:rPr lang="ru-RU" i="1">
-                            <a:latin typeface="Cambria Math" panose="02040503050406030204" pitchFamily="18" charset="0"/>
-                          </a:rPr>
-                          <m:t>0</m:t>
-                        </m:r>
-                      </m:sub>
-                    </m:sSub>
-                    <m:r>
-                      <a:rPr lang="ru-RU" i="1">
-                        <a:latin typeface="Cambria Math" panose="02040503050406030204" pitchFamily="18" charset="0"/>
-                      </a:rPr>
-                      <m:t>,</m:t>
-                    </m:r>
-                    <m:sSub>
-                      <m:sSubPr>
-                        <m:ctrlPr>
-                          <a:rPr lang="ru-RU" i="1">
-                            <a:latin typeface="Cambria Math" panose="02040503050406030204" pitchFamily="18" charset="0"/>
-                          </a:rPr>
-                        </m:ctrlPr>
-                      </m:sSubPr>
-                      <m:e>
-                        <m:r>
-                          <a:rPr lang="ru-RU" i="1">
-                            <a:latin typeface="Cambria Math" panose="02040503050406030204" pitchFamily="18" charset="0"/>
-                          </a:rPr>
-                          <m:t>𝑣</m:t>
-                        </m:r>
-                      </m:e>
-                      <m:sub>
-                        <m:r>
-                          <a:rPr lang="ru-RU" i="1">
-                            <a:latin typeface="Cambria Math" panose="02040503050406030204" pitchFamily="18" charset="0"/>
-                          </a:rPr>
-                          <m:t>1</m:t>
-                        </m:r>
-                      </m:sub>
-                    </m:sSub>
-                    <m:r>
-                      <a:rPr lang="ru-RU" i="1">
-                        <a:latin typeface="Cambria Math" panose="02040503050406030204" pitchFamily="18" charset="0"/>
-                      </a:rPr>
-                      <m:t>),(</m:t>
-                    </m:r>
-                    <m:sSub>
-                      <m:sSubPr>
-                        <m:ctrlPr>
-                          <a:rPr lang="ru-RU" i="1">
-                            <a:latin typeface="Cambria Math" panose="02040503050406030204" pitchFamily="18" charset="0"/>
-                          </a:rPr>
-                        </m:ctrlPr>
-                      </m:sSubPr>
-                      <m:e>
-                        <m:r>
-                          <a:rPr lang="ru-RU" i="1">
-                            <a:latin typeface="Cambria Math" panose="02040503050406030204" pitchFamily="18" charset="0"/>
-                          </a:rPr>
-                          <m:t>𝑣</m:t>
-                        </m:r>
-                      </m:e>
-                      <m:sub>
-                        <m:r>
-                          <a:rPr lang="ru-RU" i="1">
-                            <a:latin typeface="Cambria Math" panose="02040503050406030204" pitchFamily="18" charset="0"/>
-                          </a:rPr>
-                          <m:t>1</m:t>
-                        </m:r>
-                      </m:sub>
-                    </m:sSub>
-                    <m:sSub>
-                      <m:sSubPr>
-                        <m:ctrlPr>
-                          <a:rPr lang="ru-RU" i="1">
-                            <a:latin typeface="Cambria Math" panose="02040503050406030204" pitchFamily="18" charset="0"/>
-                          </a:rPr>
-                        </m:ctrlPr>
-                      </m:sSubPr>
-                      <m:e>
-                        <m:r>
-                          <a:rPr lang="ru-RU" i="1">
-                            <a:latin typeface="Cambria Math" panose="02040503050406030204" pitchFamily="18" charset="0"/>
-                          </a:rPr>
-                          <m:t>𝑣</m:t>
-                        </m:r>
-                      </m:e>
-                      <m:sub>
-                        <m:r>
-                          <a:rPr lang="ru-RU" i="1">
-                            <a:latin typeface="Cambria Math" panose="02040503050406030204" pitchFamily="18" charset="0"/>
-                          </a:rPr>
-                          <m:t>2</m:t>
-                        </m:r>
-                      </m:sub>
-                    </m:sSub>
-                    <m:r>
-                      <a:rPr lang="ru-RU" i="1">
-                        <a:latin typeface="Cambria Math" panose="02040503050406030204" pitchFamily="18" charset="0"/>
-                      </a:rPr>
-                      <m:t>),…,(</m:t>
-                    </m:r>
-                    <m:sSub>
-                      <m:sSubPr>
-                        <m:ctrlPr>
-                          <a:rPr lang="ru-RU" i="1">
-                            <a:latin typeface="Cambria Math" panose="02040503050406030204" pitchFamily="18" charset="0"/>
-                          </a:rPr>
-                        </m:ctrlPr>
-                      </m:sSubPr>
-                      <m:e>
-                        <m:r>
-                          <a:rPr lang="ru-RU" i="1">
-                            <a:latin typeface="Cambria Math" panose="02040503050406030204" pitchFamily="18" charset="0"/>
-                          </a:rPr>
-                          <m:t>𝑣</m:t>
-                        </m:r>
-                      </m:e>
-                      <m:sub>
-                        <m:r>
-                          <a:rPr lang="ru-RU" i="1">
-                            <a:latin typeface="Cambria Math" panose="02040503050406030204" pitchFamily="18" charset="0"/>
-                          </a:rPr>
-                          <m:t>𝑙</m:t>
-                        </m:r>
-                        <m:r>
-                          <a:rPr lang="ru-RU" i="1">
-                            <a:latin typeface="Cambria Math" panose="02040503050406030204" pitchFamily="18" charset="0"/>
-                          </a:rPr>
-                          <m:t>−1</m:t>
-                        </m:r>
-                      </m:sub>
-                    </m:sSub>
-                    <m:sSub>
-                      <m:sSubPr>
-                        <m:ctrlPr>
-                          <a:rPr lang="ru-RU" i="1">
-                            <a:latin typeface="Cambria Math" panose="02040503050406030204" pitchFamily="18" charset="0"/>
-                          </a:rPr>
-                        </m:ctrlPr>
-                      </m:sSubPr>
-                      <m:e>
-                        <m:r>
-                          <a:rPr lang="ru-RU" i="1">
-                            <a:latin typeface="Cambria Math" panose="02040503050406030204" pitchFamily="18" charset="0"/>
-                          </a:rPr>
-                          <m:t>𝑣</m:t>
-                        </m:r>
-                      </m:e>
-                      <m:sub>
-                        <m:r>
-                          <a:rPr lang="ru-RU" i="1">
-                            <a:latin typeface="Cambria Math" panose="02040503050406030204" pitchFamily="18" charset="0"/>
-                          </a:rPr>
-                          <m:t>𝑙</m:t>
-                        </m:r>
-                      </m:sub>
-                    </m:sSub>
-                    <m:r>
-                      <a:rPr lang="ru-RU" i="1">
-                        <a:latin typeface="Cambria Math" panose="02040503050406030204" pitchFamily="18" charset="0"/>
-                      </a:rPr>
-                      <m:t>)∈</m:t>
-                    </m:r>
-                    <m:r>
-                      <a:rPr lang="ru-RU" i="1">
-                        <a:latin typeface="Cambria Math" panose="02040503050406030204" pitchFamily="18" charset="0"/>
-                      </a:rPr>
-                      <m:t>𝛼</m:t>
-                    </m:r>
-                  </m:oMath>
-                </a14:m>
-                <a:r>
-                  <a:rPr lang="ru-RU" dirty="0">
-                    <a:latin typeface="Times New Roman" panose="02020603050405020304" pitchFamily="18" charset="0"/>
-                    <a:cs typeface="Times New Roman" panose="02020603050405020304" pitchFamily="18" charset="0"/>
-                  </a:rPr>
-                  <a:t>, называется </a:t>
-                </a:r>
-                <a:r>
-                  <a:rPr lang="ru-RU" i="1" dirty="0">
-                    <a:latin typeface="Times New Roman" panose="02020603050405020304" pitchFamily="18" charset="0"/>
-                    <a:cs typeface="Times New Roman" panose="02020603050405020304" pitchFamily="18" charset="0"/>
-                  </a:rPr>
-                  <a:t>маршрутом</a:t>
-                </a:r>
-                <a:r>
-                  <a:rPr lang="ru-RU" dirty="0">
-                    <a:latin typeface="Times New Roman" panose="02020603050405020304" pitchFamily="18" charset="0"/>
-                    <a:cs typeface="Times New Roman" panose="02020603050405020304" pitchFamily="18" charset="0"/>
-                  </a:rPr>
-                  <a:t> (или </a:t>
-                </a:r>
-                <a:r>
-                  <a:rPr lang="ru-RU" i="1" dirty="0">
-                    <a:latin typeface="Times New Roman" panose="02020603050405020304" pitchFamily="18" charset="0"/>
-                    <a:cs typeface="Times New Roman" panose="02020603050405020304" pitchFamily="18" charset="0"/>
-                  </a:rPr>
-                  <a:t>путём</a:t>
-                </a:r>
-                <a:r>
-                  <a:rPr lang="ru-RU" dirty="0">
-                    <a:latin typeface="Times New Roman" panose="02020603050405020304" pitchFamily="18" charset="0"/>
-                    <a:cs typeface="Times New Roman" panose="02020603050405020304" pitchFamily="18" charset="0"/>
-                  </a:rPr>
-                  <a:t>) длины </a:t>
-                </a:r>
-                <a14:m>
-                  <m:oMath xmlns:m="http://schemas.openxmlformats.org/officeDocument/2006/math">
-                    <m:r>
-                      <a:rPr lang="en-US" i="1">
-                        <a:latin typeface="Cambria Math" panose="02040503050406030204" pitchFamily="18" charset="0"/>
-                      </a:rPr>
-                      <m:t>𝑙</m:t>
-                    </m:r>
-                  </m:oMath>
-                </a14:m>
-                <a:r>
-                  <a:rPr lang="ru-RU" dirty="0">
-                    <a:latin typeface="Times New Roman" panose="02020603050405020304" pitchFamily="18" charset="0"/>
-                    <a:cs typeface="Times New Roman" panose="02020603050405020304" pitchFamily="18" charset="0"/>
-                  </a:rPr>
-                  <a:t> из вершины </a:t>
-                </a:r>
-                <a14:m>
-                  <m:oMath xmlns:m="http://schemas.openxmlformats.org/officeDocument/2006/math">
-                    <m:sSub>
-                      <m:sSubPr>
-                        <m:ctrlPr>
-                          <a:rPr lang="ru-RU" i="1">
-                            <a:latin typeface="Cambria Math" panose="02040503050406030204" pitchFamily="18" charset="0"/>
-                          </a:rPr>
-                        </m:ctrlPr>
-                      </m:sSubPr>
-                      <m:e>
-                        <m:r>
-                          <a:rPr lang="ru-RU" i="1">
-                            <a:latin typeface="Cambria Math" panose="02040503050406030204" pitchFamily="18" charset="0"/>
-                          </a:rPr>
-                          <m:t>𝑣</m:t>
-                        </m:r>
-                      </m:e>
-                      <m:sub>
-                        <m:r>
-                          <a:rPr lang="ru-RU" i="1">
-                            <a:latin typeface="Cambria Math" panose="02040503050406030204" pitchFamily="18" charset="0"/>
-                          </a:rPr>
-                          <m:t>0</m:t>
-                        </m:r>
-                      </m:sub>
-                    </m:sSub>
-                  </m:oMath>
-                </a14:m>
-                <a:r>
-                  <a:rPr lang="ru-RU" dirty="0">
-                    <a:latin typeface="Times New Roman" panose="02020603050405020304" pitchFamily="18" charset="0"/>
-                    <a:cs typeface="Times New Roman" panose="02020603050405020304" pitchFamily="18" charset="0"/>
-                  </a:rPr>
-                  <a:t> (начало маршрута) в вершину </a:t>
-                </a:r>
-                <a14:m>
-                  <m:oMath xmlns:m="http://schemas.openxmlformats.org/officeDocument/2006/math">
-                    <m:sSub>
-                      <m:sSubPr>
-                        <m:ctrlPr>
-                          <a:rPr lang="ru-RU" i="1">
-                            <a:latin typeface="Cambria Math" panose="02040503050406030204" pitchFamily="18" charset="0"/>
-                          </a:rPr>
-                        </m:ctrlPr>
-                      </m:sSubPr>
-                      <m:e>
-                        <m:r>
-                          <a:rPr lang="ru-RU" i="1">
-                            <a:latin typeface="Cambria Math" panose="02040503050406030204" pitchFamily="18" charset="0"/>
-                          </a:rPr>
-                          <m:t>𝑣</m:t>
-                        </m:r>
-                      </m:e>
-                      <m:sub>
-                        <m:r>
-                          <a:rPr lang="ru-RU" i="1">
-                            <a:latin typeface="Cambria Math" panose="02040503050406030204" pitchFamily="18" charset="0"/>
-                          </a:rPr>
-                          <m:t>𝑙</m:t>
-                        </m:r>
-                      </m:sub>
-                    </m:sSub>
-                  </m:oMath>
-                </a14:m>
-                <a:r>
-                  <a:rPr lang="ru-RU" dirty="0">
-                    <a:latin typeface="Times New Roman" panose="02020603050405020304" pitchFamily="18" charset="0"/>
-                    <a:cs typeface="Times New Roman" panose="02020603050405020304" pitchFamily="18" charset="0"/>
-                  </a:rPr>
-                  <a:t> (конец маршрута).</a:t>
-                </a:r>
+                <a:endParaRPr lang="ru-RU" dirty="0" smtClean="0">
+                  <a:latin typeface="Times New Roman" panose="02020603050405020304" pitchFamily="18" charset="0"/>
+                  <a:cs typeface="Times New Roman" panose="02020603050405020304" pitchFamily="18" charset="0"/>
+                </a:endParaRPr>
               </a:p>
             </p:txBody>
           </p:sp>
         </mc:Choice>
-        <mc:Fallback xmlns="">
+        <mc:Fallback>
           <p:sp>
             <p:nvSpPr>
               <p:cNvPr id="2" name="TextBox 1"/>
@@ -15439,7 +14139,7 @@
             <p:spPr>
               <a:xfrm>
                 <a:off x="685800" y="2348880"/>
-                <a:ext cx="7846640" cy="2446375"/>
+                <a:ext cx="7846640" cy="1235788"/>
               </a:xfrm>
               <a:prstGeom prst="rect">
                 <a:avLst/>
@@ -15447,7 +14147,7 @@
               <a:blipFill>
                 <a:blip r:embed="rId3"/>
                 <a:stretch>
-                  <a:fillRect l="-699" t="-3483" r="-622" b="-2985"/>
+                  <a:fillRect l="-699" t="-6897" r="-622" b="-6897"/>
                 </a:stretch>
               </a:blipFill>
             </p:spPr>
@@ -15466,6 +14166,36 @@
           </p:sp>
         </mc:Fallback>
       </mc:AlternateContent>
+      <p:pic>
+        <p:nvPicPr>
+          <p:cNvPr id="3" name="Рисунок 2"/>
+          <p:cNvPicPr>
+            <a:picLocks noChangeAspect="1"/>
+          </p:cNvPicPr>
+          <p:nvPr/>
+        </p:nvPicPr>
+        <p:blipFill>
+          <a:blip r:embed="rId4">
+            <a:extLst>
+              <a:ext uri="{28A0092B-C50C-407E-A947-70E740481C1C}">
+                <a14:useLocalDpi xmlns:a14="http://schemas.microsoft.com/office/drawing/2010/main" val="0"/>
+              </a:ext>
+            </a:extLst>
+          </a:blip>
+          <a:stretch>
+            <a:fillRect/>
+          </a:stretch>
+        </p:blipFill>
+        <p:spPr>
+          <a:xfrm>
+            <a:off x="1259632" y="3584668"/>
+            <a:ext cx="6116042" cy="2814618"/>
+          </a:xfrm>
+          <a:prstGeom prst="rect">
+            <a:avLst/>
+          </a:prstGeom>
+        </p:spPr>
+      </p:pic>
     </p:spTree>
   </p:cSld>
   <p:clrMapOvr>
@@ -15956,7 +14686,7 @@
       </p:sp>
       <p:pic>
         <p:nvPicPr>
-          <p:cNvPr id="6" name="Рисунок 5"/>
+          <p:cNvPr id="7" name="Рисунок 6"/>
           <p:cNvPicPr>
             <a:picLocks noChangeAspect="1"/>
           </p:cNvPicPr>
@@ -15970,8 +14700,8 @@
         </p:blipFill>
         <p:spPr>
           <a:xfrm>
-            <a:off x="1212838" y="1556792"/>
-            <a:ext cx="6790332" cy="5061733"/>
+            <a:off x="1287227" y="1662112"/>
+            <a:ext cx="6569546" cy="4882988"/>
           </a:xfrm>
           <a:prstGeom prst="rect">
             <a:avLst/>
@@ -16473,7 +15203,7 @@
       </p:sp>
       <p:pic>
         <p:nvPicPr>
-          <p:cNvPr id="7" name="Рисунок 6"/>
+          <p:cNvPr id="6" name="Рисунок 5"/>
           <p:cNvPicPr>
             <a:picLocks noChangeAspect="1"/>
           </p:cNvPicPr>
@@ -16487,8 +15217,8 @@
         </p:blipFill>
         <p:spPr>
           <a:xfrm>
-            <a:off x="1248842" y="1556792"/>
-            <a:ext cx="6718324" cy="5008057"/>
+            <a:off x="1259632" y="1684940"/>
+            <a:ext cx="6706652" cy="5001432"/>
           </a:xfrm>
           <a:prstGeom prst="rect">
             <a:avLst/>
@@ -16990,7 +15720,7 @@
       </p:sp>
       <p:pic>
         <p:nvPicPr>
-          <p:cNvPr id="6" name="Рисунок 5"/>
+          <p:cNvPr id="7" name="Рисунок 6"/>
           <p:cNvPicPr>
             <a:picLocks noChangeAspect="1"/>
           </p:cNvPicPr>
@@ -17004,8 +15734,8 @@
         </p:blipFill>
         <p:spPr>
           <a:xfrm>
-            <a:off x="395536" y="1659182"/>
-            <a:ext cx="8470487" cy="4727079"/>
+            <a:off x="1152736" y="1627907"/>
+            <a:ext cx="6838528" cy="5089331"/>
           </a:xfrm>
           <a:prstGeom prst="rect">
             <a:avLst/>
@@ -17507,7 +16237,7 @@
       </p:sp>
       <p:pic>
         <p:nvPicPr>
-          <p:cNvPr id="7" name="Рисунок 6"/>
+          <p:cNvPr id="6" name="Рисунок 5"/>
           <p:cNvPicPr>
             <a:picLocks noChangeAspect="1"/>
           </p:cNvPicPr>
@@ -17521,8 +16251,8 @@
         </p:blipFill>
         <p:spPr>
           <a:xfrm>
-            <a:off x="323528" y="1658287"/>
-            <a:ext cx="8535751" cy="4807808"/>
+            <a:off x="1397620" y="1628475"/>
+            <a:ext cx="6420767" cy="4774416"/>
           </a:xfrm>
           <a:prstGeom prst="rect">
             <a:avLst/>
@@ -18024,7 +16754,7 @@
       </p:sp>
       <p:pic>
         <p:nvPicPr>
-          <p:cNvPr id="6" name="Рисунок 5"/>
+          <p:cNvPr id="7" name="Рисунок 6"/>
           <p:cNvPicPr>
             <a:picLocks noChangeAspect="1"/>
           </p:cNvPicPr>
@@ -18038,8 +16768,8 @@
         </p:blipFill>
         <p:spPr>
           <a:xfrm>
-            <a:off x="962025" y="1697492"/>
-            <a:ext cx="7219950" cy="4781550"/>
+            <a:off x="1579054" y="1613545"/>
+            <a:ext cx="6057900" cy="5210175"/>
           </a:xfrm>
           <a:prstGeom prst="rect">
             <a:avLst/>
@@ -18503,523 +17233,6 @@
                 <a:rPr lang="ru-RU" altLang="ru-RU" dirty="0" smtClean="0">
                   <a:latin typeface="Times New Roman" panose="02020603050405020304" pitchFamily="18" charset="0"/>
                 </a:rPr>
-                <a:t>Сравнение и анализ</a:t>
-              </a:r>
-            </a:p>
-          </p:txBody>
-        </p:sp>
-      </p:grpSp>
-      <p:sp>
-        <p:nvSpPr>
-          <p:cNvPr id="5" name="TextBox 4"/>
-          <p:cNvSpPr txBox="1"/>
-          <p:nvPr/>
-        </p:nvSpPr>
-        <p:spPr>
-          <a:xfrm>
-            <a:off x="539552" y="2110255"/>
-            <a:ext cx="8136904" cy="369332"/>
-          </a:xfrm>
-          <a:prstGeom prst="rect">
-            <a:avLst/>
-          </a:prstGeom>
-          <a:noFill/>
-        </p:spPr>
-        <p:txBody>
-          <a:bodyPr wrap="square" rtlCol="0">
-            <a:spAutoFit/>
-          </a:bodyPr>
-          <a:lstStyle/>
-          <a:p>
-            <a:pPr algn="just"/>
-            <a:endParaRPr lang="ru-RU" dirty="0">
-              <a:latin typeface="Times New Roman" panose="02020603050405020304" pitchFamily="18" charset="0"/>
-              <a:cs typeface="Times New Roman" panose="02020603050405020304" pitchFamily="18" charset="0"/>
-            </a:endParaRPr>
-          </a:p>
-        </p:txBody>
-      </p:sp>
-      <p:pic>
-        <p:nvPicPr>
-          <p:cNvPr id="7" name="Рисунок 6"/>
-          <p:cNvPicPr>
-            <a:picLocks noChangeAspect="1"/>
-          </p:cNvPicPr>
-          <p:nvPr/>
-        </p:nvPicPr>
-        <p:blipFill>
-          <a:blip r:embed="rId2"/>
-          <a:stretch>
-            <a:fillRect/>
-          </a:stretch>
-        </p:blipFill>
-        <p:spPr>
-          <a:xfrm>
-            <a:off x="1269491" y="2110255"/>
-            <a:ext cx="6677025" cy="4229100"/>
-          </a:xfrm>
-          <a:prstGeom prst="rect">
-            <a:avLst/>
-          </a:prstGeom>
-        </p:spPr>
-      </p:pic>
-    </p:spTree>
-    <p:extLst>
-      <p:ext uri="{BB962C8B-B14F-4D97-AF65-F5344CB8AC3E}">
-        <p14:creationId xmlns:p14="http://schemas.microsoft.com/office/powerpoint/2010/main" val="2331461410"/>
-      </p:ext>
-    </p:extLst>
-  </p:cSld>
-  <p:clrMapOvr>
-    <a:masterClrMapping/>
-  </p:clrMapOvr>
-  <p:timing>
-    <p:tnLst>
-      <p:par>
-        <p:cTn id="1" dur="indefinite" restart="never" nodeType="tmRoot"/>
-      </p:par>
-    </p:tnLst>
-  </p:timing>
-</p:sld>
-</file>
-
-<file path=ppt/slides/slide26.xml><?xml version="1.0" encoding="utf-8"?>
-<p:sld xmlns:a="http://schemas.openxmlformats.org/drawingml/2006/main" xmlns:r="http://schemas.openxmlformats.org/officeDocument/2006/relationships" xmlns:p="http://schemas.openxmlformats.org/presentationml/2006/main">
-  <p:cSld>
-    <p:spTree>
-      <p:nvGrpSpPr>
-        <p:cNvPr id="1" name=""/>
-        <p:cNvGrpSpPr/>
-        <p:nvPr/>
-      </p:nvGrpSpPr>
-      <p:grpSpPr>
-        <a:xfrm>
-          <a:off x="0" y="0"/>
-          <a:ext cx="0" cy="0"/>
-          <a:chOff x="0" y="0"/>
-          <a:chExt cx="0" cy="0"/>
-        </a:xfrm>
-      </p:grpSpPr>
-      <p:grpSp>
-        <p:nvGrpSpPr>
-          <p:cNvPr id="2" name="Группа 1"/>
-          <p:cNvGrpSpPr/>
-          <p:nvPr/>
-        </p:nvGrpSpPr>
-        <p:grpSpPr>
-          <a:xfrm>
-            <a:off x="685800" y="-184150"/>
-            <a:ext cx="7772400" cy="1846262"/>
-            <a:chOff x="685800" y="-184150"/>
-            <a:chExt cx="7772400" cy="1846262"/>
-          </a:xfrm>
-        </p:grpSpPr>
-        <p:sp>
-          <p:nvSpPr>
-            <p:cNvPr id="3" name="Заголовок 1"/>
-            <p:cNvSpPr txBox="1">
-              <a:spLocks/>
-            </p:cNvSpPr>
-            <p:nvPr/>
-          </p:nvSpPr>
-          <p:spPr bwMode="auto">
-            <a:xfrm>
-              <a:off x="685800" y="-184150"/>
-              <a:ext cx="7772400" cy="1470025"/>
-            </a:xfrm>
-            <a:prstGeom prst="rect">
-              <a:avLst/>
-            </a:prstGeom>
-            <a:noFill/>
-            <a:ln>
-              <a:noFill/>
-            </a:ln>
-            <a:extLst>
-              <a:ext uri="{909E8E84-426E-40DD-AFC4-6F175D3DCCD1}">
-                <a14:hiddenFill xmlns:a14="http://schemas.microsoft.com/office/drawing/2010/main">
-                  <a:solidFill>
-                    <a:srgbClr val="FFFFFF"/>
-                  </a:solidFill>
-                </a14:hiddenFill>
-              </a:ext>
-              <a:ext uri="{91240B29-F687-4F45-9708-019B960494DF}">
-                <a14:hiddenLine xmlns:a14="http://schemas.microsoft.com/office/drawing/2010/main" w="9525">
-                  <a:solidFill>
-                    <a:srgbClr val="000000"/>
-                  </a:solidFill>
-                  <a:miter lim="800000"/>
-                  <a:headEnd/>
-                  <a:tailEnd/>
-                </a14:hiddenLine>
-              </a:ext>
-            </a:extLst>
-          </p:spPr>
-          <p:txBody>
-            <a:bodyPr vert="horz" wrap="square" lIns="91440" tIns="45720" rIns="91440" bIns="45720" numCol="1" rtlCol="0" anchor="ctr" anchorCtr="0" compatLnSpc="1">
-              <a:prstTxWarp prst="textNoShape">
-                <a:avLst/>
-              </a:prstTxWarp>
-              <a:normAutofit/>
-            </a:bodyPr>
-            <a:lstStyle>
-              <a:lvl1pPr algn="ctr" rtl="0" eaLnBrk="0" fontAlgn="base" hangingPunct="0">
-                <a:spcBef>
-                  <a:spcPct val="0"/>
-                </a:spcBef>
-                <a:spcAft>
-                  <a:spcPct val="0"/>
-                </a:spcAft>
-                <a:defRPr sz="4400" kern="1200">
-                  <a:solidFill>
-                    <a:schemeClr val="tx1"/>
-                  </a:solidFill>
-                  <a:latin typeface="+mj-lt"/>
-                  <a:ea typeface="+mj-ea"/>
-                  <a:cs typeface="+mj-cs"/>
-                </a:defRPr>
-              </a:lvl1pPr>
-              <a:lvl2pPr algn="ctr" rtl="0" eaLnBrk="0" fontAlgn="base" hangingPunct="0">
-                <a:spcBef>
-                  <a:spcPct val="0"/>
-                </a:spcBef>
-                <a:spcAft>
-                  <a:spcPct val="0"/>
-                </a:spcAft>
-                <a:defRPr sz="4400">
-                  <a:solidFill>
-                    <a:schemeClr val="tx1"/>
-                  </a:solidFill>
-                  <a:latin typeface="Calibri" pitchFamily="34" charset="0"/>
-                </a:defRPr>
-              </a:lvl2pPr>
-              <a:lvl3pPr algn="ctr" rtl="0" eaLnBrk="0" fontAlgn="base" hangingPunct="0">
-                <a:spcBef>
-                  <a:spcPct val="0"/>
-                </a:spcBef>
-                <a:spcAft>
-                  <a:spcPct val="0"/>
-                </a:spcAft>
-                <a:defRPr sz="4400">
-                  <a:solidFill>
-                    <a:schemeClr val="tx1"/>
-                  </a:solidFill>
-                  <a:latin typeface="Calibri" pitchFamily="34" charset="0"/>
-                </a:defRPr>
-              </a:lvl3pPr>
-              <a:lvl4pPr algn="ctr" rtl="0" eaLnBrk="0" fontAlgn="base" hangingPunct="0">
-                <a:spcBef>
-                  <a:spcPct val="0"/>
-                </a:spcBef>
-                <a:spcAft>
-                  <a:spcPct val="0"/>
-                </a:spcAft>
-                <a:defRPr sz="4400">
-                  <a:solidFill>
-                    <a:schemeClr val="tx1"/>
-                  </a:solidFill>
-                  <a:latin typeface="Calibri" pitchFamily="34" charset="0"/>
-                </a:defRPr>
-              </a:lvl4pPr>
-              <a:lvl5pPr algn="ctr" rtl="0" eaLnBrk="0" fontAlgn="base" hangingPunct="0">
-                <a:spcBef>
-                  <a:spcPct val="0"/>
-                </a:spcBef>
-                <a:spcAft>
-                  <a:spcPct val="0"/>
-                </a:spcAft>
-                <a:defRPr sz="4400">
-                  <a:solidFill>
-                    <a:schemeClr val="tx1"/>
-                  </a:solidFill>
-                  <a:latin typeface="Calibri" pitchFamily="34" charset="0"/>
-                </a:defRPr>
-              </a:lvl5pPr>
-              <a:lvl6pPr marL="457200" algn="ctr" rtl="0" fontAlgn="base">
-                <a:spcBef>
-                  <a:spcPct val="0"/>
-                </a:spcBef>
-                <a:spcAft>
-                  <a:spcPct val="0"/>
-                </a:spcAft>
-                <a:defRPr sz="4400">
-                  <a:solidFill>
-                    <a:schemeClr val="tx1"/>
-                  </a:solidFill>
-                  <a:latin typeface="Calibri" pitchFamily="34" charset="0"/>
-                </a:defRPr>
-              </a:lvl6pPr>
-              <a:lvl7pPr marL="914400" algn="ctr" rtl="0" fontAlgn="base">
-                <a:spcBef>
-                  <a:spcPct val="0"/>
-                </a:spcBef>
-                <a:spcAft>
-                  <a:spcPct val="0"/>
-                </a:spcAft>
-                <a:defRPr sz="4400">
-                  <a:solidFill>
-                    <a:schemeClr val="tx1"/>
-                  </a:solidFill>
-                  <a:latin typeface="Calibri" pitchFamily="34" charset="0"/>
-                </a:defRPr>
-              </a:lvl7pPr>
-              <a:lvl8pPr marL="1371600" algn="ctr" rtl="0" fontAlgn="base">
-                <a:spcBef>
-                  <a:spcPct val="0"/>
-                </a:spcBef>
-                <a:spcAft>
-                  <a:spcPct val="0"/>
-                </a:spcAft>
-                <a:defRPr sz="4400">
-                  <a:solidFill>
-                    <a:schemeClr val="tx1"/>
-                  </a:solidFill>
-                  <a:latin typeface="Calibri" pitchFamily="34" charset="0"/>
-                </a:defRPr>
-              </a:lvl8pPr>
-              <a:lvl9pPr marL="1828800" algn="ctr" rtl="0" fontAlgn="base">
-                <a:spcBef>
-                  <a:spcPct val="0"/>
-                </a:spcBef>
-                <a:spcAft>
-                  <a:spcPct val="0"/>
-                </a:spcAft>
-                <a:defRPr sz="4400">
-                  <a:solidFill>
-                    <a:schemeClr val="tx1"/>
-                  </a:solidFill>
-                  <a:latin typeface="Calibri" pitchFamily="34" charset="0"/>
-                </a:defRPr>
-              </a:lvl9pPr>
-            </a:lstStyle>
-            <a:p>
-              <a:pPr eaLnBrk="1" fontAlgn="auto" hangingPunct="1">
-                <a:spcAft>
-                  <a:spcPts val="0"/>
-                </a:spcAft>
-                <a:defRPr/>
-              </a:pPr>
-              <a:r>
-                <a:rPr lang="ru-RU" sz="2000" dirty="0">
-                  <a:solidFill>
-                    <a:schemeClr val="bg1">
-                      <a:lumMod val="50000"/>
-                    </a:schemeClr>
-                  </a:solidFill>
-                  <a:latin typeface="Times New Roman" pitchFamily="18" charset="0"/>
-                  <a:cs typeface="Times New Roman" pitchFamily="18" charset="0"/>
-                </a:rPr>
-                <a:t>Сравнение некоторых алгоритмов поиска максимального потока</a:t>
-              </a:r>
-            </a:p>
-          </p:txBody>
-        </p:sp>
-        <p:sp>
-          <p:nvSpPr>
-            <p:cNvPr id="4" name="Подзаголовок 2"/>
-            <p:cNvSpPr txBox="1">
-              <a:spLocks/>
-            </p:cNvSpPr>
-            <p:nvPr/>
-          </p:nvSpPr>
-          <p:spPr bwMode="auto">
-            <a:xfrm>
-              <a:off x="899592" y="909637"/>
-              <a:ext cx="7344816" cy="752475"/>
-            </a:xfrm>
-            <a:prstGeom prst="rect">
-              <a:avLst/>
-            </a:prstGeom>
-            <a:noFill/>
-            <a:ln>
-              <a:noFill/>
-            </a:ln>
-            <a:extLst>
-              <a:ext uri="{909E8E84-426E-40DD-AFC4-6F175D3DCCD1}">
-                <a14:hiddenFill xmlns:a14="http://schemas.microsoft.com/office/drawing/2010/main">
-                  <a:solidFill>
-                    <a:srgbClr val="FFFFFF"/>
-                  </a:solidFill>
-                </a14:hiddenFill>
-              </a:ext>
-              <a:ext uri="{91240B29-F687-4F45-9708-019B960494DF}">
-                <a14:hiddenLine xmlns:a14="http://schemas.microsoft.com/office/drawing/2010/main" w="9525">
-                  <a:solidFill>
-                    <a:srgbClr val="000000"/>
-                  </a:solidFill>
-                  <a:miter lim="800000"/>
-                  <a:headEnd/>
-                  <a:tailEnd/>
-                </a14:hiddenLine>
-              </a:ext>
-            </a:extLst>
-          </p:spPr>
-          <p:txBody>
-            <a:bodyPr vert="horz" wrap="square" lIns="91440" tIns="45720" rIns="91440" bIns="45720" numCol="1" anchor="t" anchorCtr="0" compatLnSpc="1">
-              <a:prstTxWarp prst="textNoShape">
-                <a:avLst/>
-              </a:prstTxWarp>
-            </a:bodyPr>
-            <a:lstStyle>
-              <a:lvl1pPr marL="342900" indent="-342900" algn="l" rtl="0" eaLnBrk="0" fontAlgn="base" hangingPunct="0">
-                <a:spcBef>
-                  <a:spcPct val="20000"/>
-                </a:spcBef>
-                <a:spcAft>
-                  <a:spcPct val="0"/>
-                </a:spcAft>
-                <a:buFont typeface="Arial" panose="020B0604020202020204" pitchFamily="34" charset="0"/>
-                <a:buChar char="•"/>
-                <a:defRPr sz="3200" kern="1200">
-                  <a:solidFill>
-                    <a:schemeClr val="tx1"/>
-                  </a:solidFill>
-                  <a:latin typeface="+mn-lt"/>
-                  <a:ea typeface="+mn-ea"/>
-                  <a:cs typeface="+mn-cs"/>
-                </a:defRPr>
-              </a:lvl1pPr>
-              <a:lvl2pPr marL="742950" indent="-285750" algn="l" rtl="0" eaLnBrk="0" fontAlgn="base" hangingPunct="0">
-                <a:spcBef>
-                  <a:spcPct val="20000"/>
-                </a:spcBef>
-                <a:spcAft>
-                  <a:spcPct val="0"/>
-                </a:spcAft>
-                <a:buFont typeface="Arial" panose="020B0604020202020204" pitchFamily="34" charset="0"/>
-                <a:buChar char="–"/>
-                <a:defRPr sz="2800" kern="1200">
-                  <a:solidFill>
-                    <a:schemeClr val="tx1"/>
-                  </a:solidFill>
-                  <a:latin typeface="+mn-lt"/>
-                  <a:ea typeface="+mn-ea"/>
-                  <a:cs typeface="+mn-cs"/>
-                </a:defRPr>
-              </a:lvl2pPr>
-              <a:lvl3pPr marL="1143000" indent="-228600" algn="l" rtl="0" eaLnBrk="0" fontAlgn="base" hangingPunct="0">
-                <a:spcBef>
-                  <a:spcPct val="20000"/>
-                </a:spcBef>
-                <a:spcAft>
-                  <a:spcPct val="0"/>
-                </a:spcAft>
-                <a:buFont typeface="Arial" panose="020B0604020202020204" pitchFamily="34" charset="0"/>
-                <a:buChar char="•"/>
-                <a:defRPr sz="2400" kern="1200">
-                  <a:solidFill>
-                    <a:schemeClr val="tx1"/>
-                  </a:solidFill>
-                  <a:latin typeface="+mn-lt"/>
-                  <a:ea typeface="+mn-ea"/>
-                  <a:cs typeface="+mn-cs"/>
-                </a:defRPr>
-              </a:lvl3pPr>
-              <a:lvl4pPr marL="1600200" indent="-228600" algn="l" rtl="0" eaLnBrk="0" fontAlgn="base" hangingPunct="0">
-                <a:spcBef>
-                  <a:spcPct val="20000"/>
-                </a:spcBef>
-                <a:spcAft>
-                  <a:spcPct val="0"/>
-                </a:spcAft>
-                <a:buFont typeface="Arial" panose="020B0604020202020204" pitchFamily="34" charset="0"/>
-                <a:buChar char="–"/>
-                <a:defRPr sz="2000" kern="1200">
-                  <a:solidFill>
-                    <a:schemeClr val="tx1"/>
-                  </a:solidFill>
-                  <a:latin typeface="+mn-lt"/>
-                  <a:ea typeface="+mn-ea"/>
-                  <a:cs typeface="+mn-cs"/>
-                </a:defRPr>
-              </a:lvl4pPr>
-              <a:lvl5pPr marL="2057400" indent="-228600" algn="l" rtl="0" eaLnBrk="0" fontAlgn="base" hangingPunct="0">
-                <a:spcBef>
-                  <a:spcPct val="20000"/>
-                </a:spcBef>
-                <a:spcAft>
-                  <a:spcPct val="0"/>
-                </a:spcAft>
-                <a:buFont typeface="Arial" panose="020B0604020202020204" pitchFamily="34" charset="0"/>
-                <a:buChar char="»"/>
-                <a:defRPr sz="2000" kern="1200">
-                  <a:solidFill>
-                    <a:schemeClr val="tx1"/>
-                  </a:solidFill>
-                  <a:latin typeface="+mn-lt"/>
-                  <a:ea typeface="+mn-ea"/>
-                  <a:cs typeface="+mn-cs"/>
-                </a:defRPr>
-              </a:lvl5pPr>
-              <a:lvl6pPr marL="2514600" indent="-228600" algn="l" defTabSz="914400" rtl="0" eaLnBrk="1" latinLnBrk="0" hangingPunct="1">
-                <a:spcBef>
-                  <a:spcPct val="20000"/>
-                </a:spcBef>
-                <a:buFont typeface="Arial" pitchFamily="34" charset="0"/>
-                <a:buChar char="•"/>
-                <a:defRPr sz="2000" kern="1200">
-                  <a:solidFill>
-                    <a:schemeClr val="tx1"/>
-                  </a:solidFill>
-                  <a:latin typeface="+mn-lt"/>
-                  <a:ea typeface="+mn-ea"/>
-                  <a:cs typeface="+mn-cs"/>
-                </a:defRPr>
-              </a:lvl6pPr>
-              <a:lvl7pPr marL="2971800" indent="-228600" algn="l" defTabSz="914400" rtl="0" eaLnBrk="1" latinLnBrk="0" hangingPunct="1">
-                <a:spcBef>
-                  <a:spcPct val="20000"/>
-                </a:spcBef>
-                <a:buFont typeface="Arial" pitchFamily="34" charset="0"/>
-                <a:buChar char="•"/>
-                <a:defRPr sz="2000" kern="1200">
-                  <a:solidFill>
-                    <a:schemeClr val="tx1"/>
-                  </a:solidFill>
-                  <a:latin typeface="+mn-lt"/>
-                  <a:ea typeface="+mn-ea"/>
-                  <a:cs typeface="+mn-cs"/>
-                </a:defRPr>
-              </a:lvl7pPr>
-              <a:lvl8pPr marL="3429000" indent="-228600" algn="l" defTabSz="914400" rtl="0" eaLnBrk="1" latinLnBrk="0" hangingPunct="1">
-                <a:spcBef>
-                  <a:spcPct val="20000"/>
-                </a:spcBef>
-                <a:buFont typeface="Arial" pitchFamily="34" charset="0"/>
-                <a:buChar char="•"/>
-                <a:defRPr sz="2000" kern="1200">
-                  <a:solidFill>
-                    <a:schemeClr val="tx1"/>
-                  </a:solidFill>
-                  <a:latin typeface="+mn-lt"/>
-                  <a:ea typeface="+mn-ea"/>
-                  <a:cs typeface="+mn-cs"/>
-                </a:defRPr>
-              </a:lvl8pPr>
-              <a:lvl9pPr marL="3886200" indent="-228600" algn="l" defTabSz="914400" rtl="0" eaLnBrk="1" latinLnBrk="0" hangingPunct="1">
-                <a:spcBef>
-                  <a:spcPct val="20000"/>
-                </a:spcBef>
-                <a:buFont typeface="Arial" pitchFamily="34" charset="0"/>
-                <a:buChar char="•"/>
-                <a:defRPr sz="2000" kern="1200">
-                  <a:solidFill>
-                    <a:schemeClr val="tx1"/>
-                  </a:solidFill>
-                  <a:latin typeface="+mn-lt"/>
-                  <a:ea typeface="+mn-ea"/>
-                  <a:cs typeface="+mn-cs"/>
-                </a:defRPr>
-              </a:lvl9pPr>
-            </a:lstStyle>
-            <a:p>
-              <a:pPr marL="0" indent="0" algn="ctr" eaLnBrk="1" hangingPunct="1">
-                <a:buFont typeface="Arial" panose="020B0604020202020204" pitchFamily="34" charset="0"/>
-                <a:buNone/>
-              </a:pPr>
-              <a:r>
-                <a:rPr lang="ru-RU" altLang="ru-RU" dirty="0" smtClean="0">
-                  <a:latin typeface="Times New Roman" panose="02020603050405020304" pitchFamily="18" charset="0"/>
-                </a:rPr>
                 <a:t>Список использованных источников</a:t>
               </a:r>
             </a:p>
@@ -19088,7 +17301,23 @@
                 <a:ea typeface="Times New Roman" panose="02020603050405020304" pitchFamily="18" charset="0"/>
                 <a:cs typeface="Times New Roman" panose="02020603050405020304" pitchFamily="18" charset="0"/>
               </a:rPr>
-              <a:t>1. Богомолов, А.М. Алгебраические основы теории дискретных систем [Текст] / А.М. Богомолов, В.Н. </a:t>
+              <a:t>1. Богомолов, А.М. Алгебраические основы теории дискретных </a:t>
+            </a:r>
+            <a:r>
+              <a:rPr lang="ru-RU" dirty="0" smtClean="0">
+                <a:latin typeface="Times New Roman" panose="02020603050405020304" pitchFamily="18" charset="0"/>
+                <a:ea typeface="Times New Roman" panose="02020603050405020304" pitchFamily="18" charset="0"/>
+                <a:cs typeface="Times New Roman" panose="02020603050405020304" pitchFamily="18" charset="0"/>
+              </a:rPr>
+              <a:t>систем </a:t>
+            </a:r>
+            <a:r>
+              <a:rPr lang="ru-RU" dirty="0">
+                <a:latin typeface="Times New Roman" panose="02020603050405020304" pitchFamily="18" charset="0"/>
+                <a:ea typeface="Times New Roman" panose="02020603050405020304" pitchFamily="18" charset="0"/>
+                <a:cs typeface="Times New Roman" panose="02020603050405020304" pitchFamily="18" charset="0"/>
+              </a:rPr>
+              <a:t>/ А.М. Богомолов, В.Н. </a:t>
             </a:r>
             <a:r>
               <a:rPr lang="ru-RU" dirty="0" err="1">
@@ -19132,7 +17361,21 @@
                 <a:latin typeface="Times New Roman" panose="02020603050405020304" pitchFamily="18" charset="0"/>
                 <a:cs typeface="Times New Roman" panose="02020603050405020304" pitchFamily="18" charset="0"/>
               </a:rPr>
-              <a:t>, Томас Х., Алгоритмы: построение и анализ, 2-е издание. [Текст] / </a:t>
+              <a:t>, Томас Х., Алгоритмы: построение и анализ, 2-е издание</a:t>
+            </a:r>
+            <a:r>
+              <a:rPr lang="ru-RU" dirty="0" smtClean="0">
+                <a:latin typeface="Times New Roman" panose="02020603050405020304" pitchFamily="18" charset="0"/>
+                <a:cs typeface="Times New Roman" panose="02020603050405020304" pitchFamily="18" charset="0"/>
+              </a:rPr>
+              <a:t>. </a:t>
+            </a:r>
+            <a:r>
+              <a:rPr lang="ru-RU" dirty="0">
+                <a:latin typeface="Times New Roman" panose="02020603050405020304" pitchFamily="18" charset="0"/>
+                <a:cs typeface="Times New Roman" panose="02020603050405020304" pitchFamily="18" charset="0"/>
+              </a:rPr>
+              <a:t>/ </a:t>
             </a:r>
             <a:r>
               <a:rPr lang="ru-RU" dirty="0" err="1">
@@ -19202,7 +17445,21 @@
                 <a:latin typeface="Times New Roman" panose="02020603050405020304" pitchFamily="18" charset="0"/>
                 <a:cs typeface="Times New Roman" panose="02020603050405020304" pitchFamily="18" charset="0"/>
               </a:rPr>
-              <a:t>3. Зыков, А.А. Основы теории графов [Текст] / А.А. Зыков – Москва: «Наука», 1987. –382с.</a:t>
+              <a:t>3. Зыков, А.А. Основы теории графов </a:t>
+            </a:r>
+            <a:r>
+              <a:rPr lang="ru-RU" dirty="0" smtClean="0">
+                <a:latin typeface="Times New Roman" panose="02020603050405020304" pitchFamily="18" charset="0"/>
+                <a:cs typeface="Times New Roman" panose="02020603050405020304" pitchFamily="18" charset="0"/>
+              </a:rPr>
+              <a:t>/ </a:t>
+            </a:r>
+            <a:r>
+              <a:rPr lang="ru-RU" dirty="0">
+                <a:latin typeface="Times New Roman" panose="02020603050405020304" pitchFamily="18" charset="0"/>
+                <a:cs typeface="Times New Roman" panose="02020603050405020304" pitchFamily="18" charset="0"/>
+              </a:rPr>
+              <a:t>А.А. Зыков – Москва: «Наука», 1987. –382с.</a:t>
             </a:r>
           </a:p>
           <a:p>
@@ -19216,7 +17473,21 @@
                 <a:latin typeface="Times New Roman" panose="02020603050405020304" pitchFamily="18" charset="0"/>
                 <a:cs typeface="Times New Roman" panose="02020603050405020304" pitchFamily="18" charset="0"/>
               </a:rPr>
-              <a:t>4. Абросимов М.Б. Практические задания по графам [Текст]: учебное пособие / М.Б. Абросимов, А.А. Долгов –Саратов: «Научная книга», 2016. –82с.</a:t>
+              <a:t>4. Абросимов М.Б. Практические задания по графам </a:t>
+            </a:r>
+            <a:r>
+              <a:rPr lang="ru-RU" dirty="0" smtClean="0">
+                <a:latin typeface="Times New Roman" panose="02020603050405020304" pitchFamily="18" charset="0"/>
+                <a:cs typeface="Times New Roman" panose="02020603050405020304" pitchFamily="18" charset="0"/>
+              </a:rPr>
+              <a:t>: </a:t>
+            </a:r>
+            <a:r>
+              <a:rPr lang="ru-RU" dirty="0">
+                <a:latin typeface="Times New Roman" panose="02020603050405020304" pitchFamily="18" charset="0"/>
+                <a:cs typeface="Times New Roman" panose="02020603050405020304" pitchFamily="18" charset="0"/>
+              </a:rPr>
+              <a:t>учебное пособие / М.Б. Абросимов, А.А. Долгов –Саратов: «Научная книга», 2016. –82с.</a:t>
             </a:r>
           </a:p>
           <a:p>
@@ -19239,7 +17510,23 @@
                 <a:ea typeface="Times New Roman" panose="02020603050405020304" pitchFamily="18" charset="0"/>
                 <a:cs typeface="Times New Roman" panose="02020603050405020304" pitchFamily="18" charset="0"/>
               </a:rPr>
-              <a:t>. Новиков Ф.А. Дискретная математика: учебник для вузов. 2-е издание. [Текст] / Ф.А. Новиков – СПб.: Питер, 2013. – 432 с.</a:t>
+              <a:t>. Новиков Ф.А. Дискретная математика: учебник для вузов. 2-е издание. </a:t>
+            </a:r>
+            <a:r>
+              <a:rPr lang="ru-RU" dirty="0" smtClean="0">
+                <a:latin typeface="Times New Roman" panose="02020603050405020304" pitchFamily="18" charset="0"/>
+                <a:ea typeface="Times New Roman" panose="02020603050405020304" pitchFamily="18" charset="0"/>
+                <a:cs typeface="Times New Roman" panose="02020603050405020304" pitchFamily="18" charset="0"/>
+              </a:rPr>
+              <a:t>/ </a:t>
+            </a:r>
+            <a:r>
+              <a:rPr lang="ru-RU" dirty="0">
+                <a:latin typeface="Times New Roman" panose="02020603050405020304" pitchFamily="18" charset="0"/>
+                <a:ea typeface="Times New Roman" panose="02020603050405020304" pitchFamily="18" charset="0"/>
+                <a:cs typeface="Times New Roman" panose="02020603050405020304" pitchFamily="18" charset="0"/>
+              </a:rPr>
+              <a:t>Ф.А. Новиков – СПб.: Питер, 2013. – 432 с.</a:t>
             </a:r>
             <a:endParaRPr lang="ru-RU" dirty="0">
               <a:latin typeface="Times New Roman" panose="02020603050405020304" pitchFamily="18" charset="0"/>
@@ -19268,7 +17555,7 @@
 </p:sld>
 </file>
 
-<file path=ppt/slides/slide27.xml><?xml version="1.0" encoding="utf-8"?>
+<file path=ppt/slides/slide26.xml><?xml version="1.0" encoding="utf-8"?>
 <p:sld xmlns:a="http://schemas.openxmlformats.org/drawingml/2006/main" xmlns:r="http://schemas.openxmlformats.org/officeDocument/2006/relationships" xmlns:p="http://schemas.openxmlformats.org/presentationml/2006/main">
   <p:cSld>
     <p:spTree>
@@ -19926,8 +18213,19 @@
                 <a:latin typeface="Times New Roman" panose="02020603050405020304" pitchFamily="18" charset="0"/>
                 <a:cs typeface="Times New Roman" panose="02020603050405020304" pitchFamily="18" charset="0"/>
               </a:rPr>
-              <a:t> (Дата обращения 11.04.2018).</a:t>
+              <a:t> (Дата обращения 11.04.2018</a:t>
             </a:r>
+            <a:r>
+              <a:rPr lang="ru-RU" dirty="0" smtClean="0">
+                <a:latin typeface="Times New Roman" panose="02020603050405020304" pitchFamily="18" charset="0"/>
+                <a:cs typeface="Times New Roman" panose="02020603050405020304" pitchFamily="18" charset="0"/>
+              </a:rPr>
+              <a:t>). Яз. Рус.</a:t>
+            </a:r>
+            <a:endParaRPr lang="ru-RU" dirty="0">
+              <a:latin typeface="Times New Roman" panose="02020603050405020304" pitchFamily="18" charset="0"/>
+              <a:cs typeface="Times New Roman" panose="02020603050405020304" pitchFamily="18" charset="0"/>
+            </a:endParaRPr>
           </a:p>
           <a:p>
             <a:pPr indent="450000" algn="just">
@@ -19940,7 +18238,35 @@
                 <a:latin typeface="Times New Roman" panose="02020603050405020304" pitchFamily="18" charset="0"/>
                 <a:cs typeface="Times New Roman" panose="02020603050405020304" pitchFamily="18" charset="0"/>
               </a:rPr>
-              <a:t>7. М. Свами Графы, сети и алгоритмы [Текст] / М. Свами, К. </a:t>
+              <a:t>7. </a:t>
+            </a:r>
+            <a:r>
+              <a:rPr lang="ru-RU" dirty="0" smtClean="0">
+                <a:latin typeface="Times New Roman" panose="02020603050405020304" pitchFamily="18" charset="0"/>
+                <a:cs typeface="Times New Roman" panose="02020603050405020304" pitchFamily="18" charset="0"/>
+              </a:rPr>
+              <a:t>Свами, М. </a:t>
+            </a:r>
+            <a:r>
+              <a:rPr lang="ru-RU" dirty="0">
+                <a:latin typeface="Times New Roman" panose="02020603050405020304" pitchFamily="18" charset="0"/>
+                <a:cs typeface="Times New Roman" panose="02020603050405020304" pitchFamily="18" charset="0"/>
+              </a:rPr>
+              <a:t>Графы, сети и </a:t>
+            </a:r>
+            <a:r>
+              <a:rPr lang="ru-RU" dirty="0" smtClean="0">
+                <a:latin typeface="Times New Roman" panose="02020603050405020304" pitchFamily="18" charset="0"/>
+                <a:cs typeface="Times New Roman" panose="02020603050405020304" pitchFamily="18" charset="0"/>
+              </a:rPr>
+              <a:t>алгоритмы </a:t>
+            </a:r>
+            <a:r>
+              <a:rPr lang="ru-RU" dirty="0">
+                <a:latin typeface="Times New Roman" panose="02020603050405020304" pitchFamily="18" charset="0"/>
+                <a:cs typeface="Times New Roman" panose="02020603050405020304" pitchFamily="18" charset="0"/>
+              </a:rPr>
+              <a:t>/ М. Свами, К. </a:t>
             </a:r>
             <a:r>
               <a:rPr lang="ru-RU" dirty="0" err="1">
@@ -19971,18 +18297,74 @@
               <a:t>8. </a:t>
             </a:r>
             <a:r>
-              <a:rPr lang="ru-RU" dirty="0" err="1">
+              <a:rPr lang="ru-RU" dirty="0" err="1" smtClean="0">
                 <a:latin typeface="Times New Roman" panose="02020603050405020304" pitchFamily="18" charset="0"/>
                 <a:cs typeface="Times New Roman" panose="02020603050405020304" pitchFamily="18" charset="0"/>
               </a:rPr>
               <a:t>Харари</a:t>
             </a:r>
             <a:r>
+              <a:rPr lang="ru-RU" dirty="0" smtClean="0">
+                <a:latin typeface="Times New Roman" panose="02020603050405020304" pitchFamily="18" charset="0"/>
+                <a:cs typeface="Times New Roman" panose="02020603050405020304" pitchFamily="18" charset="0"/>
+              </a:rPr>
+              <a:t>, </a:t>
+            </a:r>
+            <a:r>
               <a:rPr lang="ru-RU" dirty="0">
                 <a:latin typeface="Times New Roman" panose="02020603050405020304" pitchFamily="18" charset="0"/>
                 <a:cs typeface="Times New Roman" panose="02020603050405020304" pitchFamily="18" charset="0"/>
               </a:rPr>
-              <a:t> Ф. Теория графов [Текст] / Перевод с англ. В.П. Козырева. 2-е издание. – М.: </a:t>
+              <a:t>Ф. Теория </a:t>
+            </a:r>
+            <a:r>
+              <a:rPr lang="ru-RU" dirty="0">
+                <a:latin typeface="Times New Roman" panose="02020603050405020304" pitchFamily="18" charset="0"/>
+                <a:cs typeface="Times New Roman" panose="02020603050405020304" pitchFamily="18" charset="0"/>
+              </a:rPr>
+              <a:t>графов / </a:t>
+            </a:r>
+            <a:r>
+              <a:rPr lang="ru-RU" dirty="0" smtClean="0">
+                <a:latin typeface="Times New Roman" panose="02020603050405020304" pitchFamily="18" charset="0"/>
+                <a:cs typeface="Times New Roman" panose="02020603050405020304" pitchFamily="18" charset="0"/>
+              </a:rPr>
+              <a:t>Ф. </a:t>
+            </a:r>
+            <a:r>
+              <a:rPr lang="ru-RU" dirty="0" err="1" smtClean="0">
+                <a:latin typeface="Times New Roman" panose="02020603050405020304" pitchFamily="18" charset="0"/>
+                <a:cs typeface="Times New Roman" panose="02020603050405020304" pitchFamily="18" charset="0"/>
+              </a:rPr>
+              <a:t>Харари</a:t>
+            </a:r>
+            <a:r>
+              <a:rPr lang="ru-RU" dirty="0" smtClean="0">
+                <a:latin typeface="Times New Roman" panose="02020603050405020304" pitchFamily="18" charset="0"/>
+                <a:cs typeface="Times New Roman" panose="02020603050405020304" pitchFamily="18" charset="0"/>
+              </a:rPr>
+              <a:t> </a:t>
+            </a:r>
+            <a:r>
+              <a:rPr lang="ru-RU" dirty="0">
+                <a:latin typeface="Times New Roman" panose="02020603050405020304" pitchFamily="18" charset="0"/>
+                <a:cs typeface="Times New Roman" panose="02020603050405020304" pitchFamily="18" charset="0"/>
+              </a:rPr>
+              <a:t>Теория графов </a:t>
+            </a:r>
+            <a:r>
+              <a:rPr lang="ru-RU" dirty="0" smtClean="0">
+                <a:latin typeface="Times New Roman" panose="02020603050405020304" pitchFamily="18" charset="0"/>
+                <a:cs typeface="Times New Roman" panose="02020603050405020304" pitchFamily="18" charset="0"/>
+              </a:rPr>
+              <a:t>2-е </a:t>
+            </a:r>
+            <a:r>
+              <a:rPr lang="ru-RU" dirty="0">
+                <a:latin typeface="Times New Roman" panose="02020603050405020304" pitchFamily="18" charset="0"/>
+                <a:cs typeface="Times New Roman" panose="02020603050405020304" pitchFamily="18" charset="0"/>
+              </a:rPr>
+              <a:t>издание. – М.: </a:t>
             </a:r>
             <a:r>
               <a:rPr lang="ru-RU" dirty="0" err="1">
@@ -20052,7 +18434,21 @@
                 <a:latin typeface="Times New Roman" panose="02020603050405020304" pitchFamily="18" charset="0"/>
                 <a:cs typeface="Times New Roman" panose="02020603050405020304" pitchFamily="18" charset="0"/>
               </a:rPr>
-              <a:t>6.02.2018).</a:t>
+              <a:t>6.02.2018</a:t>
+            </a:r>
+            <a:r>
+              <a:rPr lang="en-US" dirty="0" smtClean="0">
+                <a:latin typeface="Times New Roman" panose="02020603050405020304" pitchFamily="18" charset="0"/>
+                <a:cs typeface="Times New Roman" panose="02020603050405020304" pitchFamily="18" charset="0"/>
+              </a:rPr>
+              <a:t>).</a:t>
+            </a:r>
+            <a:r>
+              <a:rPr lang="ru-RU" dirty="0" smtClean="0">
+                <a:latin typeface="Times New Roman" panose="02020603050405020304" pitchFamily="18" charset="0"/>
+                <a:cs typeface="Times New Roman" panose="02020603050405020304" pitchFamily="18" charset="0"/>
+              </a:rPr>
+              <a:t> Яз. Англ.</a:t>
             </a:r>
             <a:endParaRPr lang="ru-RU" dirty="0">
               <a:latin typeface="Times New Roman" panose="02020603050405020304" pitchFamily="18" charset="0"/>
@@ -20115,12 +18511,23 @@
               <a:t>)</a:t>
             </a:r>
             <a:r>
-              <a:rPr lang="ru-RU" dirty="0">
+              <a:rPr lang="ru-RU" dirty="0" smtClean="0">
                 <a:latin typeface="Times New Roman" panose="02020603050405020304" pitchFamily="18" charset="0"/>
                 <a:cs typeface="Times New Roman" panose="02020603050405020304" pitchFamily="18" charset="0"/>
               </a:rPr>
-              <a:t>.</a:t>
+              <a:t>. Яз</a:t>
             </a:r>
+            <a:r>
+              <a:rPr lang="ru-RU" dirty="0" smtClean="0">
+                <a:latin typeface="Times New Roman" panose="02020603050405020304" pitchFamily="18" charset="0"/>
+                <a:cs typeface="Times New Roman" panose="02020603050405020304" pitchFamily="18" charset="0"/>
+              </a:rPr>
+              <a:t>. Англ.</a:t>
+            </a:r>
+            <a:endParaRPr lang="ru-RU" dirty="0">
+              <a:latin typeface="Times New Roman" panose="02020603050405020304" pitchFamily="18" charset="0"/>
+              <a:cs typeface="Times New Roman" panose="02020603050405020304" pitchFamily="18" charset="0"/>
+            </a:endParaRPr>
           </a:p>
         </p:txBody>
       </p:sp>
@@ -20144,6 +18551,66 @@
 </p:sld>
 </file>
 
+<file path=ppt/slides/slide27.xml><?xml version="1.0" encoding="utf-8"?>
+<p:sld xmlns:a="http://schemas.openxmlformats.org/drawingml/2006/main" xmlns:r="http://schemas.openxmlformats.org/officeDocument/2006/relationships" xmlns:p="http://schemas.openxmlformats.org/presentationml/2006/main">
+  <p:cSld>
+    <p:spTree>
+      <p:nvGrpSpPr>
+        <p:cNvPr id="1" name=""/>
+        <p:cNvGrpSpPr/>
+        <p:nvPr/>
+      </p:nvGrpSpPr>
+      <p:grpSpPr>
+        <a:xfrm>
+          <a:off x="0" y="0"/>
+          <a:ext cx="0" cy="0"/>
+          <a:chOff x="0" y="0"/>
+          <a:chExt cx="0" cy="0"/>
+        </a:xfrm>
+      </p:grpSpPr>
+      <p:sp>
+        <p:nvSpPr>
+          <p:cNvPr id="2" name="TextBox 1"/>
+          <p:cNvSpPr txBox="1"/>
+          <p:nvPr/>
+        </p:nvSpPr>
+        <p:spPr>
+          <a:xfrm>
+            <a:off x="1907704" y="2852936"/>
+            <a:ext cx="5525872" cy="707886"/>
+          </a:xfrm>
+          <a:prstGeom prst="rect">
+            <a:avLst/>
+          </a:prstGeom>
+          <a:noFill/>
+        </p:spPr>
+        <p:txBody>
+          <a:bodyPr wrap="none" rtlCol="0">
+            <a:spAutoFit/>
+          </a:bodyPr>
+          <a:lstStyle/>
+          <a:p>
+            <a:r>
+              <a:rPr lang="ru-RU" sz="4000" dirty="0" smtClean="0"/>
+              <a:t>Спасибо за внимание!</a:t>
+            </a:r>
+            <a:endParaRPr lang="ru-RU" sz="4000" dirty="0"/>
+          </a:p>
+        </p:txBody>
+      </p:sp>
+    </p:spTree>
+    <p:extLst>
+      <p:ext uri="{BB962C8B-B14F-4D97-AF65-F5344CB8AC3E}">
+        <p14:creationId xmlns:p14="http://schemas.microsoft.com/office/powerpoint/2010/main" val="1662443751"/>
+      </p:ext>
+    </p:extLst>
+  </p:cSld>
+  <p:clrMapOvr>
+    <a:masterClrMapping/>
+  </p:clrMapOvr>
+</p:sld>
+</file>
+
 <file path=ppt/slides/slide3.xml><?xml version="1.0" encoding="utf-8"?>
 <p:sld xmlns:a="http://schemas.openxmlformats.org/drawingml/2006/main" xmlns:r="http://schemas.openxmlformats.org/officeDocument/2006/relationships" xmlns:p="http://schemas.openxmlformats.org/presentationml/2006/main">
   <p:cSld>
@@ -20163,7 +18630,7 @@
       </p:grpSpPr>
       <p:grpSp>
         <p:nvGrpSpPr>
-          <p:cNvPr id="2" name="Группа 1"/>
+          <p:cNvPr id="14" name="Группа 13"/>
           <p:cNvGrpSpPr/>
           <p:nvPr/>
         </p:nvGrpSpPr>
@@ -20177,7 +18644,7 @@
         </p:grpSpPr>
         <p:sp>
           <p:nvSpPr>
-            <p:cNvPr id="3" name="Заголовок 1"/>
+            <p:cNvPr id="15" name="Заголовок 1"/>
             <p:cNvSpPr txBox="1">
               <a:spLocks/>
             </p:cNvSpPr>
@@ -20376,7 +18843,7 @@
         </p:sp>
         <p:sp>
           <p:nvSpPr>
-            <p:cNvPr id="4" name="Подзаголовок 2"/>
+            <p:cNvPr id="16" name="Подзаголовок 2"/>
             <p:cNvSpPr txBox="1">
               <a:spLocks/>
             </p:cNvSpPr>
@@ -20587,18 +19054,18 @@
           </p:txBody>
         </p:sp>
       </p:grpSp>
-      <mc:AlternateContent xmlns:mc="http://schemas.openxmlformats.org/markup-compatibility/2006" xmlns:a14="http://schemas.microsoft.com/office/drawing/2010/main">
-        <mc:Choice Requires="a14">
+      <mc:AlternateContent xmlns:mc="http://schemas.openxmlformats.org/markup-compatibility/2006">
+        <mc:Choice xmlns:a14="http://schemas.microsoft.com/office/drawing/2010/main" Requires="a14">
           <p:sp>
             <p:nvSpPr>
-              <p:cNvPr id="5" name="TextBox 4"/>
+              <p:cNvPr id="2" name="TextBox 1"/>
               <p:cNvSpPr txBox="1"/>
               <p:nvPr/>
             </p:nvSpPr>
             <p:spPr>
               <a:xfrm>
-                <a:off x="539552" y="2110255"/>
-                <a:ext cx="8136904" cy="3254417"/>
+                <a:off x="685800" y="2348880"/>
+                <a:ext cx="7846640" cy="646331"/>
               </a:xfrm>
               <a:prstGeom prst="rect">
                 <a:avLst/>
@@ -20613,605 +19080,107 @@
               <a:p>
                 <a:pPr indent="450000" algn="just">
                   <a:spcAft>
-                    <a:spcPts val="600"/>
+                    <a:spcPts val="800"/>
                   </a:spcAft>
                 </a:pPr>
                 <a:r>
                   <a:rPr lang="ru-RU" i="1" dirty="0">
                     <a:latin typeface="Times New Roman" panose="02020603050405020304" pitchFamily="18" charset="0"/>
-                    <a:cs typeface="Times New Roman" panose="02020603050405020304" pitchFamily="18" charset="0"/>
+                    <a:ea typeface="Times New Roman" panose="02020603050405020304" pitchFamily="18" charset="0"/>
                   </a:rPr>
-                  <a:t>Транспортная сеть</a:t>
+                  <a:t>Взвешенный ориентированный граф</a:t>
                 </a:r>
                 <a:r>
-                  <a:rPr lang="ru-RU" dirty="0">
+                  <a:rPr lang="ru-RU" sz="1800" dirty="0">
+                    <a:effectLst/>
                     <a:latin typeface="Times New Roman" panose="02020603050405020304" pitchFamily="18" charset="0"/>
-                    <a:cs typeface="Times New Roman" panose="02020603050405020304" pitchFamily="18" charset="0"/>
+                    <a:ea typeface="Times New Roman" panose="02020603050405020304" pitchFamily="18" charset="0"/>
                   </a:rPr>
-                  <a:t> </a:t>
+                  <a:t> — ориентированный граф, каждой дуге которого поставлено в соответствие некое значение </a:t>
                 </a:r>
                 <a14:m>
                   <m:oMath xmlns:m="http://schemas.openxmlformats.org/officeDocument/2006/math">
-                    <m:acc>
-                      <m:accPr>
-                        <m:chr m:val="⃗"/>
-                        <m:ctrlPr>
-                          <a:rPr lang="ru-RU" sz="2400" i="1">
-                            <a:latin typeface="Cambria Math" panose="02040503050406030204" pitchFamily="18" charset="0"/>
-                          </a:rPr>
-                        </m:ctrlPr>
-                      </m:accPr>
-                      <m:e>
-                        <m:r>
-                          <a:rPr lang="en-US" i="1">
-                            <a:latin typeface="Cambria Math" panose="02040503050406030204" pitchFamily="18" charset="0"/>
-                          </a:rPr>
-                          <m:t>𝐺</m:t>
-                        </m:r>
-                      </m:e>
-                    </m:acc>
-                    <m:r>
-                      <a:rPr lang="ru-RU" i="1">
-                        <a:latin typeface="Cambria Math" panose="02040503050406030204" pitchFamily="18" charset="0"/>
-                      </a:rPr>
-                      <m:t>=(</m:t>
-                    </m:r>
-                    <m:r>
-                      <a:rPr lang="ru-RU" i="1">
-                        <a:latin typeface="Cambria Math" panose="02040503050406030204" pitchFamily="18" charset="0"/>
-                      </a:rPr>
-                      <m:t>𝑉</m:t>
-                    </m:r>
-                    <m:r>
-                      <a:rPr lang="ru-RU" i="1">
-                        <a:latin typeface="Cambria Math" panose="02040503050406030204" pitchFamily="18" charset="0"/>
-                      </a:rPr>
-                      <m:t>, </m:t>
-                    </m:r>
-                    <m:r>
-                      <a:rPr lang="ru-RU" i="1">
-                        <a:latin typeface="Cambria Math" panose="02040503050406030204" pitchFamily="18" charset="0"/>
-                      </a:rPr>
-                      <m:t>𝐸</m:t>
-                    </m:r>
-                    <m:r>
-                      <a:rPr lang="ru-RU" i="1">
-                        <a:latin typeface="Cambria Math" panose="02040503050406030204" pitchFamily="18" charset="0"/>
+                    <m:r>
+                      <a:rPr lang="en-US" sz="1800" i="1">
+                        <a:effectLst/>
+                        <a:latin typeface="Cambria Math" panose="02040503050406030204" pitchFamily="18" charset="0"/>
+                        <a:ea typeface="Times New Roman" panose="02020603050405020304" pitchFamily="18" charset="0"/>
+                        <a:cs typeface="Times New Roman" panose="02020603050405020304" pitchFamily="18" charset="0"/>
+                      </a:rPr>
+                      <m:t>𝑤</m:t>
+                    </m:r>
+                    <m:r>
+                      <a:rPr lang="ru-RU" sz="1800" i="1">
+                        <a:effectLst/>
+                        <a:latin typeface="Cambria Math" panose="02040503050406030204" pitchFamily="18" charset="0"/>
+                        <a:ea typeface="Times New Roman" panose="02020603050405020304" pitchFamily="18" charset="0"/>
+                        <a:cs typeface="Times New Roman" panose="02020603050405020304" pitchFamily="18" charset="0"/>
+                      </a:rPr>
+                      <m:t>(</m:t>
+                    </m:r>
+                    <m:r>
+                      <a:rPr lang="en-US" sz="1800" i="1">
+                        <a:effectLst/>
+                        <a:latin typeface="Cambria Math" panose="02040503050406030204" pitchFamily="18" charset="0"/>
+                        <a:ea typeface="Times New Roman" panose="02020603050405020304" pitchFamily="18" charset="0"/>
+                        <a:cs typeface="Times New Roman" panose="02020603050405020304" pitchFamily="18" charset="0"/>
+                      </a:rPr>
+                      <m:t>𝑢</m:t>
+                    </m:r>
+                    <m:r>
+                      <a:rPr lang="ru-RU" sz="1800" i="1">
+                        <a:effectLst/>
+                        <a:latin typeface="Cambria Math" panose="02040503050406030204" pitchFamily="18" charset="0"/>
+                        <a:ea typeface="Times New Roman" panose="02020603050405020304" pitchFamily="18" charset="0"/>
+                        <a:cs typeface="Times New Roman" panose="02020603050405020304" pitchFamily="18" charset="0"/>
+                      </a:rPr>
+                      <m:t>,</m:t>
+                    </m:r>
+                    <m:r>
+                      <a:rPr lang="en-US" sz="1800" i="1">
+                        <a:effectLst/>
+                        <a:latin typeface="Cambria Math" panose="02040503050406030204" pitchFamily="18" charset="0"/>
+                        <a:ea typeface="Times New Roman" panose="02020603050405020304" pitchFamily="18" charset="0"/>
+                        <a:cs typeface="Times New Roman" panose="02020603050405020304" pitchFamily="18" charset="0"/>
+                      </a:rPr>
+                      <m:t>𝑣</m:t>
+                    </m:r>
+                    <m:r>
+                      <a:rPr lang="ru-RU" sz="1800" i="1">
+                        <a:effectLst/>
+                        <a:latin typeface="Cambria Math" panose="02040503050406030204" pitchFamily="18" charset="0"/>
+                        <a:ea typeface="Times New Roman" panose="02020603050405020304" pitchFamily="18" charset="0"/>
+                        <a:cs typeface="Times New Roman" panose="02020603050405020304" pitchFamily="18" charset="0"/>
                       </a:rPr>
                       <m:t>)</m:t>
                     </m:r>
                   </m:oMath>
                 </a14:m>
                 <a:r>
-                  <a:rPr lang="ru-RU" dirty="0">
+                  <a:rPr lang="ru-RU" sz="1800" dirty="0">
+                    <a:effectLst/>
                     <a:latin typeface="Times New Roman" panose="02020603050405020304" pitchFamily="18" charset="0"/>
-                    <a:cs typeface="Times New Roman" panose="02020603050405020304" pitchFamily="18" charset="0"/>
+                    <a:ea typeface="Times New Roman" panose="02020603050405020304" pitchFamily="18" charset="0"/>
                   </a:rPr>
-                  <a:t> представляет собой ориентированный граф, в котором каждая дуга </a:t>
-                </a:r>
-                <a14:m>
-                  <m:oMath xmlns:m="http://schemas.openxmlformats.org/officeDocument/2006/math">
-                    <m:d>
-                      <m:dPr>
-                        <m:ctrlPr>
-                          <a:rPr lang="ru-RU" sz="2400" i="1">
-                            <a:latin typeface="Cambria Math" panose="02040503050406030204" pitchFamily="18" charset="0"/>
-                          </a:rPr>
-                        </m:ctrlPr>
-                      </m:dPr>
-                      <m:e>
-                        <m:r>
-                          <a:rPr lang="en-US" i="1">
-                            <a:latin typeface="Cambria Math" panose="02040503050406030204" pitchFamily="18" charset="0"/>
-                          </a:rPr>
-                          <m:t>𝑢</m:t>
-                        </m:r>
-                        <m:r>
-                          <a:rPr lang="ru-RU" i="1">
-                            <a:latin typeface="Cambria Math" panose="02040503050406030204" pitchFamily="18" charset="0"/>
-                          </a:rPr>
-                          <m:t>, </m:t>
-                        </m:r>
-                        <m:r>
-                          <a:rPr lang="en-US" i="1">
-                            <a:latin typeface="Cambria Math" panose="02040503050406030204" pitchFamily="18" charset="0"/>
-                          </a:rPr>
-                          <m:t>𝑣</m:t>
-                        </m:r>
-                      </m:e>
-                    </m:d>
-                    <m:r>
-                      <a:rPr lang="ru-RU" i="1">
-                        <a:latin typeface="Cambria Math" panose="02040503050406030204" pitchFamily="18" charset="0"/>
-                      </a:rPr>
-                      <m:t>∈</m:t>
-                    </m:r>
-                    <m:r>
-                      <a:rPr lang="en-US" i="1">
-                        <a:latin typeface="Cambria Math" panose="02040503050406030204" pitchFamily="18" charset="0"/>
-                      </a:rPr>
-                      <m:t>𝐸</m:t>
-                    </m:r>
-                  </m:oMath>
-                </a14:m>
-                <a:r>
-                  <a:rPr lang="en-US" dirty="0">
-                    <a:latin typeface="Times New Roman" panose="02020603050405020304" pitchFamily="18" charset="0"/>
-                    <a:cs typeface="Times New Roman" panose="02020603050405020304" pitchFamily="18" charset="0"/>
-                  </a:rPr>
-                  <a:t> </a:t>
+                  <a:t> (</a:t>
                 </a:r>
                 <a:r>
-                  <a:rPr lang="ru-RU" dirty="0">
+                  <a:rPr lang="ru-RU" sz="1800" i="1" dirty="0">
+                    <a:effectLst/>
                     <a:latin typeface="Times New Roman" panose="02020603050405020304" pitchFamily="18" charset="0"/>
-                    <a:cs typeface="Times New Roman" panose="02020603050405020304" pitchFamily="18" charset="0"/>
+                    <a:ea typeface="Times New Roman" panose="02020603050405020304" pitchFamily="18" charset="0"/>
                   </a:rPr>
-                  <a:t>имеет неотрицательную пропускную способность </a:t>
-                </a:r>
-                <a14:m>
-                  <m:oMath xmlns:m="http://schemas.openxmlformats.org/officeDocument/2006/math">
-                    <m:r>
-                      <a:rPr lang="ru-RU" i="1">
-                        <a:latin typeface="Cambria Math" panose="02040503050406030204" pitchFamily="18" charset="0"/>
-                      </a:rPr>
-                      <m:t>𝑐</m:t>
-                    </m:r>
-                    <m:d>
-                      <m:dPr>
-                        <m:ctrlPr>
-                          <a:rPr lang="ru-RU" sz="2400" i="1">
-                            <a:latin typeface="Cambria Math" panose="02040503050406030204" pitchFamily="18" charset="0"/>
-                          </a:rPr>
-                        </m:ctrlPr>
-                      </m:dPr>
-                      <m:e>
-                        <m:r>
-                          <a:rPr lang="ru-RU" i="1">
-                            <a:latin typeface="Cambria Math" panose="02040503050406030204" pitchFamily="18" charset="0"/>
-                          </a:rPr>
-                          <m:t>𝑢</m:t>
-                        </m:r>
-                        <m:r>
-                          <a:rPr lang="ru-RU" i="1">
-                            <a:latin typeface="Cambria Math" panose="02040503050406030204" pitchFamily="18" charset="0"/>
-                          </a:rPr>
-                          <m:t>,</m:t>
-                        </m:r>
-                        <m:r>
-                          <a:rPr lang="ru-RU" i="1">
-                            <a:latin typeface="Cambria Math" panose="02040503050406030204" pitchFamily="18" charset="0"/>
-                          </a:rPr>
-                          <m:t>𝑣</m:t>
-                        </m:r>
-                      </m:e>
-                    </m:d>
-                    <m:r>
-                      <a:rPr lang="ru-RU" i="1">
-                        <a:latin typeface="Cambria Math" panose="02040503050406030204" pitchFamily="18" charset="0"/>
-                      </a:rPr>
-                      <m:t>≥0</m:t>
-                    </m:r>
-                  </m:oMath>
-                </a14:m>
-                <a:r>
-                  <a:rPr lang="ru-RU" dirty="0">
-                    <a:latin typeface="Times New Roman" panose="02020603050405020304" pitchFamily="18" charset="0"/>
-                    <a:cs typeface="Times New Roman" panose="02020603050405020304" pitchFamily="18" charset="0"/>
-                  </a:rPr>
-                  <a:t>. Если </a:t>
-                </a:r>
-                <a14:m>
-                  <m:oMath xmlns:m="http://schemas.openxmlformats.org/officeDocument/2006/math">
-                    <m:d>
-                      <m:dPr>
-                        <m:ctrlPr>
-                          <a:rPr lang="ru-RU" sz="2400" i="1">
-                            <a:latin typeface="Cambria Math" panose="02040503050406030204" pitchFamily="18" charset="0"/>
-                          </a:rPr>
-                        </m:ctrlPr>
-                      </m:dPr>
-                      <m:e>
-                        <m:r>
-                          <a:rPr lang="en-US" i="1">
-                            <a:latin typeface="Cambria Math" panose="02040503050406030204" pitchFamily="18" charset="0"/>
-                          </a:rPr>
-                          <m:t>𝑢</m:t>
-                        </m:r>
-                        <m:r>
-                          <a:rPr lang="ru-RU" i="1">
-                            <a:latin typeface="Cambria Math" panose="02040503050406030204" pitchFamily="18" charset="0"/>
-                          </a:rPr>
-                          <m:t>,</m:t>
-                        </m:r>
-                        <m:r>
-                          <a:rPr lang="en-US" i="1">
-                            <a:latin typeface="Cambria Math" panose="02040503050406030204" pitchFamily="18" charset="0"/>
-                          </a:rPr>
-                          <m:t>𝑣</m:t>
-                        </m:r>
-                      </m:e>
-                    </m:d>
-                    <m:r>
-                      <a:rPr lang="ru-RU" i="1">
-                        <a:latin typeface="Cambria Math" panose="02040503050406030204" pitchFamily="18" charset="0"/>
-                      </a:rPr>
-                      <m:t>∉</m:t>
-                    </m:r>
-                    <m:r>
-                      <a:rPr lang="en-US" i="1">
-                        <a:latin typeface="Cambria Math" panose="02040503050406030204" pitchFamily="18" charset="0"/>
-                      </a:rPr>
-                      <m:t>𝐸</m:t>
-                    </m:r>
-                  </m:oMath>
-                </a14:m>
-                <a:r>
-                  <a:rPr lang="ru-RU" dirty="0">
-                    <a:latin typeface="Times New Roman" panose="02020603050405020304" pitchFamily="18" charset="0"/>
-                    <a:cs typeface="Times New Roman" panose="02020603050405020304" pitchFamily="18" charset="0"/>
-                  </a:rPr>
-                  <a:t>, предполагается, что </a:t>
-                </a:r>
-                <a14:m>
-                  <m:oMath xmlns:m="http://schemas.openxmlformats.org/officeDocument/2006/math">
-                    <m:r>
-                      <a:rPr lang="ru-RU" i="1">
-                        <a:latin typeface="Cambria Math" panose="02040503050406030204" pitchFamily="18" charset="0"/>
-                      </a:rPr>
-                      <m:t>𝑐</m:t>
-                    </m:r>
-                    <m:d>
-                      <m:dPr>
-                        <m:ctrlPr>
-                          <a:rPr lang="ru-RU" sz="2400" i="1">
-                            <a:latin typeface="Cambria Math" panose="02040503050406030204" pitchFamily="18" charset="0"/>
-                          </a:rPr>
-                        </m:ctrlPr>
-                      </m:dPr>
-                      <m:e>
-                        <m:r>
-                          <a:rPr lang="ru-RU" i="1">
-                            <a:latin typeface="Cambria Math" panose="02040503050406030204" pitchFamily="18" charset="0"/>
-                          </a:rPr>
-                          <m:t>𝑢</m:t>
-                        </m:r>
-                        <m:r>
-                          <a:rPr lang="ru-RU" i="1">
-                            <a:latin typeface="Cambria Math" panose="02040503050406030204" pitchFamily="18" charset="0"/>
-                          </a:rPr>
-                          <m:t>,</m:t>
-                        </m:r>
-                        <m:r>
-                          <a:rPr lang="ru-RU" i="1">
-                            <a:latin typeface="Cambria Math" panose="02040503050406030204" pitchFamily="18" charset="0"/>
-                          </a:rPr>
-                          <m:t>𝑣</m:t>
-                        </m:r>
-                      </m:e>
-                    </m:d>
-                    <m:r>
-                      <a:rPr lang="ru-RU" i="1">
-                        <a:latin typeface="Cambria Math" panose="02040503050406030204" pitchFamily="18" charset="0"/>
-                      </a:rPr>
-                      <m:t>=0</m:t>
-                    </m:r>
-                  </m:oMath>
-                </a14:m>
-                <a:r>
-                  <a:rPr lang="ru-RU" dirty="0">
-                    <a:latin typeface="Times New Roman" panose="02020603050405020304" pitchFamily="18" charset="0"/>
-                    <a:cs typeface="Times New Roman" panose="02020603050405020304" pitchFamily="18" charset="0"/>
-                  </a:rPr>
-                  <a:t>. Говорят, что два узла, </a:t>
-                </a:r>
-                <a14:m>
-                  <m:oMath xmlns:m="http://schemas.openxmlformats.org/officeDocument/2006/math">
-                    <m:sSub>
-                      <m:sSubPr>
-                        <m:ctrlPr>
-                          <a:rPr lang="ru-RU" sz="2400" i="1">
-                            <a:latin typeface="Cambria Math" panose="02040503050406030204" pitchFamily="18" charset="0"/>
-                          </a:rPr>
-                        </m:ctrlPr>
-                      </m:sSubPr>
-                      <m:e>
-                        <m:r>
-                          <a:rPr lang="ru-RU" i="1">
-                            <a:latin typeface="Cambria Math" panose="02040503050406030204" pitchFamily="18" charset="0"/>
-                          </a:rPr>
-                          <m:t>𝑣</m:t>
-                        </m:r>
-                      </m:e>
-                      <m:sub>
-                        <m:r>
-                          <a:rPr lang="ru-RU" i="1">
-                            <a:latin typeface="Cambria Math" panose="02040503050406030204" pitchFamily="18" charset="0"/>
-                          </a:rPr>
-                          <m:t>1</m:t>
-                        </m:r>
-                      </m:sub>
-                    </m:sSub>
-                  </m:oMath>
-                </a14:m>
-                <a:r>
-                  <a:rPr lang="ru-RU" dirty="0">
-                    <a:latin typeface="Times New Roman" panose="02020603050405020304" pitchFamily="18" charset="0"/>
-                    <a:cs typeface="Times New Roman" panose="02020603050405020304" pitchFamily="18" charset="0"/>
-                  </a:rPr>
-                  <a:t> и </a:t>
-                </a:r>
-                <a14:m>
-                  <m:oMath xmlns:m="http://schemas.openxmlformats.org/officeDocument/2006/math">
-                    <m:sSub>
-                      <m:sSubPr>
-                        <m:ctrlPr>
-                          <a:rPr lang="ru-RU" sz="2400" i="1">
-                            <a:latin typeface="Cambria Math" panose="02040503050406030204" pitchFamily="18" charset="0"/>
-                          </a:rPr>
-                        </m:ctrlPr>
-                      </m:sSubPr>
-                      <m:e>
-                        <m:r>
-                          <a:rPr lang="ru-RU" i="1">
-                            <a:latin typeface="Cambria Math" panose="02040503050406030204" pitchFamily="18" charset="0"/>
-                          </a:rPr>
-                          <m:t>𝑣</m:t>
-                        </m:r>
-                      </m:e>
-                      <m:sub>
-                        <m:r>
-                          <a:rPr lang="ru-RU" i="1">
-                            <a:latin typeface="Cambria Math" panose="02040503050406030204" pitchFamily="18" charset="0"/>
-                          </a:rPr>
-                          <m:t>2</m:t>
-                        </m:r>
-                      </m:sub>
-                    </m:sSub>
-                  </m:oMath>
-                </a14:m>
-                <a:r>
-                  <a:rPr lang="ru-RU" dirty="0">
-                    <a:latin typeface="Times New Roman" panose="02020603050405020304" pitchFamily="18" charset="0"/>
-                    <a:cs typeface="Times New Roman" panose="02020603050405020304" pitchFamily="18" charset="0"/>
-                  </a:rPr>
-                  <a:t>, </a:t>
+                  <a:t>вес дуги</a:t>
                 </a:r>
                 <a:r>
-                  <a:rPr lang="ru-RU" i="1" dirty="0">
+                  <a:rPr lang="ru-RU" sz="1800" dirty="0">
+                    <a:effectLst/>
                     <a:latin typeface="Times New Roman" panose="02020603050405020304" pitchFamily="18" charset="0"/>
-                    <a:cs typeface="Times New Roman" panose="02020603050405020304" pitchFamily="18" charset="0"/>
+                    <a:ea typeface="Times New Roman" panose="02020603050405020304" pitchFamily="18" charset="0"/>
                   </a:rPr>
-                  <a:t>односторонне связаны</a:t>
+                  <a:t>).</a:t>
                 </a:r>
-                <a:r>
-                  <a:rPr lang="ru-RU" dirty="0">
-                    <a:latin typeface="Times New Roman" panose="02020603050405020304" pitchFamily="18" charset="0"/>
-                    <a:cs typeface="Times New Roman" panose="02020603050405020304" pitchFamily="18" charset="0"/>
-                  </a:rPr>
-                  <a:t> в орграфе </a:t>
-                </a:r>
-                <a14:m>
-                  <m:oMath xmlns:m="http://schemas.openxmlformats.org/officeDocument/2006/math">
-                    <m:r>
-                      <a:rPr lang="en-US" i="1">
-                        <a:latin typeface="Cambria Math" panose="02040503050406030204" pitchFamily="18" charset="0"/>
-                      </a:rPr>
-                      <m:t>𝐺</m:t>
-                    </m:r>
-                  </m:oMath>
-                </a14:m>
-                <a:r>
-                  <a:rPr lang="ru-RU" dirty="0">
-                    <a:latin typeface="Times New Roman" panose="02020603050405020304" pitchFamily="18" charset="0"/>
-                    <a:cs typeface="Times New Roman" panose="02020603050405020304" pitchFamily="18" charset="0"/>
-                  </a:rPr>
-                  <a:t>, если существует путь либо из </a:t>
-                </a:r>
-                <a14:m>
-                  <m:oMath xmlns:m="http://schemas.openxmlformats.org/officeDocument/2006/math">
-                    <m:sSub>
-                      <m:sSubPr>
-                        <m:ctrlPr>
-                          <a:rPr lang="ru-RU" sz="2400" i="1">
-                            <a:latin typeface="Cambria Math" panose="02040503050406030204" pitchFamily="18" charset="0"/>
-                          </a:rPr>
-                        </m:ctrlPr>
-                      </m:sSubPr>
-                      <m:e>
-                        <m:r>
-                          <a:rPr lang="ru-RU" i="1">
-                            <a:latin typeface="Cambria Math" panose="02040503050406030204" pitchFamily="18" charset="0"/>
-                          </a:rPr>
-                          <m:t>𝑣</m:t>
-                        </m:r>
-                      </m:e>
-                      <m:sub>
-                        <m:r>
-                          <a:rPr lang="ru-RU" i="1">
-                            <a:latin typeface="Cambria Math" panose="02040503050406030204" pitchFamily="18" charset="0"/>
-                          </a:rPr>
-                          <m:t>1</m:t>
-                        </m:r>
-                      </m:sub>
-                    </m:sSub>
-                  </m:oMath>
-                </a14:m>
-                <a:r>
-                  <a:rPr lang="ru-RU" dirty="0">
-                    <a:latin typeface="Times New Roman" panose="02020603050405020304" pitchFamily="18" charset="0"/>
-                    <a:cs typeface="Times New Roman" panose="02020603050405020304" pitchFamily="18" charset="0"/>
-                  </a:rPr>
-                  <a:t> в </a:t>
-                </a:r>
-                <a14:m>
-                  <m:oMath xmlns:m="http://schemas.openxmlformats.org/officeDocument/2006/math">
-                    <m:sSub>
-                      <m:sSubPr>
-                        <m:ctrlPr>
-                          <a:rPr lang="ru-RU" sz="2400" i="1">
-                            <a:latin typeface="Cambria Math" panose="02040503050406030204" pitchFamily="18" charset="0"/>
-                          </a:rPr>
-                        </m:ctrlPr>
-                      </m:sSubPr>
-                      <m:e>
-                        <m:r>
-                          <a:rPr lang="ru-RU" i="1">
-                            <a:latin typeface="Cambria Math" panose="02040503050406030204" pitchFamily="18" charset="0"/>
-                          </a:rPr>
-                          <m:t>𝑣</m:t>
-                        </m:r>
-                      </m:e>
-                      <m:sub>
-                        <m:r>
-                          <a:rPr lang="ru-RU" i="1">
-                            <a:latin typeface="Cambria Math" panose="02040503050406030204" pitchFamily="18" charset="0"/>
-                          </a:rPr>
-                          <m:t>2</m:t>
-                        </m:r>
-                      </m:sub>
-                    </m:sSub>
-                  </m:oMath>
-                </a14:m>
-                <a:r>
-                  <a:rPr lang="ru-RU" dirty="0">
-                    <a:latin typeface="Times New Roman" panose="02020603050405020304" pitchFamily="18" charset="0"/>
-                    <a:cs typeface="Times New Roman" panose="02020603050405020304" pitchFamily="18" charset="0"/>
-                  </a:rPr>
-                  <a:t>, либо из </a:t>
-                </a:r>
-                <a14:m>
-                  <m:oMath xmlns:m="http://schemas.openxmlformats.org/officeDocument/2006/math">
-                    <m:sSub>
-                      <m:sSubPr>
-                        <m:ctrlPr>
-                          <a:rPr lang="ru-RU" sz="2400" i="1">
-                            <a:latin typeface="Cambria Math" panose="02040503050406030204" pitchFamily="18" charset="0"/>
-                          </a:rPr>
-                        </m:ctrlPr>
-                      </m:sSubPr>
-                      <m:e>
-                        <m:r>
-                          <a:rPr lang="ru-RU" i="1">
-                            <a:latin typeface="Cambria Math" panose="02040503050406030204" pitchFamily="18" charset="0"/>
-                          </a:rPr>
-                          <m:t>𝑣</m:t>
-                        </m:r>
-                      </m:e>
-                      <m:sub>
-                        <m:r>
-                          <a:rPr lang="ru-RU" i="1">
-                            <a:latin typeface="Cambria Math" panose="02040503050406030204" pitchFamily="18" charset="0"/>
-                          </a:rPr>
-                          <m:t>2</m:t>
-                        </m:r>
-                      </m:sub>
-                    </m:sSub>
-                  </m:oMath>
-                </a14:m>
-                <a:r>
-                  <a:rPr lang="ru-RU" dirty="0">
-                    <a:latin typeface="Times New Roman" panose="02020603050405020304" pitchFamily="18" charset="0"/>
-                    <a:cs typeface="Times New Roman" panose="02020603050405020304" pitchFamily="18" charset="0"/>
-                  </a:rPr>
-                  <a:t> в </a:t>
-                </a:r>
-                <a14:m>
-                  <m:oMath xmlns:m="http://schemas.openxmlformats.org/officeDocument/2006/math">
-                    <m:sSub>
-                      <m:sSubPr>
-                        <m:ctrlPr>
-                          <a:rPr lang="ru-RU" sz="2400" i="1">
-                            <a:latin typeface="Cambria Math" panose="02040503050406030204" pitchFamily="18" charset="0"/>
-                          </a:rPr>
-                        </m:ctrlPr>
-                      </m:sSubPr>
-                      <m:e>
-                        <m:r>
-                          <a:rPr lang="ru-RU" i="1">
-                            <a:latin typeface="Cambria Math" panose="02040503050406030204" pitchFamily="18" charset="0"/>
-                          </a:rPr>
-                          <m:t>𝑣</m:t>
-                        </m:r>
-                      </m:e>
-                      <m:sub>
-                        <m:r>
-                          <a:rPr lang="ru-RU" i="1">
-                            <a:latin typeface="Cambria Math" panose="02040503050406030204" pitchFamily="18" charset="0"/>
-                          </a:rPr>
-                          <m:t>1</m:t>
-                        </m:r>
-                      </m:sub>
-                    </m:sSub>
-                  </m:oMath>
-                </a14:m>
-                <a:r>
-                  <a:rPr lang="ru-RU" dirty="0" smtClean="0">
-                    <a:latin typeface="Times New Roman" panose="02020603050405020304" pitchFamily="18" charset="0"/>
-                    <a:cs typeface="Times New Roman" panose="02020603050405020304" pitchFamily="18" charset="0"/>
-                  </a:rPr>
-                  <a:t>.</a:t>
-                </a:r>
-              </a:p>
-              <a:p>
-                <a:pPr indent="450000" algn="just">
-                  <a:spcAft>
-                    <a:spcPts val="600"/>
-                  </a:spcAft>
-                </a:pPr>
-                <a:r>
-                  <a:rPr lang="ru-RU" dirty="0">
-                    <a:latin typeface="Times New Roman" panose="02020603050405020304" pitchFamily="18" charset="0"/>
-                    <a:cs typeface="Times New Roman" panose="02020603050405020304" pitchFamily="18" charset="0"/>
-                  </a:rPr>
-                  <a:t>Вершина орграфа, недостижимая ни из какой другой вершины, называется </a:t>
-                </a:r>
-                <a:r>
-                  <a:rPr lang="ru-RU" i="1" dirty="0" smtClean="0">
-                    <a:latin typeface="Times New Roman" panose="02020603050405020304" pitchFamily="18" charset="0"/>
-                    <a:cs typeface="Times New Roman" panose="02020603050405020304" pitchFamily="18" charset="0"/>
-                  </a:rPr>
-                  <a:t>истоком</a:t>
-                </a:r>
-                <a:r>
-                  <a:rPr lang="ru-RU" dirty="0" smtClean="0">
-                    <a:latin typeface="Times New Roman" panose="02020603050405020304" pitchFamily="18" charset="0"/>
-                    <a:cs typeface="Times New Roman" panose="02020603050405020304" pitchFamily="18" charset="0"/>
-                  </a:rPr>
-                  <a:t>.</a:t>
-                </a:r>
-                <a:endParaRPr lang="ru-RU" dirty="0">
-                  <a:latin typeface="Times New Roman" panose="02020603050405020304" pitchFamily="18" charset="0"/>
-                  <a:cs typeface="Times New Roman" panose="02020603050405020304" pitchFamily="18" charset="0"/>
-                </a:endParaRPr>
-              </a:p>
-              <a:p>
-                <a:pPr indent="450000" algn="just">
-                  <a:spcAft>
-                    <a:spcPts val="600"/>
-                  </a:spcAft>
-                </a:pPr>
-                <a:r>
-                  <a:rPr lang="ru-RU" dirty="0">
-                    <a:latin typeface="Times New Roman" panose="02020603050405020304" pitchFamily="18" charset="0"/>
-                    <a:cs typeface="Times New Roman" panose="02020603050405020304" pitchFamily="18" charset="0"/>
-                  </a:rPr>
-                  <a:t>Вершина орграфа, из которой недостижима ни одна другая вершина, называется </a:t>
-                </a:r>
-                <a:r>
-                  <a:rPr lang="ru-RU" i="1" dirty="0" smtClean="0">
-                    <a:latin typeface="Times New Roman" panose="02020603050405020304" pitchFamily="18" charset="0"/>
-                    <a:cs typeface="Times New Roman" panose="02020603050405020304" pitchFamily="18" charset="0"/>
-                  </a:rPr>
-                  <a:t>стоком</a:t>
-                </a:r>
-                <a:r>
-                  <a:rPr lang="ru-RU" dirty="0" smtClean="0">
-                    <a:latin typeface="Times New Roman" panose="02020603050405020304" pitchFamily="18" charset="0"/>
-                    <a:cs typeface="Times New Roman" panose="02020603050405020304" pitchFamily="18" charset="0"/>
-                  </a:rPr>
-                  <a:t>.</a:t>
-                </a:r>
-                <a:endParaRPr lang="ru-RU" sz="2400" dirty="0">
+                <a:endParaRPr lang="ru-RU" dirty="0" smtClean="0">
                   <a:latin typeface="Times New Roman" panose="02020603050405020304" pitchFamily="18" charset="0"/>
                   <a:cs typeface="Times New Roman" panose="02020603050405020304" pitchFamily="18" charset="0"/>
                 </a:endParaRPr>
@@ -21219,10 +19188,10 @@
             </p:txBody>
           </p:sp>
         </mc:Choice>
-        <mc:Fallback xmlns="">
+        <mc:Fallback>
           <p:sp>
             <p:nvSpPr>
-              <p:cNvPr id="5" name="TextBox 4"/>
+              <p:cNvPr id="2" name="TextBox 1"/>
               <p:cNvSpPr txBox="1">
                 <a:spLocks noRot="1" noChangeAspect="1" noMove="1" noResize="1" noEditPoints="1" noAdjustHandles="1" noChangeArrowheads="1" noChangeShapeType="1" noTextEdit="1"/>
               </p:cNvSpPr>
@@ -21230,16 +19199,16 @@
             </p:nvSpPr>
             <p:spPr>
               <a:xfrm>
-                <a:off x="539552" y="2110255"/>
-                <a:ext cx="8136904" cy="3254417"/>
+                <a:off x="685800" y="2348880"/>
+                <a:ext cx="7846640" cy="646331"/>
               </a:xfrm>
               <a:prstGeom prst="rect">
                 <a:avLst/>
               </a:prstGeom>
               <a:blipFill>
-                <a:blip r:embed="rId2"/>
+                <a:blip r:embed="rId3"/>
                 <a:stretch>
-                  <a:fillRect l="-675" t="-2996" r="-675" b="-1498"/>
+                  <a:fillRect l="-699" t="-4717" r="-622" b="-14151"/>
                 </a:stretch>
               </a:blipFill>
             </p:spPr>
@@ -21258,10 +19227,40 @@
           </p:sp>
         </mc:Fallback>
       </mc:AlternateContent>
+      <p:pic>
+        <p:nvPicPr>
+          <p:cNvPr id="4" name="Рисунок 3"/>
+          <p:cNvPicPr>
+            <a:picLocks noChangeAspect="1"/>
+          </p:cNvPicPr>
+          <p:nvPr/>
+        </p:nvPicPr>
+        <p:blipFill>
+          <a:blip r:embed="rId4">
+            <a:extLst>
+              <a:ext uri="{28A0092B-C50C-407E-A947-70E740481C1C}">
+                <a14:useLocalDpi xmlns:a14="http://schemas.microsoft.com/office/drawing/2010/main" val="0"/>
+              </a:ext>
+            </a:extLst>
+          </a:blip>
+          <a:stretch>
+            <a:fillRect/>
+          </a:stretch>
+        </p:blipFill>
+        <p:spPr>
+          <a:xfrm>
+            <a:off x="1259632" y="3212976"/>
+            <a:ext cx="6585417" cy="3030626"/>
+          </a:xfrm>
+          <a:prstGeom prst="rect">
+            <a:avLst/>
+          </a:prstGeom>
+        </p:spPr>
+      </p:pic>
     </p:spTree>
     <p:extLst>
       <p:ext uri="{BB962C8B-B14F-4D97-AF65-F5344CB8AC3E}">
-        <p14:creationId xmlns:p14="http://schemas.microsoft.com/office/powerpoint/2010/main" val="2240307148"/>
+        <p14:creationId xmlns:p14="http://schemas.microsoft.com/office/powerpoint/2010/main" val="2913493591"/>
       </p:ext>
     </p:extLst>
   </p:cSld>
@@ -21723,6 +19722,937 @@
       </p:grpSp>
       <mc:AlternateContent xmlns:mc="http://schemas.openxmlformats.org/markup-compatibility/2006">
         <mc:Choice xmlns:a14="http://schemas.microsoft.com/office/drawing/2010/main" Requires="a14">
+          <p:sp>
+            <p:nvSpPr>
+              <p:cNvPr id="5" name="TextBox 4"/>
+              <p:cNvSpPr txBox="1"/>
+              <p:nvPr/>
+            </p:nvSpPr>
+            <p:spPr>
+              <a:xfrm>
+                <a:off x="503548" y="1662112"/>
+                <a:ext cx="8136904" cy="2532809"/>
+              </a:xfrm>
+              <a:prstGeom prst="rect">
+                <a:avLst/>
+              </a:prstGeom>
+              <a:noFill/>
+            </p:spPr>
+            <p:txBody>
+              <a:bodyPr wrap="square" rtlCol="0">
+                <a:spAutoFit/>
+              </a:bodyPr>
+              <a:lstStyle/>
+              <a:p>
+                <a:pPr indent="450000" algn="just">
+                  <a:spcAft>
+                    <a:spcPts val="600"/>
+                  </a:spcAft>
+                </a:pPr>
+                <a:r>
+                  <a:rPr lang="ru-RU" i="1" dirty="0">
+                    <a:latin typeface="Times New Roman" panose="02020603050405020304" pitchFamily="18" charset="0"/>
+                    <a:cs typeface="Times New Roman" panose="02020603050405020304" pitchFamily="18" charset="0"/>
+                  </a:rPr>
+                  <a:t>Транспортная сеть</a:t>
+                </a:r>
+                <a:r>
+                  <a:rPr lang="ru-RU" dirty="0">
+                    <a:latin typeface="Times New Roman" panose="02020603050405020304" pitchFamily="18" charset="0"/>
+                    <a:cs typeface="Times New Roman" panose="02020603050405020304" pitchFamily="18" charset="0"/>
+                  </a:rPr>
+                  <a:t> </a:t>
+                </a:r>
+                <a14:m>
+                  <m:oMath xmlns:m="http://schemas.openxmlformats.org/officeDocument/2006/math">
+                    <m:acc>
+                      <m:accPr>
+                        <m:chr m:val="⃗"/>
+                        <m:ctrlPr>
+                          <a:rPr lang="ru-RU" sz="2400" i="1">
+                            <a:latin typeface="Cambria Math" panose="02040503050406030204" pitchFamily="18" charset="0"/>
+                          </a:rPr>
+                        </m:ctrlPr>
+                      </m:accPr>
+                      <m:e>
+                        <m:r>
+                          <a:rPr lang="en-US" i="1">
+                            <a:latin typeface="Cambria Math" panose="02040503050406030204" pitchFamily="18" charset="0"/>
+                          </a:rPr>
+                          <m:t>𝐺</m:t>
+                        </m:r>
+                      </m:e>
+                    </m:acc>
+                    <m:r>
+                      <a:rPr lang="ru-RU" i="1">
+                        <a:latin typeface="Cambria Math" panose="02040503050406030204" pitchFamily="18" charset="0"/>
+                      </a:rPr>
+                      <m:t>=(</m:t>
+                    </m:r>
+                    <m:r>
+                      <a:rPr lang="ru-RU" i="1">
+                        <a:latin typeface="Cambria Math" panose="02040503050406030204" pitchFamily="18" charset="0"/>
+                      </a:rPr>
+                      <m:t>𝑉</m:t>
+                    </m:r>
+                    <m:r>
+                      <a:rPr lang="ru-RU" i="1">
+                        <a:latin typeface="Cambria Math" panose="02040503050406030204" pitchFamily="18" charset="0"/>
+                      </a:rPr>
+                      <m:t>, </m:t>
+                    </m:r>
+                    <m:r>
+                      <a:rPr lang="ru-RU" i="1">
+                        <a:latin typeface="Cambria Math" panose="02040503050406030204" pitchFamily="18" charset="0"/>
+                      </a:rPr>
+                      <m:t>𝐸</m:t>
+                    </m:r>
+                    <m:r>
+                      <a:rPr lang="ru-RU" i="1">
+                        <a:latin typeface="Cambria Math" panose="02040503050406030204" pitchFamily="18" charset="0"/>
+                      </a:rPr>
+                      <m:t>)</m:t>
+                    </m:r>
+                  </m:oMath>
+                </a14:m>
+                <a:r>
+                  <a:rPr lang="ru-RU" dirty="0">
+                    <a:latin typeface="Times New Roman" panose="02020603050405020304" pitchFamily="18" charset="0"/>
+                    <a:cs typeface="Times New Roman" panose="02020603050405020304" pitchFamily="18" charset="0"/>
+                  </a:rPr>
+                  <a:t> представляет собой ориентированный граф, в котором каждая дуга </a:t>
+                </a:r>
+                <a14:m>
+                  <m:oMath xmlns:m="http://schemas.openxmlformats.org/officeDocument/2006/math">
+                    <m:d>
+                      <m:dPr>
+                        <m:ctrlPr>
+                          <a:rPr lang="ru-RU" sz="2400" i="1">
+                            <a:latin typeface="Cambria Math" panose="02040503050406030204" pitchFamily="18" charset="0"/>
+                          </a:rPr>
+                        </m:ctrlPr>
+                      </m:dPr>
+                      <m:e>
+                        <m:r>
+                          <a:rPr lang="en-US" i="1">
+                            <a:latin typeface="Cambria Math" panose="02040503050406030204" pitchFamily="18" charset="0"/>
+                          </a:rPr>
+                          <m:t>𝑢</m:t>
+                        </m:r>
+                        <m:r>
+                          <a:rPr lang="ru-RU" i="1">
+                            <a:latin typeface="Cambria Math" panose="02040503050406030204" pitchFamily="18" charset="0"/>
+                          </a:rPr>
+                          <m:t>, </m:t>
+                        </m:r>
+                        <m:r>
+                          <a:rPr lang="en-US" i="1">
+                            <a:latin typeface="Cambria Math" panose="02040503050406030204" pitchFamily="18" charset="0"/>
+                          </a:rPr>
+                          <m:t>𝑣</m:t>
+                        </m:r>
+                      </m:e>
+                    </m:d>
+                    <m:r>
+                      <a:rPr lang="ru-RU" i="1">
+                        <a:latin typeface="Cambria Math" panose="02040503050406030204" pitchFamily="18" charset="0"/>
+                      </a:rPr>
+                      <m:t>∈</m:t>
+                    </m:r>
+                    <m:r>
+                      <a:rPr lang="en-US" i="1">
+                        <a:latin typeface="Cambria Math" panose="02040503050406030204" pitchFamily="18" charset="0"/>
+                      </a:rPr>
+                      <m:t>𝐸</m:t>
+                    </m:r>
+                  </m:oMath>
+                </a14:m>
+                <a:r>
+                  <a:rPr lang="en-US" dirty="0">
+                    <a:latin typeface="Times New Roman" panose="02020603050405020304" pitchFamily="18" charset="0"/>
+                    <a:cs typeface="Times New Roman" panose="02020603050405020304" pitchFamily="18" charset="0"/>
+                  </a:rPr>
+                  <a:t> </a:t>
+                </a:r>
+                <a:r>
+                  <a:rPr lang="ru-RU" dirty="0">
+                    <a:latin typeface="Times New Roman" panose="02020603050405020304" pitchFamily="18" charset="0"/>
+                    <a:cs typeface="Times New Roman" panose="02020603050405020304" pitchFamily="18" charset="0"/>
+                  </a:rPr>
+                  <a:t>имеет неотрицательную пропускную способность </a:t>
+                </a:r>
+                <a14:m>
+                  <m:oMath xmlns:m="http://schemas.openxmlformats.org/officeDocument/2006/math">
+                    <m:r>
+                      <a:rPr lang="ru-RU" i="1">
+                        <a:latin typeface="Cambria Math" panose="02040503050406030204" pitchFamily="18" charset="0"/>
+                      </a:rPr>
+                      <m:t>𝑐</m:t>
+                    </m:r>
+                    <m:d>
+                      <m:dPr>
+                        <m:ctrlPr>
+                          <a:rPr lang="ru-RU" sz="2400" i="1">
+                            <a:latin typeface="Cambria Math" panose="02040503050406030204" pitchFamily="18" charset="0"/>
+                          </a:rPr>
+                        </m:ctrlPr>
+                      </m:dPr>
+                      <m:e>
+                        <m:r>
+                          <a:rPr lang="ru-RU" i="1">
+                            <a:latin typeface="Cambria Math" panose="02040503050406030204" pitchFamily="18" charset="0"/>
+                          </a:rPr>
+                          <m:t>𝑢</m:t>
+                        </m:r>
+                        <m:r>
+                          <a:rPr lang="ru-RU" i="1">
+                            <a:latin typeface="Cambria Math" panose="02040503050406030204" pitchFamily="18" charset="0"/>
+                          </a:rPr>
+                          <m:t>,</m:t>
+                        </m:r>
+                        <m:r>
+                          <a:rPr lang="ru-RU" i="1">
+                            <a:latin typeface="Cambria Math" panose="02040503050406030204" pitchFamily="18" charset="0"/>
+                          </a:rPr>
+                          <m:t>𝑣</m:t>
+                        </m:r>
+                      </m:e>
+                    </m:d>
+                    <m:r>
+                      <a:rPr lang="ru-RU" i="1">
+                        <a:latin typeface="Cambria Math" panose="02040503050406030204" pitchFamily="18" charset="0"/>
+                      </a:rPr>
+                      <m:t>≥0</m:t>
+                    </m:r>
+                  </m:oMath>
+                </a14:m>
+                <a:r>
+                  <a:rPr lang="ru-RU" dirty="0">
+                    <a:latin typeface="Times New Roman" panose="02020603050405020304" pitchFamily="18" charset="0"/>
+                    <a:cs typeface="Times New Roman" panose="02020603050405020304" pitchFamily="18" charset="0"/>
+                  </a:rPr>
+                  <a:t>. Если </a:t>
+                </a:r>
+                <a14:m>
+                  <m:oMath xmlns:m="http://schemas.openxmlformats.org/officeDocument/2006/math">
+                    <m:d>
+                      <m:dPr>
+                        <m:ctrlPr>
+                          <a:rPr lang="ru-RU" sz="2400" i="1">
+                            <a:latin typeface="Cambria Math" panose="02040503050406030204" pitchFamily="18" charset="0"/>
+                          </a:rPr>
+                        </m:ctrlPr>
+                      </m:dPr>
+                      <m:e>
+                        <m:r>
+                          <a:rPr lang="en-US" i="1">
+                            <a:latin typeface="Cambria Math" panose="02040503050406030204" pitchFamily="18" charset="0"/>
+                          </a:rPr>
+                          <m:t>𝑢</m:t>
+                        </m:r>
+                        <m:r>
+                          <a:rPr lang="ru-RU" i="1">
+                            <a:latin typeface="Cambria Math" panose="02040503050406030204" pitchFamily="18" charset="0"/>
+                          </a:rPr>
+                          <m:t>,</m:t>
+                        </m:r>
+                        <m:r>
+                          <a:rPr lang="en-US" i="1">
+                            <a:latin typeface="Cambria Math" panose="02040503050406030204" pitchFamily="18" charset="0"/>
+                          </a:rPr>
+                          <m:t>𝑣</m:t>
+                        </m:r>
+                      </m:e>
+                    </m:d>
+                    <m:r>
+                      <a:rPr lang="ru-RU" i="1">
+                        <a:latin typeface="Cambria Math" panose="02040503050406030204" pitchFamily="18" charset="0"/>
+                      </a:rPr>
+                      <m:t>∉</m:t>
+                    </m:r>
+                    <m:r>
+                      <a:rPr lang="en-US" i="1">
+                        <a:latin typeface="Cambria Math" panose="02040503050406030204" pitchFamily="18" charset="0"/>
+                      </a:rPr>
+                      <m:t>𝐸</m:t>
+                    </m:r>
+                  </m:oMath>
+                </a14:m>
+                <a:r>
+                  <a:rPr lang="ru-RU" dirty="0">
+                    <a:latin typeface="Times New Roman" panose="02020603050405020304" pitchFamily="18" charset="0"/>
+                    <a:cs typeface="Times New Roman" panose="02020603050405020304" pitchFamily="18" charset="0"/>
+                  </a:rPr>
+                  <a:t>, предполагается, что </a:t>
+                </a:r>
+                <a14:m>
+                  <m:oMath xmlns:m="http://schemas.openxmlformats.org/officeDocument/2006/math">
+                    <m:r>
+                      <a:rPr lang="ru-RU" i="1">
+                        <a:latin typeface="Cambria Math" panose="02040503050406030204" pitchFamily="18" charset="0"/>
+                      </a:rPr>
+                      <m:t>𝑐</m:t>
+                    </m:r>
+                    <m:d>
+                      <m:dPr>
+                        <m:ctrlPr>
+                          <a:rPr lang="ru-RU" sz="2400" i="1">
+                            <a:latin typeface="Cambria Math" panose="02040503050406030204" pitchFamily="18" charset="0"/>
+                          </a:rPr>
+                        </m:ctrlPr>
+                      </m:dPr>
+                      <m:e>
+                        <m:r>
+                          <a:rPr lang="ru-RU" i="1">
+                            <a:latin typeface="Cambria Math" panose="02040503050406030204" pitchFamily="18" charset="0"/>
+                          </a:rPr>
+                          <m:t>𝑢</m:t>
+                        </m:r>
+                        <m:r>
+                          <a:rPr lang="ru-RU" i="1">
+                            <a:latin typeface="Cambria Math" panose="02040503050406030204" pitchFamily="18" charset="0"/>
+                          </a:rPr>
+                          <m:t>,</m:t>
+                        </m:r>
+                        <m:r>
+                          <a:rPr lang="ru-RU" i="1">
+                            <a:latin typeface="Cambria Math" panose="02040503050406030204" pitchFamily="18" charset="0"/>
+                          </a:rPr>
+                          <m:t>𝑣</m:t>
+                        </m:r>
+                      </m:e>
+                    </m:d>
+                    <m:r>
+                      <a:rPr lang="ru-RU" i="1">
+                        <a:latin typeface="Cambria Math" panose="02040503050406030204" pitchFamily="18" charset="0"/>
+                      </a:rPr>
+                      <m:t>=0</m:t>
+                    </m:r>
+                  </m:oMath>
+                </a14:m>
+                <a:r>
+                  <a:rPr lang="ru-RU" dirty="0" smtClean="0">
+                    <a:latin typeface="Times New Roman" panose="02020603050405020304" pitchFamily="18" charset="0"/>
+                    <a:cs typeface="Times New Roman" panose="02020603050405020304" pitchFamily="18" charset="0"/>
+                  </a:rPr>
+                  <a:t>. </a:t>
+                </a:r>
+              </a:p>
+              <a:p>
+                <a:pPr indent="450000" algn="just">
+                  <a:spcAft>
+                    <a:spcPts val="600"/>
+                  </a:spcAft>
+                </a:pPr>
+                <a:r>
+                  <a:rPr lang="ru-RU" dirty="0" smtClean="0">
+                    <a:latin typeface="Times New Roman" panose="02020603050405020304" pitchFamily="18" charset="0"/>
+                    <a:cs typeface="Times New Roman" panose="02020603050405020304" pitchFamily="18" charset="0"/>
+                  </a:rPr>
+                  <a:t>Вершина </a:t>
+                </a:r>
+                <a:r>
+                  <a:rPr lang="ru-RU" dirty="0">
+                    <a:latin typeface="Times New Roman" panose="02020603050405020304" pitchFamily="18" charset="0"/>
+                    <a:cs typeface="Times New Roman" panose="02020603050405020304" pitchFamily="18" charset="0"/>
+                  </a:rPr>
+                  <a:t>орграфа, недостижимая ни из какой другой вершины, называется </a:t>
+                </a:r>
+                <a:r>
+                  <a:rPr lang="ru-RU" i="1" dirty="0" smtClean="0">
+                    <a:latin typeface="Times New Roman" panose="02020603050405020304" pitchFamily="18" charset="0"/>
+                    <a:cs typeface="Times New Roman" panose="02020603050405020304" pitchFamily="18" charset="0"/>
+                  </a:rPr>
+                  <a:t>истоком</a:t>
+                </a:r>
+                <a:r>
+                  <a:rPr lang="ru-RU" dirty="0" smtClean="0">
+                    <a:latin typeface="Times New Roman" panose="02020603050405020304" pitchFamily="18" charset="0"/>
+                    <a:cs typeface="Times New Roman" panose="02020603050405020304" pitchFamily="18" charset="0"/>
+                  </a:rPr>
+                  <a:t>.</a:t>
+                </a:r>
+                <a:endParaRPr lang="ru-RU" dirty="0">
+                  <a:latin typeface="Times New Roman" panose="02020603050405020304" pitchFamily="18" charset="0"/>
+                  <a:cs typeface="Times New Roman" panose="02020603050405020304" pitchFamily="18" charset="0"/>
+                </a:endParaRPr>
+              </a:p>
+              <a:p>
+                <a:pPr indent="450000" algn="just">
+                  <a:spcAft>
+                    <a:spcPts val="600"/>
+                  </a:spcAft>
+                </a:pPr>
+                <a:r>
+                  <a:rPr lang="ru-RU" dirty="0" smtClean="0">
+                    <a:latin typeface="Times New Roman" panose="02020603050405020304" pitchFamily="18" charset="0"/>
+                    <a:cs typeface="Times New Roman" panose="02020603050405020304" pitchFamily="18" charset="0"/>
+                  </a:rPr>
+                  <a:t>Вершина </a:t>
+                </a:r>
+                <a:r>
+                  <a:rPr lang="ru-RU" dirty="0">
+                    <a:latin typeface="Times New Roman" panose="02020603050405020304" pitchFamily="18" charset="0"/>
+                    <a:cs typeface="Times New Roman" panose="02020603050405020304" pitchFamily="18" charset="0"/>
+                  </a:rPr>
+                  <a:t>орграфа, из которой недостижима ни одна другая вершина, называется </a:t>
+                </a:r>
+                <a:r>
+                  <a:rPr lang="ru-RU" i="1" dirty="0" smtClean="0">
+                    <a:latin typeface="Times New Roman" panose="02020603050405020304" pitchFamily="18" charset="0"/>
+                    <a:cs typeface="Times New Roman" panose="02020603050405020304" pitchFamily="18" charset="0"/>
+                  </a:rPr>
+                  <a:t>стоком</a:t>
+                </a:r>
+                <a:r>
+                  <a:rPr lang="ru-RU" dirty="0" smtClean="0">
+                    <a:latin typeface="Times New Roman" panose="02020603050405020304" pitchFamily="18" charset="0"/>
+                    <a:cs typeface="Times New Roman" panose="02020603050405020304" pitchFamily="18" charset="0"/>
+                  </a:rPr>
+                  <a:t>.</a:t>
+                </a:r>
+                <a:endParaRPr lang="ru-RU" sz="2400" dirty="0">
+                  <a:latin typeface="Times New Roman" panose="02020603050405020304" pitchFamily="18" charset="0"/>
+                  <a:cs typeface="Times New Roman" panose="02020603050405020304" pitchFamily="18" charset="0"/>
+                </a:endParaRPr>
+              </a:p>
+            </p:txBody>
+          </p:sp>
+        </mc:Choice>
+        <mc:Fallback>
+          <p:sp>
+            <p:nvSpPr>
+              <p:cNvPr id="5" name="TextBox 4"/>
+              <p:cNvSpPr txBox="1">
+                <a:spLocks noRot="1" noChangeAspect="1" noMove="1" noResize="1" noEditPoints="1" noAdjustHandles="1" noChangeArrowheads="1" noChangeShapeType="1" noTextEdit="1"/>
+              </p:cNvSpPr>
+              <p:nvPr/>
+            </p:nvSpPr>
+            <p:spPr>
+              <a:xfrm>
+                <a:off x="503548" y="1662112"/>
+                <a:ext cx="8136904" cy="2532809"/>
+              </a:xfrm>
+              <a:prstGeom prst="rect">
+                <a:avLst/>
+              </a:prstGeom>
+              <a:blipFill>
+                <a:blip r:embed="rId2"/>
+                <a:stretch>
+                  <a:fillRect l="-675" t="-3855" r="-675" b="-2410"/>
+                </a:stretch>
+              </a:blipFill>
+            </p:spPr>
+            <p:txBody>
+              <a:bodyPr/>
+              <a:lstStyle/>
+              <a:p>
+                <a:r>
+                  <a:rPr lang="ru-RU">
+                    <a:noFill/>
+                  </a:rPr>
+                  <a:t> </a:t>
+                </a:r>
+              </a:p>
+            </p:txBody>
+          </p:sp>
+        </mc:Fallback>
+      </mc:AlternateContent>
+      <p:pic>
+        <p:nvPicPr>
+          <p:cNvPr id="6" name="Рисунок 5"/>
+          <p:cNvPicPr>
+            <a:picLocks noChangeAspect="1"/>
+          </p:cNvPicPr>
+          <p:nvPr/>
+        </p:nvPicPr>
+        <p:blipFill>
+          <a:blip r:embed="rId3">
+            <a:extLst>
+              <a:ext uri="{28A0092B-C50C-407E-A947-70E740481C1C}">
+                <a14:useLocalDpi xmlns:a14="http://schemas.microsoft.com/office/drawing/2010/main" val="0"/>
+              </a:ext>
+            </a:extLst>
+          </a:blip>
+          <a:stretch>
+            <a:fillRect/>
+          </a:stretch>
+        </p:blipFill>
+        <p:spPr>
+          <a:xfrm>
+            <a:off x="1475656" y="4081058"/>
+            <a:ext cx="5972026" cy="2748342"/>
+          </a:xfrm>
+          <a:prstGeom prst="rect">
+            <a:avLst/>
+          </a:prstGeom>
+        </p:spPr>
+      </p:pic>
+    </p:spTree>
+    <p:extLst>
+      <p:ext uri="{BB962C8B-B14F-4D97-AF65-F5344CB8AC3E}">
+        <p14:creationId xmlns:p14="http://schemas.microsoft.com/office/powerpoint/2010/main" val="2240307148"/>
+      </p:ext>
+    </p:extLst>
+  </p:cSld>
+  <p:clrMapOvr>
+    <a:masterClrMapping/>
+  </p:clrMapOvr>
+  <p:timing>
+    <p:tnLst>
+      <p:par>
+        <p:cTn id="1" dur="indefinite" restart="never" nodeType="tmRoot"/>
+      </p:par>
+    </p:tnLst>
+  </p:timing>
+</p:sld>
+</file>
+
+<file path=ppt/slides/slide5.xml><?xml version="1.0" encoding="utf-8"?>
+<p:sld xmlns:a="http://schemas.openxmlformats.org/drawingml/2006/main" xmlns:r="http://schemas.openxmlformats.org/officeDocument/2006/relationships" xmlns:p="http://schemas.openxmlformats.org/presentationml/2006/main">
+  <p:cSld>
+    <p:spTree>
+      <p:nvGrpSpPr>
+        <p:cNvPr id="1" name=""/>
+        <p:cNvGrpSpPr/>
+        <p:nvPr/>
+      </p:nvGrpSpPr>
+      <p:grpSpPr>
+        <a:xfrm>
+          <a:off x="0" y="0"/>
+          <a:ext cx="0" cy="0"/>
+          <a:chOff x="0" y="0"/>
+          <a:chExt cx="0" cy="0"/>
+        </a:xfrm>
+      </p:grpSpPr>
+      <p:grpSp>
+        <p:nvGrpSpPr>
+          <p:cNvPr id="2" name="Группа 1"/>
+          <p:cNvGrpSpPr/>
+          <p:nvPr/>
+        </p:nvGrpSpPr>
+        <p:grpSpPr>
+          <a:xfrm>
+            <a:off x="685800" y="-184150"/>
+            <a:ext cx="7772400" cy="1846262"/>
+            <a:chOff x="685800" y="-184150"/>
+            <a:chExt cx="7772400" cy="1846262"/>
+          </a:xfrm>
+        </p:grpSpPr>
+        <p:sp>
+          <p:nvSpPr>
+            <p:cNvPr id="3" name="Заголовок 1"/>
+            <p:cNvSpPr txBox="1">
+              <a:spLocks/>
+            </p:cNvSpPr>
+            <p:nvPr/>
+          </p:nvSpPr>
+          <p:spPr bwMode="auto">
+            <a:xfrm>
+              <a:off x="685800" y="-184150"/>
+              <a:ext cx="7772400" cy="1470025"/>
+            </a:xfrm>
+            <a:prstGeom prst="rect">
+              <a:avLst/>
+            </a:prstGeom>
+            <a:noFill/>
+            <a:ln>
+              <a:noFill/>
+            </a:ln>
+            <a:extLst>
+              <a:ext uri="{909E8E84-426E-40DD-AFC4-6F175D3DCCD1}">
+                <a14:hiddenFill xmlns:a14="http://schemas.microsoft.com/office/drawing/2010/main">
+                  <a:solidFill>
+                    <a:srgbClr val="FFFFFF"/>
+                  </a:solidFill>
+                </a14:hiddenFill>
+              </a:ext>
+              <a:ext uri="{91240B29-F687-4F45-9708-019B960494DF}">
+                <a14:hiddenLine xmlns:a14="http://schemas.microsoft.com/office/drawing/2010/main" w="9525">
+                  <a:solidFill>
+                    <a:srgbClr val="000000"/>
+                  </a:solidFill>
+                  <a:miter lim="800000"/>
+                  <a:headEnd/>
+                  <a:tailEnd/>
+                </a14:hiddenLine>
+              </a:ext>
+            </a:extLst>
+          </p:spPr>
+          <p:txBody>
+            <a:bodyPr vert="horz" wrap="square" lIns="91440" tIns="45720" rIns="91440" bIns="45720" numCol="1" rtlCol="0" anchor="ctr" anchorCtr="0" compatLnSpc="1">
+              <a:prstTxWarp prst="textNoShape">
+                <a:avLst/>
+              </a:prstTxWarp>
+              <a:normAutofit/>
+            </a:bodyPr>
+            <a:lstStyle>
+              <a:lvl1pPr algn="ctr" rtl="0" eaLnBrk="0" fontAlgn="base" hangingPunct="0">
+                <a:spcBef>
+                  <a:spcPct val="0"/>
+                </a:spcBef>
+                <a:spcAft>
+                  <a:spcPct val="0"/>
+                </a:spcAft>
+                <a:defRPr sz="4400" kern="1200">
+                  <a:solidFill>
+                    <a:schemeClr val="tx1"/>
+                  </a:solidFill>
+                  <a:latin typeface="+mj-lt"/>
+                  <a:ea typeface="+mj-ea"/>
+                  <a:cs typeface="+mj-cs"/>
+                </a:defRPr>
+              </a:lvl1pPr>
+              <a:lvl2pPr algn="ctr" rtl="0" eaLnBrk="0" fontAlgn="base" hangingPunct="0">
+                <a:spcBef>
+                  <a:spcPct val="0"/>
+                </a:spcBef>
+                <a:spcAft>
+                  <a:spcPct val="0"/>
+                </a:spcAft>
+                <a:defRPr sz="4400">
+                  <a:solidFill>
+                    <a:schemeClr val="tx1"/>
+                  </a:solidFill>
+                  <a:latin typeface="Calibri" pitchFamily="34" charset="0"/>
+                </a:defRPr>
+              </a:lvl2pPr>
+              <a:lvl3pPr algn="ctr" rtl="0" eaLnBrk="0" fontAlgn="base" hangingPunct="0">
+                <a:spcBef>
+                  <a:spcPct val="0"/>
+                </a:spcBef>
+                <a:spcAft>
+                  <a:spcPct val="0"/>
+                </a:spcAft>
+                <a:defRPr sz="4400">
+                  <a:solidFill>
+                    <a:schemeClr val="tx1"/>
+                  </a:solidFill>
+                  <a:latin typeface="Calibri" pitchFamily="34" charset="0"/>
+                </a:defRPr>
+              </a:lvl3pPr>
+              <a:lvl4pPr algn="ctr" rtl="0" eaLnBrk="0" fontAlgn="base" hangingPunct="0">
+                <a:spcBef>
+                  <a:spcPct val="0"/>
+                </a:spcBef>
+                <a:spcAft>
+                  <a:spcPct val="0"/>
+                </a:spcAft>
+                <a:defRPr sz="4400">
+                  <a:solidFill>
+                    <a:schemeClr val="tx1"/>
+                  </a:solidFill>
+                  <a:latin typeface="Calibri" pitchFamily="34" charset="0"/>
+                </a:defRPr>
+              </a:lvl4pPr>
+              <a:lvl5pPr algn="ctr" rtl="0" eaLnBrk="0" fontAlgn="base" hangingPunct="0">
+                <a:spcBef>
+                  <a:spcPct val="0"/>
+                </a:spcBef>
+                <a:spcAft>
+                  <a:spcPct val="0"/>
+                </a:spcAft>
+                <a:defRPr sz="4400">
+                  <a:solidFill>
+                    <a:schemeClr val="tx1"/>
+                  </a:solidFill>
+                  <a:latin typeface="Calibri" pitchFamily="34" charset="0"/>
+                </a:defRPr>
+              </a:lvl5pPr>
+              <a:lvl6pPr marL="457200" algn="ctr" rtl="0" fontAlgn="base">
+                <a:spcBef>
+                  <a:spcPct val="0"/>
+                </a:spcBef>
+                <a:spcAft>
+                  <a:spcPct val="0"/>
+                </a:spcAft>
+                <a:defRPr sz="4400">
+                  <a:solidFill>
+                    <a:schemeClr val="tx1"/>
+                  </a:solidFill>
+                  <a:latin typeface="Calibri" pitchFamily="34" charset="0"/>
+                </a:defRPr>
+              </a:lvl6pPr>
+              <a:lvl7pPr marL="914400" algn="ctr" rtl="0" fontAlgn="base">
+                <a:spcBef>
+                  <a:spcPct val="0"/>
+                </a:spcBef>
+                <a:spcAft>
+                  <a:spcPct val="0"/>
+                </a:spcAft>
+                <a:defRPr sz="4400">
+                  <a:solidFill>
+                    <a:schemeClr val="tx1"/>
+                  </a:solidFill>
+                  <a:latin typeface="Calibri" pitchFamily="34" charset="0"/>
+                </a:defRPr>
+              </a:lvl7pPr>
+              <a:lvl8pPr marL="1371600" algn="ctr" rtl="0" fontAlgn="base">
+                <a:spcBef>
+                  <a:spcPct val="0"/>
+                </a:spcBef>
+                <a:spcAft>
+                  <a:spcPct val="0"/>
+                </a:spcAft>
+                <a:defRPr sz="4400">
+                  <a:solidFill>
+                    <a:schemeClr val="tx1"/>
+                  </a:solidFill>
+                  <a:latin typeface="Calibri" pitchFamily="34" charset="0"/>
+                </a:defRPr>
+              </a:lvl8pPr>
+              <a:lvl9pPr marL="1828800" algn="ctr" rtl="0" fontAlgn="base">
+                <a:spcBef>
+                  <a:spcPct val="0"/>
+                </a:spcBef>
+                <a:spcAft>
+                  <a:spcPct val="0"/>
+                </a:spcAft>
+                <a:defRPr sz="4400">
+                  <a:solidFill>
+                    <a:schemeClr val="tx1"/>
+                  </a:solidFill>
+                  <a:latin typeface="Calibri" pitchFamily="34" charset="0"/>
+                </a:defRPr>
+              </a:lvl9pPr>
+            </a:lstStyle>
+            <a:p>
+              <a:pPr eaLnBrk="1" fontAlgn="auto" hangingPunct="1">
+                <a:spcAft>
+                  <a:spcPts val="0"/>
+                </a:spcAft>
+                <a:defRPr/>
+              </a:pPr>
+              <a:r>
+                <a:rPr lang="ru-RU" sz="2000" dirty="0">
+                  <a:solidFill>
+                    <a:schemeClr val="bg1">
+                      <a:lumMod val="50000"/>
+                    </a:schemeClr>
+                  </a:solidFill>
+                  <a:latin typeface="Times New Roman" pitchFamily="18" charset="0"/>
+                  <a:cs typeface="Times New Roman" pitchFamily="18" charset="0"/>
+                </a:rPr>
+                <a:t>Сравнение некоторых алгоритмов поиска максимального потока</a:t>
+              </a:r>
+            </a:p>
+          </p:txBody>
+        </p:sp>
+        <p:sp>
+          <p:nvSpPr>
+            <p:cNvPr id="4" name="Подзаголовок 2"/>
+            <p:cNvSpPr txBox="1">
+              <a:spLocks/>
+            </p:cNvSpPr>
+            <p:nvPr/>
+          </p:nvSpPr>
+          <p:spPr bwMode="auto">
+            <a:xfrm>
+              <a:off x="899592" y="909637"/>
+              <a:ext cx="7344816" cy="752475"/>
+            </a:xfrm>
+            <a:prstGeom prst="rect">
+              <a:avLst/>
+            </a:prstGeom>
+            <a:noFill/>
+            <a:ln>
+              <a:noFill/>
+            </a:ln>
+            <a:extLst>
+              <a:ext uri="{909E8E84-426E-40DD-AFC4-6F175D3DCCD1}">
+                <a14:hiddenFill xmlns:a14="http://schemas.microsoft.com/office/drawing/2010/main">
+                  <a:solidFill>
+                    <a:srgbClr val="FFFFFF"/>
+                  </a:solidFill>
+                </a14:hiddenFill>
+              </a:ext>
+              <a:ext uri="{91240B29-F687-4F45-9708-019B960494DF}">
+                <a14:hiddenLine xmlns:a14="http://schemas.microsoft.com/office/drawing/2010/main" w="9525">
+                  <a:solidFill>
+                    <a:srgbClr val="000000"/>
+                  </a:solidFill>
+                  <a:miter lim="800000"/>
+                  <a:headEnd/>
+                  <a:tailEnd/>
+                </a14:hiddenLine>
+              </a:ext>
+            </a:extLst>
+          </p:spPr>
+          <p:txBody>
+            <a:bodyPr vert="horz" wrap="square" lIns="91440" tIns="45720" rIns="91440" bIns="45720" numCol="1" anchor="t" anchorCtr="0" compatLnSpc="1">
+              <a:prstTxWarp prst="textNoShape">
+                <a:avLst/>
+              </a:prstTxWarp>
+            </a:bodyPr>
+            <a:lstStyle>
+              <a:lvl1pPr marL="342900" indent="-342900" algn="l" rtl="0" eaLnBrk="0" fontAlgn="base" hangingPunct="0">
+                <a:spcBef>
+                  <a:spcPct val="20000"/>
+                </a:spcBef>
+                <a:spcAft>
+                  <a:spcPct val="0"/>
+                </a:spcAft>
+                <a:buFont typeface="Arial" panose="020B0604020202020204" pitchFamily="34" charset="0"/>
+                <a:buChar char="•"/>
+                <a:defRPr sz="3200" kern="1200">
+                  <a:solidFill>
+                    <a:schemeClr val="tx1"/>
+                  </a:solidFill>
+                  <a:latin typeface="+mn-lt"/>
+                  <a:ea typeface="+mn-ea"/>
+                  <a:cs typeface="+mn-cs"/>
+                </a:defRPr>
+              </a:lvl1pPr>
+              <a:lvl2pPr marL="742950" indent="-285750" algn="l" rtl="0" eaLnBrk="0" fontAlgn="base" hangingPunct="0">
+                <a:spcBef>
+                  <a:spcPct val="20000"/>
+                </a:spcBef>
+                <a:spcAft>
+                  <a:spcPct val="0"/>
+                </a:spcAft>
+                <a:buFont typeface="Arial" panose="020B0604020202020204" pitchFamily="34" charset="0"/>
+                <a:buChar char="–"/>
+                <a:defRPr sz="2800" kern="1200">
+                  <a:solidFill>
+                    <a:schemeClr val="tx1"/>
+                  </a:solidFill>
+                  <a:latin typeface="+mn-lt"/>
+                  <a:ea typeface="+mn-ea"/>
+                  <a:cs typeface="+mn-cs"/>
+                </a:defRPr>
+              </a:lvl2pPr>
+              <a:lvl3pPr marL="1143000" indent="-228600" algn="l" rtl="0" eaLnBrk="0" fontAlgn="base" hangingPunct="0">
+                <a:spcBef>
+                  <a:spcPct val="20000"/>
+                </a:spcBef>
+                <a:spcAft>
+                  <a:spcPct val="0"/>
+                </a:spcAft>
+                <a:buFont typeface="Arial" panose="020B0604020202020204" pitchFamily="34" charset="0"/>
+                <a:buChar char="•"/>
+                <a:defRPr sz="2400" kern="1200">
+                  <a:solidFill>
+                    <a:schemeClr val="tx1"/>
+                  </a:solidFill>
+                  <a:latin typeface="+mn-lt"/>
+                  <a:ea typeface="+mn-ea"/>
+                  <a:cs typeface="+mn-cs"/>
+                </a:defRPr>
+              </a:lvl3pPr>
+              <a:lvl4pPr marL="1600200" indent="-228600" algn="l" rtl="0" eaLnBrk="0" fontAlgn="base" hangingPunct="0">
+                <a:spcBef>
+                  <a:spcPct val="20000"/>
+                </a:spcBef>
+                <a:spcAft>
+                  <a:spcPct val="0"/>
+                </a:spcAft>
+                <a:buFont typeface="Arial" panose="020B0604020202020204" pitchFamily="34" charset="0"/>
+                <a:buChar char="–"/>
+                <a:defRPr sz="2000" kern="1200">
+                  <a:solidFill>
+                    <a:schemeClr val="tx1"/>
+                  </a:solidFill>
+                  <a:latin typeface="+mn-lt"/>
+                  <a:ea typeface="+mn-ea"/>
+                  <a:cs typeface="+mn-cs"/>
+                </a:defRPr>
+              </a:lvl4pPr>
+              <a:lvl5pPr marL="2057400" indent="-228600" algn="l" rtl="0" eaLnBrk="0" fontAlgn="base" hangingPunct="0">
+                <a:spcBef>
+                  <a:spcPct val="20000"/>
+                </a:spcBef>
+                <a:spcAft>
+                  <a:spcPct val="0"/>
+                </a:spcAft>
+                <a:buFont typeface="Arial" panose="020B0604020202020204" pitchFamily="34" charset="0"/>
+                <a:buChar char="»"/>
+                <a:defRPr sz="2000" kern="1200">
+                  <a:solidFill>
+                    <a:schemeClr val="tx1"/>
+                  </a:solidFill>
+                  <a:latin typeface="+mn-lt"/>
+                  <a:ea typeface="+mn-ea"/>
+                  <a:cs typeface="+mn-cs"/>
+                </a:defRPr>
+              </a:lvl5pPr>
+              <a:lvl6pPr marL="2514600" indent="-228600" algn="l" defTabSz="914400" rtl="0" eaLnBrk="1" latinLnBrk="0" hangingPunct="1">
+                <a:spcBef>
+                  <a:spcPct val="20000"/>
+                </a:spcBef>
+                <a:buFont typeface="Arial" pitchFamily="34" charset="0"/>
+                <a:buChar char="•"/>
+                <a:defRPr sz="2000" kern="1200">
+                  <a:solidFill>
+                    <a:schemeClr val="tx1"/>
+                  </a:solidFill>
+                  <a:latin typeface="+mn-lt"/>
+                  <a:ea typeface="+mn-ea"/>
+                  <a:cs typeface="+mn-cs"/>
+                </a:defRPr>
+              </a:lvl6pPr>
+              <a:lvl7pPr marL="2971800" indent="-228600" algn="l" defTabSz="914400" rtl="0" eaLnBrk="1" latinLnBrk="0" hangingPunct="1">
+                <a:spcBef>
+                  <a:spcPct val="20000"/>
+                </a:spcBef>
+                <a:buFont typeface="Arial" pitchFamily="34" charset="0"/>
+                <a:buChar char="•"/>
+                <a:defRPr sz="2000" kern="1200">
+                  <a:solidFill>
+                    <a:schemeClr val="tx1"/>
+                  </a:solidFill>
+                  <a:latin typeface="+mn-lt"/>
+                  <a:ea typeface="+mn-ea"/>
+                  <a:cs typeface="+mn-cs"/>
+                </a:defRPr>
+              </a:lvl7pPr>
+              <a:lvl8pPr marL="3429000" indent="-228600" algn="l" defTabSz="914400" rtl="0" eaLnBrk="1" latinLnBrk="0" hangingPunct="1">
+                <a:spcBef>
+                  <a:spcPct val="20000"/>
+                </a:spcBef>
+                <a:buFont typeface="Arial" pitchFamily="34" charset="0"/>
+                <a:buChar char="•"/>
+                <a:defRPr sz="2000" kern="1200">
+                  <a:solidFill>
+                    <a:schemeClr val="tx1"/>
+                  </a:solidFill>
+                  <a:latin typeface="+mn-lt"/>
+                  <a:ea typeface="+mn-ea"/>
+                  <a:cs typeface="+mn-cs"/>
+                </a:defRPr>
+              </a:lvl8pPr>
+              <a:lvl9pPr marL="3886200" indent="-228600" algn="l" defTabSz="914400" rtl="0" eaLnBrk="1" latinLnBrk="0" hangingPunct="1">
+                <a:spcBef>
+                  <a:spcPct val="20000"/>
+                </a:spcBef>
+                <a:buFont typeface="Arial" pitchFamily="34" charset="0"/>
+                <a:buChar char="•"/>
+                <a:defRPr sz="2000" kern="1200">
+                  <a:solidFill>
+                    <a:schemeClr val="tx1"/>
+                  </a:solidFill>
+                  <a:latin typeface="+mn-lt"/>
+                  <a:ea typeface="+mn-ea"/>
+                  <a:cs typeface="+mn-cs"/>
+                </a:defRPr>
+              </a:lvl9pPr>
+            </a:lstStyle>
+            <a:p>
+              <a:pPr marL="0" indent="0" algn="ctr" eaLnBrk="1" hangingPunct="1">
+                <a:buFont typeface="Arial" panose="020B0604020202020204" pitchFamily="34" charset="0"/>
+                <a:buNone/>
+              </a:pPr>
+              <a:r>
+                <a:rPr lang="ru-RU" altLang="ru-RU" dirty="0" smtClean="0">
+                  <a:latin typeface="Times New Roman" panose="02020603050405020304" pitchFamily="18" charset="0"/>
+                </a:rPr>
+                <a:t>Основные определения</a:t>
+              </a:r>
+            </a:p>
+          </p:txBody>
+        </p:sp>
+      </p:grpSp>
+      <mc:AlternateContent xmlns:mc="http://schemas.openxmlformats.org/markup-compatibility/2006" xmlns:a14="http://schemas.microsoft.com/office/drawing/2010/main">
+        <mc:Choice Requires="a14">
           <p:sp>
             <p:nvSpPr>
               <p:cNvPr id="5" name="TextBox 4"/>
@@ -22352,7 +21282,7 @@
             </p:txBody>
           </p:sp>
         </mc:Choice>
-        <mc:Fallback>
+        <mc:Fallback xmlns="">
           <p:sp>
             <p:nvSpPr>
               <p:cNvPr id="5" name="TextBox 4"/>
@@ -22411,7 +21341,7 @@
 </p:sld>
 </file>
 
-<file path=ppt/slides/slide5.xml><?xml version="1.0" encoding="utf-8"?>
+<file path=ppt/slides/slide6.xml><?xml version="1.0" encoding="utf-8"?>
 <p:sld xmlns:a="http://schemas.openxmlformats.org/drawingml/2006/main" xmlns:r="http://schemas.openxmlformats.org/officeDocument/2006/relationships" xmlns:p="http://schemas.openxmlformats.org/presentationml/2006/main">
   <p:cSld>
     <p:spTree>
@@ -23121,6 +22051,36 @@
           </p:sp>
         </mc:Fallback>
       </mc:AlternateContent>
+      <p:pic>
+        <p:nvPicPr>
+          <p:cNvPr id="6" name="Рисунок 5"/>
+          <p:cNvPicPr>
+            <a:picLocks noChangeAspect="1"/>
+          </p:cNvPicPr>
+          <p:nvPr/>
+        </p:nvPicPr>
+        <p:blipFill>
+          <a:blip r:embed="rId3">
+            <a:extLst>
+              <a:ext uri="{28A0092B-C50C-407E-A947-70E740481C1C}">
+                <a14:useLocalDpi xmlns:a14="http://schemas.microsoft.com/office/drawing/2010/main" val="0"/>
+              </a:ext>
+            </a:extLst>
+          </a:blip>
+          <a:stretch>
+            <a:fillRect/>
+          </a:stretch>
+        </p:blipFill>
+        <p:spPr>
+          <a:xfrm>
+            <a:off x="1207914" y="3573016"/>
+            <a:ext cx="6728172" cy="2994735"/>
+          </a:xfrm>
+          <a:prstGeom prst="rect">
+            <a:avLst/>
+          </a:prstGeom>
+        </p:spPr>
+      </p:pic>
     </p:spTree>
     <p:extLst>
       <p:ext uri="{BB962C8B-B14F-4D97-AF65-F5344CB8AC3E}">
@@ -23141,7 +22101,7 @@
 </p:sld>
 </file>
 
-<file path=ppt/slides/slide6.xml><?xml version="1.0" encoding="utf-8"?>
+<file path=ppt/slides/slide7.xml><?xml version="1.0" encoding="utf-8"?>
 <p:sld xmlns:a="http://schemas.openxmlformats.org/drawingml/2006/main" xmlns:r="http://schemas.openxmlformats.org/officeDocument/2006/relationships" xmlns:p="http://schemas.openxmlformats.org/presentationml/2006/main">
   <p:cSld>
     <p:spTree>
@@ -23584,8 +22544,8 @@
           </p:txBody>
         </p:sp>
       </p:grpSp>
-      <mc:AlternateContent xmlns:mc="http://schemas.openxmlformats.org/markup-compatibility/2006" xmlns:a14="http://schemas.microsoft.com/office/drawing/2010/main">
-        <mc:Choice Requires="a14">
+      <mc:AlternateContent xmlns:mc="http://schemas.openxmlformats.org/markup-compatibility/2006">
+        <mc:Choice xmlns:a14="http://schemas.microsoft.com/office/drawing/2010/main" Requires="a14">
           <p:sp>
             <p:nvSpPr>
               <p:cNvPr id="5" name="TextBox 4"/>
@@ -23595,7 +22555,7 @@
             <p:spPr>
               <a:xfrm>
                 <a:off x="539552" y="2110255"/>
-                <a:ext cx="8136904" cy="2559355"/>
+                <a:ext cx="8136904" cy="1930465"/>
               </a:xfrm>
               <a:prstGeom prst="rect">
                 <a:avLst/>
@@ -23625,187 +22585,21 @@
                     <a:latin typeface="Times New Roman" panose="02020603050405020304" pitchFamily="18" charset="0"/>
                     <a:cs typeface="Times New Roman" panose="02020603050405020304" pitchFamily="18" charset="0"/>
                   </a:rPr>
-                  <a:t> – это сеть, состоящая из дуг, допускающих увеличение потока. Пусть задана транспортная сеть </a:t>
+                  <a:t> – это сеть, состоящая из дуг, допускающих увеличение потока. </a:t>
                 </a:r>
-                <a14:m>
-                  <m:oMath xmlns:m="http://schemas.openxmlformats.org/officeDocument/2006/math">
-                    <m:acc>
-                      <m:accPr>
-                        <m:chr m:val="⃗"/>
-                        <m:ctrlPr>
-                          <a:rPr lang="ru-RU" i="1">
-                            <a:latin typeface="Cambria Math" panose="02040503050406030204" pitchFamily="18" charset="0"/>
-                          </a:rPr>
-                        </m:ctrlPr>
-                      </m:accPr>
-                      <m:e>
-                        <m:r>
-                          <a:rPr lang="en-US" i="1">
-                            <a:latin typeface="Cambria Math" panose="02040503050406030204" pitchFamily="18" charset="0"/>
-                          </a:rPr>
-                          <m:t>𝐺</m:t>
-                        </m:r>
-                      </m:e>
-                    </m:acc>
-                    <m:r>
-                      <a:rPr lang="ru-RU" i="1">
-                        <a:latin typeface="Cambria Math" panose="02040503050406030204" pitchFamily="18" charset="0"/>
-                      </a:rPr>
-                      <m:t>=(</m:t>
-                    </m:r>
-                    <m:r>
-                      <a:rPr lang="ru-RU" i="1">
-                        <a:latin typeface="Cambria Math" panose="02040503050406030204" pitchFamily="18" charset="0"/>
-                      </a:rPr>
-                      <m:t>𝑉</m:t>
-                    </m:r>
-                    <m:r>
-                      <a:rPr lang="ru-RU" i="1">
-                        <a:latin typeface="Cambria Math" panose="02040503050406030204" pitchFamily="18" charset="0"/>
-                      </a:rPr>
-                      <m:t>,</m:t>
-                    </m:r>
-                    <m:r>
-                      <a:rPr lang="ru-RU" i="1">
-                        <a:latin typeface="Cambria Math" panose="02040503050406030204" pitchFamily="18" charset="0"/>
-                      </a:rPr>
-                      <m:t>𝐸</m:t>
-                    </m:r>
-                    <m:r>
-                      <a:rPr lang="ru-RU" i="1">
-                        <a:latin typeface="Cambria Math" panose="02040503050406030204" pitchFamily="18" charset="0"/>
-                      </a:rPr>
-                      <m:t>)</m:t>
-                    </m:r>
-                  </m:oMath>
-                </a14:m>
+                <a:r>
+                  <a:rPr lang="ru-RU" dirty="0" smtClean="0">
+                    <a:latin typeface="Times New Roman" panose="02020603050405020304" pitchFamily="18" charset="0"/>
+                    <a:cs typeface="Times New Roman" panose="02020603050405020304" pitchFamily="18" charset="0"/>
+                  </a:rPr>
+                  <a:t>Величина </a:t>
+                </a:r>
                 <a:r>
                   <a:rPr lang="ru-RU" dirty="0">
                     <a:latin typeface="Times New Roman" panose="02020603050405020304" pitchFamily="18" charset="0"/>
                     <a:cs typeface="Times New Roman" panose="02020603050405020304" pitchFamily="18" charset="0"/>
                   </a:rPr>
-                  <a:t> с источником </a:t>
-                </a:r>
-                <a14:m>
-                  <m:oMath xmlns:m="http://schemas.openxmlformats.org/officeDocument/2006/math">
-                    <m:r>
-                      <a:rPr lang="ru-RU" i="1">
-                        <a:latin typeface="Cambria Math" panose="02040503050406030204" pitchFamily="18" charset="0"/>
-                      </a:rPr>
-                      <m:t>𝑠</m:t>
-                    </m:r>
-                  </m:oMath>
-                </a14:m>
-                <a:r>
-                  <a:rPr lang="ru-RU" dirty="0">
-                    <a:latin typeface="Times New Roman" panose="02020603050405020304" pitchFamily="18" charset="0"/>
-                    <a:cs typeface="Times New Roman" panose="02020603050405020304" pitchFamily="18" charset="0"/>
-                  </a:rPr>
-                  <a:t> и стоком </a:t>
-                </a:r>
-                <a14:m>
-                  <m:oMath xmlns:m="http://schemas.openxmlformats.org/officeDocument/2006/math">
-                    <m:r>
-                      <a:rPr lang="ru-RU" i="1">
-                        <a:latin typeface="Cambria Math" panose="02040503050406030204" pitchFamily="18" charset="0"/>
-                      </a:rPr>
-                      <m:t>𝑡</m:t>
-                    </m:r>
-                  </m:oMath>
-                </a14:m>
-                <a:r>
-                  <a:rPr lang="ru-RU" dirty="0">
-                    <a:latin typeface="Times New Roman" panose="02020603050405020304" pitchFamily="18" charset="0"/>
-                    <a:cs typeface="Times New Roman" panose="02020603050405020304" pitchFamily="18" charset="0"/>
-                  </a:rPr>
-                  <a:t>. Пусть </a:t>
-                </a:r>
-                <a14:m>
-                  <m:oMath xmlns:m="http://schemas.openxmlformats.org/officeDocument/2006/math">
-                    <m:r>
-                      <a:rPr lang="en-US" i="1">
-                        <a:latin typeface="Cambria Math" panose="02040503050406030204" pitchFamily="18" charset="0"/>
-                      </a:rPr>
-                      <m:t>𝑓</m:t>
-                    </m:r>
-                  </m:oMath>
-                </a14:m>
-                <a:r>
-                  <a:rPr lang="ru-RU" dirty="0">
-                    <a:latin typeface="Times New Roman" panose="02020603050405020304" pitchFamily="18" charset="0"/>
-                    <a:cs typeface="Times New Roman" panose="02020603050405020304" pitchFamily="18" charset="0"/>
-                  </a:rPr>
-                  <a:t> – некоторый поток в </a:t>
-                </a:r>
-                <a14:m>
-                  <m:oMath xmlns:m="http://schemas.openxmlformats.org/officeDocument/2006/math">
-                    <m:acc>
-                      <m:accPr>
-                        <m:chr m:val="⃗"/>
-                        <m:ctrlPr>
-                          <a:rPr lang="ru-RU" i="1">
-                            <a:latin typeface="Cambria Math" panose="02040503050406030204" pitchFamily="18" charset="0"/>
-                          </a:rPr>
-                        </m:ctrlPr>
-                      </m:accPr>
-                      <m:e>
-                        <m:r>
-                          <a:rPr lang="en-US" i="1">
-                            <a:latin typeface="Cambria Math" panose="02040503050406030204" pitchFamily="18" charset="0"/>
-                          </a:rPr>
-                          <m:t>𝐺</m:t>
-                        </m:r>
-                      </m:e>
-                    </m:acc>
-                  </m:oMath>
-                </a14:m>
-                <a:r>
-                  <a:rPr lang="ru-RU" dirty="0">
-                    <a:latin typeface="Times New Roman" panose="02020603050405020304" pitchFamily="18" charset="0"/>
-                    <a:cs typeface="Times New Roman" panose="02020603050405020304" pitchFamily="18" charset="0"/>
-                  </a:rPr>
-                  <a:t>. Рассмотрим пару вершин </a:t>
-                </a:r>
-                <a14:m>
-                  <m:oMath xmlns:m="http://schemas.openxmlformats.org/officeDocument/2006/math">
-                    <m:r>
-                      <a:rPr lang="ru-RU" i="1">
-                        <a:latin typeface="Cambria Math" panose="02040503050406030204" pitchFamily="18" charset="0"/>
-                      </a:rPr>
-                      <m:t>𝑢</m:t>
-                    </m:r>
-                    <m:r>
-                      <a:rPr lang="ru-RU" i="1">
-                        <a:latin typeface="Cambria Math" panose="02040503050406030204" pitchFamily="18" charset="0"/>
-                      </a:rPr>
-                      <m:t>,</m:t>
-                    </m:r>
-                    <m:r>
-                      <a:rPr lang="ru-RU" i="1">
-                        <a:latin typeface="Cambria Math" panose="02040503050406030204" pitchFamily="18" charset="0"/>
-                      </a:rPr>
-                      <m:t>𝑣</m:t>
-                    </m:r>
-                    <m:r>
-                      <a:rPr lang="ru-RU" i="1">
-                        <a:latin typeface="Cambria Math" panose="02040503050406030204" pitchFamily="18" charset="0"/>
-                      </a:rPr>
-                      <m:t>∈</m:t>
-                    </m:r>
-                    <m:r>
-                      <a:rPr lang="ru-RU" i="1">
-                        <a:latin typeface="Cambria Math" panose="02040503050406030204" pitchFamily="18" charset="0"/>
-                      </a:rPr>
-                      <m:t>𝑉</m:t>
-                    </m:r>
-                  </m:oMath>
-                </a14:m>
-                <a:r>
-                  <a:rPr lang="ru-RU" dirty="0">
-                    <a:latin typeface="Times New Roman" panose="02020603050405020304" pitchFamily="18" charset="0"/>
-                    <a:cs typeface="Times New Roman" panose="02020603050405020304" pitchFamily="18" charset="0"/>
-                  </a:rPr>
-                  <a:t>. Величина дополнительного потока, который можно направить из </a:t>
+                  <a:t>дополнительного потока, который можно направить из </a:t>
                 </a:r>
                 <a14:m>
                   <m:oMath xmlns:m="http://schemas.openxmlformats.org/officeDocument/2006/math">
@@ -24170,7 +22964,7 @@
             </p:txBody>
           </p:sp>
         </mc:Choice>
-        <mc:Fallback xmlns="">
+        <mc:Fallback>
           <p:sp>
             <p:nvSpPr>
               <p:cNvPr id="5" name="TextBox 4"/>
@@ -24182,7 +22976,7 @@
             <p:spPr>
               <a:xfrm>
                 <a:off x="539552" y="2110255"/>
-                <a:ext cx="8136904" cy="2559355"/>
+                <a:ext cx="8136904" cy="1930465"/>
               </a:xfrm>
               <a:prstGeom prst="rect">
                 <a:avLst/>
@@ -24190,7 +22984,7 @@
               <a:blipFill>
                 <a:blip r:embed="rId2"/>
                 <a:stretch>
-                  <a:fillRect l="-675" t="-1190" r="-675" b="-2857"/>
+                  <a:fillRect l="-675" t="-1577" r="-675" b="-4101"/>
                 </a:stretch>
               </a:blipFill>
             </p:spPr>
@@ -24229,7 +23023,7 @@
 </p:sld>
 </file>
 
-<file path=ppt/slides/slide7.xml><?xml version="1.0" encoding="utf-8"?>
+<file path=ppt/slides/slide8.xml><?xml version="1.0" encoding="utf-8"?>
 <p:sld xmlns:a="http://schemas.openxmlformats.org/drawingml/2006/main" xmlns:r="http://schemas.openxmlformats.org/officeDocument/2006/relationships" xmlns:p="http://schemas.openxmlformats.org/presentationml/2006/main">
   <p:cSld>
     <p:spTree>
@@ -25004,6 +23798,36 @@
           </p:sp>
         </mc:Fallback>
       </mc:AlternateContent>
+      <p:pic>
+        <p:nvPicPr>
+          <p:cNvPr id="6" name="Рисунок 5"/>
+          <p:cNvPicPr>
+            <a:picLocks noChangeAspect="1"/>
+          </p:cNvPicPr>
+          <p:nvPr/>
+        </p:nvPicPr>
+        <p:blipFill>
+          <a:blip r:embed="rId3">
+            <a:extLst>
+              <a:ext uri="{28A0092B-C50C-407E-A947-70E740481C1C}">
+                <a14:useLocalDpi xmlns:a14="http://schemas.microsoft.com/office/drawing/2010/main" val="0"/>
+              </a:ext>
+            </a:extLst>
+          </a:blip>
+          <a:stretch>
+            <a:fillRect/>
+          </a:stretch>
+        </p:blipFill>
+        <p:spPr>
+          <a:xfrm>
+            <a:off x="1478151" y="3645024"/>
+            <a:ext cx="6187698" cy="2851560"/>
+          </a:xfrm>
+          <a:prstGeom prst="rect">
+            <a:avLst/>
+          </a:prstGeom>
+        </p:spPr>
+      </p:pic>
     </p:spTree>
     <p:extLst>
       <p:ext uri="{BB962C8B-B14F-4D97-AF65-F5344CB8AC3E}">
@@ -25024,7 +23848,7 @@
 </p:sld>
 </file>
 
-<file path=ppt/slides/slide8.xml><?xml version="1.0" encoding="utf-8"?>
+<file path=ppt/slides/slide9.xml><?xml version="1.0" encoding="utf-8"?>
 <p:sld xmlns:a="http://schemas.openxmlformats.org/drawingml/2006/main" xmlns:r="http://schemas.openxmlformats.org/officeDocument/2006/relationships" xmlns:p="http://schemas.openxmlformats.org/presentationml/2006/main">
   <p:cSld>
     <p:spTree>
@@ -26324,852 +25148,6 @@
     <p:extLst>
       <p:ext uri="{BB962C8B-B14F-4D97-AF65-F5344CB8AC3E}">
         <p14:creationId xmlns:p14="http://schemas.microsoft.com/office/powerpoint/2010/main" val="60068066"/>
-      </p:ext>
-    </p:extLst>
-  </p:cSld>
-  <p:clrMapOvr>
-    <a:masterClrMapping/>
-  </p:clrMapOvr>
-  <p:timing>
-    <p:tnLst>
-      <p:par>
-        <p:cTn id="1" dur="indefinite" restart="never" nodeType="tmRoot"/>
-      </p:par>
-    </p:tnLst>
-  </p:timing>
-</p:sld>
-</file>
-
-<file path=ppt/slides/slide9.xml><?xml version="1.0" encoding="utf-8"?>
-<p:sld xmlns:a="http://schemas.openxmlformats.org/drawingml/2006/main" xmlns:r="http://schemas.openxmlformats.org/officeDocument/2006/relationships" xmlns:p="http://schemas.openxmlformats.org/presentationml/2006/main">
-  <p:cSld>
-    <p:spTree>
-      <p:nvGrpSpPr>
-        <p:cNvPr id="1" name=""/>
-        <p:cNvGrpSpPr/>
-        <p:nvPr/>
-      </p:nvGrpSpPr>
-      <p:grpSpPr>
-        <a:xfrm>
-          <a:off x="0" y="0"/>
-          <a:ext cx="0" cy="0"/>
-          <a:chOff x="0" y="0"/>
-          <a:chExt cx="0" cy="0"/>
-        </a:xfrm>
-      </p:grpSpPr>
-      <p:grpSp>
-        <p:nvGrpSpPr>
-          <p:cNvPr id="2" name="Группа 1"/>
-          <p:cNvGrpSpPr/>
-          <p:nvPr/>
-        </p:nvGrpSpPr>
-        <p:grpSpPr>
-          <a:xfrm>
-            <a:off x="685800" y="-184150"/>
-            <a:ext cx="7772400" cy="1846262"/>
-            <a:chOff x="685800" y="-184150"/>
-            <a:chExt cx="7772400" cy="1846262"/>
-          </a:xfrm>
-        </p:grpSpPr>
-        <p:sp>
-          <p:nvSpPr>
-            <p:cNvPr id="3" name="Заголовок 1"/>
-            <p:cNvSpPr txBox="1">
-              <a:spLocks/>
-            </p:cNvSpPr>
-            <p:nvPr/>
-          </p:nvSpPr>
-          <p:spPr bwMode="auto">
-            <a:xfrm>
-              <a:off x="685800" y="-184150"/>
-              <a:ext cx="7772400" cy="1470025"/>
-            </a:xfrm>
-            <a:prstGeom prst="rect">
-              <a:avLst/>
-            </a:prstGeom>
-            <a:noFill/>
-            <a:ln>
-              <a:noFill/>
-            </a:ln>
-            <a:extLst>
-              <a:ext uri="{909E8E84-426E-40DD-AFC4-6F175D3DCCD1}">
-                <a14:hiddenFill xmlns:a14="http://schemas.microsoft.com/office/drawing/2010/main">
-                  <a:solidFill>
-                    <a:srgbClr val="FFFFFF"/>
-                  </a:solidFill>
-                </a14:hiddenFill>
-              </a:ext>
-              <a:ext uri="{91240B29-F687-4F45-9708-019B960494DF}">
-                <a14:hiddenLine xmlns:a14="http://schemas.microsoft.com/office/drawing/2010/main" w="9525">
-                  <a:solidFill>
-                    <a:srgbClr val="000000"/>
-                  </a:solidFill>
-                  <a:miter lim="800000"/>
-                  <a:headEnd/>
-                  <a:tailEnd/>
-                </a14:hiddenLine>
-              </a:ext>
-            </a:extLst>
-          </p:spPr>
-          <p:txBody>
-            <a:bodyPr vert="horz" wrap="square" lIns="91440" tIns="45720" rIns="91440" bIns="45720" numCol="1" rtlCol="0" anchor="ctr" anchorCtr="0" compatLnSpc="1">
-              <a:prstTxWarp prst="textNoShape">
-                <a:avLst/>
-              </a:prstTxWarp>
-              <a:normAutofit/>
-            </a:bodyPr>
-            <a:lstStyle>
-              <a:lvl1pPr algn="ctr" rtl="0" eaLnBrk="0" fontAlgn="base" hangingPunct="0">
-                <a:spcBef>
-                  <a:spcPct val="0"/>
-                </a:spcBef>
-                <a:spcAft>
-                  <a:spcPct val="0"/>
-                </a:spcAft>
-                <a:defRPr sz="4400" kern="1200">
-                  <a:solidFill>
-                    <a:schemeClr val="tx1"/>
-                  </a:solidFill>
-                  <a:latin typeface="+mj-lt"/>
-                  <a:ea typeface="+mj-ea"/>
-                  <a:cs typeface="+mj-cs"/>
-                </a:defRPr>
-              </a:lvl1pPr>
-              <a:lvl2pPr algn="ctr" rtl="0" eaLnBrk="0" fontAlgn="base" hangingPunct="0">
-                <a:spcBef>
-                  <a:spcPct val="0"/>
-                </a:spcBef>
-                <a:spcAft>
-                  <a:spcPct val="0"/>
-                </a:spcAft>
-                <a:defRPr sz="4400">
-                  <a:solidFill>
-                    <a:schemeClr val="tx1"/>
-                  </a:solidFill>
-                  <a:latin typeface="Calibri" pitchFamily="34" charset="0"/>
-                </a:defRPr>
-              </a:lvl2pPr>
-              <a:lvl3pPr algn="ctr" rtl="0" eaLnBrk="0" fontAlgn="base" hangingPunct="0">
-                <a:spcBef>
-                  <a:spcPct val="0"/>
-                </a:spcBef>
-                <a:spcAft>
-                  <a:spcPct val="0"/>
-                </a:spcAft>
-                <a:defRPr sz="4400">
-                  <a:solidFill>
-                    <a:schemeClr val="tx1"/>
-                  </a:solidFill>
-                  <a:latin typeface="Calibri" pitchFamily="34" charset="0"/>
-                </a:defRPr>
-              </a:lvl3pPr>
-              <a:lvl4pPr algn="ctr" rtl="0" eaLnBrk="0" fontAlgn="base" hangingPunct="0">
-                <a:spcBef>
-                  <a:spcPct val="0"/>
-                </a:spcBef>
-                <a:spcAft>
-                  <a:spcPct val="0"/>
-                </a:spcAft>
-                <a:defRPr sz="4400">
-                  <a:solidFill>
-                    <a:schemeClr val="tx1"/>
-                  </a:solidFill>
-                  <a:latin typeface="Calibri" pitchFamily="34" charset="0"/>
-                </a:defRPr>
-              </a:lvl4pPr>
-              <a:lvl5pPr algn="ctr" rtl="0" eaLnBrk="0" fontAlgn="base" hangingPunct="0">
-                <a:spcBef>
-                  <a:spcPct val="0"/>
-                </a:spcBef>
-                <a:spcAft>
-                  <a:spcPct val="0"/>
-                </a:spcAft>
-                <a:defRPr sz="4400">
-                  <a:solidFill>
-                    <a:schemeClr val="tx1"/>
-                  </a:solidFill>
-                  <a:latin typeface="Calibri" pitchFamily="34" charset="0"/>
-                </a:defRPr>
-              </a:lvl5pPr>
-              <a:lvl6pPr marL="457200" algn="ctr" rtl="0" fontAlgn="base">
-                <a:spcBef>
-                  <a:spcPct val="0"/>
-                </a:spcBef>
-                <a:spcAft>
-                  <a:spcPct val="0"/>
-                </a:spcAft>
-                <a:defRPr sz="4400">
-                  <a:solidFill>
-                    <a:schemeClr val="tx1"/>
-                  </a:solidFill>
-                  <a:latin typeface="Calibri" pitchFamily="34" charset="0"/>
-                </a:defRPr>
-              </a:lvl6pPr>
-              <a:lvl7pPr marL="914400" algn="ctr" rtl="0" fontAlgn="base">
-                <a:spcBef>
-                  <a:spcPct val="0"/>
-                </a:spcBef>
-                <a:spcAft>
-                  <a:spcPct val="0"/>
-                </a:spcAft>
-                <a:defRPr sz="4400">
-                  <a:solidFill>
-                    <a:schemeClr val="tx1"/>
-                  </a:solidFill>
-                  <a:latin typeface="Calibri" pitchFamily="34" charset="0"/>
-                </a:defRPr>
-              </a:lvl7pPr>
-              <a:lvl8pPr marL="1371600" algn="ctr" rtl="0" fontAlgn="base">
-                <a:spcBef>
-                  <a:spcPct val="0"/>
-                </a:spcBef>
-                <a:spcAft>
-                  <a:spcPct val="0"/>
-                </a:spcAft>
-                <a:defRPr sz="4400">
-                  <a:solidFill>
-                    <a:schemeClr val="tx1"/>
-                  </a:solidFill>
-                  <a:latin typeface="Calibri" pitchFamily="34" charset="0"/>
-                </a:defRPr>
-              </a:lvl8pPr>
-              <a:lvl9pPr marL="1828800" algn="ctr" rtl="0" fontAlgn="base">
-                <a:spcBef>
-                  <a:spcPct val="0"/>
-                </a:spcBef>
-                <a:spcAft>
-                  <a:spcPct val="0"/>
-                </a:spcAft>
-                <a:defRPr sz="4400">
-                  <a:solidFill>
-                    <a:schemeClr val="tx1"/>
-                  </a:solidFill>
-                  <a:latin typeface="Calibri" pitchFamily="34" charset="0"/>
-                </a:defRPr>
-              </a:lvl9pPr>
-            </a:lstStyle>
-            <a:p>
-              <a:pPr eaLnBrk="1" fontAlgn="auto" hangingPunct="1">
-                <a:spcAft>
-                  <a:spcPts val="0"/>
-                </a:spcAft>
-                <a:defRPr/>
-              </a:pPr>
-              <a:r>
-                <a:rPr lang="ru-RU" sz="2000" dirty="0">
-                  <a:solidFill>
-                    <a:schemeClr val="bg1">
-                      <a:lumMod val="50000"/>
-                    </a:schemeClr>
-                  </a:solidFill>
-                  <a:latin typeface="Times New Roman" pitchFamily="18" charset="0"/>
-                  <a:cs typeface="Times New Roman" pitchFamily="18" charset="0"/>
-                </a:rPr>
-                <a:t>Сравнение некоторых алгоритмов поиска максимального потока</a:t>
-              </a:r>
-            </a:p>
-          </p:txBody>
-        </p:sp>
-        <p:sp>
-          <p:nvSpPr>
-            <p:cNvPr id="4" name="Подзаголовок 2"/>
-            <p:cNvSpPr txBox="1">
-              <a:spLocks/>
-            </p:cNvSpPr>
-            <p:nvPr/>
-          </p:nvSpPr>
-          <p:spPr bwMode="auto">
-            <a:xfrm>
-              <a:off x="899592" y="909637"/>
-              <a:ext cx="7344816" cy="752475"/>
-            </a:xfrm>
-            <a:prstGeom prst="rect">
-              <a:avLst/>
-            </a:prstGeom>
-            <a:noFill/>
-            <a:ln>
-              <a:noFill/>
-            </a:ln>
-            <a:extLst>
-              <a:ext uri="{909E8E84-426E-40DD-AFC4-6F175D3DCCD1}">
-                <a14:hiddenFill xmlns:a14="http://schemas.microsoft.com/office/drawing/2010/main">
-                  <a:solidFill>
-                    <a:srgbClr val="FFFFFF"/>
-                  </a:solidFill>
-                </a14:hiddenFill>
-              </a:ext>
-              <a:ext uri="{91240B29-F687-4F45-9708-019B960494DF}">
-                <a14:hiddenLine xmlns:a14="http://schemas.microsoft.com/office/drawing/2010/main" w="9525">
-                  <a:solidFill>
-                    <a:srgbClr val="000000"/>
-                  </a:solidFill>
-                  <a:miter lim="800000"/>
-                  <a:headEnd/>
-                  <a:tailEnd/>
-                </a14:hiddenLine>
-              </a:ext>
-            </a:extLst>
-          </p:spPr>
-          <p:txBody>
-            <a:bodyPr vert="horz" wrap="square" lIns="91440" tIns="45720" rIns="91440" bIns="45720" numCol="1" anchor="t" anchorCtr="0" compatLnSpc="1">
-              <a:prstTxWarp prst="textNoShape">
-                <a:avLst/>
-              </a:prstTxWarp>
-            </a:bodyPr>
-            <a:lstStyle>
-              <a:lvl1pPr marL="342900" indent="-342900" algn="l" rtl="0" eaLnBrk="0" fontAlgn="base" hangingPunct="0">
-                <a:spcBef>
-                  <a:spcPct val="20000"/>
-                </a:spcBef>
-                <a:spcAft>
-                  <a:spcPct val="0"/>
-                </a:spcAft>
-                <a:buFont typeface="Arial" panose="020B0604020202020204" pitchFamily="34" charset="0"/>
-                <a:buChar char="•"/>
-                <a:defRPr sz="3200" kern="1200">
-                  <a:solidFill>
-                    <a:schemeClr val="tx1"/>
-                  </a:solidFill>
-                  <a:latin typeface="+mn-lt"/>
-                  <a:ea typeface="+mn-ea"/>
-                  <a:cs typeface="+mn-cs"/>
-                </a:defRPr>
-              </a:lvl1pPr>
-              <a:lvl2pPr marL="742950" indent="-285750" algn="l" rtl="0" eaLnBrk="0" fontAlgn="base" hangingPunct="0">
-                <a:spcBef>
-                  <a:spcPct val="20000"/>
-                </a:spcBef>
-                <a:spcAft>
-                  <a:spcPct val="0"/>
-                </a:spcAft>
-                <a:buFont typeface="Arial" panose="020B0604020202020204" pitchFamily="34" charset="0"/>
-                <a:buChar char="–"/>
-                <a:defRPr sz="2800" kern="1200">
-                  <a:solidFill>
-                    <a:schemeClr val="tx1"/>
-                  </a:solidFill>
-                  <a:latin typeface="+mn-lt"/>
-                  <a:ea typeface="+mn-ea"/>
-                  <a:cs typeface="+mn-cs"/>
-                </a:defRPr>
-              </a:lvl2pPr>
-              <a:lvl3pPr marL="1143000" indent="-228600" algn="l" rtl="0" eaLnBrk="0" fontAlgn="base" hangingPunct="0">
-                <a:spcBef>
-                  <a:spcPct val="20000"/>
-                </a:spcBef>
-                <a:spcAft>
-                  <a:spcPct val="0"/>
-                </a:spcAft>
-                <a:buFont typeface="Arial" panose="020B0604020202020204" pitchFamily="34" charset="0"/>
-                <a:buChar char="•"/>
-                <a:defRPr sz="2400" kern="1200">
-                  <a:solidFill>
-                    <a:schemeClr val="tx1"/>
-                  </a:solidFill>
-                  <a:latin typeface="+mn-lt"/>
-                  <a:ea typeface="+mn-ea"/>
-                  <a:cs typeface="+mn-cs"/>
-                </a:defRPr>
-              </a:lvl3pPr>
-              <a:lvl4pPr marL="1600200" indent="-228600" algn="l" rtl="0" eaLnBrk="0" fontAlgn="base" hangingPunct="0">
-                <a:spcBef>
-                  <a:spcPct val="20000"/>
-                </a:spcBef>
-                <a:spcAft>
-                  <a:spcPct val="0"/>
-                </a:spcAft>
-                <a:buFont typeface="Arial" panose="020B0604020202020204" pitchFamily="34" charset="0"/>
-                <a:buChar char="–"/>
-                <a:defRPr sz="2000" kern="1200">
-                  <a:solidFill>
-                    <a:schemeClr val="tx1"/>
-                  </a:solidFill>
-                  <a:latin typeface="+mn-lt"/>
-                  <a:ea typeface="+mn-ea"/>
-                  <a:cs typeface="+mn-cs"/>
-                </a:defRPr>
-              </a:lvl4pPr>
-              <a:lvl5pPr marL="2057400" indent="-228600" algn="l" rtl="0" eaLnBrk="0" fontAlgn="base" hangingPunct="0">
-                <a:spcBef>
-                  <a:spcPct val="20000"/>
-                </a:spcBef>
-                <a:spcAft>
-                  <a:spcPct val="0"/>
-                </a:spcAft>
-                <a:buFont typeface="Arial" panose="020B0604020202020204" pitchFamily="34" charset="0"/>
-                <a:buChar char="»"/>
-                <a:defRPr sz="2000" kern="1200">
-                  <a:solidFill>
-                    <a:schemeClr val="tx1"/>
-                  </a:solidFill>
-                  <a:latin typeface="+mn-lt"/>
-                  <a:ea typeface="+mn-ea"/>
-                  <a:cs typeface="+mn-cs"/>
-                </a:defRPr>
-              </a:lvl5pPr>
-              <a:lvl6pPr marL="2514600" indent="-228600" algn="l" defTabSz="914400" rtl="0" eaLnBrk="1" latinLnBrk="0" hangingPunct="1">
-                <a:spcBef>
-                  <a:spcPct val="20000"/>
-                </a:spcBef>
-                <a:buFont typeface="Arial" pitchFamily="34" charset="0"/>
-                <a:buChar char="•"/>
-                <a:defRPr sz="2000" kern="1200">
-                  <a:solidFill>
-                    <a:schemeClr val="tx1"/>
-                  </a:solidFill>
-                  <a:latin typeface="+mn-lt"/>
-                  <a:ea typeface="+mn-ea"/>
-                  <a:cs typeface="+mn-cs"/>
-                </a:defRPr>
-              </a:lvl6pPr>
-              <a:lvl7pPr marL="2971800" indent="-228600" algn="l" defTabSz="914400" rtl="0" eaLnBrk="1" latinLnBrk="0" hangingPunct="1">
-                <a:spcBef>
-                  <a:spcPct val="20000"/>
-                </a:spcBef>
-                <a:buFont typeface="Arial" pitchFamily="34" charset="0"/>
-                <a:buChar char="•"/>
-                <a:defRPr sz="2000" kern="1200">
-                  <a:solidFill>
-                    <a:schemeClr val="tx1"/>
-                  </a:solidFill>
-                  <a:latin typeface="+mn-lt"/>
-                  <a:ea typeface="+mn-ea"/>
-                  <a:cs typeface="+mn-cs"/>
-                </a:defRPr>
-              </a:lvl7pPr>
-              <a:lvl8pPr marL="3429000" indent="-228600" algn="l" defTabSz="914400" rtl="0" eaLnBrk="1" latinLnBrk="0" hangingPunct="1">
-                <a:spcBef>
-                  <a:spcPct val="20000"/>
-                </a:spcBef>
-                <a:buFont typeface="Arial" pitchFamily="34" charset="0"/>
-                <a:buChar char="•"/>
-                <a:defRPr sz="2000" kern="1200">
-                  <a:solidFill>
-                    <a:schemeClr val="tx1"/>
-                  </a:solidFill>
-                  <a:latin typeface="+mn-lt"/>
-                  <a:ea typeface="+mn-ea"/>
-                  <a:cs typeface="+mn-cs"/>
-                </a:defRPr>
-              </a:lvl8pPr>
-              <a:lvl9pPr marL="3886200" indent="-228600" algn="l" defTabSz="914400" rtl="0" eaLnBrk="1" latinLnBrk="0" hangingPunct="1">
-                <a:spcBef>
-                  <a:spcPct val="20000"/>
-                </a:spcBef>
-                <a:buFont typeface="Arial" pitchFamily="34" charset="0"/>
-                <a:buChar char="•"/>
-                <a:defRPr sz="2000" kern="1200">
-                  <a:solidFill>
-                    <a:schemeClr val="tx1"/>
-                  </a:solidFill>
-                  <a:latin typeface="+mn-lt"/>
-                  <a:ea typeface="+mn-ea"/>
-                  <a:cs typeface="+mn-cs"/>
-                </a:defRPr>
-              </a:lvl9pPr>
-            </a:lstStyle>
-            <a:p>
-              <a:pPr marL="0" indent="0" algn="ctr" eaLnBrk="1" hangingPunct="1">
-                <a:buFont typeface="Arial" panose="020B0604020202020204" pitchFamily="34" charset="0"/>
-                <a:buNone/>
-              </a:pPr>
-              <a:r>
-                <a:rPr lang="ru-RU" altLang="ru-RU" dirty="0" smtClean="0">
-                  <a:latin typeface="Times New Roman" panose="02020603050405020304" pitchFamily="18" charset="0"/>
-                </a:rPr>
-                <a:t>Алгоритм Диница</a:t>
-              </a:r>
-            </a:p>
-          </p:txBody>
-        </p:sp>
-      </p:grpSp>
-      <mc:AlternateContent xmlns:mc="http://schemas.openxmlformats.org/markup-compatibility/2006" xmlns:a14="http://schemas.microsoft.com/office/drawing/2010/main">
-        <mc:Choice Requires="a14">
-          <p:sp>
-            <p:nvSpPr>
-              <p:cNvPr id="5" name="TextBox 4"/>
-              <p:cNvSpPr txBox="1"/>
-              <p:nvPr/>
-            </p:nvSpPr>
-            <p:spPr>
-              <a:xfrm>
-                <a:off x="539552" y="2110255"/>
-                <a:ext cx="8136904" cy="1893916"/>
-              </a:xfrm>
-              <a:prstGeom prst="rect">
-                <a:avLst/>
-              </a:prstGeom>
-              <a:noFill/>
-            </p:spPr>
-            <p:txBody>
-              <a:bodyPr wrap="square" rtlCol="0">
-                <a:spAutoFit/>
-              </a:bodyPr>
-              <a:lstStyle/>
-              <a:p>
-                <a:pPr indent="450000" algn="just">
-                  <a:spcAft>
-                    <a:spcPts val="800"/>
-                  </a:spcAft>
-                </a:pPr>
-                <a:r>
-                  <a:rPr lang="ru-RU" dirty="0" smtClean="0">
-                    <a:latin typeface="Times New Roman" panose="02020603050405020304" pitchFamily="18" charset="0"/>
-                    <a:cs typeface="Times New Roman" panose="02020603050405020304" pitchFamily="18" charset="0"/>
-                  </a:rPr>
-                  <a:t>Модификация алгоритма Форда-Фалкерсона</a:t>
-                </a:r>
-              </a:p>
-              <a:p>
-                <a:pPr indent="450000" algn="just">
-                  <a:spcAft>
-                    <a:spcPts val="800"/>
-                  </a:spcAft>
-                </a:pPr>
-                <a:r>
-                  <a:rPr lang="ru-RU" dirty="0" smtClean="0">
-                    <a:latin typeface="Times New Roman" panose="02020603050405020304" pitchFamily="18" charset="0"/>
-                    <a:cs typeface="Times New Roman" panose="02020603050405020304" pitchFamily="18" charset="0"/>
-                  </a:rPr>
-                  <a:t>Увеличивающий путь </a:t>
-                </a:r>
-                <a14:m>
-                  <m:oMath xmlns:m="http://schemas.openxmlformats.org/officeDocument/2006/math">
-                    <m:r>
-                      <a:rPr lang="en-US" i="1">
-                        <a:latin typeface="Cambria Math" panose="02040503050406030204" pitchFamily="18" charset="0"/>
-                      </a:rPr>
-                      <m:t>𝑝</m:t>
-                    </m:r>
-                  </m:oMath>
-                </a14:m>
-                <a:r>
-                  <a:rPr lang="en-US" dirty="0">
-                    <a:latin typeface="Times New Roman" panose="02020603050405020304" pitchFamily="18" charset="0"/>
-                    <a:cs typeface="Times New Roman" panose="02020603050405020304" pitchFamily="18" charset="0"/>
-                  </a:rPr>
-                  <a:t> </a:t>
-                </a:r>
-                <a:r>
-                  <a:rPr lang="ru-RU" dirty="0" smtClean="0">
-                    <a:latin typeface="Times New Roman" panose="02020603050405020304" pitchFamily="18" charset="0"/>
-                    <a:cs typeface="Times New Roman" panose="02020603050405020304" pitchFamily="18" charset="0"/>
-                  </a:rPr>
-                  <a:t>– кратчайший путь</a:t>
-                </a:r>
-                <a:r>
-                  <a:rPr lang="ru-RU" b="1" dirty="0" smtClean="0">
-                    <a:latin typeface="Times New Roman" panose="02020603050405020304" pitchFamily="18" charset="0"/>
-                    <a:cs typeface="Times New Roman" panose="02020603050405020304" pitchFamily="18" charset="0"/>
-                  </a:rPr>
-                  <a:t> </a:t>
-                </a:r>
-                <a:r>
-                  <a:rPr lang="ru-RU" dirty="0">
-                    <a:latin typeface="Times New Roman" panose="02020603050405020304" pitchFamily="18" charset="0"/>
-                    <a:cs typeface="Times New Roman" panose="02020603050405020304" pitchFamily="18" charset="0"/>
-                  </a:rPr>
-                  <a:t>из </a:t>
-                </a:r>
-                <a14:m>
-                  <m:oMath xmlns:m="http://schemas.openxmlformats.org/officeDocument/2006/math">
-                    <m:r>
-                      <a:rPr lang="en-US" i="1">
-                        <a:latin typeface="Cambria Math" panose="02040503050406030204" pitchFamily="18" charset="0"/>
-                      </a:rPr>
-                      <m:t>𝑠</m:t>
-                    </m:r>
-                  </m:oMath>
-                </a14:m>
-                <a:r>
-                  <a:rPr lang="en-US" dirty="0">
-                    <a:latin typeface="Times New Roman" panose="02020603050405020304" pitchFamily="18" charset="0"/>
-                    <a:cs typeface="Times New Roman" panose="02020603050405020304" pitchFamily="18" charset="0"/>
-                  </a:rPr>
-                  <a:t> </a:t>
-                </a:r>
-                <a:r>
-                  <a:rPr lang="ru-RU" dirty="0">
-                    <a:latin typeface="Times New Roman" panose="02020603050405020304" pitchFamily="18" charset="0"/>
-                    <a:cs typeface="Times New Roman" panose="02020603050405020304" pitchFamily="18" charset="0"/>
-                  </a:rPr>
-                  <a:t>в </a:t>
-                </a:r>
-                <a14:m>
-                  <m:oMath xmlns:m="http://schemas.openxmlformats.org/officeDocument/2006/math">
-                    <m:r>
-                      <a:rPr lang="en-US" i="1">
-                        <a:latin typeface="Cambria Math" panose="02040503050406030204" pitchFamily="18" charset="0"/>
-                      </a:rPr>
-                      <m:t>𝑡</m:t>
-                    </m:r>
-                  </m:oMath>
-                </a14:m>
-                <a:r>
-                  <a:rPr lang="en-US" dirty="0">
-                    <a:latin typeface="Times New Roman" panose="02020603050405020304" pitchFamily="18" charset="0"/>
-                    <a:cs typeface="Times New Roman" panose="02020603050405020304" pitchFamily="18" charset="0"/>
-                  </a:rPr>
-                  <a:t> </a:t>
-                </a:r>
-                <a:r>
-                  <a:rPr lang="ru-RU" dirty="0">
-                    <a:latin typeface="Times New Roman" panose="02020603050405020304" pitchFamily="18" charset="0"/>
-                    <a:cs typeface="Times New Roman" panose="02020603050405020304" pitchFamily="18" charset="0"/>
-                  </a:rPr>
-                  <a:t>в остаточной </a:t>
-                </a:r>
-                <a:r>
-                  <a:rPr lang="ru-RU" dirty="0" smtClean="0">
-                    <a:latin typeface="Times New Roman" panose="02020603050405020304" pitchFamily="18" charset="0"/>
-                    <a:cs typeface="Times New Roman" panose="02020603050405020304" pitchFamily="18" charset="0"/>
-                  </a:rPr>
-                  <a:t>сети</a:t>
-                </a:r>
-                <a:endParaRPr lang="ru-RU" dirty="0">
-                  <a:latin typeface="Times New Roman" panose="02020603050405020304" pitchFamily="18" charset="0"/>
-                  <a:cs typeface="Times New Roman" panose="02020603050405020304" pitchFamily="18" charset="0"/>
-                </a:endParaRPr>
-              </a:p>
-              <a:p>
-                <a:pPr indent="450000" algn="just">
-                  <a:spcAft>
-                    <a:spcPts val="800"/>
-                  </a:spcAft>
-                </a:pPr>
-                <a:r>
-                  <a:rPr lang="ru-RU" dirty="0" smtClean="0">
-                    <a:latin typeface="Times New Roman" panose="02020603050405020304" pitchFamily="18" charset="0"/>
-                    <a:cs typeface="Times New Roman" panose="02020603050405020304" pitchFamily="18" charset="0"/>
-                  </a:rPr>
-                  <a:t>Увеличивающий </a:t>
-                </a:r>
-                <a:r>
-                  <a:rPr lang="ru-RU" dirty="0">
-                    <a:latin typeface="Times New Roman" panose="02020603050405020304" pitchFamily="18" charset="0"/>
-                    <a:cs typeface="Times New Roman" panose="02020603050405020304" pitchFamily="18" charset="0"/>
-                  </a:rPr>
-                  <a:t>путь находится посредством поиска в </a:t>
-                </a:r>
-                <a:r>
-                  <a:rPr lang="ru-RU" dirty="0" smtClean="0">
-                    <a:latin typeface="Times New Roman" panose="02020603050405020304" pitchFamily="18" charset="0"/>
-                    <a:cs typeface="Times New Roman" panose="02020603050405020304" pitchFamily="18" charset="0"/>
-                  </a:rPr>
-                  <a:t>ширину </a:t>
-                </a:r>
-              </a:p>
-              <a:p>
-                <a:pPr indent="450000" algn="just">
-                  <a:spcAft>
-                    <a:spcPts val="800"/>
-                  </a:spcAft>
-                </a:pPr>
-                <a:r>
-                  <a:rPr lang="ru-RU" dirty="0" smtClean="0">
-                    <a:latin typeface="Times New Roman" panose="02020603050405020304" pitchFamily="18" charset="0"/>
-                    <a:cs typeface="Times New Roman" panose="02020603050405020304" pitchFamily="18" charset="0"/>
-                  </a:rPr>
-                  <a:t>Каждая итерация алгоритма Диница можно </a:t>
-                </a:r>
-                <a:r>
-                  <a:rPr lang="ru-RU" dirty="0">
-                    <a:latin typeface="Times New Roman" panose="02020603050405020304" pitchFamily="18" charset="0"/>
-                    <a:cs typeface="Times New Roman" panose="02020603050405020304" pitchFamily="18" charset="0"/>
-                  </a:rPr>
-                  <a:t>выполнить за время </a:t>
-                </a:r>
-                <a14:m>
-                  <m:oMath xmlns:m="http://schemas.openxmlformats.org/officeDocument/2006/math">
-                    <m:r>
-                      <a:rPr lang="ru-RU" i="1">
-                        <a:latin typeface="Cambria Math" panose="02040503050406030204" pitchFamily="18" charset="0"/>
-                      </a:rPr>
-                      <m:t>𝑂</m:t>
-                    </m:r>
-                    <m:d>
-                      <m:dPr>
-                        <m:ctrlPr>
-                          <a:rPr lang="ru-RU" i="1">
-                            <a:latin typeface="Cambria Math" panose="02040503050406030204" pitchFamily="18" charset="0"/>
-                          </a:rPr>
-                        </m:ctrlPr>
-                      </m:dPr>
-                      <m:e>
-                        <m:d>
-                          <m:dPr>
-                            <m:begChr m:val="|"/>
-                            <m:endChr m:val="|"/>
-                            <m:ctrlPr>
-                              <a:rPr lang="ru-RU" i="1">
-                                <a:latin typeface="Cambria Math" panose="02040503050406030204" pitchFamily="18" charset="0"/>
-                              </a:rPr>
-                            </m:ctrlPr>
-                          </m:dPr>
-                          <m:e>
-                            <m:r>
-                              <a:rPr lang="ru-RU" i="1">
-                                <a:latin typeface="Cambria Math" panose="02040503050406030204" pitchFamily="18" charset="0"/>
-                              </a:rPr>
-                              <m:t>𝐸</m:t>
-                            </m:r>
-                          </m:e>
-                        </m:d>
-                      </m:e>
-                    </m:d>
-                  </m:oMath>
-                </a14:m>
-                <a:r>
-                  <a:rPr lang="ru-RU" dirty="0" smtClean="0">
-                    <a:latin typeface="Times New Roman" panose="02020603050405020304" pitchFamily="18" charset="0"/>
-                    <a:cs typeface="Times New Roman" panose="02020603050405020304" pitchFamily="18" charset="0"/>
-                  </a:rPr>
-                  <a:t>. </a:t>
-                </a:r>
-              </a:p>
-              <a:p>
-                <a:pPr indent="450000" algn="just">
-                  <a:spcAft>
-                    <a:spcPts val="800"/>
-                  </a:spcAft>
-                </a:pPr>
-                <a:r>
-                  <a:rPr lang="ru-RU" dirty="0" smtClean="0">
-                    <a:latin typeface="Times New Roman" panose="02020603050405020304" pitchFamily="18" charset="0"/>
-                    <a:cs typeface="Times New Roman" panose="02020603050405020304" pitchFamily="18" charset="0"/>
-                  </a:rPr>
-                  <a:t>Суммарное </a:t>
-                </a:r>
-                <a:r>
-                  <a:rPr lang="ru-RU" dirty="0">
-                    <a:latin typeface="Times New Roman" panose="02020603050405020304" pitchFamily="18" charset="0"/>
-                    <a:cs typeface="Times New Roman" panose="02020603050405020304" pitchFamily="18" charset="0"/>
-                  </a:rPr>
-                  <a:t>время выполнения алгоритма Диница составляет </a:t>
-                </a:r>
-                <a14:m>
-                  <m:oMath xmlns:m="http://schemas.openxmlformats.org/officeDocument/2006/math">
-                    <m:r>
-                      <a:rPr lang="ru-RU" i="1">
-                        <a:latin typeface="Cambria Math" panose="02040503050406030204" pitchFamily="18" charset="0"/>
-                      </a:rPr>
-                      <m:t>𝑂</m:t>
-                    </m:r>
-                    <m:r>
-                      <a:rPr lang="ru-RU" i="1">
-                        <a:latin typeface="Cambria Math" panose="02040503050406030204" pitchFamily="18" charset="0"/>
-                      </a:rPr>
-                      <m:t>(</m:t>
-                    </m:r>
-                    <m:d>
-                      <m:dPr>
-                        <m:begChr m:val="|"/>
-                        <m:endChr m:val="|"/>
-                        <m:ctrlPr>
-                          <a:rPr lang="ru-RU" i="1">
-                            <a:latin typeface="Cambria Math" panose="02040503050406030204" pitchFamily="18" charset="0"/>
-                          </a:rPr>
-                        </m:ctrlPr>
-                      </m:dPr>
-                      <m:e>
-                        <m:r>
-                          <a:rPr lang="ru-RU" i="1">
-                            <a:latin typeface="Cambria Math" panose="02040503050406030204" pitchFamily="18" charset="0"/>
-                          </a:rPr>
-                          <m:t>𝑉</m:t>
-                        </m:r>
-                      </m:e>
-                    </m:d>
-                    <m:r>
-                      <a:rPr lang="ru-RU" i="1">
-                        <a:latin typeface="Cambria Math" panose="02040503050406030204" pitchFamily="18" charset="0"/>
-                      </a:rPr>
-                      <m:t>∗|</m:t>
-                    </m:r>
-                    <m:sSup>
-                      <m:sSupPr>
-                        <m:ctrlPr>
-                          <a:rPr lang="ru-RU" i="1">
-                            <a:latin typeface="Cambria Math" panose="02040503050406030204" pitchFamily="18" charset="0"/>
-                          </a:rPr>
-                        </m:ctrlPr>
-                      </m:sSupPr>
-                      <m:e>
-                        <m:r>
-                          <a:rPr lang="ru-RU" i="1">
-                            <a:latin typeface="Cambria Math" panose="02040503050406030204" pitchFamily="18" charset="0"/>
-                          </a:rPr>
-                          <m:t>𝐸</m:t>
-                        </m:r>
-                      </m:e>
-                      <m:sup>
-                        <m:r>
-                          <a:rPr lang="ru-RU" i="1">
-                            <a:latin typeface="Cambria Math" panose="02040503050406030204" pitchFamily="18" charset="0"/>
-                          </a:rPr>
-                          <m:t>2</m:t>
-                        </m:r>
-                      </m:sup>
-                    </m:sSup>
-                    <m:r>
-                      <a:rPr lang="ru-RU" i="1">
-                        <a:latin typeface="Cambria Math" panose="02040503050406030204" pitchFamily="18" charset="0"/>
-                      </a:rPr>
-                      <m:t>|)</m:t>
-                    </m:r>
-                  </m:oMath>
-                </a14:m>
-                <a:endParaRPr lang="ru-RU" dirty="0" smtClean="0">
-                  <a:latin typeface="Times New Roman" panose="02020603050405020304" pitchFamily="18" charset="0"/>
-                  <a:cs typeface="Times New Roman" panose="02020603050405020304" pitchFamily="18" charset="0"/>
-                </a:endParaRPr>
-              </a:p>
-            </p:txBody>
-          </p:sp>
-        </mc:Choice>
-        <mc:Fallback xmlns="">
-          <p:sp>
-            <p:nvSpPr>
-              <p:cNvPr id="5" name="TextBox 4"/>
-              <p:cNvSpPr txBox="1">
-                <a:spLocks noRot="1" noChangeAspect="1" noMove="1" noResize="1" noEditPoints="1" noAdjustHandles="1" noChangeArrowheads="1" noChangeShapeType="1" noTextEdit="1"/>
-              </p:cNvSpPr>
-              <p:nvPr/>
-            </p:nvSpPr>
-            <p:spPr>
-              <a:xfrm>
-                <a:off x="539552" y="2110255"/>
-                <a:ext cx="8136904" cy="1893916"/>
-              </a:xfrm>
-              <a:prstGeom prst="rect">
-                <a:avLst/>
-              </a:prstGeom>
-              <a:blipFill>
-                <a:blip r:embed="rId2"/>
-                <a:stretch>
-                  <a:fillRect t="-1608" b="-4180"/>
-                </a:stretch>
-              </a:blipFill>
-            </p:spPr>
-            <p:txBody>
-              <a:bodyPr/>
-              <a:lstStyle/>
-              <a:p>
-                <a:r>
-                  <a:rPr lang="ru-RU">
-                    <a:noFill/>
-                  </a:rPr>
-                  <a:t> </a:t>
-                </a:r>
-              </a:p>
-            </p:txBody>
-          </p:sp>
-        </mc:Fallback>
-      </mc:AlternateContent>
-    </p:spTree>
-    <p:extLst>
-      <p:ext uri="{BB962C8B-B14F-4D97-AF65-F5344CB8AC3E}">
-        <p14:creationId xmlns:p14="http://schemas.microsoft.com/office/powerpoint/2010/main" val="3428096062"/>
       </p:ext>
     </p:extLst>
   </p:cSld>

--- a/потоки.pptx
+++ b/потоки.pptx
@@ -280,7 +280,7 @@
               <a:pPr>
                 <a:defRPr/>
               </a:pPr>
-              <a:t>24.05.2018</a:t>
+              <a:t>25.05.2018</a:t>
             </a:fld>
             <a:endParaRPr lang="ru-RU"/>
           </a:p>
@@ -951,7 +951,7 @@
               <a:pPr>
                 <a:defRPr/>
               </a:pPr>
-              <a:t>24.05.2018</a:t>
+              <a:t>25.05.2018</a:t>
             </a:fld>
             <a:endParaRPr lang="ru-RU"/>
           </a:p>
@@ -1143,7 +1143,7 @@
               <a:pPr>
                 <a:defRPr/>
               </a:pPr>
-              <a:t>24.05.2018</a:t>
+              <a:t>25.05.2018</a:t>
             </a:fld>
             <a:endParaRPr lang="ru-RU"/>
           </a:p>
@@ -1345,7 +1345,7 @@
               <a:pPr>
                 <a:defRPr/>
               </a:pPr>
-              <a:t>24.05.2018</a:t>
+              <a:t>25.05.2018</a:t>
             </a:fld>
             <a:endParaRPr lang="ru-RU"/>
           </a:p>
@@ -1537,7 +1537,7 @@
               <a:pPr>
                 <a:defRPr/>
               </a:pPr>
-              <a:t>24.05.2018</a:t>
+              <a:t>25.05.2018</a:t>
             </a:fld>
             <a:endParaRPr lang="ru-RU"/>
           </a:p>
@@ -1805,7 +1805,7 @@
               <a:pPr>
                 <a:defRPr/>
               </a:pPr>
-              <a:t>24.05.2018</a:t>
+              <a:t>25.05.2018</a:t>
             </a:fld>
             <a:endParaRPr lang="ru-RU"/>
           </a:p>
@@ -2115,7 +2115,7 @@
               <a:pPr>
                 <a:defRPr/>
               </a:pPr>
-              <a:t>24.05.2018</a:t>
+              <a:t>25.05.2018</a:t>
             </a:fld>
             <a:endParaRPr lang="ru-RU"/>
           </a:p>
@@ -2559,7 +2559,7 @@
               <a:pPr>
                 <a:defRPr/>
               </a:pPr>
-              <a:t>24.05.2018</a:t>
+              <a:t>25.05.2018</a:t>
             </a:fld>
             <a:endParaRPr lang="ru-RU"/>
           </a:p>
@@ -2699,7 +2699,7 @@
               <a:pPr>
                 <a:defRPr/>
               </a:pPr>
-              <a:t>24.05.2018</a:t>
+              <a:t>25.05.2018</a:t>
             </a:fld>
             <a:endParaRPr lang="ru-RU"/>
           </a:p>
@@ -2816,7 +2816,7 @@
               <a:pPr>
                 <a:defRPr/>
               </a:pPr>
-              <a:t>24.05.2018</a:t>
+              <a:t>25.05.2018</a:t>
             </a:fld>
             <a:endParaRPr lang="ru-RU"/>
           </a:p>
@@ -3115,7 +3115,7 @@
               <a:pPr>
                 <a:defRPr/>
               </a:pPr>
-              <a:t>24.05.2018</a:t>
+              <a:t>25.05.2018</a:t>
             </a:fld>
             <a:endParaRPr lang="ru-RU"/>
           </a:p>
@@ -3393,7 +3393,7 @@
               <a:pPr>
                 <a:defRPr/>
               </a:pPr>
-              <a:t>24.05.2018</a:t>
+              <a:t>25.05.2018</a:t>
             </a:fld>
             <a:endParaRPr lang="ru-RU"/>
           </a:p>
@@ -3683,7 +3683,7 @@
               <a:pPr>
                 <a:defRPr/>
               </a:pPr>
-              <a:t>24.05.2018</a:t>
+              <a:t>25.05.2018</a:t>
             </a:fld>
             <a:endParaRPr lang="ru-RU"/>
           </a:p>
@@ -4290,7 +4290,7 @@
                 <a:latin typeface="Times New Roman" panose="02020603050405020304" pitchFamily="18" charset="0"/>
                 <a:cs typeface="Times New Roman" panose="02020603050405020304" pitchFamily="18" charset="0"/>
               </a:rPr>
-              <a:t>Выполнил:</a:t>
+              <a:t>Выполнил</a:t>
             </a:r>
           </a:p>
           <a:p>
@@ -4331,7 +4331,7 @@
         <p:spPr>
           <a:xfrm>
             <a:off x="899592" y="5445224"/>
-            <a:ext cx="2522357" cy="646331"/>
+            <a:ext cx="3101362" cy="646331"/>
           </a:xfrm>
           <a:prstGeom prst="rect">
             <a:avLst/>
@@ -4349,52 +4349,16 @@
                 <a:latin typeface="Times New Roman" panose="02020603050405020304" pitchFamily="18" charset="0"/>
                 <a:cs typeface="Times New Roman" panose="02020603050405020304" pitchFamily="18" charset="0"/>
               </a:rPr>
-              <a:t>Научный руководитель:</a:t>
+              <a:t>Научный руководитель</a:t>
             </a:r>
           </a:p>
           <a:p>
             <a:r>
-              <a:rPr lang="ru-RU" dirty="0" smtClean="0">
+              <a:rPr lang="ru-RU" dirty="0">
                 <a:latin typeface="Times New Roman" panose="02020603050405020304" pitchFamily="18" charset="0"/>
                 <a:cs typeface="Times New Roman" panose="02020603050405020304" pitchFamily="18" charset="0"/>
               </a:rPr>
-              <a:t>ассистент</a:t>
-            </a:r>
-            <a:endParaRPr lang="ru-RU" dirty="0">
-              <a:latin typeface="Times New Roman" panose="02020603050405020304" pitchFamily="18" charset="0"/>
-              <a:cs typeface="Times New Roman" panose="02020603050405020304" pitchFamily="18" charset="0"/>
-            </a:endParaRPr>
-          </a:p>
-        </p:txBody>
-      </p:sp>
-      <p:sp>
-        <p:nvSpPr>
-          <p:cNvPr id="6" name="TextBox 5"/>
-          <p:cNvSpPr txBox="1"/>
-          <p:nvPr/>
-        </p:nvSpPr>
-        <p:spPr>
-          <a:xfrm>
-            <a:off x="5940152" y="5722223"/>
-            <a:ext cx="2023503" cy="369332"/>
-          </a:xfrm>
-          <a:prstGeom prst="rect">
-            <a:avLst/>
-          </a:prstGeom>
-          <a:noFill/>
-        </p:spPr>
-        <p:txBody>
-          <a:bodyPr wrap="none" rtlCol="0">
-            <a:spAutoFit/>
-          </a:bodyPr>
-          <a:lstStyle/>
-          <a:p>
-            <a:r>
-              <a:rPr lang="ru-RU" dirty="0" smtClean="0">
-                <a:latin typeface="Times New Roman" panose="02020603050405020304" pitchFamily="18" charset="0"/>
-                <a:cs typeface="Times New Roman" panose="02020603050405020304" pitchFamily="18" charset="0"/>
-              </a:rPr>
-              <a:t>Е.Н. </a:t>
+              <a:t>Ассистент Е.Н. </a:t>
             </a:r>
             <a:r>
               <a:rPr lang="ru-RU" dirty="0" err="1" smtClean="0">
@@ -4873,8 +4837,8 @@
           </p:txBody>
         </p:sp>
       </p:grpSp>
-      <mc:AlternateContent xmlns:mc="http://schemas.openxmlformats.org/markup-compatibility/2006">
-        <mc:Choice xmlns:a14="http://schemas.microsoft.com/office/drawing/2010/main" Requires="a14">
+      <mc:AlternateContent xmlns:mc="http://schemas.openxmlformats.org/markup-compatibility/2006" xmlns:a14="http://schemas.microsoft.com/office/drawing/2010/main">
+        <mc:Choice Requires="a14">
           <p:sp>
             <p:nvSpPr>
               <p:cNvPr id="5" name="TextBox 4"/>
@@ -5046,19 +5010,8 @@
                     <a:latin typeface="Times New Roman" panose="02020603050405020304" pitchFamily="18" charset="0"/>
                     <a:cs typeface="Times New Roman" panose="02020603050405020304" pitchFamily="18" charset="0"/>
                   </a:rPr>
-                  <a:t>ширину </a:t>
+                  <a:t>ширину  </a:t>
                 </a:r>
-                <a:r>
-                  <a:rPr lang="ru-RU" dirty="0" smtClean="0">
-                    <a:latin typeface="Times New Roman" panose="02020603050405020304" pitchFamily="18" charset="0"/>
-                    <a:cs typeface="Times New Roman" panose="02020603050405020304" pitchFamily="18" charset="0"/>
-                  </a:rPr>
-                  <a:t> </a:t>
-                </a:r>
-                <a:endParaRPr lang="ru-RU" dirty="0" smtClean="0">
-                  <a:latin typeface="Times New Roman" panose="02020603050405020304" pitchFamily="18" charset="0"/>
-                  <a:cs typeface="Times New Roman" panose="02020603050405020304" pitchFamily="18" charset="0"/>
-                </a:endParaRPr>
               </a:p>
               <a:p>
                 <a:pPr indent="450000" algn="just">
@@ -5160,7 +5113,7 @@
             </p:txBody>
           </p:sp>
         </mc:Choice>
-        <mc:Fallback>
+        <mc:Fallback xmlns="">
           <p:sp>
             <p:nvSpPr>
               <p:cNvPr id="5" name="TextBox 4"/>
@@ -5662,8 +5615,8 @@
           </p:txBody>
         </p:sp>
       </p:grpSp>
-      <mc:AlternateContent xmlns:mc="http://schemas.openxmlformats.org/markup-compatibility/2006">
-        <mc:Choice xmlns:a14="http://schemas.microsoft.com/office/drawing/2010/main" Requires="a14">
+      <mc:AlternateContent xmlns:mc="http://schemas.openxmlformats.org/markup-compatibility/2006" xmlns:a14="http://schemas.microsoft.com/office/drawing/2010/main">
+        <mc:Choice Requires="a14">
           <p:sp>
             <p:nvSpPr>
               <p:cNvPr id="5" name="TextBox 4"/>
@@ -6130,7 +6083,7 @@
             </p:txBody>
           </p:sp>
         </mc:Choice>
-        <mc:Fallback>
+        <mc:Fallback xmlns="">
           <p:sp>
             <p:nvSpPr>
               <p:cNvPr id="5" name="TextBox 4"/>
@@ -7132,8 +7085,8 @@
           </p:txBody>
         </p:sp>
       </p:grpSp>
-      <mc:AlternateContent xmlns:mc="http://schemas.openxmlformats.org/markup-compatibility/2006">
-        <mc:Choice xmlns:a14="http://schemas.microsoft.com/office/drawing/2010/main" Requires="a14">
+      <mc:AlternateContent xmlns:mc="http://schemas.openxmlformats.org/markup-compatibility/2006" xmlns:a14="http://schemas.microsoft.com/office/drawing/2010/main">
+        <mc:Choice Requires="a14">
           <p:sp>
             <p:nvSpPr>
               <p:cNvPr id="5" name="TextBox 4"/>
@@ -7470,7 +7423,7 @@
             </p:txBody>
           </p:sp>
         </mc:Choice>
-        <mc:Fallback>
+        <mc:Fallback xmlns="">
           <p:sp>
             <p:nvSpPr>
               <p:cNvPr id="5" name="TextBox 4"/>
@@ -9813,8 +9766,8 @@
           </p:txBody>
         </p:sp>
       </p:grpSp>
-      <mc:AlternateContent xmlns:mc="http://schemas.openxmlformats.org/markup-compatibility/2006">
-        <mc:Choice xmlns:a14="http://schemas.microsoft.com/office/drawing/2010/main" Requires="a14">
+      <mc:AlternateContent xmlns:mc="http://schemas.openxmlformats.org/markup-compatibility/2006" xmlns:a14="http://schemas.microsoft.com/office/drawing/2010/main">
+        <mc:Choice Requires="a14">
           <p:sp>
             <p:nvSpPr>
               <p:cNvPr id="5" name="TextBox 4"/>
@@ -10198,7 +10151,7 @@
             </p:txBody>
           </p:sp>
         </mc:Choice>
-        <mc:Fallback>
+        <mc:Fallback xmlns="">
           <p:sp>
             <p:nvSpPr>
               <p:cNvPr id="5" name="TextBox 4"/>
@@ -10730,8 +10683,8 @@
           </p:txBody>
         </p:sp>
       </p:grpSp>
-      <mc:AlternateContent xmlns:mc="http://schemas.openxmlformats.org/markup-compatibility/2006">
-        <mc:Choice xmlns:a14="http://schemas.microsoft.com/office/drawing/2010/main" Requires="a14">
+      <mc:AlternateContent xmlns:mc="http://schemas.openxmlformats.org/markup-compatibility/2006" xmlns:a14="http://schemas.microsoft.com/office/drawing/2010/main">
+        <mc:Choice Requires="a14">
           <p:sp>
             <p:nvSpPr>
               <p:cNvPr id="5" name="TextBox 4"/>
@@ -10845,10 +10798,6 @@
                   </a:rPr>
                   <a:t>2</a:t>
                 </a:r>
-                <a:endParaRPr lang="ru-RU" dirty="0">
-                  <a:latin typeface="Times New Roman" panose="02020603050405020304" pitchFamily="18" charset="0"/>
-                  <a:cs typeface="Times New Roman" panose="02020603050405020304" pitchFamily="18" charset="0"/>
-                </a:endParaRPr>
               </a:p>
               <a:p>
                 <a:pPr algn="just">
@@ -11732,7 +11681,7 @@
             </p:txBody>
           </p:sp>
         </mc:Choice>
-        <mc:Fallback>
+        <mc:Fallback xmlns="">
           <p:sp>
             <p:nvSpPr>
               <p:cNvPr id="5" name="TextBox 4"/>
@@ -12776,9 +12725,6 @@
                 </a:rPr>
                 <a:t>Интерфейс</a:t>
               </a:r>
-              <a:endParaRPr lang="ru-RU" altLang="ru-RU" dirty="0" smtClean="0">
-                <a:latin typeface="Times New Roman" panose="02020603050405020304" pitchFamily="18" charset="0"/>
-              </a:endParaRPr>
             </a:p>
           </p:txBody>
         </p:sp>
@@ -13787,8 +13733,8 @@
           </p:txBody>
         </p:sp>
       </p:grpSp>
-      <mc:AlternateContent xmlns:mc="http://schemas.openxmlformats.org/markup-compatibility/2006">
-        <mc:Choice xmlns:a14="http://schemas.microsoft.com/office/drawing/2010/main" Requires="a14">
+      <mc:AlternateContent xmlns:mc="http://schemas.openxmlformats.org/markup-compatibility/2006" xmlns:a14="http://schemas.microsoft.com/office/drawing/2010/main">
+        <mc:Choice Requires="a14">
           <p:sp>
             <p:nvSpPr>
               <p:cNvPr id="2" name="TextBox 1"/>
@@ -14119,15 +14065,11 @@
                   </a:rPr>
                   <a:t>.</a:t>
                 </a:r>
-                <a:endParaRPr lang="ru-RU" dirty="0" smtClean="0">
-                  <a:latin typeface="Times New Roman" panose="02020603050405020304" pitchFamily="18" charset="0"/>
-                  <a:cs typeface="Times New Roman" panose="02020603050405020304" pitchFamily="18" charset="0"/>
-                </a:endParaRPr>
               </a:p>
             </p:txBody>
           </p:sp>
         </mc:Choice>
-        <mc:Fallback>
+        <mc:Fallback xmlns="">
           <p:sp>
             <p:nvSpPr>
               <p:cNvPr id="2" name="TextBox 1"/>
@@ -16754,7 +16696,7 @@
       </p:sp>
       <p:pic>
         <p:nvPicPr>
-          <p:cNvPr id="7" name="Рисунок 6"/>
+          <p:cNvPr id="6" name="Рисунок 5"/>
           <p:cNvPicPr>
             <a:picLocks noChangeAspect="1"/>
           </p:cNvPicPr>
@@ -16768,8 +16710,8 @@
         </p:blipFill>
         <p:spPr>
           <a:xfrm>
-            <a:off x="1579054" y="1613545"/>
-            <a:ext cx="6057900" cy="5210175"/>
+            <a:off x="179512" y="1484784"/>
+            <a:ext cx="8820472" cy="5152730"/>
           </a:xfrm>
           <a:prstGeom prst="rect">
             <a:avLst/>
@@ -18315,14 +18257,7 @@
                 <a:latin typeface="Times New Roman" panose="02020603050405020304" pitchFamily="18" charset="0"/>
                 <a:cs typeface="Times New Roman" panose="02020603050405020304" pitchFamily="18" charset="0"/>
               </a:rPr>
-              <a:t>Ф. Теория </a:t>
-            </a:r>
-            <a:r>
-              <a:rPr lang="ru-RU" dirty="0">
-                <a:latin typeface="Times New Roman" panose="02020603050405020304" pitchFamily="18" charset="0"/>
-                <a:cs typeface="Times New Roman" panose="02020603050405020304" pitchFamily="18" charset="0"/>
-              </a:rPr>
-              <a:t>графов / </a:t>
+              <a:t>Ф. Теория графов / </a:t>
             </a:r>
             <a:r>
               <a:rPr lang="ru-RU" dirty="0" smtClean="0">
@@ -18515,14 +18450,7 @@
                 <a:latin typeface="Times New Roman" panose="02020603050405020304" pitchFamily="18" charset="0"/>
                 <a:cs typeface="Times New Roman" panose="02020603050405020304" pitchFamily="18" charset="0"/>
               </a:rPr>
-              <a:t>. Яз</a:t>
-            </a:r>
-            <a:r>
-              <a:rPr lang="ru-RU" dirty="0" smtClean="0">
-                <a:latin typeface="Times New Roman" panose="02020603050405020304" pitchFamily="18" charset="0"/>
-                <a:cs typeface="Times New Roman" panose="02020603050405020304" pitchFamily="18" charset="0"/>
-              </a:rPr>
-              <a:t>. Англ.</a:t>
+              <a:t>. Яз. Англ.</a:t>
             </a:r>
             <a:endParaRPr lang="ru-RU" dirty="0">
               <a:latin typeface="Times New Roman" panose="02020603050405020304" pitchFamily="18" charset="0"/>
@@ -18577,7 +18505,7 @@
         <p:spPr>
           <a:xfrm>
             <a:off x="1907704" y="2852936"/>
-            <a:ext cx="5525872" cy="707886"/>
+            <a:ext cx="4972836" cy="707886"/>
           </a:xfrm>
           <a:prstGeom prst="rect">
             <a:avLst/>
@@ -18591,10 +18519,23 @@
           <a:lstStyle/>
           <a:p>
             <a:r>
-              <a:rPr lang="ru-RU" sz="4000" dirty="0" smtClean="0"/>
-              <a:t>Спасибо за внимание!</a:t>
+              <a:rPr lang="ru-RU" sz="4000" dirty="0" smtClean="0">
+                <a:latin typeface="Times New Roman" panose="02020603050405020304" pitchFamily="18" charset="0"/>
+                <a:cs typeface="Times New Roman" panose="02020603050405020304" pitchFamily="18" charset="0"/>
+              </a:rPr>
+              <a:t>Спасибо за внимание</a:t>
             </a:r>
-            <a:endParaRPr lang="ru-RU" sz="4000" dirty="0"/>
+            <a:r>
+              <a:rPr lang="ru-RU" sz="4000" dirty="0" smtClean="0">
+                <a:latin typeface="Times New Roman" panose="02020603050405020304" pitchFamily="18" charset="0"/>
+                <a:cs typeface="Times New Roman" panose="02020603050405020304" pitchFamily="18" charset="0"/>
+              </a:rPr>
+              <a:t>!</a:t>
+            </a:r>
+            <a:endParaRPr lang="ru-RU" sz="4000" dirty="0">
+              <a:latin typeface="Times New Roman" panose="02020603050405020304" pitchFamily="18" charset="0"/>
+              <a:cs typeface="Times New Roman" panose="02020603050405020304" pitchFamily="18" charset="0"/>
+            </a:endParaRPr>
           </a:p>
         </p:txBody>
       </p:sp>
@@ -18608,6 +18549,13 @@
   <p:clrMapOvr>
     <a:masterClrMapping/>
   </p:clrMapOvr>
+  <p:timing>
+    <p:tnLst>
+      <p:par>
+        <p:cTn id="1" dur="indefinite" restart="never" nodeType="tmRoot"/>
+      </p:par>
+    </p:tnLst>
+  </p:timing>
 </p:sld>
 </file>
 
@@ -19054,8 +19002,8 @@
           </p:txBody>
         </p:sp>
       </p:grpSp>
-      <mc:AlternateContent xmlns:mc="http://schemas.openxmlformats.org/markup-compatibility/2006">
-        <mc:Choice xmlns:a14="http://schemas.microsoft.com/office/drawing/2010/main" Requires="a14">
+      <mc:AlternateContent xmlns:mc="http://schemas.openxmlformats.org/markup-compatibility/2006" xmlns:a14="http://schemas.microsoft.com/office/drawing/2010/main">
+        <mc:Choice Requires="a14">
           <p:sp>
             <p:nvSpPr>
               <p:cNvPr id="2" name="TextBox 1"/>
@@ -19188,7 +19136,7 @@
             </p:txBody>
           </p:sp>
         </mc:Choice>
-        <mc:Fallback>
+        <mc:Fallback xmlns="">
           <p:sp>
             <p:nvSpPr>
               <p:cNvPr id="2" name="TextBox 1"/>
@@ -19720,8 +19668,8 @@
           </p:txBody>
         </p:sp>
       </p:grpSp>
-      <mc:AlternateContent xmlns:mc="http://schemas.openxmlformats.org/markup-compatibility/2006">
-        <mc:Choice xmlns:a14="http://schemas.microsoft.com/office/drawing/2010/main" Requires="a14">
+      <mc:AlternateContent xmlns:mc="http://schemas.openxmlformats.org/markup-compatibility/2006" xmlns:a14="http://schemas.microsoft.com/office/drawing/2010/main">
+        <mc:Choice Requires="a14">
           <p:sp>
             <p:nvSpPr>
               <p:cNvPr id="5" name="TextBox 4"/>
@@ -20119,7 +20067,7 @@
             </p:txBody>
           </p:sp>
         </mc:Choice>
-        <mc:Fallback>
+        <mc:Fallback xmlns="">
           <p:sp>
             <p:nvSpPr>
               <p:cNvPr id="5" name="TextBox 4"/>
@@ -20651,8 +20599,8 @@
           </p:txBody>
         </p:sp>
       </p:grpSp>
-      <mc:AlternateContent xmlns:mc="http://schemas.openxmlformats.org/markup-compatibility/2006" xmlns:a14="http://schemas.microsoft.com/office/drawing/2010/main">
-        <mc:Choice Requires="a14">
+      <mc:AlternateContent xmlns:mc="http://schemas.openxmlformats.org/markup-compatibility/2006">
+        <mc:Choice xmlns:a14="http://schemas.microsoft.com/office/drawing/2010/main" Requires="a14">
           <p:sp>
             <p:nvSpPr>
               <p:cNvPr id="5" name="TextBox 4"/>
@@ -20974,7 +20922,7 @@
                       </m:dPr>
                       <m:e>
                         <m:r>
-                          <a:rPr lang="en-US" i="1">
+                          <a:rPr lang="en-US" i="1" smtClean="0">
                             <a:latin typeface="Cambria Math" panose="02040503050406030204" pitchFamily="18" charset="0"/>
                           </a:rPr>
                           <m:t>𝑢</m:t>
@@ -21015,10 +20963,10 @@
                       </m:dPr>
                       <m:e>
                         <m:r>
-                          <a:rPr lang="en-US" i="1">
+                          <a:rPr lang="en-US" b="0" i="1" smtClean="0">
                             <a:latin typeface="Cambria Math" panose="02040503050406030204" pitchFamily="18" charset="0"/>
                           </a:rPr>
-                          <m:t>𝑢</m:t>
+                          <m:t>𝑣</m:t>
                         </m:r>
                         <m:r>
                           <a:rPr lang="ru-RU" i="1">
@@ -21027,10 +20975,10 @@
                           <m:t>,</m:t>
                         </m:r>
                         <m:r>
-                          <a:rPr lang="en-US" i="1">
+                          <a:rPr lang="en-US" b="0" i="1" smtClean="0">
                             <a:latin typeface="Cambria Math" panose="02040503050406030204" pitchFamily="18" charset="0"/>
                           </a:rPr>
-                          <m:t>𝑣</m:t>
+                          <m:t>𝑢</m:t>
                         </m:r>
                       </m:e>
                     </m:d>
@@ -21282,7 +21230,7 @@
             </p:txBody>
           </p:sp>
         </mc:Choice>
-        <mc:Fallback xmlns="">
+        <mc:Fallback>
           <p:sp>
             <p:nvSpPr>
               <p:cNvPr id="5" name="TextBox 4"/>
@@ -22544,8 +22492,8 @@
           </p:txBody>
         </p:sp>
       </p:grpSp>
-      <mc:AlternateContent xmlns:mc="http://schemas.openxmlformats.org/markup-compatibility/2006">
-        <mc:Choice xmlns:a14="http://schemas.microsoft.com/office/drawing/2010/main" Requires="a14">
+      <mc:AlternateContent xmlns:mc="http://schemas.openxmlformats.org/markup-compatibility/2006" xmlns:a14="http://schemas.microsoft.com/office/drawing/2010/main">
+        <mc:Choice Requires="a14">
           <p:sp>
             <p:nvSpPr>
               <p:cNvPr id="5" name="TextBox 4"/>
@@ -22687,7 +22635,21 @@
                     <a:latin typeface="Times New Roman" panose="02020603050405020304" pitchFamily="18" charset="0"/>
                     <a:cs typeface="Times New Roman" panose="02020603050405020304" pitchFamily="18" charset="0"/>
                   </a:rPr>
-                  <a:t>, и задается формулой:</a:t>
+                  <a:t>, </a:t>
+                </a:r>
+                <a:r>
+                  <a:rPr lang="ru-RU" dirty="0" smtClean="0">
+                    <a:latin typeface="Times New Roman" panose="02020603050405020304" pitchFamily="18" charset="0"/>
+                    <a:cs typeface="Times New Roman" panose="02020603050405020304" pitchFamily="18" charset="0"/>
+                  </a:rPr>
+                  <a:t>задается </a:t>
+                </a:r>
+                <a:r>
+                  <a:rPr lang="ru-RU" dirty="0">
+                    <a:latin typeface="Times New Roman" panose="02020603050405020304" pitchFamily="18" charset="0"/>
+                    <a:cs typeface="Times New Roman" panose="02020603050405020304" pitchFamily="18" charset="0"/>
+                  </a:rPr>
+                  <a:t>формулой:</a:t>
                 </a:r>
               </a:p>
               <a:p>
@@ -22964,7 +22926,7 @@
             </p:txBody>
           </p:sp>
         </mc:Choice>
-        <mc:Fallback>
+        <mc:Fallback xmlns="">
           <p:sp>
             <p:nvSpPr>
               <p:cNvPr id="5" name="TextBox 4"/>
